--- a/article/text_similarity_support.pptx
+++ b/article/text_similarity_support.pptx
@@ -7,6 +7,8 @@
   <p:sldIdLst>
     <p:sldId id="256" r:id="rId2"/>
     <p:sldId id="257" r:id="rId3"/>
+    <p:sldId id="258" r:id="rId4"/>
+    <p:sldId id="259" r:id="rId5"/>
   </p:sldIdLst>
   <p:sldSz cx="12192000" cy="6858000"/>
   <p:notesSz cx="6858000" cy="9144000"/>
@@ -3035,7 +3037,7 @@
           <a:p>
             <a:fld id="{620FD16B-961D-4EA4-9FCA-1A281C5B629E}" type="datetimeFigureOut">
               <a:rPr lang="fr-FR" smtClean="0"/>
-              <a:t>26/05/2020</a:t>
+              <a:t>30/05/2020</a:t>
             </a:fld>
             <a:endParaRPr lang="fr-FR"/>
           </a:p>
@@ -3233,7 +3235,7 @@
           <a:p>
             <a:fld id="{620FD16B-961D-4EA4-9FCA-1A281C5B629E}" type="datetimeFigureOut">
               <a:rPr lang="fr-FR" smtClean="0"/>
-              <a:t>26/05/2020</a:t>
+              <a:t>30/05/2020</a:t>
             </a:fld>
             <a:endParaRPr lang="fr-FR"/>
           </a:p>
@@ -3441,7 +3443,7 @@
           <a:p>
             <a:fld id="{620FD16B-961D-4EA4-9FCA-1A281C5B629E}" type="datetimeFigureOut">
               <a:rPr lang="fr-FR" smtClean="0"/>
-              <a:t>26/05/2020</a:t>
+              <a:t>30/05/2020</a:t>
             </a:fld>
             <a:endParaRPr lang="fr-FR"/>
           </a:p>
@@ -3639,7 +3641,7 @@
           <a:p>
             <a:fld id="{620FD16B-961D-4EA4-9FCA-1A281C5B629E}" type="datetimeFigureOut">
               <a:rPr lang="fr-FR" smtClean="0"/>
-              <a:t>26/05/2020</a:t>
+              <a:t>30/05/2020</a:t>
             </a:fld>
             <a:endParaRPr lang="fr-FR"/>
           </a:p>
@@ -3914,7 +3916,7 @@
           <a:p>
             <a:fld id="{620FD16B-961D-4EA4-9FCA-1A281C5B629E}" type="datetimeFigureOut">
               <a:rPr lang="fr-FR" smtClean="0"/>
-              <a:t>26/05/2020</a:t>
+              <a:t>30/05/2020</a:t>
             </a:fld>
             <a:endParaRPr lang="fr-FR"/>
           </a:p>
@@ -4179,7 +4181,7 @@
           <a:p>
             <a:fld id="{620FD16B-961D-4EA4-9FCA-1A281C5B629E}" type="datetimeFigureOut">
               <a:rPr lang="fr-FR" smtClean="0"/>
-              <a:t>26/05/2020</a:t>
+              <a:t>30/05/2020</a:t>
             </a:fld>
             <a:endParaRPr lang="fr-FR"/>
           </a:p>
@@ -4591,7 +4593,7 @@
           <a:p>
             <a:fld id="{620FD16B-961D-4EA4-9FCA-1A281C5B629E}" type="datetimeFigureOut">
               <a:rPr lang="fr-FR" smtClean="0"/>
-              <a:t>26/05/2020</a:t>
+              <a:t>30/05/2020</a:t>
             </a:fld>
             <a:endParaRPr lang="fr-FR"/>
           </a:p>
@@ -4732,7 +4734,7 @@
           <a:p>
             <a:fld id="{620FD16B-961D-4EA4-9FCA-1A281C5B629E}" type="datetimeFigureOut">
               <a:rPr lang="fr-FR" smtClean="0"/>
-              <a:t>26/05/2020</a:t>
+              <a:t>30/05/2020</a:t>
             </a:fld>
             <a:endParaRPr lang="fr-FR"/>
           </a:p>
@@ -4845,7 +4847,7 @@
           <a:p>
             <a:fld id="{620FD16B-961D-4EA4-9FCA-1A281C5B629E}" type="datetimeFigureOut">
               <a:rPr lang="fr-FR" smtClean="0"/>
-              <a:t>26/05/2020</a:t>
+              <a:t>30/05/2020</a:t>
             </a:fld>
             <a:endParaRPr lang="fr-FR"/>
           </a:p>
@@ -5156,7 +5158,7 @@
           <a:p>
             <a:fld id="{620FD16B-961D-4EA4-9FCA-1A281C5B629E}" type="datetimeFigureOut">
               <a:rPr lang="fr-FR" smtClean="0"/>
-              <a:t>26/05/2020</a:t>
+              <a:t>30/05/2020</a:t>
             </a:fld>
             <a:endParaRPr lang="fr-FR"/>
           </a:p>
@@ -5444,7 +5446,7 @@
           <a:p>
             <a:fld id="{620FD16B-961D-4EA4-9FCA-1A281C5B629E}" type="datetimeFigureOut">
               <a:rPr lang="fr-FR" smtClean="0"/>
-              <a:t>26/05/2020</a:t>
+              <a:t>30/05/2020</a:t>
             </a:fld>
             <a:endParaRPr lang="fr-FR"/>
           </a:p>
@@ -5685,7 +5687,7 @@
           <a:p>
             <a:fld id="{620FD16B-961D-4EA4-9FCA-1A281C5B629E}" type="datetimeFigureOut">
               <a:rPr lang="fr-FR" smtClean="0"/>
-              <a:t>26/05/2020</a:t>
+              <a:t>30/05/2020</a:t>
             </a:fld>
             <a:endParaRPr lang="fr-FR"/>
           </a:p>
@@ -7153,6 +7155,1036 @@
 </p:sld>
 </file>
 
+<file path=ppt/slides/slide3.xml><?xml version="1.0" encoding="utf-8"?>
+<p:sld xmlns:a="http://schemas.openxmlformats.org/drawingml/2006/main" xmlns:r="http://schemas.openxmlformats.org/officeDocument/2006/relationships" xmlns:p="http://schemas.openxmlformats.org/presentationml/2006/main">
+  <p:cSld>
+    <p:spTree>
+      <p:nvGrpSpPr>
+        <p:cNvPr id="1" name=""/>
+        <p:cNvGrpSpPr/>
+        <p:nvPr/>
+      </p:nvGrpSpPr>
+      <p:grpSpPr>
+        <a:xfrm>
+          <a:off x="0" y="0"/>
+          <a:ext cx="0" cy="0"/>
+          <a:chOff x="0" y="0"/>
+          <a:chExt cx="0" cy="0"/>
+        </a:xfrm>
+      </p:grpSpPr>
+      <p:sp>
+        <p:nvSpPr>
+          <p:cNvPr id="4" name="Rectangle 3">
+            <a:extLst>
+              <a:ext uri="{FF2B5EF4-FFF2-40B4-BE49-F238E27FC236}">
+                <a16:creationId xmlns:a16="http://schemas.microsoft.com/office/drawing/2014/main" id="{EBE8B55D-B2DE-4EB6-B98C-A99BD8E8BB7C}"/>
+              </a:ext>
+            </a:extLst>
+          </p:cNvPr>
+          <p:cNvSpPr/>
+          <p:nvPr/>
+        </p:nvSpPr>
+        <p:spPr>
+          <a:xfrm>
+            <a:off x="2625754" y="864066"/>
+            <a:ext cx="671119" cy="3791824"/>
+          </a:xfrm>
+          <a:prstGeom prst="rect">
+            <a:avLst/>
+          </a:prstGeom>
+        </p:spPr>
+        <p:style>
+          <a:lnRef idx="2">
+            <a:schemeClr val="accent1"/>
+          </a:lnRef>
+          <a:fillRef idx="1">
+            <a:schemeClr val="lt1"/>
+          </a:fillRef>
+          <a:effectRef idx="0">
+            <a:schemeClr val="accent1"/>
+          </a:effectRef>
+          <a:fontRef idx="minor">
+            <a:schemeClr val="dk1"/>
+          </a:fontRef>
+        </p:style>
+        <p:txBody>
+          <a:bodyPr rtlCol="0" anchor="ctr"/>
+          <a:lstStyle/>
+          <a:p>
+            <a:pPr algn="ctr"/>
+            <a:endParaRPr lang="fr-FR"/>
+          </a:p>
+        </p:txBody>
+      </p:sp>
+      <p:sp>
+        <p:nvSpPr>
+          <p:cNvPr id="5" name="Rectangle 4">
+            <a:extLst>
+              <a:ext uri="{FF2B5EF4-FFF2-40B4-BE49-F238E27FC236}">
+                <a16:creationId xmlns:a16="http://schemas.microsoft.com/office/drawing/2014/main" id="{F6073806-0546-4EE1-A4D9-72824B3A9719}"/>
+              </a:ext>
+            </a:extLst>
+          </p:cNvPr>
+          <p:cNvSpPr/>
+          <p:nvPr/>
+        </p:nvSpPr>
+        <p:spPr>
+          <a:xfrm>
+            <a:off x="3961001" y="1157680"/>
+            <a:ext cx="671119" cy="3204595"/>
+          </a:xfrm>
+          <a:prstGeom prst="rect">
+            <a:avLst/>
+          </a:prstGeom>
+        </p:spPr>
+        <p:style>
+          <a:lnRef idx="2">
+            <a:schemeClr val="accent1"/>
+          </a:lnRef>
+          <a:fillRef idx="1">
+            <a:schemeClr val="lt1"/>
+          </a:fillRef>
+          <a:effectRef idx="0">
+            <a:schemeClr val="accent1"/>
+          </a:effectRef>
+          <a:fontRef idx="minor">
+            <a:schemeClr val="dk1"/>
+          </a:fontRef>
+        </p:style>
+        <p:txBody>
+          <a:bodyPr rtlCol="0" anchor="ctr"/>
+          <a:lstStyle/>
+          <a:p>
+            <a:pPr algn="ctr"/>
+            <a:endParaRPr lang="fr-FR"/>
+          </a:p>
+        </p:txBody>
+      </p:sp>
+      <p:sp>
+        <p:nvSpPr>
+          <p:cNvPr id="6" name="Rectangle 5">
+            <a:extLst>
+              <a:ext uri="{FF2B5EF4-FFF2-40B4-BE49-F238E27FC236}">
+                <a16:creationId xmlns:a16="http://schemas.microsoft.com/office/drawing/2014/main" id="{C57EE3E9-F520-487E-811E-223908134A71}"/>
+              </a:ext>
+            </a:extLst>
+          </p:cNvPr>
+          <p:cNvSpPr/>
+          <p:nvPr/>
+        </p:nvSpPr>
+        <p:spPr>
+          <a:xfrm>
+            <a:off x="5296248" y="1601597"/>
+            <a:ext cx="671119" cy="2316759"/>
+          </a:xfrm>
+          <a:prstGeom prst="rect">
+            <a:avLst/>
+          </a:prstGeom>
+        </p:spPr>
+        <p:style>
+          <a:lnRef idx="2">
+            <a:schemeClr val="accent6"/>
+          </a:lnRef>
+          <a:fillRef idx="1">
+            <a:schemeClr val="lt1"/>
+          </a:fillRef>
+          <a:effectRef idx="0">
+            <a:schemeClr val="accent6"/>
+          </a:effectRef>
+          <a:fontRef idx="minor">
+            <a:schemeClr val="dk1"/>
+          </a:fontRef>
+        </p:style>
+        <p:txBody>
+          <a:bodyPr rtlCol="0" anchor="ctr"/>
+          <a:lstStyle/>
+          <a:p>
+            <a:pPr algn="ctr"/>
+            <a:endParaRPr lang="fr-FR"/>
+          </a:p>
+        </p:txBody>
+      </p:sp>
+      <p:sp>
+        <p:nvSpPr>
+          <p:cNvPr id="7" name="Rectangle 6">
+            <a:extLst>
+              <a:ext uri="{FF2B5EF4-FFF2-40B4-BE49-F238E27FC236}">
+                <a16:creationId xmlns:a16="http://schemas.microsoft.com/office/drawing/2014/main" id="{79776E9C-253A-409D-B3F7-36AE39C77CB1}"/>
+              </a:ext>
+            </a:extLst>
+          </p:cNvPr>
+          <p:cNvSpPr/>
+          <p:nvPr/>
+        </p:nvSpPr>
+        <p:spPr>
+          <a:xfrm>
+            <a:off x="6631495" y="1157679"/>
+            <a:ext cx="671119" cy="3204595"/>
+          </a:xfrm>
+          <a:prstGeom prst="rect">
+            <a:avLst/>
+          </a:prstGeom>
+          <a:noFill/>
+          <a:ln>
+            <a:solidFill>
+              <a:srgbClr val="C00000"/>
+            </a:solidFill>
+          </a:ln>
+        </p:spPr>
+        <p:style>
+          <a:lnRef idx="2">
+            <a:schemeClr val="accent1">
+              <a:shade val="50000"/>
+            </a:schemeClr>
+          </a:lnRef>
+          <a:fillRef idx="1">
+            <a:schemeClr val="accent1"/>
+          </a:fillRef>
+          <a:effectRef idx="0">
+            <a:schemeClr val="accent1"/>
+          </a:effectRef>
+          <a:fontRef idx="minor">
+            <a:schemeClr val="lt1"/>
+          </a:fontRef>
+        </p:style>
+        <p:txBody>
+          <a:bodyPr rtlCol="0" anchor="ctr"/>
+          <a:lstStyle/>
+          <a:p>
+            <a:pPr algn="ctr"/>
+            <a:endParaRPr lang="fr-FR"/>
+          </a:p>
+        </p:txBody>
+      </p:sp>
+      <p:sp>
+        <p:nvSpPr>
+          <p:cNvPr id="8" name="Rectangle 7">
+            <a:extLst>
+              <a:ext uri="{FF2B5EF4-FFF2-40B4-BE49-F238E27FC236}">
+                <a16:creationId xmlns:a16="http://schemas.microsoft.com/office/drawing/2014/main" id="{5F8FAD12-40C0-4C64-B487-6391ED5717BC}"/>
+              </a:ext>
+            </a:extLst>
+          </p:cNvPr>
+          <p:cNvSpPr/>
+          <p:nvPr/>
+        </p:nvSpPr>
+        <p:spPr>
+          <a:xfrm>
+            <a:off x="7966742" y="864066"/>
+            <a:ext cx="671119" cy="3791823"/>
+          </a:xfrm>
+          <a:prstGeom prst="rect">
+            <a:avLst/>
+          </a:prstGeom>
+          <a:noFill/>
+          <a:ln>
+            <a:solidFill>
+              <a:srgbClr val="C00000"/>
+            </a:solidFill>
+          </a:ln>
+        </p:spPr>
+        <p:style>
+          <a:lnRef idx="2">
+            <a:schemeClr val="accent1">
+              <a:shade val="50000"/>
+            </a:schemeClr>
+          </a:lnRef>
+          <a:fillRef idx="1">
+            <a:schemeClr val="accent1"/>
+          </a:fillRef>
+          <a:effectRef idx="0">
+            <a:schemeClr val="accent1"/>
+          </a:effectRef>
+          <a:fontRef idx="minor">
+            <a:schemeClr val="lt1"/>
+          </a:fontRef>
+        </p:style>
+        <p:txBody>
+          <a:bodyPr rtlCol="0" anchor="ctr"/>
+          <a:lstStyle/>
+          <a:p>
+            <a:pPr algn="ctr"/>
+            <a:endParaRPr lang="fr-FR"/>
+          </a:p>
+        </p:txBody>
+      </p:sp>
+      <p:sp>
+        <p:nvSpPr>
+          <p:cNvPr id="11" name="Rectangle : coins arrondis 10">
+            <a:extLst>
+              <a:ext uri="{FF2B5EF4-FFF2-40B4-BE49-F238E27FC236}">
+                <a16:creationId xmlns:a16="http://schemas.microsoft.com/office/drawing/2014/main" id="{C3DFD819-D310-44B3-9174-87137623E0EA}"/>
+              </a:ext>
+            </a:extLst>
+          </p:cNvPr>
+          <p:cNvSpPr/>
+          <p:nvPr/>
+        </p:nvSpPr>
+        <p:spPr>
+          <a:xfrm>
+            <a:off x="2365695" y="109057"/>
+            <a:ext cx="2505421" cy="4857224"/>
+          </a:xfrm>
+          <a:prstGeom prst="roundRect">
+            <a:avLst/>
+          </a:prstGeom>
+          <a:noFill/>
+          <a:ln>
+            <a:prstDash val="sysDot"/>
+          </a:ln>
+        </p:spPr>
+        <p:style>
+          <a:lnRef idx="2">
+            <a:schemeClr val="accent1">
+              <a:shade val="50000"/>
+            </a:schemeClr>
+          </a:lnRef>
+          <a:fillRef idx="1">
+            <a:schemeClr val="accent1"/>
+          </a:fillRef>
+          <a:effectRef idx="0">
+            <a:schemeClr val="accent1"/>
+          </a:effectRef>
+          <a:fontRef idx="minor">
+            <a:schemeClr val="lt1"/>
+          </a:fontRef>
+        </p:style>
+        <p:txBody>
+          <a:bodyPr rtlCol="0" anchor="ctr"/>
+          <a:lstStyle/>
+          <a:p>
+            <a:pPr algn="ctr"/>
+            <a:endParaRPr lang="fr-FR"/>
+          </a:p>
+        </p:txBody>
+      </p:sp>
+      <p:sp>
+        <p:nvSpPr>
+          <p:cNvPr id="12" name="ZoneTexte 11">
+            <a:extLst>
+              <a:ext uri="{FF2B5EF4-FFF2-40B4-BE49-F238E27FC236}">
+                <a16:creationId xmlns:a16="http://schemas.microsoft.com/office/drawing/2014/main" id="{0298EE5C-52B2-4516-ADDF-A7C265BD2FD0}"/>
+              </a:ext>
+            </a:extLst>
+          </p:cNvPr>
+          <p:cNvSpPr txBox="1"/>
+          <p:nvPr/>
+        </p:nvSpPr>
+        <p:spPr>
+          <a:xfrm>
+            <a:off x="3134916" y="138313"/>
+            <a:ext cx="1005403" cy="369332"/>
+          </a:xfrm>
+          <a:prstGeom prst="rect">
+            <a:avLst/>
+          </a:prstGeom>
+          <a:noFill/>
+        </p:spPr>
+        <p:txBody>
+          <a:bodyPr wrap="none" rtlCol="0">
+            <a:spAutoFit/>
+          </a:bodyPr>
+          <a:lstStyle/>
+          <a:p>
+            <a:r>
+              <a:rPr lang="en-US" sz="1750" i="1" dirty="0">
+                <a:solidFill>
+                  <a:schemeClr val="accent1">
+                    <a:lumMod val="50000"/>
+                  </a:schemeClr>
+                </a:solidFill>
+                <a:latin typeface="Ubuntu" panose="020B0504030602030204" pitchFamily="34" charset="0"/>
+              </a:rPr>
+              <a:t>Encoder</a:t>
+            </a:r>
+            <a:endParaRPr lang="fr-FR" sz="1750" i="1" dirty="0">
+              <a:solidFill>
+                <a:schemeClr val="accent1">
+                  <a:lumMod val="50000"/>
+                </a:schemeClr>
+              </a:solidFill>
+              <a:latin typeface="Ubuntu" panose="020B0504030602030204" pitchFamily="34" charset="0"/>
+            </a:endParaRPr>
+          </a:p>
+        </p:txBody>
+      </p:sp>
+      <p:sp>
+        <p:nvSpPr>
+          <p:cNvPr id="13" name="Rectangle : coins arrondis 12">
+            <a:extLst>
+              <a:ext uri="{FF2B5EF4-FFF2-40B4-BE49-F238E27FC236}">
+                <a16:creationId xmlns:a16="http://schemas.microsoft.com/office/drawing/2014/main" id="{98994F81-2674-4DC5-B8A5-1D5189C65D3E}"/>
+              </a:ext>
+            </a:extLst>
+          </p:cNvPr>
+          <p:cNvSpPr/>
+          <p:nvPr/>
+        </p:nvSpPr>
+        <p:spPr>
+          <a:xfrm>
+            <a:off x="6392498" y="109057"/>
+            <a:ext cx="2505421" cy="4857224"/>
+          </a:xfrm>
+          <a:prstGeom prst="roundRect">
+            <a:avLst/>
+          </a:prstGeom>
+          <a:noFill/>
+          <a:ln>
+            <a:solidFill>
+              <a:srgbClr val="C00000"/>
+            </a:solidFill>
+            <a:prstDash val="sysDot"/>
+          </a:ln>
+        </p:spPr>
+        <p:style>
+          <a:lnRef idx="2">
+            <a:schemeClr val="accent1">
+              <a:shade val="50000"/>
+            </a:schemeClr>
+          </a:lnRef>
+          <a:fillRef idx="1">
+            <a:schemeClr val="accent1"/>
+          </a:fillRef>
+          <a:effectRef idx="0">
+            <a:schemeClr val="accent1"/>
+          </a:effectRef>
+          <a:fontRef idx="minor">
+            <a:schemeClr val="lt1"/>
+          </a:fontRef>
+        </p:style>
+        <p:txBody>
+          <a:bodyPr rtlCol="0" anchor="ctr"/>
+          <a:lstStyle/>
+          <a:p>
+            <a:pPr algn="ctr"/>
+            <a:endParaRPr lang="fr-FR">
+              <a:solidFill>
+                <a:srgbClr val="C00000"/>
+              </a:solidFill>
+            </a:endParaRPr>
+          </a:p>
+        </p:txBody>
+      </p:sp>
+      <p:sp>
+        <p:nvSpPr>
+          <p:cNvPr id="14" name="ZoneTexte 13">
+            <a:extLst>
+              <a:ext uri="{FF2B5EF4-FFF2-40B4-BE49-F238E27FC236}">
+                <a16:creationId xmlns:a16="http://schemas.microsoft.com/office/drawing/2014/main" id="{724D1CAA-01B0-4F70-9D81-DC27D1F7D575}"/>
+              </a:ext>
+            </a:extLst>
+          </p:cNvPr>
+          <p:cNvSpPr txBox="1"/>
+          <p:nvPr/>
+        </p:nvSpPr>
+        <p:spPr>
+          <a:xfrm>
+            <a:off x="7162889" y="138313"/>
+            <a:ext cx="1031051" cy="369332"/>
+          </a:xfrm>
+          <a:prstGeom prst="rect">
+            <a:avLst/>
+          </a:prstGeom>
+          <a:noFill/>
+        </p:spPr>
+        <p:txBody>
+          <a:bodyPr wrap="none" rtlCol="0">
+            <a:spAutoFit/>
+          </a:bodyPr>
+          <a:lstStyle/>
+          <a:p>
+            <a:r>
+              <a:rPr lang="en-US" sz="1750" i="1" dirty="0">
+                <a:solidFill>
+                  <a:srgbClr val="C00000"/>
+                </a:solidFill>
+                <a:latin typeface="Ubuntu" panose="020B0504030602030204" pitchFamily="34" charset="0"/>
+              </a:rPr>
+              <a:t>Decoder</a:t>
+            </a:r>
+            <a:endParaRPr lang="fr-FR" sz="1750" i="1" dirty="0">
+              <a:solidFill>
+                <a:srgbClr val="C00000"/>
+              </a:solidFill>
+              <a:latin typeface="Ubuntu" panose="020B0504030602030204" pitchFamily="34" charset="0"/>
+            </a:endParaRPr>
+          </a:p>
+        </p:txBody>
+      </p:sp>
+      <p:sp>
+        <p:nvSpPr>
+          <p:cNvPr id="15" name="ZoneTexte 14">
+            <a:extLst>
+              <a:ext uri="{FF2B5EF4-FFF2-40B4-BE49-F238E27FC236}">
+                <a16:creationId xmlns:a16="http://schemas.microsoft.com/office/drawing/2014/main" id="{7E920538-8B49-4301-84AE-30DB08C863EB}"/>
+              </a:ext>
+            </a:extLst>
+          </p:cNvPr>
+          <p:cNvSpPr txBox="1"/>
+          <p:nvPr/>
+        </p:nvSpPr>
+        <p:spPr>
+          <a:xfrm>
+            <a:off x="4751618" y="662544"/>
+            <a:ext cx="1760379" cy="646331"/>
+          </a:xfrm>
+          <a:prstGeom prst="rect">
+            <a:avLst/>
+          </a:prstGeom>
+          <a:noFill/>
+        </p:spPr>
+        <p:txBody>
+          <a:bodyPr wrap="square" rtlCol="0">
+            <a:spAutoFit/>
+          </a:bodyPr>
+          <a:lstStyle/>
+          <a:p>
+            <a:pPr algn="ctr"/>
+            <a:r>
+              <a:rPr lang="en-US" sz="1750" i="1" dirty="0">
+                <a:solidFill>
+                  <a:schemeClr val="accent6">
+                    <a:lumMod val="50000"/>
+                  </a:schemeClr>
+                </a:solidFill>
+                <a:latin typeface="Ubuntu" panose="020B0504030602030204" pitchFamily="34" charset="0"/>
+              </a:rPr>
+              <a:t>Latent representation</a:t>
+            </a:r>
+            <a:endParaRPr lang="fr-FR" sz="1750" i="1" dirty="0">
+              <a:solidFill>
+                <a:schemeClr val="accent6">
+                  <a:lumMod val="50000"/>
+                </a:schemeClr>
+              </a:solidFill>
+              <a:latin typeface="Ubuntu" panose="020B0504030602030204" pitchFamily="34" charset="0"/>
+            </a:endParaRPr>
+          </a:p>
+        </p:txBody>
+      </p:sp>
+      <p:cxnSp>
+        <p:nvCxnSpPr>
+          <p:cNvPr id="17" name="Connecteur droit avec flèche 16">
+            <a:extLst>
+              <a:ext uri="{FF2B5EF4-FFF2-40B4-BE49-F238E27FC236}">
+                <a16:creationId xmlns:a16="http://schemas.microsoft.com/office/drawing/2014/main" id="{BA856554-A8B7-44BF-901F-104A73858074}"/>
+              </a:ext>
+            </a:extLst>
+          </p:cNvPr>
+          <p:cNvCxnSpPr/>
+          <p:nvPr/>
+        </p:nvCxnSpPr>
+        <p:spPr>
+          <a:xfrm>
+            <a:off x="3296873" y="864066"/>
+            <a:ext cx="664128" cy="293613"/>
+          </a:xfrm>
+          <a:prstGeom prst="straightConnector1">
+            <a:avLst/>
+          </a:prstGeom>
+          <a:ln>
+            <a:tailEnd type="triangle"/>
+          </a:ln>
+        </p:spPr>
+        <p:style>
+          <a:lnRef idx="1">
+            <a:schemeClr val="accent1"/>
+          </a:lnRef>
+          <a:fillRef idx="0">
+            <a:schemeClr val="accent1"/>
+          </a:fillRef>
+          <a:effectRef idx="0">
+            <a:schemeClr val="accent1"/>
+          </a:effectRef>
+          <a:fontRef idx="minor">
+            <a:schemeClr val="tx1"/>
+          </a:fontRef>
+        </p:style>
+      </p:cxnSp>
+      <p:cxnSp>
+        <p:nvCxnSpPr>
+          <p:cNvPr id="18" name="Connecteur droit avec flèche 17">
+            <a:extLst>
+              <a:ext uri="{FF2B5EF4-FFF2-40B4-BE49-F238E27FC236}">
+                <a16:creationId xmlns:a16="http://schemas.microsoft.com/office/drawing/2014/main" id="{93EDC8B6-0F66-4622-8107-2BE5595B1E39}"/>
+              </a:ext>
+            </a:extLst>
+          </p:cNvPr>
+          <p:cNvCxnSpPr>
+            <a:cxnSpLocks/>
+          </p:cNvCxnSpPr>
+          <p:nvPr/>
+        </p:nvCxnSpPr>
+        <p:spPr>
+          <a:xfrm>
+            <a:off x="4632120" y="1170458"/>
+            <a:ext cx="664127" cy="431139"/>
+          </a:xfrm>
+          <a:prstGeom prst="straightConnector1">
+            <a:avLst/>
+          </a:prstGeom>
+          <a:ln>
+            <a:tailEnd type="triangle"/>
+          </a:ln>
+        </p:spPr>
+        <p:style>
+          <a:lnRef idx="1">
+            <a:schemeClr val="accent1"/>
+          </a:lnRef>
+          <a:fillRef idx="0">
+            <a:schemeClr val="accent1"/>
+          </a:fillRef>
+          <a:effectRef idx="0">
+            <a:schemeClr val="accent1"/>
+          </a:effectRef>
+          <a:fontRef idx="minor">
+            <a:schemeClr val="tx1"/>
+          </a:fontRef>
+        </p:style>
+      </p:cxnSp>
+      <p:cxnSp>
+        <p:nvCxnSpPr>
+          <p:cNvPr id="20" name="Connecteur droit avec flèche 19">
+            <a:extLst>
+              <a:ext uri="{FF2B5EF4-FFF2-40B4-BE49-F238E27FC236}">
+                <a16:creationId xmlns:a16="http://schemas.microsoft.com/office/drawing/2014/main" id="{C29E5B7B-1D13-4DF9-99FF-5CEFABE2F65E}"/>
+              </a:ext>
+            </a:extLst>
+          </p:cNvPr>
+          <p:cNvCxnSpPr>
+            <a:cxnSpLocks/>
+          </p:cNvCxnSpPr>
+          <p:nvPr/>
+        </p:nvCxnSpPr>
+        <p:spPr>
+          <a:xfrm flipV="1">
+            <a:off x="3300368" y="4362274"/>
+            <a:ext cx="660632" cy="293615"/>
+          </a:xfrm>
+          <a:prstGeom prst="straightConnector1">
+            <a:avLst/>
+          </a:prstGeom>
+          <a:ln>
+            <a:tailEnd type="triangle"/>
+          </a:ln>
+        </p:spPr>
+        <p:style>
+          <a:lnRef idx="1">
+            <a:schemeClr val="accent1"/>
+          </a:lnRef>
+          <a:fillRef idx="0">
+            <a:schemeClr val="accent1"/>
+          </a:fillRef>
+          <a:effectRef idx="0">
+            <a:schemeClr val="accent1"/>
+          </a:effectRef>
+          <a:fontRef idx="minor">
+            <a:schemeClr val="tx1"/>
+          </a:fontRef>
+        </p:style>
+      </p:cxnSp>
+      <p:cxnSp>
+        <p:nvCxnSpPr>
+          <p:cNvPr id="23" name="Connecteur droit avec flèche 22">
+            <a:extLst>
+              <a:ext uri="{FF2B5EF4-FFF2-40B4-BE49-F238E27FC236}">
+                <a16:creationId xmlns:a16="http://schemas.microsoft.com/office/drawing/2014/main" id="{30B3F15D-75C4-4CFF-93BE-D6783CC31265}"/>
+              </a:ext>
+            </a:extLst>
+          </p:cNvPr>
+          <p:cNvCxnSpPr>
+            <a:cxnSpLocks/>
+          </p:cNvCxnSpPr>
+          <p:nvPr/>
+        </p:nvCxnSpPr>
+        <p:spPr>
+          <a:xfrm flipV="1">
+            <a:off x="4616335" y="3918356"/>
+            <a:ext cx="679912" cy="443918"/>
+          </a:xfrm>
+          <a:prstGeom prst="straightConnector1">
+            <a:avLst/>
+          </a:prstGeom>
+          <a:ln>
+            <a:tailEnd type="triangle"/>
+          </a:ln>
+        </p:spPr>
+        <p:style>
+          <a:lnRef idx="1">
+            <a:schemeClr val="accent1"/>
+          </a:lnRef>
+          <a:fillRef idx="0">
+            <a:schemeClr val="accent1"/>
+          </a:fillRef>
+          <a:effectRef idx="0">
+            <a:schemeClr val="accent1"/>
+          </a:effectRef>
+          <a:fontRef idx="minor">
+            <a:schemeClr val="tx1"/>
+          </a:fontRef>
+        </p:style>
+      </p:cxnSp>
+      <p:cxnSp>
+        <p:nvCxnSpPr>
+          <p:cNvPr id="29" name="Connecteur droit avec flèche 28">
+            <a:extLst>
+              <a:ext uri="{FF2B5EF4-FFF2-40B4-BE49-F238E27FC236}">
+                <a16:creationId xmlns:a16="http://schemas.microsoft.com/office/drawing/2014/main" id="{95D2C8EC-1D7A-4706-ADBE-2EE605E05132}"/>
+              </a:ext>
+            </a:extLst>
+          </p:cNvPr>
+          <p:cNvCxnSpPr>
+            <a:cxnSpLocks/>
+          </p:cNvCxnSpPr>
+          <p:nvPr/>
+        </p:nvCxnSpPr>
+        <p:spPr>
+          <a:xfrm>
+            <a:off x="5967367" y="3918356"/>
+            <a:ext cx="664128" cy="443918"/>
+          </a:xfrm>
+          <a:prstGeom prst="straightConnector1">
+            <a:avLst/>
+          </a:prstGeom>
+          <a:ln>
+            <a:solidFill>
+              <a:srgbClr val="C00000"/>
+            </a:solidFill>
+            <a:tailEnd type="triangle"/>
+          </a:ln>
+        </p:spPr>
+        <p:style>
+          <a:lnRef idx="1">
+            <a:schemeClr val="accent1"/>
+          </a:lnRef>
+          <a:fillRef idx="0">
+            <a:schemeClr val="accent1"/>
+          </a:fillRef>
+          <a:effectRef idx="0">
+            <a:schemeClr val="accent1"/>
+          </a:effectRef>
+          <a:fontRef idx="minor">
+            <a:schemeClr val="tx1"/>
+          </a:fontRef>
+        </p:style>
+      </p:cxnSp>
+      <p:cxnSp>
+        <p:nvCxnSpPr>
+          <p:cNvPr id="32" name="Connecteur droit avec flèche 31">
+            <a:extLst>
+              <a:ext uri="{FF2B5EF4-FFF2-40B4-BE49-F238E27FC236}">
+                <a16:creationId xmlns:a16="http://schemas.microsoft.com/office/drawing/2014/main" id="{214DFFF0-6506-40D1-81DB-A6EFCE5021F5}"/>
+              </a:ext>
+            </a:extLst>
+          </p:cNvPr>
+          <p:cNvCxnSpPr>
+            <a:cxnSpLocks/>
+          </p:cNvCxnSpPr>
+          <p:nvPr/>
+        </p:nvCxnSpPr>
+        <p:spPr>
+          <a:xfrm>
+            <a:off x="7295623" y="4362274"/>
+            <a:ext cx="671119" cy="293615"/>
+          </a:xfrm>
+          <a:prstGeom prst="straightConnector1">
+            <a:avLst/>
+          </a:prstGeom>
+          <a:ln>
+            <a:solidFill>
+              <a:srgbClr val="C00000"/>
+            </a:solidFill>
+            <a:tailEnd type="triangle"/>
+          </a:ln>
+        </p:spPr>
+        <p:style>
+          <a:lnRef idx="1">
+            <a:schemeClr val="accent1"/>
+          </a:lnRef>
+          <a:fillRef idx="0">
+            <a:schemeClr val="accent1"/>
+          </a:fillRef>
+          <a:effectRef idx="0">
+            <a:schemeClr val="accent1"/>
+          </a:effectRef>
+          <a:fontRef idx="minor">
+            <a:schemeClr val="tx1"/>
+          </a:fontRef>
+        </p:style>
+      </p:cxnSp>
+      <p:cxnSp>
+        <p:nvCxnSpPr>
+          <p:cNvPr id="35" name="Connecteur droit avec flèche 34">
+            <a:extLst>
+              <a:ext uri="{FF2B5EF4-FFF2-40B4-BE49-F238E27FC236}">
+                <a16:creationId xmlns:a16="http://schemas.microsoft.com/office/drawing/2014/main" id="{16B3F5DC-2E60-4645-8A9D-BF1444A5BC88}"/>
+              </a:ext>
+            </a:extLst>
+          </p:cNvPr>
+          <p:cNvCxnSpPr>
+            <a:cxnSpLocks/>
+          </p:cNvCxnSpPr>
+          <p:nvPr/>
+        </p:nvCxnSpPr>
+        <p:spPr>
+          <a:xfrm flipV="1">
+            <a:off x="7295623" y="864064"/>
+            <a:ext cx="671119" cy="306394"/>
+          </a:xfrm>
+          <a:prstGeom prst="straightConnector1">
+            <a:avLst/>
+          </a:prstGeom>
+          <a:ln>
+            <a:solidFill>
+              <a:srgbClr val="C00000"/>
+            </a:solidFill>
+            <a:tailEnd type="triangle"/>
+          </a:ln>
+        </p:spPr>
+        <p:style>
+          <a:lnRef idx="1">
+            <a:schemeClr val="accent1"/>
+          </a:lnRef>
+          <a:fillRef idx="0">
+            <a:schemeClr val="accent1"/>
+          </a:fillRef>
+          <a:effectRef idx="0">
+            <a:schemeClr val="accent1"/>
+          </a:effectRef>
+          <a:fontRef idx="minor">
+            <a:schemeClr val="tx1"/>
+          </a:fontRef>
+        </p:style>
+      </p:cxnSp>
+      <p:cxnSp>
+        <p:nvCxnSpPr>
+          <p:cNvPr id="38" name="Connecteur droit avec flèche 37">
+            <a:extLst>
+              <a:ext uri="{FF2B5EF4-FFF2-40B4-BE49-F238E27FC236}">
+                <a16:creationId xmlns:a16="http://schemas.microsoft.com/office/drawing/2014/main" id="{A5D2B7B2-BCE8-4E5E-9610-A2F10A2E5104}"/>
+              </a:ext>
+            </a:extLst>
+          </p:cNvPr>
+          <p:cNvCxnSpPr>
+            <a:cxnSpLocks/>
+          </p:cNvCxnSpPr>
+          <p:nvPr/>
+        </p:nvCxnSpPr>
+        <p:spPr>
+          <a:xfrm flipV="1">
+            <a:off x="5963871" y="1157679"/>
+            <a:ext cx="667624" cy="443918"/>
+          </a:xfrm>
+          <a:prstGeom prst="straightConnector1">
+            <a:avLst/>
+          </a:prstGeom>
+          <a:ln>
+            <a:solidFill>
+              <a:srgbClr val="C00000"/>
+            </a:solidFill>
+            <a:tailEnd type="triangle"/>
+          </a:ln>
+        </p:spPr>
+        <p:style>
+          <a:lnRef idx="1">
+            <a:schemeClr val="accent1"/>
+          </a:lnRef>
+          <a:fillRef idx="0">
+            <a:schemeClr val="accent1"/>
+          </a:fillRef>
+          <a:effectRef idx="0">
+            <a:schemeClr val="accent1"/>
+          </a:effectRef>
+          <a:fontRef idx="minor">
+            <a:schemeClr val="tx1"/>
+          </a:fontRef>
+        </p:style>
+      </p:cxnSp>
+      <p:sp>
+        <p:nvSpPr>
+          <p:cNvPr id="41" name="ZoneTexte 40">
+            <a:extLst>
+              <a:ext uri="{FF2B5EF4-FFF2-40B4-BE49-F238E27FC236}">
+                <a16:creationId xmlns:a16="http://schemas.microsoft.com/office/drawing/2014/main" id="{7F40BC9E-20DC-44DA-B390-DAD990631FC2}"/>
+              </a:ext>
+            </a:extLst>
+          </p:cNvPr>
+          <p:cNvSpPr txBox="1"/>
+          <p:nvPr/>
+        </p:nvSpPr>
+        <p:spPr>
+          <a:xfrm>
+            <a:off x="6371437" y="5394121"/>
+            <a:ext cx="3049400" cy="646331"/>
+          </a:xfrm>
+          <a:prstGeom prst="rect">
+            <a:avLst/>
+          </a:prstGeom>
+          <a:noFill/>
+        </p:spPr>
+        <p:txBody>
+          <a:bodyPr wrap="square" rtlCol="0">
+            <a:spAutoFit/>
+          </a:bodyPr>
+          <a:lstStyle/>
+          <a:p>
+            <a:r>
+              <a:rPr lang="en-US" sz="1750" dirty="0">
+                <a:solidFill>
+                  <a:schemeClr val="accent6">
+                    <a:lumMod val="50000"/>
+                  </a:schemeClr>
+                </a:solidFill>
+                <a:latin typeface="Ubuntu" panose="020B0504030602030204" pitchFamily="34" charset="0"/>
+              </a:rPr>
+              <a:t>Vector representation used to compute distances</a:t>
+            </a:r>
+            <a:endParaRPr lang="fr-FR" sz="1750" dirty="0">
+              <a:solidFill>
+                <a:schemeClr val="accent6">
+                  <a:lumMod val="50000"/>
+                </a:schemeClr>
+              </a:solidFill>
+              <a:latin typeface="Ubuntu" panose="020B0504030602030204" pitchFamily="34" charset="0"/>
+            </a:endParaRPr>
+          </a:p>
+        </p:txBody>
+      </p:sp>
+      <p:cxnSp>
+        <p:nvCxnSpPr>
+          <p:cNvPr id="43" name="Connecteur : en arc 42">
+            <a:extLst>
+              <a:ext uri="{FF2B5EF4-FFF2-40B4-BE49-F238E27FC236}">
+                <a16:creationId xmlns:a16="http://schemas.microsoft.com/office/drawing/2014/main" id="{53BEB194-0E73-46DF-BE4A-9042B3DC579F}"/>
+              </a:ext>
+            </a:extLst>
+          </p:cNvPr>
+          <p:cNvCxnSpPr>
+            <a:stCxn id="6" idx="2"/>
+            <a:endCxn id="41" idx="1"/>
+          </p:cNvCxnSpPr>
+          <p:nvPr/>
+        </p:nvCxnSpPr>
+        <p:spPr>
+          <a:xfrm rot="16200000" flipH="1">
+            <a:off x="5102157" y="4448006"/>
+            <a:ext cx="1798931" cy="739629"/>
+          </a:xfrm>
+          <a:prstGeom prst="curvedConnector2">
+            <a:avLst/>
+          </a:prstGeom>
+          <a:ln>
+            <a:tailEnd type="triangle"/>
+          </a:ln>
+        </p:spPr>
+        <p:style>
+          <a:lnRef idx="1">
+            <a:schemeClr val="accent6"/>
+          </a:lnRef>
+          <a:fillRef idx="0">
+            <a:schemeClr val="accent6"/>
+          </a:fillRef>
+          <a:effectRef idx="0">
+            <a:schemeClr val="accent6"/>
+          </a:effectRef>
+          <a:fontRef idx="minor">
+            <a:schemeClr val="tx1"/>
+          </a:fontRef>
+        </p:style>
+      </p:cxnSp>
+    </p:spTree>
+    <p:extLst>
+      <p:ext uri="{BB962C8B-B14F-4D97-AF65-F5344CB8AC3E}">
+        <p14:creationId xmlns:p14="http://schemas.microsoft.com/office/powerpoint/2010/main" val="813065331"/>
+      </p:ext>
+    </p:extLst>
+  </p:cSld>
+  <p:clrMapOvr>
+    <a:masterClrMapping/>
+  </p:clrMapOvr>
+</p:sld>
+</file>
+
+<file path=ppt/slides/slide4.xml><?xml version="1.0" encoding="utf-8"?>
+<p:sld xmlns:a="http://schemas.openxmlformats.org/drawingml/2006/main" xmlns:r="http://schemas.openxmlformats.org/officeDocument/2006/relationships" xmlns:p="http://schemas.openxmlformats.org/presentationml/2006/main">
+  <p:cSld>
+    <p:spTree>
+      <p:nvGrpSpPr>
+        <p:cNvPr id="1" name=""/>
+        <p:cNvGrpSpPr/>
+        <p:nvPr/>
+      </p:nvGrpSpPr>
+      <p:grpSpPr>
+        <a:xfrm>
+          <a:off x="0" y="0"/>
+          <a:ext cx="0" cy="0"/>
+          <a:chOff x="0" y="0"/>
+          <a:chExt cx="0" cy="0"/>
+        </a:xfrm>
+      </p:grpSpPr>
+      <p:sp>
+        <p:nvSpPr>
+          <p:cNvPr id="2" name="Titre 1">
+            <a:extLst>
+              <a:ext uri="{FF2B5EF4-FFF2-40B4-BE49-F238E27FC236}">
+                <a16:creationId xmlns:a16="http://schemas.microsoft.com/office/drawing/2014/main" id="{AC897E01-1766-4D8B-83EB-178F75E3BDDD}"/>
+              </a:ext>
+            </a:extLst>
+          </p:cNvPr>
+          <p:cNvSpPr>
+            <a:spLocks noGrp="1"/>
+          </p:cNvSpPr>
+          <p:nvPr>
+            <p:ph type="title"/>
+          </p:nvPr>
+        </p:nvSpPr>
+        <p:spPr/>
+        <p:txBody>
+          <a:bodyPr/>
+          <a:lstStyle/>
+          <a:p>
+            <a:endParaRPr lang="fr-FR"/>
+          </a:p>
+        </p:txBody>
+      </p:sp>
+      <p:sp>
+        <p:nvSpPr>
+          <p:cNvPr id="3" name="Espace réservé du contenu 2">
+            <a:extLst>
+              <a:ext uri="{FF2B5EF4-FFF2-40B4-BE49-F238E27FC236}">
+                <a16:creationId xmlns:a16="http://schemas.microsoft.com/office/drawing/2014/main" id="{1939A000-DE3D-4014-9522-1A5D1FD717FE}"/>
+              </a:ext>
+            </a:extLst>
+          </p:cNvPr>
+          <p:cNvSpPr>
+            <a:spLocks noGrp="1"/>
+          </p:cNvSpPr>
+          <p:nvPr>
+            <p:ph idx="1"/>
+          </p:nvPr>
+        </p:nvSpPr>
+        <p:spPr/>
+        <p:txBody>
+          <a:bodyPr/>
+          <a:lstStyle/>
+          <a:p>
+            <a:endParaRPr lang="fr-FR"/>
+          </a:p>
+        </p:txBody>
+      </p:sp>
+    </p:spTree>
+    <p:extLst>
+      <p:ext uri="{BB962C8B-B14F-4D97-AF65-F5344CB8AC3E}">
+        <p14:creationId xmlns:p14="http://schemas.microsoft.com/office/powerpoint/2010/main" val="2674420879"/>
+      </p:ext>
+    </p:extLst>
+  </p:cSld>
+  <p:clrMapOvr>
+    <a:masterClrMapping/>
+  </p:clrMapOvr>
+</p:sld>
+</file>
+
 <file path=ppt/theme/theme1.xml><?xml version="1.0" encoding="utf-8"?>
 <a:theme xmlns:a="http://schemas.openxmlformats.org/drawingml/2006/main" name="Thème Office">
   <a:themeElements>

--- a/article/text_similarity_support.pptx
+++ b/article/text_similarity_support.pptx
@@ -8,7 +8,8 @@
     <p:sldId id="256" r:id="rId2"/>
     <p:sldId id="257" r:id="rId3"/>
     <p:sldId id="258" r:id="rId4"/>
-    <p:sldId id="259" r:id="rId5"/>
+    <p:sldId id="260" r:id="rId5"/>
+    <p:sldId id="259" r:id="rId6"/>
   </p:sldIdLst>
   <p:sldSz cx="12192000" cy="6858000"/>
   <p:notesSz cx="6858000" cy="9144000"/>
@@ -7454,7 +7455,11 @@
           <a:lstStyle/>
           <a:p>
             <a:pPr algn="ctr"/>
-            <a:endParaRPr lang="fr-FR"/>
+            <a:r>
+              <a:rPr lang="en-US" dirty="0"/>
+              <a:t>                                                                </a:t>
+            </a:r>
+            <a:endParaRPr lang="fr-FR" dirty="0"/>
           </a:p>
         </p:txBody>
       </p:sp>
@@ -8014,7 +8019,7 @@
         </p:nvSpPr>
         <p:spPr>
           <a:xfrm>
-            <a:off x="6371437" y="5394121"/>
+            <a:off x="6096000" y="5549125"/>
             <a:ext cx="3049400" cy="646331"/>
           </a:xfrm>
           <a:prstGeom prst="rect">
@@ -8060,6 +8065,7 @@
             </a:extLst>
           </p:cNvPr>
           <p:cNvCxnSpPr>
+            <a:cxnSpLocks/>
             <a:stCxn id="6" idx="2"/>
             <a:endCxn id="41" idx="1"/>
           </p:cNvCxnSpPr>
@@ -8067,8 +8073,8 @@
         </p:nvCxnSpPr>
         <p:spPr>
           <a:xfrm rot="16200000" flipH="1">
-            <a:off x="5102157" y="4448006"/>
-            <a:ext cx="1798931" cy="739629"/>
+            <a:off x="4886937" y="4663227"/>
+            <a:ext cx="1953935" cy="464192"/>
           </a:xfrm>
           <a:prstGeom prst="curvedConnector2">
             <a:avLst/>
@@ -8092,6 +8098,1268 @@
           </a:fontRef>
         </p:style>
       </p:cxnSp>
+      <mc:AlternateContent xmlns:mc="http://schemas.openxmlformats.org/markup-compatibility/2006">
+        <mc:Choice xmlns:a14="http://schemas.microsoft.com/office/drawing/2010/main" Requires="a14">
+          <p:sp>
+            <p:nvSpPr>
+              <p:cNvPr id="2" name="ZoneTexte 1">
+                <a:extLst>
+                  <a:ext uri="{FF2B5EF4-FFF2-40B4-BE49-F238E27FC236}">
+                    <a16:creationId xmlns:a16="http://schemas.microsoft.com/office/drawing/2014/main" id="{9A6DF21E-20DB-4B45-927B-45FE39D3EA28}"/>
+                  </a:ext>
+                </a:extLst>
+              </p:cNvPr>
+              <p:cNvSpPr txBox="1"/>
+              <p:nvPr/>
+            </p:nvSpPr>
+            <p:spPr>
+              <a:xfrm>
+                <a:off x="3100972" y="5012310"/>
+                <a:ext cx="1103315" cy="349070"/>
+              </a:xfrm>
+              <a:prstGeom prst="rect">
+                <a:avLst/>
+              </a:prstGeom>
+              <a:noFill/>
+            </p:spPr>
+            <p:txBody>
+              <a:bodyPr wrap="none" lIns="0" tIns="0" rIns="0" bIns="0" rtlCol="0">
+                <a:spAutoFit/>
+              </a:bodyPr>
+              <a:lstStyle/>
+              <a:p>
+                <a14:m>
+                  <m:oMathPara xmlns:m="http://schemas.openxmlformats.org/officeDocument/2006/math">
+                    <m:oMathParaPr>
+                      <m:jc m:val="centerGroup"/>
+                    </m:oMathParaPr>
+                    <m:oMath xmlns:m="http://schemas.openxmlformats.org/officeDocument/2006/math">
+                      <m:r>
+                        <a:rPr lang="en-US" b="0" i="1" smtClean="0">
+                          <a:solidFill>
+                            <a:schemeClr val="accent1">
+                              <a:lumMod val="50000"/>
+                            </a:schemeClr>
+                          </a:solidFill>
+                          <a:latin typeface="Cambria Math" panose="02040503050406030204" pitchFamily="18" charset="0"/>
+                        </a:rPr>
+                        <m:t>𝑒</m:t>
+                      </m:r>
+                      <m:r>
+                        <a:rPr lang="en-US" b="0" i="1" smtClean="0">
+                          <a:solidFill>
+                            <a:schemeClr val="accent1">
+                              <a:lumMod val="50000"/>
+                            </a:schemeClr>
+                          </a:solidFill>
+                          <a:latin typeface="Cambria Math" panose="02040503050406030204" pitchFamily="18" charset="0"/>
+                        </a:rPr>
+                        <m:t>(</m:t>
+                      </m:r>
+                      <m:sSubSup>
+                        <m:sSubSupPr>
+                          <m:ctrlPr>
+                            <a:rPr lang="en-US" b="0" i="1" smtClean="0">
+                              <a:solidFill>
+                                <a:schemeClr val="accent1">
+                                  <a:lumMod val="50000"/>
+                                </a:schemeClr>
+                              </a:solidFill>
+                              <a:latin typeface="Cambria Math" panose="02040503050406030204" pitchFamily="18" charset="0"/>
+                            </a:rPr>
+                          </m:ctrlPr>
+                        </m:sSubSupPr>
+                        <m:e>
+                          <m:r>
+                            <a:rPr lang="en-US" b="0" i="1" smtClean="0">
+                              <a:solidFill>
+                                <a:schemeClr val="accent1">
+                                  <a:lumMod val="50000"/>
+                                </a:schemeClr>
+                              </a:solidFill>
+                              <a:latin typeface="Cambria Math" panose="02040503050406030204" pitchFamily="18" charset="0"/>
+                            </a:rPr>
+                            <m:t>𝑥</m:t>
+                          </m:r>
+                        </m:e>
+                        <m:sub>
+                          <m:r>
+                            <a:rPr lang="en-US" b="0" i="1" smtClean="0">
+                              <a:solidFill>
+                                <a:schemeClr val="accent1">
+                                  <a:lumMod val="50000"/>
+                                </a:schemeClr>
+                              </a:solidFill>
+                              <a:latin typeface="Cambria Math" panose="02040503050406030204" pitchFamily="18" charset="0"/>
+                            </a:rPr>
+                            <m:t>𝑖</m:t>
+                          </m:r>
+                        </m:sub>
+                        <m:sup>
+                          <m:d>
+                            <m:dPr>
+                              <m:ctrlPr>
+                                <a:rPr lang="en-US" b="0" i="1" smtClean="0">
+                                  <a:solidFill>
+                                    <a:schemeClr val="accent1">
+                                      <a:lumMod val="50000"/>
+                                    </a:schemeClr>
+                                  </a:solidFill>
+                                  <a:latin typeface="Cambria Math" panose="02040503050406030204" pitchFamily="18" charset="0"/>
+                                </a:rPr>
+                              </m:ctrlPr>
+                            </m:dPr>
+                            <m:e>
+                              <m:r>
+                                <a:rPr lang="en-US" b="0" i="1" smtClean="0">
+                                  <a:solidFill>
+                                    <a:schemeClr val="accent1">
+                                      <a:lumMod val="50000"/>
+                                    </a:schemeClr>
+                                  </a:solidFill>
+                                  <a:latin typeface="Cambria Math" panose="02040503050406030204" pitchFamily="18" charset="0"/>
+                                </a:rPr>
+                                <m:t>𝑡</m:t>
+                              </m:r>
+                            </m:e>
+                          </m:d>
+                        </m:sup>
+                      </m:sSubSup>
+                      <m:r>
+                        <a:rPr lang="en-US" b="0" i="1" smtClean="0">
+                          <a:solidFill>
+                            <a:schemeClr val="accent1">
+                              <a:lumMod val="50000"/>
+                            </a:schemeClr>
+                          </a:solidFill>
+                          <a:latin typeface="Cambria Math" panose="02040503050406030204" pitchFamily="18" charset="0"/>
+                        </a:rPr>
+                        <m:t>;</m:t>
+                      </m:r>
+                      <m:sSub>
+                        <m:sSubPr>
+                          <m:ctrlPr>
+                            <a:rPr lang="fr-FR" i="1" dirty="0" smtClean="0">
+                              <a:solidFill>
+                                <a:schemeClr val="accent1">
+                                  <a:lumMod val="50000"/>
+                                </a:schemeClr>
+                              </a:solidFill>
+                              <a:latin typeface="Cambria Math" panose="02040503050406030204" pitchFamily="18" charset="0"/>
+                            </a:rPr>
+                          </m:ctrlPr>
+                        </m:sSubPr>
+                        <m:e>
+                          <m:r>
+                            <a:rPr lang="en-US" b="0" i="1" dirty="0" smtClean="0">
+                              <a:solidFill>
+                                <a:schemeClr val="accent1">
+                                  <a:lumMod val="50000"/>
+                                </a:schemeClr>
+                              </a:solidFill>
+                              <a:latin typeface="Cambria Math" panose="02040503050406030204" pitchFamily="18" charset="0"/>
+                            </a:rPr>
+                            <m:t>𝑊</m:t>
+                          </m:r>
+                        </m:e>
+                        <m:sub>
+                          <m:r>
+                            <a:rPr lang="en-US" b="0" i="1" dirty="0" smtClean="0">
+                              <a:solidFill>
+                                <a:schemeClr val="accent1">
+                                  <a:lumMod val="50000"/>
+                                </a:schemeClr>
+                              </a:solidFill>
+                              <a:latin typeface="Cambria Math" panose="02040503050406030204" pitchFamily="18" charset="0"/>
+                            </a:rPr>
+                            <m:t>𝑒</m:t>
+                          </m:r>
+                        </m:sub>
+                      </m:sSub>
+                      <m:r>
+                        <a:rPr lang="en-US" b="0" i="1" smtClean="0">
+                          <a:solidFill>
+                            <a:schemeClr val="accent1">
+                              <a:lumMod val="50000"/>
+                            </a:schemeClr>
+                          </a:solidFill>
+                          <a:latin typeface="Cambria Math" panose="02040503050406030204" pitchFamily="18" charset="0"/>
+                        </a:rPr>
+                        <m:t>)</m:t>
+                      </m:r>
+                    </m:oMath>
+                  </m:oMathPara>
+                </a14:m>
+                <a:endParaRPr lang="fr-FR" dirty="0">
+                  <a:solidFill>
+                    <a:schemeClr val="accent1">
+                      <a:lumMod val="50000"/>
+                    </a:schemeClr>
+                  </a:solidFill>
+                </a:endParaRPr>
+              </a:p>
+            </p:txBody>
+          </p:sp>
+        </mc:Choice>
+        <mc:Fallback>
+          <p:sp>
+            <p:nvSpPr>
+              <p:cNvPr id="2" name="ZoneTexte 1">
+                <a:extLst>
+                  <a:ext uri="{FF2B5EF4-FFF2-40B4-BE49-F238E27FC236}">
+                    <a16:creationId xmlns:a16="http://schemas.microsoft.com/office/drawing/2014/main" id="{9A6DF21E-20DB-4B45-927B-45FE39D3EA28}"/>
+                  </a:ext>
+                </a:extLst>
+              </p:cNvPr>
+              <p:cNvSpPr txBox="1">
+                <a:spLocks noRot="1" noChangeAspect="1" noMove="1" noResize="1" noEditPoints="1" noAdjustHandles="1" noChangeArrowheads="1" noChangeShapeType="1" noTextEdit="1"/>
+              </p:cNvSpPr>
+              <p:nvPr/>
+            </p:nvSpPr>
+            <p:spPr>
+              <a:xfrm>
+                <a:off x="3100972" y="5012310"/>
+                <a:ext cx="1103315" cy="349070"/>
+              </a:xfrm>
+              <a:prstGeom prst="rect">
+                <a:avLst/>
+              </a:prstGeom>
+              <a:blipFill>
+                <a:blip r:embed="rId2"/>
+                <a:stretch>
+                  <a:fillRect l="-2762" r="-7735" b="-24561"/>
+                </a:stretch>
+              </a:blipFill>
+            </p:spPr>
+            <p:txBody>
+              <a:bodyPr/>
+              <a:lstStyle/>
+              <a:p>
+                <a:r>
+                  <a:rPr lang="fr-FR">
+                    <a:noFill/>
+                  </a:rPr>
+                  <a:t> </a:t>
+                </a:r>
+              </a:p>
+            </p:txBody>
+          </p:sp>
+        </mc:Fallback>
+      </mc:AlternateContent>
+      <mc:AlternateContent xmlns:mc="http://schemas.openxmlformats.org/markup-compatibility/2006">
+        <mc:Choice xmlns:a14="http://schemas.microsoft.com/office/drawing/2010/main" Requires="a14">
+          <p:sp>
+            <p:nvSpPr>
+              <p:cNvPr id="24" name="ZoneTexte 23">
+                <a:extLst>
+                  <a:ext uri="{FF2B5EF4-FFF2-40B4-BE49-F238E27FC236}">
+                    <a16:creationId xmlns:a16="http://schemas.microsoft.com/office/drawing/2014/main" id="{14B54398-E6D9-43A7-A3F4-33BFA1BB21E2}"/>
+                  </a:ext>
+                </a:extLst>
+              </p:cNvPr>
+              <p:cNvSpPr txBox="1"/>
+              <p:nvPr/>
+            </p:nvSpPr>
+            <p:spPr>
+              <a:xfrm>
+                <a:off x="6673972" y="4979574"/>
+                <a:ext cx="2008883" cy="414537"/>
+              </a:xfrm>
+              <a:prstGeom prst="rect">
+                <a:avLst/>
+              </a:prstGeom>
+              <a:noFill/>
+            </p:spPr>
+            <p:txBody>
+              <a:bodyPr wrap="none" lIns="0" tIns="0" rIns="0" bIns="0" rtlCol="0">
+                <a:spAutoFit/>
+              </a:bodyPr>
+              <a:lstStyle/>
+              <a:p>
+                <a14:m>
+                  <m:oMathPara xmlns:m="http://schemas.openxmlformats.org/officeDocument/2006/math">
+                    <m:oMathParaPr>
+                      <m:jc m:val="centerGroup"/>
+                    </m:oMathParaPr>
+                    <m:oMath xmlns:m="http://schemas.openxmlformats.org/officeDocument/2006/math">
+                      <m:r>
+                        <a:rPr lang="en-US" b="0" i="1" smtClean="0">
+                          <a:solidFill>
+                            <a:srgbClr val="C00000"/>
+                          </a:solidFill>
+                          <a:latin typeface="Cambria Math" panose="02040503050406030204" pitchFamily="18" charset="0"/>
+                        </a:rPr>
+                        <m:t>𝑑</m:t>
+                      </m:r>
+                      <m:r>
+                        <a:rPr lang="en-US" b="0" i="1" smtClean="0">
+                          <a:solidFill>
+                            <a:srgbClr val="C00000"/>
+                          </a:solidFill>
+                          <a:latin typeface="Cambria Math" panose="02040503050406030204" pitchFamily="18" charset="0"/>
+                        </a:rPr>
+                        <m:t>(</m:t>
+                      </m:r>
+                      <m:r>
+                        <a:rPr lang="en-US" b="0" i="1" smtClean="0">
+                          <a:solidFill>
+                            <a:schemeClr val="accent1">
+                              <a:lumMod val="50000"/>
+                            </a:schemeClr>
+                          </a:solidFill>
+                          <a:latin typeface="Cambria Math" panose="02040503050406030204" pitchFamily="18" charset="0"/>
+                        </a:rPr>
+                        <m:t>𝑒</m:t>
+                      </m:r>
+                      <m:d>
+                        <m:dPr>
+                          <m:ctrlPr>
+                            <a:rPr lang="en-US" b="0" i="1" smtClean="0">
+                              <a:solidFill>
+                                <a:schemeClr val="accent1">
+                                  <a:lumMod val="50000"/>
+                                </a:schemeClr>
+                              </a:solidFill>
+                              <a:latin typeface="Cambria Math" panose="02040503050406030204" pitchFamily="18" charset="0"/>
+                            </a:rPr>
+                          </m:ctrlPr>
+                        </m:dPr>
+                        <m:e>
+                          <m:sSubSup>
+                            <m:sSubSupPr>
+                              <m:ctrlPr>
+                                <a:rPr lang="en-US" b="0" i="1" smtClean="0">
+                                  <a:solidFill>
+                                    <a:schemeClr val="accent1">
+                                      <a:lumMod val="50000"/>
+                                    </a:schemeClr>
+                                  </a:solidFill>
+                                  <a:latin typeface="Cambria Math" panose="02040503050406030204" pitchFamily="18" charset="0"/>
+                                </a:rPr>
+                              </m:ctrlPr>
+                            </m:sSubSupPr>
+                            <m:e>
+                              <m:r>
+                                <a:rPr lang="en-US" b="0" i="1" smtClean="0">
+                                  <a:solidFill>
+                                    <a:schemeClr val="accent1">
+                                      <a:lumMod val="50000"/>
+                                    </a:schemeClr>
+                                  </a:solidFill>
+                                  <a:latin typeface="Cambria Math" panose="02040503050406030204" pitchFamily="18" charset="0"/>
+                                </a:rPr>
+                                <m:t>𝑥</m:t>
+                              </m:r>
+                            </m:e>
+                            <m:sub>
+                              <m:r>
+                                <a:rPr lang="en-US" b="0" i="1" smtClean="0">
+                                  <a:solidFill>
+                                    <a:schemeClr val="accent1">
+                                      <a:lumMod val="50000"/>
+                                    </a:schemeClr>
+                                  </a:solidFill>
+                                  <a:latin typeface="Cambria Math" panose="02040503050406030204" pitchFamily="18" charset="0"/>
+                                </a:rPr>
+                                <m:t>𝑖</m:t>
+                              </m:r>
+                            </m:sub>
+                            <m:sup>
+                              <m:d>
+                                <m:dPr>
+                                  <m:ctrlPr>
+                                    <a:rPr lang="en-US" b="0" i="1" smtClean="0">
+                                      <a:solidFill>
+                                        <a:schemeClr val="accent1">
+                                          <a:lumMod val="50000"/>
+                                        </a:schemeClr>
+                                      </a:solidFill>
+                                      <a:latin typeface="Cambria Math" panose="02040503050406030204" pitchFamily="18" charset="0"/>
+                                    </a:rPr>
+                                  </m:ctrlPr>
+                                </m:dPr>
+                                <m:e>
+                                  <m:r>
+                                    <a:rPr lang="en-US" b="0" i="1" smtClean="0">
+                                      <a:solidFill>
+                                        <a:schemeClr val="accent1">
+                                          <a:lumMod val="50000"/>
+                                        </a:schemeClr>
+                                      </a:solidFill>
+                                      <a:latin typeface="Cambria Math" panose="02040503050406030204" pitchFamily="18" charset="0"/>
+                                    </a:rPr>
+                                    <m:t>𝑡</m:t>
+                                  </m:r>
+                                </m:e>
+                              </m:d>
+                            </m:sup>
+                          </m:sSubSup>
+                          <m:r>
+                            <a:rPr lang="en-US" b="0" i="1" smtClean="0">
+                              <a:solidFill>
+                                <a:schemeClr val="accent1">
+                                  <a:lumMod val="50000"/>
+                                </a:schemeClr>
+                              </a:solidFill>
+                              <a:latin typeface="Cambria Math" panose="02040503050406030204" pitchFamily="18" charset="0"/>
+                            </a:rPr>
+                            <m:t>;</m:t>
+                          </m:r>
+                          <m:sSub>
+                            <m:sSubPr>
+                              <m:ctrlPr>
+                                <a:rPr lang="en-US" b="0" i="1" smtClean="0">
+                                  <a:solidFill>
+                                    <a:schemeClr val="accent1">
+                                      <a:lumMod val="50000"/>
+                                    </a:schemeClr>
+                                  </a:solidFill>
+                                  <a:latin typeface="Cambria Math" panose="02040503050406030204" pitchFamily="18" charset="0"/>
+                                </a:rPr>
+                              </m:ctrlPr>
+                            </m:sSubPr>
+                            <m:e>
+                              <m:r>
+                                <a:rPr lang="en-US" b="0" i="1" smtClean="0">
+                                  <a:solidFill>
+                                    <a:schemeClr val="accent1">
+                                      <a:lumMod val="50000"/>
+                                    </a:schemeClr>
+                                  </a:solidFill>
+                                  <a:latin typeface="Cambria Math" panose="02040503050406030204" pitchFamily="18" charset="0"/>
+                                </a:rPr>
+                                <m:t>𝑊</m:t>
+                              </m:r>
+                            </m:e>
+                            <m:sub>
+                              <m:r>
+                                <a:rPr lang="en-US" b="0" i="1" smtClean="0">
+                                  <a:solidFill>
+                                    <a:schemeClr val="accent1">
+                                      <a:lumMod val="50000"/>
+                                    </a:schemeClr>
+                                  </a:solidFill>
+                                  <a:latin typeface="Cambria Math" panose="02040503050406030204" pitchFamily="18" charset="0"/>
+                                </a:rPr>
+                                <m:t>𝑒</m:t>
+                              </m:r>
+                            </m:sub>
+                          </m:sSub>
+                        </m:e>
+                      </m:d>
+                      <m:r>
+                        <a:rPr lang="en-US" b="0" i="1" smtClean="0">
+                          <a:solidFill>
+                            <a:srgbClr val="C00000"/>
+                          </a:solidFill>
+                          <a:latin typeface="Cambria Math" panose="02040503050406030204" pitchFamily="18" charset="0"/>
+                        </a:rPr>
+                        <m:t>; </m:t>
+                      </m:r>
+                      <m:sSub>
+                        <m:sSubPr>
+                          <m:ctrlPr>
+                            <a:rPr lang="en-US" b="0" i="1" smtClean="0">
+                              <a:solidFill>
+                                <a:srgbClr val="C00000"/>
+                              </a:solidFill>
+                              <a:latin typeface="Cambria Math" panose="02040503050406030204" pitchFamily="18" charset="0"/>
+                            </a:rPr>
+                          </m:ctrlPr>
+                        </m:sSubPr>
+                        <m:e>
+                          <m:r>
+                            <a:rPr lang="en-US" b="0" i="1" smtClean="0">
+                              <a:solidFill>
+                                <a:srgbClr val="C00000"/>
+                              </a:solidFill>
+                              <a:latin typeface="Cambria Math" panose="02040503050406030204" pitchFamily="18" charset="0"/>
+                            </a:rPr>
+                            <m:t>𝑊</m:t>
+                          </m:r>
+                        </m:e>
+                        <m:sub>
+                          <m:r>
+                            <a:rPr lang="en-US" b="0" i="1" smtClean="0">
+                              <a:solidFill>
+                                <a:srgbClr val="C00000"/>
+                              </a:solidFill>
+                              <a:latin typeface="Cambria Math" panose="02040503050406030204" pitchFamily="18" charset="0"/>
+                            </a:rPr>
+                            <m:t>𝑑</m:t>
+                          </m:r>
+                        </m:sub>
+                      </m:sSub>
+                      <m:r>
+                        <a:rPr lang="en-US" b="0" i="1" smtClean="0">
+                          <a:solidFill>
+                            <a:srgbClr val="C00000"/>
+                          </a:solidFill>
+                          <a:latin typeface="Cambria Math" panose="02040503050406030204" pitchFamily="18" charset="0"/>
+                        </a:rPr>
+                        <m:t>)</m:t>
+                      </m:r>
+                    </m:oMath>
+                  </m:oMathPara>
+                </a14:m>
+                <a:endParaRPr lang="fr-FR" dirty="0">
+                  <a:solidFill>
+                    <a:schemeClr val="accent1">
+                      <a:lumMod val="50000"/>
+                    </a:schemeClr>
+                  </a:solidFill>
+                </a:endParaRPr>
+              </a:p>
+            </p:txBody>
+          </p:sp>
+        </mc:Choice>
+        <mc:Fallback>
+          <p:sp>
+            <p:nvSpPr>
+              <p:cNvPr id="24" name="ZoneTexte 23">
+                <a:extLst>
+                  <a:ext uri="{FF2B5EF4-FFF2-40B4-BE49-F238E27FC236}">
+                    <a16:creationId xmlns:a16="http://schemas.microsoft.com/office/drawing/2014/main" id="{14B54398-E6D9-43A7-A3F4-33BFA1BB21E2}"/>
+                  </a:ext>
+                </a:extLst>
+              </p:cNvPr>
+              <p:cNvSpPr txBox="1">
+                <a:spLocks noRot="1" noChangeAspect="1" noMove="1" noResize="1" noEditPoints="1" noAdjustHandles="1" noChangeArrowheads="1" noChangeShapeType="1" noTextEdit="1"/>
+              </p:cNvSpPr>
+              <p:nvPr/>
+            </p:nvSpPr>
+            <p:spPr>
+              <a:xfrm>
+                <a:off x="6673972" y="4979574"/>
+                <a:ext cx="2008883" cy="414537"/>
+              </a:xfrm>
+              <a:prstGeom prst="rect">
+                <a:avLst/>
+              </a:prstGeom>
+              <a:blipFill>
+                <a:blip r:embed="rId3"/>
+                <a:stretch>
+                  <a:fillRect l="-2432" r="-4255" b="-7353"/>
+                </a:stretch>
+              </a:blipFill>
+            </p:spPr>
+            <p:txBody>
+              <a:bodyPr/>
+              <a:lstStyle/>
+              <a:p>
+                <a:r>
+                  <a:rPr lang="fr-FR">
+                    <a:noFill/>
+                  </a:rPr>
+                  <a:t> </a:t>
+                </a:r>
+              </a:p>
+            </p:txBody>
+          </p:sp>
+        </mc:Fallback>
+      </mc:AlternateContent>
+      <p:sp>
+        <p:nvSpPr>
+          <p:cNvPr id="28" name="Flèche : droite 27">
+            <a:extLst>
+              <a:ext uri="{FF2B5EF4-FFF2-40B4-BE49-F238E27FC236}">
+                <a16:creationId xmlns:a16="http://schemas.microsoft.com/office/drawing/2014/main" id="{52718AF5-5B05-4ABC-9ABF-15BB0847FF5C}"/>
+              </a:ext>
+            </a:extLst>
+          </p:cNvPr>
+          <p:cNvSpPr/>
+          <p:nvPr/>
+        </p:nvSpPr>
+        <p:spPr>
+          <a:xfrm>
+            <a:off x="1172974" y="2295353"/>
+            <a:ext cx="978408" cy="484632"/>
+          </a:xfrm>
+          <a:prstGeom prst="rightArrow">
+            <a:avLst/>
+          </a:prstGeom>
+          <a:solidFill>
+            <a:schemeClr val="accent5">
+              <a:lumMod val="20000"/>
+              <a:lumOff val="80000"/>
+            </a:schemeClr>
+          </a:solidFill>
+          <a:ln>
+            <a:solidFill>
+              <a:schemeClr val="accent1">
+                <a:lumMod val="60000"/>
+                <a:lumOff val="40000"/>
+              </a:schemeClr>
+            </a:solidFill>
+          </a:ln>
+        </p:spPr>
+        <p:style>
+          <a:lnRef idx="2">
+            <a:schemeClr val="accent1">
+              <a:shade val="50000"/>
+            </a:schemeClr>
+          </a:lnRef>
+          <a:fillRef idx="1">
+            <a:schemeClr val="accent1"/>
+          </a:fillRef>
+          <a:effectRef idx="0">
+            <a:schemeClr val="accent1"/>
+          </a:effectRef>
+          <a:fontRef idx="minor">
+            <a:schemeClr val="lt1"/>
+          </a:fontRef>
+        </p:style>
+        <p:txBody>
+          <a:bodyPr rtlCol="0" anchor="ctr"/>
+          <a:lstStyle/>
+          <a:p>
+            <a:pPr algn="ctr"/>
+            <a:endParaRPr lang="fr-FR"/>
+          </a:p>
+        </p:txBody>
+      </p:sp>
+      <p:sp>
+        <p:nvSpPr>
+          <p:cNvPr id="30" name="Flèche : droite 29">
+            <a:extLst>
+              <a:ext uri="{FF2B5EF4-FFF2-40B4-BE49-F238E27FC236}">
+                <a16:creationId xmlns:a16="http://schemas.microsoft.com/office/drawing/2014/main" id="{31095BDC-0252-4F20-ABC7-7EB2DF76C0FA}"/>
+              </a:ext>
+            </a:extLst>
+          </p:cNvPr>
+          <p:cNvSpPr/>
+          <p:nvPr/>
+        </p:nvSpPr>
+        <p:spPr>
+          <a:xfrm>
+            <a:off x="1173085" y="1458550"/>
+            <a:ext cx="978408" cy="484632"/>
+          </a:xfrm>
+          <a:prstGeom prst="rightArrow">
+            <a:avLst/>
+          </a:prstGeom>
+          <a:solidFill>
+            <a:schemeClr val="accent5">
+              <a:lumMod val="20000"/>
+              <a:lumOff val="80000"/>
+            </a:schemeClr>
+          </a:solidFill>
+          <a:ln>
+            <a:solidFill>
+              <a:schemeClr val="accent1">
+                <a:lumMod val="60000"/>
+                <a:lumOff val="40000"/>
+              </a:schemeClr>
+            </a:solidFill>
+          </a:ln>
+        </p:spPr>
+        <p:style>
+          <a:lnRef idx="2">
+            <a:schemeClr val="accent1">
+              <a:shade val="50000"/>
+            </a:schemeClr>
+          </a:lnRef>
+          <a:fillRef idx="1">
+            <a:schemeClr val="accent1"/>
+          </a:fillRef>
+          <a:effectRef idx="0">
+            <a:schemeClr val="accent1"/>
+          </a:effectRef>
+          <a:fontRef idx="minor">
+            <a:schemeClr val="lt1"/>
+          </a:fontRef>
+        </p:style>
+        <p:txBody>
+          <a:bodyPr rtlCol="0" anchor="ctr"/>
+          <a:lstStyle/>
+          <a:p>
+            <a:pPr algn="ctr"/>
+            <a:endParaRPr lang="fr-FR"/>
+          </a:p>
+        </p:txBody>
+      </p:sp>
+      <p:sp>
+        <p:nvSpPr>
+          <p:cNvPr id="33" name="Flèche : droite 32">
+            <a:extLst>
+              <a:ext uri="{FF2B5EF4-FFF2-40B4-BE49-F238E27FC236}">
+                <a16:creationId xmlns:a16="http://schemas.microsoft.com/office/drawing/2014/main" id="{F86CE612-53CC-47C9-9236-3D12E63145A5}"/>
+              </a:ext>
+            </a:extLst>
+          </p:cNvPr>
+          <p:cNvSpPr/>
+          <p:nvPr/>
+        </p:nvSpPr>
+        <p:spPr>
+          <a:xfrm>
+            <a:off x="1172974" y="3132156"/>
+            <a:ext cx="978408" cy="484632"/>
+          </a:xfrm>
+          <a:prstGeom prst="rightArrow">
+            <a:avLst/>
+          </a:prstGeom>
+          <a:solidFill>
+            <a:schemeClr val="accent5">
+              <a:lumMod val="20000"/>
+              <a:lumOff val="80000"/>
+            </a:schemeClr>
+          </a:solidFill>
+          <a:ln>
+            <a:solidFill>
+              <a:schemeClr val="accent1">
+                <a:lumMod val="60000"/>
+                <a:lumOff val="40000"/>
+              </a:schemeClr>
+            </a:solidFill>
+          </a:ln>
+        </p:spPr>
+        <p:style>
+          <a:lnRef idx="2">
+            <a:schemeClr val="accent1">
+              <a:shade val="50000"/>
+            </a:schemeClr>
+          </a:lnRef>
+          <a:fillRef idx="1">
+            <a:schemeClr val="accent1"/>
+          </a:fillRef>
+          <a:effectRef idx="0">
+            <a:schemeClr val="accent1"/>
+          </a:effectRef>
+          <a:fontRef idx="minor">
+            <a:schemeClr val="lt1"/>
+          </a:fontRef>
+        </p:style>
+        <p:txBody>
+          <a:bodyPr rtlCol="0" anchor="ctr"/>
+          <a:lstStyle/>
+          <a:p>
+            <a:pPr algn="ctr"/>
+            <a:endParaRPr lang="fr-FR"/>
+          </a:p>
+        </p:txBody>
+      </p:sp>
+      <p:sp>
+        <p:nvSpPr>
+          <p:cNvPr id="19" name="ZoneTexte 18">
+            <a:extLst>
+              <a:ext uri="{FF2B5EF4-FFF2-40B4-BE49-F238E27FC236}">
+                <a16:creationId xmlns:a16="http://schemas.microsoft.com/office/drawing/2014/main" id="{76ADC071-0A0D-42FC-92CC-90CD5C2541C0}"/>
+              </a:ext>
+            </a:extLst>
+          </p:cNvPr>
+          <p:cNvSpPr txBox="1"/>
+          <p:nvPr/>
+        </p:nvSpPr>
+        <p:spPr>
+          <a:xfrm rot="16200000">
+            <a:off x="-392793" y="2353003"/>
+            <a:ext cx="1497526" cy="369332"/>
+          </a:xfrm>
+          <a:prstGeom prst="rect">
+            <a:avLst/>
+          </a:prstGeom>
+          <a:noFill/>
+        </p:spPr>
+        <p:txBody>
+          <a:bodyPr wrap="none" rtlCol="0">
+            <a:spAutoFit/>
+          </a:bodyPr>
+          <a:lstStyle/>
+          <a:p>
+            <a:r>
+              <a:rPr lang="en-US" dirty="0">
+                <a:latin typeface="Ubuntu" panose="020B0504030602030204" pitchFamily="34" charset="0"/>
+              </a:rPr>
+              <a:t>INPUT DATA</a:t>
+            </a:r>
+            <a:endParaRPr lang="fr-FR" dirty="0">
+              <a:latin typeface="Ubuntu" panose="020B0504030602030204" pitchFamily="34" charset="0"/>
+            </a:endParaRPr>
+          </a:p>
+        </p:txBody>
+      </p:sp>
+      <mc:AlternateContent xmlns:mc="http://schemas.openxmlformats.org/markup-compatibility/2006">
+        <mc:Choice xmlns:a14="http://schemas.microsoft.com/office/drawing/2010/main" Requires="a14">
+          <p:sp>
+            <p:nvSpPr>
+              <p:cNvPr id="21" name="ZoneTexte 20">
+                <a:extLst>
+                  <a:ext uri="{FF2B5EF4-FFF2-40B4-BE49-F238E27FC236}">
+                    <a16:creationId xmlns:a16="http://schemas.microsoft.com/office/drawing/2014/main" id="{ABA48E0A-19D7-491A-A520-F11B1859FDD3}"/>
+                  </a:ext>
+                </a:extLst>
+              </p:cNvPr>
+              <p:cNvSpPr txBox="1"/>
+              <p:nvPr/>
+            </p:nvSpPr>
+            <p:spPr>
+              <a:xfrm>
+                <a:off x="590510" y="2295353"/>
+                <a:ext cx="602473" cy="444930"/>
+              </a:xfrm>
+              <a:prstGeom prst="rect">
+                <a:avLst/>
+              </a:prstGeom>
+              <a:noFill/>
+            </p:spPr>
+            <p:txBody>
+              <a:bodyPr wrap="none" rtlCol="0">
+                <a:spAutoFit/>
+              </a:bodyPr>
+              <a:lstStyle/>
+              <a:p>
+                <a14:m>
+                  <m:oMathPara xmlns:m="http://schemas.openxmlformats.org/officeDocument/2006/math">
+                    <m:oMathParaPr>
+                      <m:jc m:val="centerGroup"/>
+                    </m:oMathParaPr>
+                    <m:oMath xmlns:m="http://schemas.openxmlformats.org/officeDocument/2006/math">
+                      <m:sSubSup>
+                        <m:sSubSupPr>
+                          <m:ctrlPr>
+                            <a:rPr lang="fr-FR" i="1" smtClean="0">
+                              <a:latin typeface="Cambria Math" panose="02040503050406030204" pitchFamily="18" charset="0"/>
+                            </a:rPr>
+                          </m:ctrlPr>
+                        </m:sSubSupPr>
+                        <m:e>
+                          <m:r>
+                            <a:rPr lang="en-US" b="0" i="1" smtClean="0">
+                              <a:latin typeface="Cambria Math" panose="02040503050406030204" pitchFamily="18" charset="0"/>
+                            </a:rPr>
+                            <m:t>𝑥</m:t>
+                          </m:r>
+                        </m:e>
+                        <m:sub>
+                          <m:r>
+                            <a:rPr lang="en-US" b="0" i="1" smtClean="0">
+                              <a:latin typeface="Cambria Math" panose="02040503050406030204" pitchFamily="18" charset="0"/>
+                            </a:rPr>
+                            <m:t>𝑖</m:t>
+                          </m:r>
+                        </m:sub>
+                        <m:sup>
+                          <m:r>
+                            <a:rPr lang="en-US" b="0" i="1" smtClean="0">
+                              <a:latin typeface="Cambria Math" panose="02040503050406030204" pitchFamily="18" charset="0"/>
+                            </a:rPr>
+                            <m:t>(</m:t>
+                          </m:r>
+                          <m:r>
+                            <a:rPr lang="en-US" b="0" i="1" smtClean="0">
+                              <a:latin typeface="Cambria Math" panose="02040503050406030204" pitchFamily="18" charset="0"/>
+                            </a:rPr>
+                            <m:t>𝑡</m:t>
+                          </m:r>
+                          <m:r>
+                            <a:rPr lang="en-US" b="0" i="1" smtClean="0">
+                              <a:latin typeface="Cambria Math" panose="02040503050406030204" pitchFamily="18" charset="0"/>
+                            </a:rPr>
+                            <m:t>)</m:t>
+                          </m:r>
+                        </m:sup>
+                      </m:sSubSup>
+                    </m:oMath>
+                  </m:oMathPara>
+                </a14:m>
+                <a:endParaRPr lang="fr-FR" dirty="0"/>
+              </a:p>
+            </p:txBody>
+          </p:sp>
+        </mc:Choice>
+        <mc:Fallback>
+          <p:sp>
+            <p:nvSpPr>
+              <p:cNvPr id="21" name="ZoneTexte 20">
+                <a:extLst>
+                  <a:ext uri="{FF2B5EF4-FFF2-40B4-BE49-F238E27FC236}">
+                    <a16:creationId xmlns:a16="http://schemas.microsoft.com/office/drawing/2014/main" id="{ABA48E0A-19D7-491A-A520-F11B1859FDD3}"/>
+                  </a:ext>
+                </a:extLst>
+              </p:cNvPr>
+              <p:cNvSpPr txBox="1">
+                <a:spLocks noRot="1" noChangeAspect="1" noMove="1" noResize="1" noEditPoints="1" noAdjustHandles="1" noChangeArrowheads="1" noChangeShapeType="1" noTextEdit="1"/>
+              </p:cNvSpPr>
+              <p:nvPr/>
+            </p:nvSpPr>
+            <p:spPr>
+              <a:xfrm>
+                <a:off x="590510" y="2295353"/>
+                <a:ext cx="602473" cy="444930"/>
+              </a:xfrm>
+              <a:prstGeom prst="rect">
+                <a:avLst/>
+              </a:prstGeom>
+              <a:blipFill>
+                <a:blip r:embed="rId4"/>
+                <a:stretch>
+                  <a:fillRect b="-4110"/>
+                </a:stretch>
+              </a:blipFill>
+            </p:spPr>
+            <p:txBody>
+              <a:bodyPr/>
+              <a:lstStyle/>
+              <a:p>
+                <a:r>
+                  <a:rPr lang="fr-FR">
+                    <a:noFill/>
+                  </a:rPr>
+                  <a:t> </a:t>
+                </a:r>
+              </a:p>
+            </p:txBody>
+          </p:sp>
+        </mc:Fallback>
+      </mc:AlternateContent>
+      <p:sp>
+        <p:nvSpPr>
+          <p:cNvPr id="39" name="Flèche : droite 38">
+            <a:extLst>
+              <a:ext uri="{FF2B5EF4-FFF2-40B4-BE49-F238E27FC236}">
+                <a16:creationId xmlns:a16="http://schemas.microsoft.com/office/drawing/2014/main" id="{6EE22E31-8A99-4DE9-B549-6BF6EFEE7E1D}"/>
+              </a:ext>
+            </a:extLst>
+          </p:cNvPr>
+          <p:cNvSpPr/>
+          <p:nvPr/>
+        </p:nvSpPr>
+        <p:spPr>
+          <a:xfrm>
+            <a:off x="9194416" y="2295353"/>
+            <a:ext cx="978408" cy="484632"/>
+          </a:xfrm>
+          <a:prstGeom prst="rightArrow">
+            <a:avLst/>
+          </a:prstGeom>
+          <a:solidFill>
+            <a:srgbClr val="F8DEDE"/>
+          </a:solidFill>
+          <a:ln>
+            <a:solidFill>
+              <a:srgbClr val="FFABAB"/>
+            </a:solidFill>
+          </a:ln>
+        </p:spPr>
+        <p:style>
+          <a:lnRef idx="2">
+            <a:schemeClr val="accent1">
+              <a:shade val="50000"/>
+            </a:schemeClr>
+          </a:lnRef>
+          <a:fillRef idx="1">
+            <a:schemeClr val="accent1"/>
+          </a:fillRef>
+          <a:effectRef idx="0">
+            <a:schemeClr val="accent1"/>
+          </a:effectRef>
+          <a:fontRef idx="minor">
+            <a:schemeClr val="lt1"/>
+          </a:fontRef>
+        </p:style>
+        <p:txBody>
+          <a:bodyPr rtlCol="0" anchor="ctr"/>
+          <a:lstStyle/>
+          <a:p>
+            <a:pPr algn="ctr"/>
+            <a:endParaRPr lang="fr-FR"/>
+          </a:p>
+        </p:txBody>
+      </p:sp>
+      <p:sp>
+        <p:nvSpPr>
+          <p:cNvPr id="40" name="Flèche : droite 39">
+            <a:extLst>
+              <a:ext uri="{FF2B5EF4-FFF2-40B4-BE49-F238E27FC236}">
+                <a16:creationId xmlns:a16="http://schemas.microsoft.com/office/drawing/2014/main" id="{6903026D-836A-4ABD-AA00-F4A91A079886}"/>
+              </a:ext>
+            </a:extLst>
+          </p:cNvPr>
+          <p:cNvSpPr/>
+          <p:nvPr/>
+        </p:nvSpPr>
+        <p:spPr>
+          <a:xfrm>
+            <a:off x="9194527" y="1458550"/>
+            <a:ext cx="978408" cy="484632"/>
+          </a:xfrm>
+          <a:prstGeom prst="rightArrow">
+            <a:avLst/>
+          </a:prstGeom>
+          <a:solidFill>
+            <a:srgbClr val="F8DEDE"/>
+          </a:solidFill>
+          <a:ln>
+            <a:solidFill>
+              <a:srgbClr val="FFABAB"/>
+            </a:solidFill>
+          </a:ln>
+        </p:spPr>
+        <p:style>
+          <a:lnRef idx="2">
+            <a:schemeClr val="accent1">
+              <a:shade val="50000"/>
+            </a:schemeClr>
+          </a:lnRef>
+          <a:fillRef idx="1">
+            <a:schemeClr val="accent1"/>
+          </a:fillRef>
+          <a:effectRef idx="0">
+            <a:schemeClr val="accent1"/>
+          </a:effectRef>
+          <a:fontRef idx="minor">
+            <a:schemeClr val="lt1"/>
+          </a:fontRef>
+        </p:style>
+        <p:txBody>
+          <a:bodyPr rtlCol="0" anchor="ctr"/>
+          <a:lstStyle/>
+          <a:p>
+            <a:pPr algn="ctr"/>
+            <a:endParaRPr lang="fr-FR"/>
+          </a:p>
+        </p:txBody>
+      </p:sp>
+      <p:sp>
+        <p:nvSpPr>
+          <p:cNvPr id="42" name="Flèche : droite 41">
+            <a:extLst>
+              <a:ext uri="{FF2B5EF4-FFF2-40B4-BE49-F238E27FC236}">
+                <a16:creationId xmlns:a16="http://schemas.microsoft.com/office/drawing/2014/main" id="{E7D6AD77-14E6-4BFB-9AC6-B608D0760AF9}"/>
+              </a:ext>
+            </a:extLst>
+          </p:cNvPr>
+          <p:cNvSpPr/>
+          <p:nvPr/>
+        </p:nvSpPr>
+        <p:spPr>
+          <a:xfrm>
+            <a:off x="9194416" y="3132156"/>
+            <a:ext cx="978408" cy="484632"/>
+          </a:xfrm>
+          <a:prstGeom prst="rightArrow">
+            <a:avLst/>
+          </a:prstGeom>
+          <a:solidFill>
+            <a:srgbClr val="F8DEDE"/>
+          </a:solidFill>
+          <a:ln>
+            <a:solidFill>
+              <a:srgbClr val="FFABAB"/>
+            </a:solidFill>
+          </a:ln>
+        </p:spPr>
+        <p:style>
+          <a:lnRef idx="2">
+            <a:schemeClr val="accent1">
+              <a:shade val="50000"/>
+            </a:schemeClr>
+          </a:lnRef>
+          <a:fillRef idx="1">
+            <a:schemeClr val="accent1"/>
+          </a:fillRef>
+          <a:effectRef idx="0">
+            <a:schemeClr val="accent1"/>
+          </a:effectRef>
+          <a:fontRef idx="minor">
+            <a:schemeClr val="lt1"/>
+          </a:fontRef>
+        </p:style>
+        <p:txBody>
+          <a:bodyPr rtlCol="0" anchor="ctr"/>
+          <a:lstStyle/>
+          <a:p>
+            <a:pPr algn="ctr"/>
+            <a:endParaRPr lang="fr-FR"/>
+          </a:p>
+        </p:txBody>
+      </p:sp>
+      <p:sp>
+        <p:nvSpPr>
+          <p:cNvPr id="44" name="ZoneTexte 43">
+            <a:extLst>
+              <a:ext uri="{FF2B5EF4-FFF2-40B4-BE49-F238E27FC236}">
+                <a16:creationId xmlns:a16="http://schemas.microsoft.com/office/drawing/2014/main" id="{4C5F5C7D-13C4-4BCE-88F4-BCD20E718ED6}"/>
+              </a:ext>
+            </a:extLst>
+          </p:cNvPr>
+          <p:cNvSpPr txBox="1"/>
+          <p:nvPr/>
+        </p:nvSpPr>
+        <p:spPr>
+          <a:xfrm rot="16200000">
+            <a:off x="9837662" y="2333152"/>
+            <a:ext cx="2731838" cy="369332"/>
+          </a:xfrm>
+          <a:prstGeom prst="rect">
+            <a:avLst/>
+          </a:prstGeom>
+          <a:noFill/>
+        </p:spPr>
+        <p:txBody>
+          <a:bodyPr wrap="none" rtlCol="0">
+            <a:spAutoFit/>
+          </a:bodyPr>
+          <a:lstStyle/>
+          <a:p>
+            <a:r>
+              <a:rPr lang="en-US" dirty="0">
+                <a:latin typeface="Ubuntu" panose="020B0504030602030204" pitchFamily="34" charset="0"/>
+              </a:rPr>
+              <a:t>RECONSTRUCTED DATA</a:t>
+            </a:r>
+            <a:endParaRPr lang="fr-FR" dirty="0">
+              <a:latin typeface="Ubuntu" panose="020B0504030602030204" pitchFamily="34" charset="0"/>
+            </a:endParaRPr>
+          </a:p>
+        </p:txBody>
+      </p:sp>
+      <mc:AlternateContent xmlns:mc="http://schemas.openxmlformats.org/markup-compatibility/2006">
+        <mc:Choice xmlns:a14="http://schemas.microsoft.com/office/drawing/2010/main" Requires="a14">
+          <p:sp>
+            <p:nvSpPr>
+              <p:cNvPr id="22" name="ZoneTexte 21">
+                <a:extLst>
+                  <a:ext uri="{FF2B5EF4-FFF2-40B4-BE49-F238E27FC236}">
+                    <a16:creationId xmlns:a16="http://schemas.microsoft.com/office/drawing/2014/main" id="{DDBAA101-3EE1-44EC-A684-42ACC6617CBA}"/>
+                  </a:ext>
+                </a:extLst>
+              </p:cNvPr>
+              <p:cNvSpPr txBox="1"/>
+              <p:nvPr/>
+            </p:nvSpPr>
+            <p:spPr>
+              <a:xfrm>
+                <a:off x="10425002" y="2322618"/>
+                <a:ext cx="417807" cy="352597"/>
+              </a:xfrm>
+              <a:prstGeom prst="rect">
+                <a:avLst/>
+              </a:prstGeom>
+              <a:noFill/>
+            </p:spPr>
+            <p:txBody>
+              <a:bodyPr wrap="none" lIns="0" tIns="0" rIns="0" bIns="0" rtlCol="0">
+                <a:spAutoFit/>
+              </a:bodyPr>
+              <a:lstStyle/>
+              <a:p>
+                <a14:m>
+                  <m:oMathPara xmlns:m="http://schemas.openxmlformats.org/officeDocument/2006/math">
+                    <m:oMathParaPr>
+                      <m:jc m:val="centerGroup"/>
+                    </m:oMathParaPr>
+                    <m:oMath xmlns:m="http://schemas.openxmlformats.org/officeDocument/2006/math">
+                      <m:sSubSup>
+                        <m:sSubSupPr>
+                          <m:ctrlPr>
+                            <a:rPr lang="fr-FR" i="1" smtClean="0">
+                              <a:latin typeface="Cambria Math" panose="02040503050406030204" pitchFamily="18" charset="0"/>
+                            </a:rPr>
+                          </m:ctrlPr>
+                        </m:sSubSupPr>
+                        <m:e>
+                          <m:acc>
+                            <m:accPr>
+                              <m:chr m:val="̃"/>
+                              <m:ctrlPr>
+                                <a:rPr lang="fr-FR" i="1" smtClean="0">
+                                  <a:latin typeface="Cambria Math" panose="02040503050406030204" pitchFamily="18" charset="0"/>
+                                </a:rPr>
+                              </m:ctrlPr>
+                            </m:accPr>
+                            <m:e>
+                              <m:r>
+                                <a:rPr lang="en-US" b="0" i="1" smtClean="0">
+                                  <a:latin typeface="Cambria Math" panose="02040503050406030204" pitchFamily="18" charset="0"/>
+                                </a:rPr>
+                                <m:t>𝑥</m:t>
+                              </m:r>
+                            </m:e>
+                          </m:acc>
+                        </m:e>
+                        <m:sub>
+                          <m:r>
+                            <a:rPr lang="en-US" b="0" i="1" smtClean="0">
+                              <a:latin typeface="Cambria Math" panose="02040503050406030204" pitchFamily="18" charset="0"/>
+                            </a:rPr>
+                            <m:t>𝑖</m:t>
+                          </m:r>
+                        </m:sub>
+                        <m:sup>
+                          <m:r>
+                            <a:rPr lang="en-US" b="0" i="1" smtClean="0">
+                              <a:latin typeface="Cambria Math" panose="02040503050406030204" pitchFamily="18" charset="0"/>
+                            </a:rPr>
+                            <m:t>(</m:t>
+                          </m:r>
+                          <m:r>
+                            <a:rPr lang="en-US" b="0" i="1" smtClean="0">
+                              <a:latin typeface="Cambria Math" panose="02040503050406030204" pitchFamily="18" charset="0"/>
+                            </a:rPr>
+                            <m:t>𝑡</m:t>
+                          </m:r>
+                          <m:r>
+                            <a:rPr lang="en-US" b="0" i="1" smtClean="0">
+                              <a:latin typeface="Cambria Math" panose="02040503050406030204" pitchFamily="18" charset="0"/>
+                            </a:rPr>
+                            <m:t>)</m:t>
+                          </m:r>
+                        </m:sup>
+                      </m:sSubSup>
+                    </m:oMath>
+                  </m:oMathPara>
+                </a14:m>
+                <a:endParaRPr lang="fr-FR" dirty="0"/>
+              </a:p>
+            </p:txBody>
+          </p:sp>
+        </mc:Choice>
+        <mc:Fallback>
+          <p:sp>
+            <p:nvSpPr>
+              <p:cNvPr id="22" name="ZoneTexte 21">
+                <a:extLst>
+                  <a:ext uri="{FF2B5EF4-FFF2-40B4-BE49-F238E27FC236}">
+                    <a16:creationId xmlns:a16="http://schemas.microsoft.com/office/drawing/2014/main" id="{DDBAA101-3EE1-44EC-A684-42ACC6617CBA}"/>
+                  </a:ext>
+                </a:extLst>
+              </p:cNvPr>
+              <p:cNvSpPr txBox="1">
+                <a:spLocks noRot="1" noChangeAspect="1" noMove="1" noResize="1" noEditPoints="1" noAdjustHandles="1" noChangeArrowheads="1" noChangeShapeType="1" noTextEdit="1"/>
+              </p:cNvSpPr>
+              <p:nvPr/>
+            </p:nvSpPr>
+            <p:spPr>
+              <a:xfrm>
+                <a:off x="10425002" y="2322618"/>
+                <a:ext cx="417807" cy="352597"/>
+              </a:xfrm>
+              <a:prstGeom prst="rect">
+                <a:avLst/>
+              </a:prstGeom>
+              <a:blipFill>
+                <a:blip r:embed="rId5"/>
+                <a:stretch>
+                  <a:fillRect l="-7246" t="-3448" r="-17391" b="-18966"/>
+                </a:stretch>
+              </a:blipFill>
+            </p:spPr>
+            <p:txBody>
+              <a:bodyPr/>
+              <a:lstStyle/>
+              <a:p>
+                <a:r>
+                  <a:rPr lang="fr-FR">
+                    <a:noFill/>
+                  </a:rPr>
+                  <a:t> </a:t>
+                </a:r>
+              </a:p>
+            </p:txBody>
+          </p:sp>
+        </mc:Fallback>
+      </mc:AlternateContent>
     </p:spTree>
     <p:extLst>
       <p:ext uri="{BB962C8B-B14F-4D97-AF65-F5344CB8AC3E}">
@@ -8106,6 +9374,86 @@
 </file>
 
 <file path=ppt/slides/slide4.xml><?xml version="1.0" encoding="utf-8"?>
+<p:sld xmlns:a="http://schemas.openxmlformats.org/drawingml/2006/main" xmlns:r="http://schemas.openxmlformats.org/officeDocument/2006/relationships" xmlns:p="http://schemas.openxmlformats.org/presentationml/2006/main">
+  <p:cSld>
+    <p:spTree>
+      <p:nvGrpSpPr>
+        <p:cNvPr id="1" name=""/>
+        <p:cNvGrpSpPr/>
+        <p:nvPr/>
+      </p:nvGrpSpPr>
+      <p:grpSpPr>
+        <a:xfrm>
+          <a:off x="0" y="0"/>
+          <a:ext cx="0" cy="0"/>
+          <a:chOff x="0" y="0"/>
+          <a:chExt cx="0" cy="0"/>
+        </a:xfrm>
+      </p:grpSpPr>
+      <p:sp>
+        <p:nvSpPr>
+          <p:cNvPr id="2" name="Titre 1">
+            <a:extLst>
+              <a:ext uri="{FF2B5EF4-FFF2-40B4-BE49-F238E27FC236}">
+                <a16:creationId xmlns:a16="http://schemas.microsoft.com/office/drawing/2014/main" id="{558E026A-D247-4E57-A8F0-E96EA3AFD2E1}"/>
+              </a:ext>
+            </a:extLst>
+          </p:cNvPr>
+          <p:cNvSpPr>
+            <a:spLocks noGrp="1"/>
+          </p:cNvSpPr>
+          <p:nvPr>
+            <p:ph type="title"/>
+          </p:nvPr>
+        </p:nvSpPr>
+        <p:spPr/>
+        <p:txBody>
+          <a:bodyPr/>
+          <a:lstStyle/>
+          <a:p>
+            <a:endParaRPr lang="fr-FR"/>
+          </a:p>
+        </p:txBody>
+      </p:sp>
+      <p:sp>
+        <p:nvSpPr>
+          <p:cNvPr id="3" name="Espace réservé du contenu 2">
+            <a:extLst>
+              <a:ext uri="{FF2B5EF4-FFF2-40B4-BE49-F238E27FC236}">
+                <a16:creationId xmlns:a16="http://schemas.microsoft.com/office/drawing/2014/main" id="{4BE63225-0500-4586-9F32-3CA77507B741}"/>
+              </a:ext>
+            </a:extLst>
+          </p:cNvPr>
+          <p:cNvSpPr>
+            <a:spLocks noGrp="1"/>
+          </p:cNvSpPr>
+          <p:nvPr>
+            <p:ph idx="1"/>
+          </p:nvPr>
+        </p:nvSpPr>
+        <p:spPr/>
+        <p:txBody>
+          <a:bodyPr/>
+          <a:lstStyle/>
+          <a:p>
+            <a:endParaRPr lang="fr-FR"/>
+          </a:p>
+        </p:txBody>
+      </p:sp>
+    </p:spTree>
+    <p:extLst>
+      <p:ext uri="{BB962C8B-B14F-4D97-AF65-F5344CB8AC3E}">
+        <p14:creationId xmlns:p14="http://schemas.microsoft.com/office/powerpoint/2010/main" val="613631919"/>
+      </p:ext>
+    </p:extLst>
+  </p:cSld>
+  <p:clrMapOvr>
+    <a:masterClrMapping/>
+  </p:clrMapOvr>
+</p:sld>
+</file>
+
+<file path=ppt/slides/slide5.xml><?xml version="1.0" encoding="utf-8"?>
 <p:sld xmlns:a="http://schemas.openxmlformats.org/drawingml/2006/main" xmlns:r="http://schemas.openxmlformats.org/officeDocument/2006/relationships" xmlns:p="http://schemas.openxmlformats.org/presentationml/2006/main">
   <p:cSld>
     <p:spTree>

--- a/article/text_similarity_support.pptx
+++ b/article/text_similarity_support.pptx
@@ -9,7 +9,8 @@
     <p:sldId id="257" r:id="rId3"/>
     <p:sldId id="258" r:id="rId4"/>
     <p:sldId id="260" r:id="rId5"/>
-    <p:sldId id="259" r:id="rId6"/>
+    <p:sldId id="261" r:id="rId6"/>
+    <p:sldId id="269" r:id="rId7"/>
   </p:sldIdLst>
   <p:sldSz cx="12192000" cy="6858000"/>
   <p:notesSz cx="6858000" cy="9144000"/>
@@ -8098,8 +8099,8 @@
           </a:fontRef>
         </p:style>
       </p:cxnSp>
-      <mc:AlternateContent xmlns:mc="http://schemas.openxmlformats.org/markup-compatibility/2006">
-        <mc:Choice xmlns:a14="http://schemas.microsoft.com/office/drawing/2010/main" Requires="a14">
+      <mc:AlternateContent xmlns:mc="http://schemas.openxmlformats.org/markup-compatibility/2006" xmlns:a14="http://schemas.microsoft.com/office/drawing/2010/main">
+        <mc:Choice Requires="a14">
           <p:sp>
             <p:nvSpPr>
               <p:cNvPr id="2" name="ZoneTexte 1">
@@ -8128,6 +8129,7 @@
               </a:bodyPr>
               <a:lstStyle/>
               <a:p>
+                <a:pPr/>
                 <a14:m>
                   <m:oMathPara xmlns:m="http://schemas.openxmlformats.org/officeDocument/2006/math">
                     <m:oMathParaPr>
@@ -8301,7 +8303,7 @@
             </p:txBody>
           </p:sp>
         </mc:Choice>
-        <mc:Fallback>
+        <mc:Fallback xmlns="">
           <p:sp>
             <p:nvSpPr>
               <p:cNvPr id="2" name="ZoneTexte 1">
@@ -8346,8 +8348,8 @@
           </p:sp>
         </mc:Fallback>
       </mc:AlternateContent>
-      <mc:AlternateContent xmlns:mc="http://schemas.openxmlformats.org/markup-compatibility/2006">
-        <mc:Choice xmlns:a14="http://schemas.microsoft.com/office/drawing/2010/main" Requires="a14">
+      <mc:AlternateContent xmlns:mc="http://schemas.openxmlformats.org/markup-compatibility/2006" xmlns:a14="http://schemas.microsoft.com/office/drawing/2010/main">
+        <mc:Choice Requires="a14">
           <p:sp>
             <p:nvSpPr>
               <p:cNvPr id="24" name="ZoneTexte 23">
@@ -8376,6 +8378,7 @@
               </a:bodyPr>
               <a:lstStyle/>
               <a:p>
+                <a:pPr/>
                 <a14:m>
                   <m:oMathPara xmlns:m="http://schemas.openxmlformats.org/officeDocument/2006/math">
                     <m:oMathParaPr>
@@ -8613,7 +8616,7 @@
             </p:txBody>
           </p:sp>
         </mc:Choice>
-        <mc:Fallback>
+        <mc:Fallback xmlns="">
           <p:sp>
             <p:nvSpPr>
               <p:cNvPr id="24" name="ZoneTexte 23">
@@ -8878,8 +8881,8 @@
           </a:p>
         </p:txBody>
       </p:sp>
-      <mc:AlternateContent xmlns:mc="http://schemas.openxmlformats.org/markup-compatibility/2006">
-        <mc:Choice xmlns:a14="http://schemas.microsoft.com/office/drawing/2010/main" Requires="a14">
+      <mc:AlternateContent xmlns:mc="http://schemas.openxmlformats.org/markup-compatibility/2006" xmlns:a14="http://schemas.microsoft.com/office/drawing/2010/main">
+        <mc:Choice Requires="a14">
           <p:sp>
             <p:nvSpPr>
               <p:cNvPr id="21" name="ZoneTexte 20">
@@ -8908,6 +8911,7 @@
               </a:bodyPr>
               <a:lstStyle/>
               <a:p>
+                <a:pPr/>
                 <a14:m>
                   <m:oMathPara xmlns:m="http://schemas.openxmlformats.org/officeDocument/2006/math">
                     <m:oMathParaPr>
@@ -8967,7 +8971,7 @@
             </p:txBody>
           </p:sp>
         </mc:Choice>
-        <mc:Fallback>
+        <mc:Fallback xmlns="">
           <p:sp>
             <p:nvSpPr>
               <p:cNvPr id="21" name="ZoneTexte 20">
@@ -9214,8 +9218,8 @@
           </a:p>
         </p:txBody>
       </p:sp>
-      <mc:AlternateContent xmlns:mc="http://schemas.openxmlformats.org/markup-compatibility/2006">
-        <mc:Choice xmlns:a14="http://schemas.microsoft.com/office/drawing/2010/main" Requires="a14">
+      <mc:AlternateContent xmlns:mc="http://schemas.openxmlformats.org/markup-compatibility/2006" xmlns:a14="http://schemas.microsoft.com/office/drawing/2010/main">
+        <mc:Choice Requires="a14">
           <p:sp>
             <p:nvSpPr>
               <p:cNvPr id="22" name="ZoneTexte 21">
@@ -9244,6 +9248,7 @@
               </a:bodyPr>
               <a:lstStyle/>
               <a:p>
+                <a:pPr/>
                 <a14:m>
                   <m:oMathPara xmlns:m="http://schemas.openxmlformats.org/officeDocument/2006/math">
                     <m:oMathParaPr>
@@ -9315,7 +9320,7 @@
             </p:txBody>
           </p:sp>
         </mc:Choice>
-        <mc:Fallback>
+        <mc:Fallback xmlns="">
           <p:sp>
             <p:nvSpPr>
               <p:cNvPr id="22" name="ZoneTexte 21">
@@ -9390,53 +9395,1514 @@
           <a:chExt cx="0" cy="0"/>
         </a:xfrm>
       </p:grpSpPr>
-      <p:sp>
-        <p:nvSpPr>
-          <p:cNvPr id="2" name="Titre 1">
+      <p:cxnSp>
+        <p:nvCxnSpPr>
+          <p:cNvPr id="5" name="Connecteur droit 4">
             <a:extLst>
               <a:ext uri="{FF2B5EF4-FFF2-40B4-BE49-F238E27FC236}">
-                <a16:creationId xmlns:a16="http://schemas.microsoft.com/office/drawing/2014/main" id="{558E026A-D247-4E57-A8F0-E96EA3AFD2E1}"/>
+                <a16:creationId xmlns:a16="http://schemas.microsoft.com/office/drawing/2014/main" id="{4E441DDF-DDC3-48D2-8269-6038FF9DE129}"/>
               </a:ext>
             </a:extLst>
           </p:cNvPr>
-          <p:cNvSpPr>
-            <a:spLocks noGrp="1"/>
-          </p:cNvSpPr>
-          <p:nvPr>
-            <p:ph type="title"/>
-          </p:nvPr>
+          <p:cNvCxnSpPr>
+            <a:cxnSpLocks/>
+          </p:cNvCxnSpPr>
+          <p:nvPr/>
+        </p:nvCxnSpPr>
+        <p:spPr>
+          <a:xfrm>
+            <a:off x="6096000" y="2618913"/>
+            <a:ext cx="0" cy="1748901"/>
+          </a:xfrm>
+          <a:prstGeom prst="line">
+            <a:avLst/>
+          </a:prstGeom>
+          <a:ln w="38100"/>
+        </p:spPr>
+        <p:style>
+          <a:lnRef idx="1">
+            <a:schemeClr val="dk1"/>
+          </a:lnRef>
+          <a:fillRef idx="0">
+            <a:schemeClr val="dk1"/>
+          </a:fillRef>
+          <a:effectRef idx="0">
+            <a:schemeClr val="dk1"/>
+          </a:effectRef>
+          <a:fontRef idx="minor">
+            <a:schemeClr val="tx1"/>
+          </a:fontRef>
+        </p:style>
+      </p:cxnSp>
+      <mc:AlternateContent xmlns:mc="http://schemas.openxmlformats.org/markup-compatibility/2006">
+        <mc:Choice xmlns:a14="http://schemas.microsoft.com/office/drawing/2010/main" Requires="a14">
+          <p:sp>
+            <p:nvSpPr>
+              <p:cNvPr id="8" name="ZoneTexte 7">
+                <a:extLst>
+                  <a:ext uri="{FF2B5EF4-FFF2-40B4-BE49-F238E27FC236}">
+                    <a16:creationId xmlns:a16="http://schemas.microsoft.com/office/drawing/2014/main" id="{B56AA007-90F3-416E-934B-A6B0DE9045C5}"/>
+                  </a:ext>
+                </a:extLst>
+              </p:cNvPr>
+              <p:cNvSpPr txBox="1"/>
+              <p:nvPr/>
+            </p:nvSpPr>
+            <p:spPr>
+              <a:xfrm>
+                <a:off x="319592" y="3132137"/>
+                <a:ext cx="5418278" cy="896207"/>
+              </a:xfrm>
+              <a:prstGeom prst="rect">
+                <a:avLst/>
+              </a:prstGeom>
+              <a:noFill/>
+            </p:spPr>
+            <p:txBody>
+              <a:bodyPr wrap="none" lIns="0" tIns="0" rIns="0" bIns="0" rtlCol="0">
+                <a:spAutoFit/>
+              </a:bodyPr>
+              <a:lstStyle/>
+              <a:p>
+                <a14:m>
+                  <m:oMathPara xmlns:m="http://schemas.openxmlformats.org/officeDocument/2006/math">
+                    <m:oMathParaPr>
+                      <m:jc m:val="centerGroup"/>
+                    </m:oMathParaPr>
+                    <m:oMath xmlns:m="http://schemas.openxmlformats.org/officeDocument/2006/math">
+                      <m:r>
+                        <a:rPr lang="en-US" sz="2400" b="0" i="1" smtClean="0">
+                          <a:latin typeface="Cambria Math" panose="02040503050406030204" pitchFamily="18" charset="0"/>
+                        </a:rPr>
+                        <m:t>𝑚𝑎𝑛h𝑎𝑡𝑡𝑎𝑛</m:t>
+                      </m:r>
+                      <m:d>
+                        <m:dPr>
+                          <m:ctrlPr>
+                            <a:rPr lang="en-US" sz="2400" b="0" i="1" smtClean="0">
+                              <a:latin typeface="Cambria Math" panose="02040503050406030204" pitchFamily="18" charset="0"/>
+                            </a:rPr>
+                          </m:ctrlPr>
+                        </m:dPr>
+                        <m:e>
+                          <m:sSup>
+                            <m:sSupPr>
+                              <m:ctrlPr>
+                                <a:rPr lang="en-US" sz="2400" b="0" i="1" smtClean="0">
+                                  <a:latin typeface="Cambria Math" panose="02040503050406030204" pitchFamily="18" charset="0"/>
+                                </a:rPr>
+                              </m:ctrlPr>
+                            </m:sSupPr>
+                            <m:e>
+                              <m:r>
+                                <a:rPr lang="en-US" sz="2400" b="0" i="1" smtClean="0">
+                                  <a:latin typeface="Cambria Math" panose="02040503050406030204" pitchFamily="18" charset="0"/>
+                                </a:rPr>
+                                <m:t>𝑒</m:t>
+                              </m:r>
+                            </m:e>
+                            <m:sup>
+                              <m:d>
+                                <m:dPr>
+                                  <m:ctrlPr>
+                                    <a:rPr lang="en-US" sz="2400" b="0" i="1" smtClean="0">
+                                      <a:latin typeface="Cambria Math" panose="02040503050406030204" pitchFamily="18" charset="0"/>
+                                    </a:rPr>
+                                  </m:ctrlPr>
+                                </m:dPr>
+                                <m:e>
+                                  <m:r>
+                                    <a:rPr lang="en-US" sz="2400" b="0" i="1" smtClean="0">
+                                      <a:latin typeface="Cambria Math" panose="02040503050406030204" pitchFamily="18" charset="0"/>
+                                    </a:rPr>
+                                    <m:t>1</m:t>
+                                  </m:r>
+                                </m:e>
+                              </m:d>
+                            </m:sup>
+                          </m:sSup>
+                          <m:r>
+                            <a:rPr lang="en-US" sz="2400" b="0" i="1" smtClean="0">
+                              <a:latin typeface="Cambria Math" panose="02040503050406030204" pitchFamily="18" charset="0"/>
+                            </a:rPr>
+                            <m:t>,</m:t>
+                          </m:r>
+                          <m:sSup>
+                            <m:sSupPr>
+                              <m:ctrlPr>
+                                <a:rPr lang="en-US" sz="2400" b="0" i="1" smtClean="0">
+                                  <a:latin typeface="Cambria Math" panose="02040503050406030204" pitchFamily="18" charset="0"/>
+                                </a:rPr>
+                              </m:ctrlPr>
+                            </m:sSupPr>
+                            <m:e>
+                              <m:r>
+                                <a:rPr lang="en-US" sz="2400" b="0" i="1" smtClean="0">
+                                  <a:latin typeface="Cambria Math" panose="02040503050406030204" pitchFamily="18" charset="0"/>
+                                </a:rPr>
+                                <m:t>𝑒</m:t>
+                              </m:r>
+                            </m:e>
+                            <m:sup>
+                              <m:d>
+                                <m:dPr>
+                                  <m:ctrlPr>
+                                    <a:rPr lang="en-US" sz="2400" b="0" i="1" smtClean="0">
+                                      <a:latin typeface="Cambria Math" panose="02040503050406030204" pitchFamily="18" charset="0"/>
+                                    </a:rPr>
+                                  </m:ctrlPr>
+                                </m:dPr>
+                                <m:e>
+                                  <m:r>
+                                    <a:rPr lang="en-US" sz="2400" b="0" i="1" smtClean="0">
+                                      <a:latin typeface="Cambria Math" panose="02040503050406030204" pitchFamily="18" charset="0"/>
+                                    </a:rPr>
+                                    <m:t>2</m:t>
+                                  </m:r>
+                                </m:e>
+                              </m:d>
+                            </m:sup>
+                          </m:sSup>
+                        </m:e>
+                      </m:d>
+                      <m:r>
+                        <a:rPr lang="en-US" sz="2400" b="0" i="1" smtClean="0">
+                          <a:latin typeface="Cambria Math" panose="02040503050406030204" pitchFamily="18" charset="0"/>
+                        </a:rPr>
+                        <m:t>=</m:t>
+                      </m:r>
+                      <m:nary>
+                        <m:naryPr>
+                          <m:chr m:val="∑"/>
+                          <m:supHide m:val="on"/>
+                          <m:ctrlPr>
+                            <a:rPr lang="en-US" sz="2400" b="0" i="1" smtClean="0">
+                              <a:latin typeface="Cambria Math" panose="02040503050406030204" pitchFamily="18" charset="0"/>
+                            </a:rPr>
+                          </m:ctrlPr>
+                        </m:naryPr>
+                        <m:sub>
+                          <m:r>
+                            <m:rPr>
+                              <m:brk m:alnAt="7"/>
+                            </m:rPr>
+                            <a:rPr lang="en-US" sz="2400" b="0" i="1" smtClean="0">
+                              <a:latin typeface="Cambria Math" panose="02040503050406030204" pitchFamily="18" charset="0"/>
+                            </a:rPr>
+                            <m:t>𝑖</m:t>
+                          </m:r>
+                        </m:sub>
+                        <m:sup/>
+                        <m:e>
+                          <m:d>
+                            <m:dPr>
+                              <m:begChr m:val="|"/>
+                              <m:endChr m:val="|"/>
+                              <m:ctrlPr>
+                                <a:rPr lang="en-US" sz="2400" b="0" i="1" smtClean="0">
+                                  <a:latin typeface="Cambria Math" panose="02040503050406030204" pitchFamily="18" charset="0"/>
+                                </a:rPr>
+                              </m:ctrlPr>
+                            </m:dPr>
+                            <m:e>
+                              <m:sSubSup>
+                                <m:sSubSupPr>
+                                  <m:ctrlPr>
+                                    <a:rPr lang="en-US" sz="2400" b="0" i="1" smtClean="0">
+                                      <a:latin typeface="Cambria Math" panose="02040503050406030204" pitchFamily="18" charset="0"/>
+                                    </a:rPr>
+                                  </m:ctrlPr>
+                                </m:sSubSupPr>
+                                <m:e>
+                                  <m:r>
+                                    <a:rPr lang="en-US" sz="2400" b="0" i="1" smtClean="0">
+                                      <a:latin typeface="Cambria Math" panose="02040503050406030204" pitchFamily="18" charset="0"/>
+                                    </a:rPr>
+                                    <m:t>𝑒</m:t>
+                                  </m:r>
+                                </m:e>
+                                <m:sub>
+                                  <m:r>
+                                    <a:rPr lang="en-US" sz="2400" b="0" i="1" smtClean="0">
+                                      <a:latin typeface="Cambria Math" panose="02040503050406030204" pitchFamily="18" charset="0"/>
+                                    </a:rPr>
+                                    <m:t>𝑖</m:t>
+                                  </m:r>
+                                </m:sub>
+                                <m:sup>
+                                  <m:r>
+                                    <a:rPr lang="en-US" sz="2400" b="0" i="1" smtClean="0">
+                                      <a:latin typeface="Cambria Math" panose="02040503050406030204" pitchFamily="18" charset="0"/>
+                                    </a:rPr>
+                                    <m:t>(1)</m:t>
+                                  </m:r>
+                                </m:sup>
+                              </m:sSubSup>
+                              <m:r>
+                                <a:rPr lang="en-US" sz="2400" b="0" i="1" smtClean="0">
+                                  <a:latin typeface="Cambria Math" panose="02040503050406030204" pitchFamily="18" charset="0"/>
+                                </a:rPr>
+                                <m:t>−</m:t>
+                              </m:r>
+                              <m:sSubSup>
+                                <m:sSubSupPr>
+                                  <m:ctrlPr>
+                                    <a:rPr lang="en-US" sz="2400" b="0" i="1" smtClean="0">
+                                      <a:latin typeface="Cambria Math" panose="02040503050406030204" pitchFamily="18" charset="0"/>
+                                    </a:rPr>
+                                  </m:ctrlPr>
+                                </m:sSubSupPr>
+                                <m:e>
+                                  <m:r>
+                                    <a:rPr lang="en-US" sz="2400" b="0" i="1" smtClean="0">
+                                      <a:latin typeface="Cambria Math" panose="02040503050406030204" pitchFamily="18" charset="0"/>
+                                    </a:rPr>
+                                    <m:t>𝑒</m:t>
+                                  </m:r>
+                                </m:e>
+                                <m:sub>
+                                  <m:r>
+                                    <a:rPr lang="en-US" sz="2400" b="0" i="1" smtClean="0">
+                                      <a:latin typeface="Cambria Math" panose="02040503050406030204" pitchFamily="18" charset="0"/>
+                                    </a:rPr>
+                                    <m:t>𝑖</m:t>
+                                  </m:r>
+                                </m:sub>
+                                <m:sup>
+                                  <m:r>
+                                    <a:rPr lang="en-US" sz="2400" b="0" i="1" smtClean="0">
+                                      <a:latin typeface="Cambria Math" panose="02040503050406030204" pitchFamily="18" charset="0"/>
+                                    </a:rPr>
+                                    <m:t>(2)</m:t>
+                                  </m:r>
+                                </m:sup>
+                              </m:sSubSup>
+                            </m:e>
+                          </m:d>
+                        </m:e>
+                      </m:nary>
+                    </m:oMath>
+                  </m:oMathPara>
+                </a14:m>
+                <a:endParaRPr lang="en-US" dirty="0"/>
+              </a:p>
+            </p:txBody>
+          </p:sp>
+        </mc:Choice>
+        <mc:Fallback>
+          <p:sp>
+            <p:nvSpPr>
+              <p:cNvPr id="8" name="ZoneTexte 7">
+                <a:extLst>
+                  <a:ext uri="{FF2B5EF4-FFF2-40B4-BE49-F238E27FC236}">
+                    <a16:creationId xmlns:a16="http://schemas.microsoft.com/office/drawing/2014/main" id="{B56AA007-90F3-416E-934B-A6B0DE9045C5}"/>
+                  </a:ext>
+                </a:extLst>
+              </p:cNvPr>
+              <p:cNvSpPr txBox="1">
+                <a:spLocks noRot="1" noChangeAspect="1" noMove="1" noResize="1" noEditPoints="1" noAdjustHandles="1" noChangeArrowheads="1" noChangeShapeType="1" noTextEdit="1"/>
+              </p:cNvSpPr>
+              <p:nvPr/>
+            </p:nvSpPr>
+            <p:spPr>
+              <a:xfrm>
+                <a:off x="319592" y="3132137"/>
+                <a:ext cx="5418278" cy="896207"/>
+              </a:xfrm>
+              <a:prstGeom prst="rect">
+                <a:avLst/>
+              </a:prstGeom>
+              <a:blipFill>
+                <a:blip r:embed="rId2"/>
+                <a:stretch>
+                  <a:fillRect/>
+                </a:stretch>
+              </a:blipFill>
+            </p:spPr>
+            <p:txBody>
+              <a:bodyPr/>
+              <a:lstStyle/>
+              <a:p>
+                <a:r>
+                  <a:rPr lang="en-US">
+                    <a:noFill/>
+                  </a:rPr>
+                  <a:t> </a:t>
+                </a:r>
+              </a:p>
+            </p:txBody>
+          </p:sp>
+        </mc:Fallback>
+      </mc:AlternateContent>
+      <mc:AlternateContent xmlns:mc="http://schemas.openxmlformats.org/markup-compatibility/2006">
+        <mc:Choice xmlns:a14="http://schemas.microsoft.com/office/drawing/2010/main" Requires="a14">
+          <p:sp>
+            <p:nvSpPr>
+              <p:cNvPr id="9" name="ZoneTexte 8">
+                <a:extLst>
+                  <a:ext uri="{FF2B5EF4-FFF2-40B4-BE49-F238E27FC236}">
+                    <a16:creationId xmlns:a16="http://schemas.microsoft.com/office/drawing/2014/main" id="{9ECBEAF7-4703-478A-BDAA-DF51B8F8067F}"/>
+                  </a:ext>
+                </a:extLst>
+              </p:cNvPr>
+              <p:cNvSpPr txBox="1"/>
+              <p:nvPr/>
+            </p:nvSpPr>
+            <p:spPr>
+              <a:xfrm>
+                <a:off x="6285449" y="3034642"/>
+                <a:ext cx="5780237" cy="1091196"/>
+              </a:xfrm>
+              <a:prstGeom prst="rect">
+                <a:avLst/>
+              </a:prstGeom>
+              <a:noFill/>
+            </p:spPr>
+            <p:txBody>
+              <a:bodyPr wrap="none" lIns="0" tIns="0" rIns="0" bIns="0" rtlCol="0">
+                <a:spAutoFit/>
+              </a:bodyPr>
+              <a:lstStyle/>
+              <a:p>
+                <a14:m>
+                  <m:oMathPara xmlns:m="http://schemas.openxmlformats.org/officeDocument/2006/math">
+                    <m:oMathParaPr>
+                      <m:jc m:val="centerGroup"/>
+                    </m:oMathParaPr>
+                    <m:oMath xmlns:m="http://schemas.openxmlformats.org/officeDocument/2006/math">
+                      <m:r>
+                        <a:rPr lang="en-US" sz="2400" b="0" i="1" smtClean="0">
+                          <a:latin typeface="Cambria Math" panose="02040503050406030204" pitchFamily="18" charset="0"/>
+                        </a:rPr>
+                        <m:t>𝑒𝑢𝑐𝑙𝑖𝑑𝑒𝑎𝑛</m:t>
+                      </m:r>
+                      <m:d>
+                        <m:dPr>
+                          <m:ctrlPr>
+                            <a:rPr lang="en-US" sz="2400" b="0" i="1" smtClean="0">
+                              <a:latin typeface="Cambria Math" panose="02040503050406030204" pitchFamily="18" charset="0"/>
+                            </a:rPr>
+                          </m:ctrlPr>
+                        </m:dPr>
+                        <m:e>
+                          <m:sSup>
+                            <m:sSupPr>
+                              <m:ctrlPr>
+                                <a:rPr lang="en-US" sz="2400" b="0" i="1" smtClean="0">
+                                  <a:latin typeface="Cambria Math" panose="02040503050406030204" pitchFamily="18" charset="0"/>
+                                </a:rPr>
+                              </m:ctrlPr>
+                            </m:sSupPr>
+                            <m:e>
+                              <m:r>
+                                <a:rPr lang="en-US" sz="2400" b="0" i="1" smtClean="0">
+                                  <a:latin typeface="Cambria Math" panose="02040503050406030204" pitchFamily="18" charset="0"/>
+                                </a:rPr>
+                                <m:t>𝑒</m:t>
+                              </m:r>
+                            </m:e>
+                            <m:sup>
+                              <m:d>
+                                <m:dPr>
+                                  <m:ctrlPr>
+                                    <a:rPr lang="en-US" sz="2400" b="0" i="1" smtClean="0">
+                                      <a:latin typeface="Cambria Math" panose="02040503050406030204" pitchFamily="18" charset="0"/>
+                                    </a:rPr>
+                                  </m:ctrlPr>
+                                </m:dPr>
+                                <m:e>
+                                  <m:r>
+                                    <a:rPr lang="en-US" sz="2400" b="0" i="1" smtClean="0">
+                                      <a:latin typeface="Cambria Math" panose="02040503050406030204" pitchFamily="18" charset="0"/>
+                                    </a:rPr>
+                                    <m:t>1</m:t>
+                                  </m:r>
+                                </m:e>
+                              </m:d>
+                            </m:sup>
+                          </m:sSup>
+                          <m:r>
+                            <a:rPr lang="en-US" sz="2400" b="0" i="1" smtClean="0">
+                              <a:latin typeface="Cambria Math" panose="02040503050406030204" pitchFamily="18" charset="0"/>
+                            </a:rPr>
+                            <m:t>,</m:t>
+                          </m:r>
+                          <m:sSup>
+                            <m:sSupPr>
+                              <m:ctrlPr>
+                                <a:rPr lang="en-US" sz="2400" b="0" i="1" smtClean="0">
+                                  <a:latin typeface="Cambria Math" panose="02040503050406030204" pitchFamily="18" charset="0"/>
+                                </a:rPr>
+                              </m:ctrlPr>
+                            </m:sSupPr>
+                            <m:e>
+                              <m:r>
+                                <a:rPr lang="en-US" sz="2400" b="0" i="1" smtClean="0">
+                                  <a:latin typeface="Cambria Math" panose="02040503050406030204" pitchFamily="18" charset="0"/>
+                                </a:rPr>
+                                <m:t>𝑒</m:t>
+                              </m:r>
+                            </m:e>
+                            <m:sup>
+                              <m:d>
+                                <m:dPr>
+                                  <m:ctrlPr>
+                                    <a:rPr lang="en-US" sz="2400" b="0" i="1" smtClean="0">
+                                      <a:latin typeface="Cambria Math" panose="02040503050406030204" pitchFamily="18" charset="0"/>
+                                    </a:rPr>
+                                  </m:ctrlPr>
+                                </m:dPr>
+                                <m:e>
+                                  <m:r>
+                                    <a:rPr lang="en-US" sz="2400" b="0" i="1" smtClean="0">
+                                      <a:latin typeface="Cambria Math" panose="02040503050406030204" pitchFamily="18" charset="0"/>
+                                    </a:rPr>
+                                    <m:t>2</m:t>
+                                  </m:r>
+                                </m:e>
+                              </m:d>
+                            </m:sup>
+                          </m:sSup>
+                        </m:e>
+                      </m:d>
+                      <m:r>
+                        <a:rPr lang="en-US" sz="2400" b="0" i="1" smtClean="0">
+                          <a:latin typeface="Cambria Math" panose="02040503050406030204" pitchFamily="18" charset="0"/>
+                        </a:rPr>
+                        <m:t>=</m:t>
+                      </m:r>
+                      <m:rad>
+                        <m:radPr>
+                          <m:degHide m:val="on"/>
+                          <m:ctrlPr>
+                            <a:rPr lang="en-US" sz="2400" b="0" i="1" smtClean="0">
+                              <a:latin typeface="Cambria Math" panose="02040503050406030204" pitchFamily="18" charset="0"/>
+                            </a:rPr>
+                          </m:ctrlPr>
+                        </m:radPr>
+                        <m:deg/>
+                        <m:e>
+                          <m:nary>
+                            <m:naryPr>
+                              <m:chr m:val="∑"/>
+                              <m:supHide m:val="on"/>
+                              <m:ctrlPr>
+                                <a:rPr lang="en-US" sz="2400" b="0" i="1" smtClean="0">
+                                  <a:latin typeface="Cambria Math" panose="02040503050406030204" pitchFamily="18" charset="0"/>
+                                </a:rPr>
+                              </m:ctrlPr>
+                            </m:naryPr>
+                            <m:sub>
+                              <m:r>
+                                <m:rPr>
+                                  <m:brk m:alnAt="7"/>
+                                </m:rPr>
+                                <a:rPr lang="en-US" sz="2400" b="0" i="1" smtClean="0">
+                                  <a:latin typeface="Cambria Math" panose="02040503050406030204" pitchFamily="18" charset="0"/>
+                                </a:rPr>
+                                <m:t>𝑖</m:t>
+                              </m:r>
+                            </m:sub>
+                            <m:sup/>
+                            <m:e>
+                              <m:sSup>
+                                <m:sSupPr>
+                                  <m:ctrlPr>
+                                    <a:rPr lang="en-US" sz="2400" b="0" i="1" smtClean="0">
+                                      <a:latin typeface="Cambria Math" panose="02040503050406030204" pitchFamily="18" charset="0"/>
+                                    </a:rPr>
+                                  </m:ctrlPr>
+                                </m:sSupPr>
+                                <m:e>
+                                  <m:d>
+                                    <m:dPr>
+                                      <m:ctrlPr>
+                                        <a:rPr lang="en-US" sz="2400" i="1">
+                                          <a:latin typeface="Cambria Math" panose="02040503050406030204" pitchFamily="18" charset="0"/>
+                                        </a:rPr>
+                                      </m:ctrlPr>
+                                    </m:dPr>
+                                    <m:e>
+                                      <m:sSubSup>
+                                        <m:sSubSupPr>
+                                          <m:ctrlPr>
+                                            <a:rPr lang="en-US" sz="2400" i="1">
+                                              <a:latin typeface="Cambria Math" panose="02040503050406030204" pitchFamily="18" charset="0"/>
+                                            </a:rPr>
+                                          </m:ctrlPr>
+                                        </m:sSubSupPr>
+                                        <m:e>
+                                          <m:r>
+                                            <a:rPr lang="en-US" sz="2400" i="1">
+                                              <a:latin typeface="Cambria Math" panose="02040503050406030204" pitchFamily="18" charset="0"/>
+                                            </a:rPr>
+                                            <m:t>𝑒</m:t>
+                                          </m:r>
+                                        </m:e>
+                                        <m:sub>
+                                          <m:r>
+                                            <a:rPr lang="en-US" sz="2400" i="1">
+                                              <a:latin typeface="Cambria Math" panose="02040503050406030204" pitchFamily="18" charset="0"/>
+                                            </a:rPr>
+                                            <m:t>𝑖</m:t>
+                                          </m:r>
+                                        </m:sub>
+                                        <m:sup>
+                                          <m:r>
+                                            <a:rPr lang="en-US" sz="2400" i="1">
+                                              <a:latin typeface="Cambria Math" panose="02040503050406030204" pitchFamily="18" charset="0"/>
+                                            </a:rPr>
+                                            <m:t>(1)</m:t>
+                                          </m:r>
+                                        </m:sup>
+                                      </m:sSubSup>
+                                      <m:r>
+                                        <a:rPr lang="en-US" sz="2400" i="1">
+                                          <a:latin typeface="Cambria Math" panose="02040503050406030204" pitchFamily="18" charset="0"/>
+                                        </a:rPr>
+                                        <m:t>−</m:t>
+                                      </m:r>
+                                      <m:sSubSup>
+                                        <m:sSubSupPr>
+                                          <m:ctrlPr>
+                                            <a:rPr lang="en-US" sz="2400" i="1">
+                                              <a:latin typeface="Cambria Math" panose="02040503050406030204" pitchFamily="18" charset="0"/>
+                                            </a:rPr>
+                                          </m:ctrlPr>
+                                        </m:sSubSupPr>
+                                        <m:e>
+                                          <m:r>
+                                            <a:rPr lang="en-US" sz="2400" i="1">
+                                              <a:latin typeface="Cambria Math" panose="02040503050406030204" pitchFamily="18" charset="0"/>
+                                            </a:rPr>
+                                            <m:t>𝑒</m:t>
+                                          </m:r>
+                                        </m:e>
+                                        <m:sub>
+                                          <m:r>
+                                            <a:rPr lang="en-US" sz="2400" i="1">
+                                              <a:latin typeface="Cambria Math" panose="02040503050406030204" pitchFamily="18" charset="0"/>
+                                            </a:rPr>
+                                            <m:t>𝑖</m:t>
+                                          </m:r>
+                                        </m:sub>
+                                        <m:sup>
+                                          <m:r>
+                                            <a:rPr lang="en-US" sz="2400" i="1">
+                                              <a:latin typeface="Cambria Math" panose="02040503050406030204" pitchFamily="18" charset="0"/>
+                                            </a:rPr>
+                                            <m:t>(2)</m:t>
+                                          </m:r>
+                                        </m:sup>
+                                      </m:sSubSup>
+                                    </m:e>
+                                  </m:d>
+                                </m:e>
+                                <m:sup>
+                                  <m:r>
+                                    <a:rPr lang="en-US" sz="2400" b="0" i="1" smtClean="0">
+                                      <a:latin typeface="Cambria Math" panose="02040503050406030204" pitchFamily="18" charset="0"/>
+                                    </a:rPr>
+                                    <m:t>2</m:t>
+                                  </m:r>
+                                </m:sup>
+                              </m:sSup>
+                            </m:e>
+                          </m:nary>
+                        </m:e>
+                      </m:rad>
+                    </m:oMath>
+                  </m:oMathPara>
+                </a14:m>
+                <a:endParaRPr lang="en-US" dirty="0"/>
+              </a:p>
+            </p:txBody>
+          </p:sp>
+        </mc:Choice>
+        <mc:Fallback>
+          <p:sp>
+            <p:nvSpPr>
+              <p:cNvPr id="9" name="ZoneTexte 8">
+                <a:extLst>
+                  <a:ext uri="{FF2B5EF4-FFF2-40B4-BE49-F238E27FC236}">
+                    <a16:creationId xmlns:a16="http://schemas.microsoft.com/office/drawing/2014/main" id="{9ECBEAF7-4703-478A-BDAA-DF51B8F8067F}"/>
+                  </a:ext>
+                </a:extLst>
+              </p:cNvPr>
+              <p:cNvSpPr txBox="1">
+                <a:spLocks noRot="1" noChangeAspect="1" noMove="1" noResize="1" noEditPoints="1" noAdjustHandles="1" noChangeArrowheads="1" noChangeShapeType="1" noTextEdit="1"/>
+              </p:cNvSpPr>
+              <p:nvPr/>
+            </p:nvSpPr>
+            <p:spPr>
+              <a:xfrm>
+                <a:off x="6285449" y="3034642"/>
+                <a:ext cx="5780237" cy="1091196"/>
+              </a:xfrm>
+              <a:prstGeom prst="rect">
+                <a:avLst/>
+              </a:prstGeom>
+              <a:blipFill>
+                <a:blip r:embed="rId3"/>
+                <a:stretch>
+                  <a:fillRect/>
+                </a:stretch>
+              </a:blipFill>
+            </p:spPr>
+            <p:txBody>
+              <a:bodyPr/>
+              <a:lstStyle/>
+              <a:p>
+                <a:r>
+                  <a:rPr lang="en-US">
+                    <a:noFill/>
+                  </a:rPr>
+                  <a:t> </a:t>
+                </a:r>
+              </a:p>
+            </p:txBody>
+          </p:sp>
+        </mc:Fallback>
+      </mc:AlternateContent>
+      <mc:AlternateContent xmlns:mc="http://schemas.openxmlformats.org/markup-compatibility/2006">
+        <mc:Choice xmlns:a14="http://schemas.microsoft.com/office/drawing/2010/main" Requires="a14">
+          <p:sp>
+            <p:nvSpPr>
+              <p:cNvPr id="11" name="ZoneTexte 10">
+                <a:extLst>
+                  <a:ext uri="{FF2B5EF4-FFF2-40B4-BE49-F238E27FC236}">
+                    <a16:creationId xmlns:a16="http://schemas.microsoft.com/office/drawing/2014/main" id="{24FDD60E-9BBC-41C4-9D44-7B92088ED621}"/>
+                  </a:ext>
+                </a:extLst>
+              </p:cNvPr>
+              <p:cNvSpPr txBox="1"/>
+              <p:nvPr/>
+            </p:nvSpPr>
+            <p:spPr>
+              <a:xfrm>
+                <a:off x="174534" y="124285"/>
+                <a:ext cx="11801439" cy="1789144"/>
+              </a:xfrm>
+              <a:prstGeom prst="rect">
+                <a:avLst/>
+              </a:prstGeom>
+              <a:noFill/>
+            </p:spPr>
+            <p:txBody>
+              <a:bodyPr wrap="square" rtlCol="0">
+                <a:spAutoFit/>
+              </a:bodyPr>
+              <a:lstStyle/>
+              <a:p>
+                <a:r>
+                  <a:rPr lang="en-US" dirty="0">
+                    <a:latin typeface="Ubuntu" panose="020B0504030602030204" pitchFamily="34" charset="0"/>
+                  </a:rPr>
+                  <a:t>Given two pieces of data </a:t>
+                </a:r>
+                <a14:m>
+                  <m:oMath xmlns:m="http://schemas.openxmlformats.org/officeDocument/2006/math">
+                    <m:d>
+                      <m:dPr>
+                        <m:ctrlPr>
+                          <a:rPr lang="en-US" b="0" i="0" smtClean="0">
+                            <a:latin typeface="Cambria Math" panose="02040503050406030204" pitchFamily="18" charset="0"/>
+                          </a:rPr>
+                        </m:ctrlPr>
+                      </m:dPr>
+                      <m:e>
+                        <m:sSup>
+                          <m:sSupPr>
+                            <m:ctrlPr>
+                              <a:rPr lang="en-US" b="0" i="1" smtClean="0">
+                                <a:latin typeface="Cambria Math" panose="02040503050406030204" pitchFamily="18" charset="0"/>
+                              </a:rPr>
+                            </m:ctrlPr>
+                          </m:sSupPr>
+                          <m:e>
+                            <m:r>
+                              <a:rPr lang="en-US" b="0" i="1" smtClean="0">
+                                <a:latin typeface="Cambria Math" panose="02040503050406030204" pitchFamily="18" charset="0"/>
+                              </a:rPr>
+                              <m:t>𝑥</m:t>
+                            </m:r>
+                          </m:e>
+                          <m:sup>
+                            <m:d>
+                              <m:dPr>
+                                <m:ctrlPr>
+                                  <a:rPr lang="en-US" b="0" i="1" smtClean="0">
+                                    <a:latin typeface="Cambria Math" panose="02040503050406030204" pitchFamily="18" charset="0"/>
+                                  </a:rPr>
+                                </m:ctrlPr>
+                              </m:dPr>
+                              <m:e>
+                                <m:r>
+                                  <a:rPr lang="en-US" b="0" i="1" smtClean="0">
+                                    <a:latin typeface="Cambria Math" panose="02040503050406030204" pitchFamily="18" charset="0"/>
+                                  </a:rPr>
+                                  <m:t>1</m:t>
+                                </m:r>
+                              </m:e>
+                            </m:d>
+                          </m:sup>
+                        </m:sSup>
+                        <m:r>
+                          <a:rPr lang="en-US" b="0" i="1" smtClean="0">
+                            <a:latin typeface="Cambria Math" panose="02040503050406030204" pitchFamily="18" charset="0"/>
+                          </a:rPr>
+                          <m:t>,</m:t>
+                        </m:r>
+                        <m:sSup>
+                          <m:sSupPr>
+                            <m:ctrlPr>
+                              <a:rPr lang="en-US" b="0" i="1" smtClean="0">
+                                <a:latin typeface="Cambria Math" panose="02040503050406030204" pitchFamily="18" charset="0"/>
+                              </a:rPr>
+                            </m:ctrlPr>
+                          </m:sSupPr>
+                          <m:e>
+                            <m:r>
+                              <a:rPr lang="en-US" b="0" i="1" smtClean="0">
+                                <a:latin typeface="Cambria Math" panose="02040503050406030204" pitchFamily="18" charset="0"/>
+                              </a:rPr>
+                              <m:t>𝑥</m:t>
+                            </m:r>
+                          </m:e>
+                          <m:sup>
+                            <m:d>
+                              <m:dPr>
+                                <m:ctrlPr>
+                                  <a:rPr lang="en-US" b="0" i="1" smtClean="0">
+                                    <a:latin typeface="Cambria Math" panose="02040503050406030204" pitchFamily="18" charset="0"/>
+                                  </a:rPr>
+                                </m:ctrlPr>
+                              </m:dPr>
+                              <m:e>
+                                <m:r>
+                                  <a:rPr lang="en-US" b="0" i="1" smtClean="0">
+                                    <a:latin typeface="Cambria Math" panose="02040503050406030204" pitchFamily="18" charset="0"/>
+                                  </a:rPr>
+                                  <m:t>2</m:t>
+                                </m:r>
+                              </m:e>
+                            </m:d>
+                          </m:sup>
+                        </m:sSup>
+                      </m:e>
+                    </m:d>
+                  </m:oMath>
+                </a14:m>
+                <a:r>
+                  <a:rPr lang="en-US" dirty="0">
+                    <a:latin typeface="Ubuntu" panose="020B0504030602030204" pitchFamily="34" charset="0"/>
+                  </a:rPr>
+                  <a:t>, we compute their distance using the following notations:</a:t>
+                </a:r>
+              </a:p>
+              <a:p>
+                <a:endParaRPr lang="en-US" dirty="0">
+                  <a:latin typeface="Ubuntu" panose="020B0504030602030204" pitchFamily="34" charset="0"/>
+                </a:endParaRPr>
+              </a:p>
+              <a:p>
+                <a:pPr marL="285750" indent="-285750">
+                  <a:buFont typeface="Arial" panose="020B0604020202020204" pitchFamily="34" charset="0"/>
+                  <a:buChar char="•"/>
+                </a:pPr>
+                <a14:m>
+                  <m:oMath xmlns:m="http://schemas.openxmlformats.org/officeDocument/2006/math">
+                    <m:sSup>
+                      <m:sSupPr>
+                        <m:ctrlPr>
+                          <a:rPr lang="en-US" i="1" smtClean="0">
+                            <a:latin typeface="Cambria Math" panose="02040503050406030204" pitchFamily="18" charset="0"/>
+                          </a:rPr>
+                        </m:ctrlPr>
+                      </m:sSupPr>
+                      <m:e>
+                        <m:r>
+                          <a:rPr lang="en-US" b="0" i="1" smtClean="0">
+                            <a:latin typeface="Cambria Math" panose="02040503050406030204" pitchFamily="18" charset="0"/>
+                          </a:rPr>
+                          <m:t>𝑒</m:t>
+                        </m:r>
+                      </m:e>
+                      <m:sup>
+                        <m:r>
+                          <a:rPr lang="en-US" b="0" i="1" smtClean="0">
+                            <a:latin typeface="Cambria Math" panose="02040503050406030204" pitchFamily="18" charset="0"/>
+                          </a:rPr>
+                          <m:t>(1)</m:t>
+                        </m:r>
+                      </m:sup>
+                    </m:sSup>
+                    <m:r>
+                      <a:rPr lang="en-US" b="0" i="1" smtClean="0">
+                        <a:latin typeface="Cambria Math" panose="02040503050406030204" pitchFamily="18" charset="0"/>
+                      </a:rPr>
+                      <m:t>=</m:t>
+                    </m:r>
+                    <m:r>
+                      <a:rPr lang="en-US" b="0" i="1" smtClean="0">
+                        <a:latin typeface="Cambria Math" panose="02040503050406030204" pitchFamily="18" charset="0"/>
+                      </a:rPr>
+                      <m:t>𝑒</m:t>
+                    </m:r>
+                    <m:d>
+                      <m:dPr>
+                        <m:ctrlPr>
+                          <a:rPr lang="en-US" b="0" i="1" smtClean="0">
+                            <a:latin typeface="Cambria Math" panose="02040503050406030204" pitchFamily="18" charset="0"/>
+                          </a:rPr>
+                        </m:ctrlPr>
+                      </m:dPr>
+                      <m:e>
+                        <m:sSup>
+                          <m:sSupPr>
+                            <m:ctrlPr>
+                              <a:rPr lang="en-US" b="0" i="1" smtClean="0">
+                                <a:latin typeface="Cambria Math" panose="02040503050406030204" pitchFamily="18" charset="0"/>
+                              </a:rPr>
+                            </m:ctrlPr>
+                          </m:sSupPr>
+                          <m:e>
+                            <m:r>
+                              <a:rPr lang="en-US" b="0" i="1" smtClean="0">
+                                <a:latin typeface="Cambria Math" panose="02040503050406030204" pitchFamily="18" charset="0"/>
+                              </a:rPr>
+                              <m:t>𝑥</m:t>
+                            </m:r>
+                          </m:e>
+                          <m:sup>
+                            <m:d>
+                              <m:dPr>
+                                <m:ctrlPr>
+                                  <a:rPr lang="en-US" b="0" i="1" smtClean="0">
+                                    <a:latin typeface="Cambria Math" panose="02040503050406030204" pitchFamily="18" charset="0"/>
+                                  </a:rPr>
+                                </m:ctrlPr>
+                              </m:dPr>
+                              <m:e>
+                                <m:r>
+                                  <a:rPr lang="en-US" b="0" i="1" smtClean="0">
+                                    <a:latin typeface="Cambria Math" panose="02040503050406030204" pitchFamily="18" charset="0"/>
+                                  </a:rPr>
+                                  <m:t>1</m:t>
+                                </m:r>
+                              </m:e>
+                            </m:d>
+                          </m:sup>
+                        </m:sSup>
+                        <m:r>
+                          <a:rPr lang="en-US" b="0" i="1" smtClean="0">
+                            <a:latin typeface="Cambria Math" panose="02040503050406030204" pitchFamily="18" charset="0"/>
+                          </a:rPr>
+                          <m:t>;</m:t>
+                        </m:r>
+                        <m:r>
+                          <a:rPr lang="en-US" b="0" i="1" smtClean="0">
+                            <a:latin typeface="Cambria Math" panose="02040503050406030204" pitchFamily="18" charset="0"/>
+                          </a:rPr>
+                          <m:t>𝑊</m:t>
+                        </m:r>
+                      </m:e>
+                    </m:d>
+                    <m:r>
+                      <a:rPr lang="en-US" b="0" i="1" smtClean="0">
+                        <a:latin typeface="Cambria Math" panose="02040503050406030204" pitchFamily="18" charset="0"/>
+                      </a:rPr>
+                      <m:t>=</m:t>
+                    </m:r>
+                    <m:d>
+                      <m:dPr>
+                        <m:begChr m:val="["/>
+                        <m:endChr m:val="]"/>
+                        <m:ctrlPr>
+                          <a:rPr lang="en-US" b="0" i="1" smtClean="0">
+                            <a:latin typeface="Cambria Math" panose="02040503050406030204" pitchFamily="18" charset="0"/>
+                          </a:rPr>
+                        </m:ctrlPr>
+                      </m:dPr>
+                      <m:e>
+                        <m:sSubSup>
+                          <m:sSubSupPr>
+                            <m:ctrlPr>
+                              <a:rPr lang="en-US" b="0" i="1" smtClean="0">
+                                <a:latin typeface="Cambria Math" panose="02040503050406030204" pitchFamily="18" charset="0"/>
+                              </a:rPr>
+                            </m:ctrlPr>
+                          </m:sSubSupPr>
+                          <m:e>
+                            <m:r>
+                              <a:rPr lang="en-US" b="0" i="1" smtClean="0">
+                                <a:latin typeface="Cambria Math" panose="02040503050406030204" pitchFamily="18" charset="0"/>
+                              </a:rPr>
+                              <m:t>𝑒</m:t>
+                            </m:r>
+                          </m:e>
+                          <m:sub>
+                            <m:r>
+                              <a:rPr lang="en-US" b="0" i="1" smtClean="0">
+                                <a:latin typeface="Cambria Math" panose="02040503050406030204" pitchFamily="18" charset="0"/>
+                              </a:rPr>
+                              <m:t>1</m:t>
+                            </m:r>
+                          </m:sub>
+                          <m:sup>
+                            <m:d>
+                              <m:dPr>
+                                <m:ctrlPr>
+                                  <a:rPr lang="en-US" b="0" i="1" smtClean="0">
+                                    <a:latin typeface="Cambria Math" panose="02040503050406030204" pitchFamily="18" charset="0"/>
+                                  </a:rPr>
+                                </m:ctrlPr>
+                              </m:dPr>
+                              <m:e>
+                                <m:r>
+                                  <a:rPr lang="en-US" b="0" i="1" smtClean="0">
+                                    <a:latin typeface="Cambria Math" panose="02040503050406030204" pitchFamily="18" charset="0"/>
+                                  </a:rPr>
+                                  <m:t>1</m:t>
+                                </m:r>
+                              </m:e>
+                            </m:d>
+                          </m:sup>
+                        </m:sSubSup>
+                        <m:r>
+                          <a:rPr lang="en-US" b="0" i="1" smtClean="0">
+                            <a:latin typeface="Cambria Math" panose="02040503050406030204" pitchFamily="18" charset="0"/>
+                          </a:rPr>
+                          <m:t>, </m:t>
+                        </m:r>
+                        <m:sSubSup>
+                          <m:sSubSupPr>
+                            <m:ctrlPr>
+                              <a:rPr lang="en-US" b="0" i="1" smtClean="0">
+                                <a:latin typeface="Cambria Math" panose="02040503050406030204" pitchFamily="18" charset="0"/>
+                              </a:rPr>
+                            </m:ctrlPr>
+                          </m:sSubSupPr>
+                          <m:e>
+                            <m:r>
+                              <a:rPr lang="en-US" b="0" i="1" smtClean="0">
+                                <a:latin typeface="Cambria Math" panose="02040503050406030204" pitchFamily="18" charset="0"/>
+                              </a:rPr>
+                              <m:t>𝑒</m:t>
+                            </m:r>
+                          </m:e>
+                          <m:sub>
+                            <m:r>
+                              <a:rPr lang="en-US" b="0" i="1" smtClean="0">
+                                <a:latin typeface="Cambria Math" panose="02040503050406030204" pitchFamily="18" charset="0"/>
+                              </a:rPr>
+                              <m:t>2</m:t>
+                            </m:r>
+                          </m:sub>
+                          <m:sup>
+                            <m:d>
+                              <m:dPr>
+                                <m:ctrlPr>
+                                  <a:rPr lang="en-US" b="0" i="1" smtClean="0">
+                                    <a:latin typeface="Cambria Math" panose="02040503050406030204" pitchFamily="18" charset="0"/>
+                                  </a:rPr>
+                                </m:ctrlPr>
+                              </m:dPr>
+                              <m:e>
+                                <m:r>
+                                  <a:rPr lang="en-US" b="0" i="1" smtClean="0">
+                                    <a:latin typeface="Cambria Math" panose="02040503050406030204" pitchFamily="18" charset="0"/>
+                                  </a:rPr>
+                                  <m:t>1</m:t>
+                                </m:r>
+                              </m:e>
+                            </m:d>
+                          </m:sup>
+                        </m:sSubSup>
+                        <m:r>
+                          <a:rPr lang="en-US" b="0" i="1" smtClean="0">
+                            <a:latin typeface="Cambria Math" panose="02040503050406030204" pitchFamily="18" charset="0"/>
+                          </a:rPr>
+                          <m:t>,</m:t>
+                        </m:r>
+                        <m:r>
+                          <a:rPr lang="en-US" b="0" i="1" smtClean="0">
+                            <a:latin typeface="Cambria Math" panose="02040503050406030204" pitchFamily="18" charset="0"/>
+                            <a:ea typeface="Cambria Math" panose="02040503050406030204" pitchFamily="18" charset="0"/>
+                          </a:rPr>
+                          <m:t>⋯,</m:t>
+                        </m:r>
+                        <m:sSubSup>
+                          <m:sSubSupPr>
+                            <m:ctrlPr>
+                              <a:rPr lang="en-US" b="0" i="1" smtClean="0">
+                                <a:latin typeface="Cambria Math" panose="02040503050406030204" pitchFamily="18" charset="0"/>
+                                <a:ea typeface="Cambria Math" panose="02040503050406030204" pitchFamily="18" charset="0"/>
+                              </a:rPr>
+                            </m:ctrlPr>
+                          </m:sSubSupPr>
+                          <m:e>
+                            <m:r>
+                              <a:rPr lang="en-US" b="0" i="1" smtClean="0">
+                                <a:latin typeface="Cambria Math" panose="02040503050406030204" pitchFamily="18" charset="0"/>
+                                <a:ea typeface="Cambria Math" panose="02040503050406030204" pitchFamily="18" charset="0"/>
+                              </a:rPr>
+                              <m:t>𝑒</m:t>
+                            </m:r>
+                          </m:e>
+                          <m:sub>
+                            <m:r>
+                              <a:rPr lang="en-US" b="0" i="1" smtClean="0">
+                                <a:latin typeface="Cambria Math" panose="02040503050406030204" pitchFamily="18" charset="0"/>
+                                <a:ea typeface="Cambria Math" panose="02040503050406030204" pitchFamily="18" charset="0"/>
+                              </a:rPr>
+                              <m:t>𝑛</m:t>
+                            </m:r>
+                          </m:sub>
+                          <m:sup>
+                            <m:d>
+                              <m:dPr>
+                                <m:ctrlPr>
+                                  <a:rPr lang="en-US" b="0" i="1" smtClean="0">
+                                    <a:latin typeface="Cambria Math" panose="02040503050406030204" pitchFamily="18" charset="0"/>
+                                    <a:ea typeface="Cambria Math" panose="02040503050406030204" pitchFamily="18" charset="0"/>
+                                  </a:rPr>
+                                </m:ctrlPr>
+                              </m:dPr>
+                              <m:e>
+                                <m:r>
+                                  <a:rPr lang="en-US" b="0" i="1" smtClean="0">
+                                    <a:latin typeface="Cambria Math" panose="02040503050406030204" pitchFamily="18" charset="0"/>
+                                    <a:ea typeface="Cambria Math" panose="02040503050406030204" pitchFamily="18" charset="0"/>
+                                  </a:rPr>
+                                  <m:t>1</m:t>
+                                </m:r>
+                              </m:e>
+                            </m:d>
+                          </m:sup>
+                        </m:sSubSup>
+                      </m:e>
+                    </m:d>
+                  </m:oMath>
+                </a14:m>
+                <a:endParaRPr lang="en-US" b="0" dirty="0">
+                  <a:ea typeface="Cambria Math" panose="02040503050406030204" pitchFamily="18" charset="0"/>
+                </a:endParaRPr>
+              </a:p>
+              <a:p>
+                <a:endParaRPr lang="en-US" b="0" dirty="0">
+                  <a:ea typeface="Cambria Math" panose="02040503050406030204" pitchFamily="18" charset="0"/>
+                </a:endParaRPr>
+              </a:p>
+              <a:p>
+                <a:pPr marL="285750" indent="-285750">
+                  <a:buFont typeface="Arial" panose="020B0604020202020204" pitchFamily="34" charset="0"/>
+                  <a:buChar char="•"/>
+                </a:pPr>
+                <a14:m>
+                  <m:oMath xmlns:m="http://schemas.openxmlformats.org/officeDocument/2006/math">
+                    <m:sSup>
+                      <m:sSupPr>
+                        <m:ctrlPr>
+                          <a:rPr lang="en-US" i="1" smtClean="0">
+                            <a:latin typeface="Cambria Math" panose="02040503050406030204" pitchFamily="18" charset="0"/>
+                          </a:rPr>
+                        </m:ctrlPr>
+                      </m:sSupPr>
+                      <m:e>
+                        <m:r>
+                          <a:rPr lang="en-US" b="0" i="1" smtClean="0">
+                            <a:latin typeface="Cambria Math" panose="02040503050406030204" pitchFamily="18" charset="0"/>
+                          </a:rPr>
+                          <m:t>𝑒</m:t>
+                        </m:r>
+                      </m:e>
+                      <m:sup>
+                        <m:r>
+                          <a:rPr lang="en-US" b="0" i="1" smtClean="0">
+                            <a:latin typeface="Cambria Math" panose="02040503050406030204" pitchFamily="18" charset="0"/>
+                          </a:rPr>
+                          <m:t>(2)</m:t>
+                        </m:r>
+                      </m:sup>
+                    </m:sSup>
+                    <m:r>
+                      <a:rPr lang="en-US" b="0" i="1" smtClean="0">
+                        <a:latin typeface="Cambria Math" panose="02040503050406030204" pitchFamily="18" charset="0"/>
+                      </a:rPr>
+                      <m:t>=</m:t>
+                    </m:r>
+                    <m:r>
+                      <a:rPr lang="en-US" b="0" i="1" smtClean="0">
+                        <a:latin typeface="Cambria Math" panose="02040503050406030204" pitchFamily="18" charset="0"/>
+                      </a:rPr>
+                      <m:t>𝑒</m:t>
+                    </m:r>
+                    <m:d>
+                      <m:dPr>
+                        <m:ctrlPr>
+                          <a:rPr lang="en-US" b="0" i="1" smtClean="0">
+                            <a:latin typeface="Cambria Math" panose="02040503050406030204" pitchFamily="18" charset="0"/>
+                          </a:rPr>
+                        </m:ctrlPr>
+                      </m:dPr>
+                      <m:e>
+                        <m:sSup>
+                          <m:sSupPr>
+                            <m:ctrlPr>
+                              <a:rPr lang="en-US" b="0" i="1" smtClean="0">
+                                <a:latin typeface="Cambria Math" panose="02040503050406030204" pitchFamily="18" charset="0"/>
+                              </a:rPr>
+                            </m:ctrlPr>
+                          </m:sSupPr>
+                          <m:e>
+                            <m:r>
+                              <a:rPr lang="en-US" b="0" i="1" smtClean="0">
+                                <a:latin typeface="Cambria Math" panose="02040503050406030204" pitchFamily="18" charset="0"/>
+                              </a:rPr>
+                              <m:t>𝑥</m:t>
+                            </m:r>
+                          </m:e>
+                          <m:sup>
+                            <m:d>
+                              <m:dPr>
+                                <m:ctrlPr>
+                                  <a:rPr lang="en-US" b="0" i="1" smtClean="0">
+                                    <a:latin typeface="Cambria Math" panose="02040503050406030204" pitchFamily="18" charset="0"/>
+                                  </a:rPr>
+                                </m:ctrlPr>
+                              </m:dPr>
+                              <m:e>
+                                <m:r>
+                                  <a:rPr lang="en-US" b="0" i="1" smtClean="0">
+                                    <a:latin typeface="Cambria Math" panose="02040503050406030204" pitchFamily="18" charset="0"/>
+                                  </a:rPr>
+                                  <m:t>2</m:t>
+                                </m:r>
+                              </m:e>
+                            </m:d>
+                          </m:sup>
+                        </m:sSup>
+                        <m:r>
+                          <a:rPr lang="en-US" b="0" i="1" smtClean="0">
+                            <a:latin typeface="Cambria Math" panose="02040503050406030204" pitchFamily="18" charset="0"/>
+                          </a:rPr>
+                          <m:t>;</m:t>
+                        </m:r>
+                        <m:r>
+                          <a:rPr lang="en-US" b="0" i="1" smtClean="0">
+                            <a:latin typeface="Cambria Math" panose="02040503050406030204" pitchFamily="18" charset="0"/>
+                          </a:rPr>
+                          <m:t>𝑊</m:t>
+                        </m:r>
+                      </m:e>
+                    </m:d>
+                    <m:r>
+                      <a:rPr lang="en-US" b="0" i="1" smtClean="0">
+                        <a:latin typeface="Cambria Math" panose="02040503050406030204" pitchFamily="18" charset="0"/>
+                      </a:rPr>
+                      <m:t>=</m:t>
+                    </m:r>
+                    <m:d>
+                      <m:dPr>
+                        <m:begChr m:val="["/>
+                        <m:endChr m:val="]"/>
+                        <m:ctrlPr>
+                          <a:rPr lang="en-US" b="0" i="1" smtClean="0">
+                            <a:latin typeface="Cambria Math" panose="02040503050406030204" pitchFamily="18" charset="0"/>
+                          </a:rPr>
+                        </m:ctrlPr>
+                      </m:dPr>
+                      <m:e>
+                        <m:sSubSup>
+                          <m:sSubSupPr>
+                            <m:ctrlPr>
+                              <a:rPr lang="en-US" i="1">
+                                <a:latin typeface="Cambria Math" panose="02040503050406030204" pitchFamily="18" charset="0"/>
+                              </a:rPr>
+                            </m:ctrlPr>
+                          </m:sSubSupPr>
+                          <m:e>
+                            <m:r>
+                              <a:rPr lang="en-US" i="1">
+                                <a:latin typeface="Cambria Math" panose="02040503050406030204" pitchFamily="18" charset="0"/>
+                              </a:rPr>
+                              <m:t>𝑒</m:t>
+                            </m:r>
+                          </m:e>
+                          <m:sub>
+                            <m:r>
+                              <a:rPr lang="en-US" i="1">
+                                <a:latin typeface="Cambria Math" panose="02040503050406030204" pitchFamily="18" charset="0"/>
+                              </a:rPr>
+                              <m:t>1</m:t>
+                            </m:r>
+                          </m:sub>
+                          <m:sup>
+                            <m:d>
+                              <m:dPr>
+                                <m:ctrlPr>
+                                  <a:rPr lang="en-US" i="1">
+                                    <a:latin typeface="Cambria Math" panose="02040503050406030204" pitchFamily="18" charset="0"/>
+                                  </a:rPr>
+                                </m:ctrlPr>
+                              </m:dPr>
+                              <m:e>
+                                <m:r>
+                                  <a:rPr lang="en-US" i="1">
+                                    <a:latin typeface="Cambria Math" panose="02040503050406030204" pitchFamily="18" charset="0"/>
+                                  </a:rPr>
+                                  <m:t>2</m:t>
+                                </m:r>
+                              </m:e>
+                            </m:d>
+                          </m:sup>
+                        </m:sSubSup>
+                        <m:r>
+                          <a:rPr lang="en-US" i="1">
+                            <a:latin typeface="Cambria Math" panose="02040503050406030204" pitchFamily="18" charset="0"/>
+                          </a:rPr>
+                          <m:t>,</m:t>
+                        </m:r>
+                        <m:sSubSup>
+                          <m:sSubSupPr>
+                            <m:ctrlPr>
+                              <a:rPr lang="en-US" i="1">
+                                <a:latin typeface="Cambria Math" panose="02040503050406030204" pitchFamily="18" charset="0"/>
+                              </a:rPr>
+                            </m:ctrlPr>
+                          </m:sSubSupPr>
+                          <m:e>
+                            <m:r>
+                              <a:rPr lang="en-US" i="1">
+                                <a:latin typeface="Cambria Math" panose="02040503050406030204" pitchFamily="18" charset="0"/>
+                              </a:rPr>
+                              <m:t>𝑒</m:t>
+                            </m:r>
+                          </m:e>
+                          <m:sub>
+                            <m:r>
+                              <a:rPr lang="en-US" i="1">
+                                <a:latin typeface="Cambria Math" panose="02040503050406030204" pitchFamily="18" charset="0"/>
+                              </a:rPr>
+                              <m:t>2</m:t>
+                            </m:r>
+                          </m:sub>
+                          <m:sup>
+                            <m:d>
+                              <m:dPr>
+                                <m:ctrlPr>
+                                  <a:rPr lang="en-US" i="1">
+                                    <a:latin typeface="Cambria Math" panose="02040503050406030204" pitchFamily="18" charset="0"/>
+                                  </a:rPr>
+                                </m:ctrlPr>
+                              </m:dPr>
+                              <m:e>
+                                <m:r>
+                                  <a:rPr lang="en-US" i="1">
+                                    <a:latin typeface="Cambria Math" panose="02040503050406030204" pitchFamily="18" charset="0"/>
+                                  </a:rPr>
+                                  <m:t>2</m:t>
+                                </m:r>
+                              </m:e>
+                            </m:d>
+                          </m:sup>
+                        </m:sSubSup>
+                        <m:r>
+                          <a:rPr lang="en-US" i="1">
+                            <a:latin typeface="Cambria Math" panose="02040503050406030204" pitchFamily="18" charset="0"/>
+                          </a:rPr>
+                          <m:t>,</m:t>
+                        </m:r>
+                        <m:r>
+                          <a:rPr lang="en-US" i="1">
+                            <a:latin typeface="Cambria Math" panose="02040503050406030204" pitchFamily="18" charset="0"/>
+                            <a:ea typeface="Cambria Math" panose="02040503050406030204" pitchFamily="18" charset="0"/>
+                          </a:rPr>
+                          <m:t>⋯,</m:t>
+                        </m:r>
+                        <m:sSubSup>
+                          <m:sSubSupPr>
+                            <m:ctrlPr>
+                              <a:rPr lang="en-US" i="1">
+                                <a:latin typeface="Cambria Math" panose="02040503050406030204" pitchFamily="18" charset="0"/>
+                                <a:ea typeface="Cambria Math" panose="02040503050406030204" pitchFamily="18" charset="0"/>
+                              </a:rPr>
+                            </m:ctrlPr>
+                          </m:sSubSupPr>
+                          <m:e>
+                            <m:r>
+                              <a:rPr lang="en-US" i="1">
+                                <a:latin typeface="Cambria Math" panose="02040503050406030204" pitchFamily="18" charset="0"/>
+                                <a:ea typeface="Cambria Math" panose="02040503050406030204" pitchFamily="18" charset="0"/>
+                              </a:rPr>
+                              <m:t>𝑒</m:t>
+                            </m:r>
+                          </m:e>
+                          <m:sub>
+                            <m:r>
+                              <a:rPr lang="en-US" i="1">
+                                <a:latin typeface="Cambria Math" panose="02040503050406030204" pitchFamily="18" charset="0"/>
+                                <a:ea typeface="Cambria Math" panose="02040503050406030204" pitchFamily="18" charset="0"/>
+                              </a:rPr>
+                              <m:t>𝑛</m:t>
+                            </m:r>
+                          </m:sub>
+                          <m:sup>
+                            <m:d>
+                              <m:dPr>
+                                <m:ctrlPr>
+                                  <a:rPr lang="en-US" i="1">
+                                    <a:latin typeface="Cambria Math" panose="02040503050406030204" pitchFamily="18" charset="0"/>
+                                    <a:ea typeface="Cambria Math" panose="02040503050406030204" pitchFamily="18" charset="0"/>
+                                  </a:rPr>
+                                </m:ctrlPr>
+                              </m:dPr>
+                              <m:e>
+                                <m:r>
+                                  <a:rPr lang="en-US" i="1">
+                                    <a:latin typeface="Cambria Math" panose="02040503050406030204" pitchFamily="18" charset="0"/>
+                                    <a:ea typeface="Cambria Math" panose="02040503050406030204" pitchFamily="18" charset="0"/>
+                                  </a:rPr>
+                                  <m:t>2</m:t>
+                                </m:r>
+                              </m:e>
+                            </m:d>
+                          </m:sup>
+                        </m:sSubSup>
+                      </m:e>
+                    </m:d>
+                  </m:oMath>
+                </a14:m>
+                <a:endParaRPr lang="en-US" dirty="0"/>
+              </a:p>
+            </p:txBody>
+          </p:sp>
+        </mc:Choice>
+        <mc:Fallback>
+          <p:sp>
+            <p:nvSpPr>
+              <p:cNvPr id="11" name="ZoneTexte 10">
+                <a:extLst>
+                  <a:ext uri="{FF2B5EF4-FFF2-40B4-BE49-F238E27FC236}">
+                    <a16:creationId xmlns:a16="http://schemas.microsoft.com/office/drawing/2014/main" id="{24FDD60E-9BBC-41C4-9D44-7B92088ED621}"/>
+                  </a:ext>
+                </a:extLst>
+              </p:cNvPr>
+              <p:cNvSpPr txBox="1">
+                <a:spLocks noRot="1" noChangeAspect="1" noMove="1" noResize="1" noEditPoints="1" noAdjustHandles="1" noChangeArrowheads="1" noChangeShapeType="1" noTextEdit="1"/>
+              </p:cNvSpPr>
+              <p:nvPr/>
+            </p:nvSpPr>
+            <p:spPr>
+              <a:xfrm>
+                <a:off x="174534" y="124285"/>
+                <a:ext cx="11801439" cy="1789144"/>
+              </a:xfrm>
+              <a:prstGeom prst="rect">
+                <a:avLst/>
+              </a:prstGeom>
+              <a:blipFill>
+                <a:blip r:embed="rId4"/>
+                <a:stretch>
+                  <a:fillRect l="-465" t="-680"/>
+                </a:stretch>
+              </a:blipFill>
+            </p:spPr>
+            <p:txBody>
+              <a:bodyPr/>
+              <a:lstStyle/>
+              <a:p>
+                <a:r>
+                  <a:rPr lang="en-US">
+                    <a:noFill/>
+                  </a:rPr>
+                  <a:t> </a:t>
+                </a:r>
+              </a:p>
+            </p:txBody>
+          </p:sp>
+        </mc:Fallback>
+      </mc:AlternateContent>
+      <p:sp>
+        <p:nvSpPr>
+          <p:cNvPr id="12" name="ZoneTexte 11">
+            <a:extLst>
+              <a:ext uri="{FF2B5EF4-FFF2-40B4-BE49-F238E27FC236}">
+                <a16:creationId xmlns:a16="http://schemas.microsoft.com/office/drawing/2014/main" id="{4366634A-8B92-4A37-881A-199F7F0C8B01}"/>
+              </a:ext>
+            </a:extLst>
+          </p:cNvPr>
+          <p:cNvSpPr txBox="1"/>
+          <p:nvPr/>
         </p:nvSpPr>
-        <p:spPr/>
+        <p:spPr>
+          <a:xfrm>
+            <a:off x="1403062" y="2357303"/>
+            <a:ext cx="3464410" cy="523220"/>
+          </a:xfrm>
+          <a:prstGeom prst="rect">
+            <a:avLst/>
+          </a:prstGeom>
+          <a:noFill/>
+        </p:spPr>
         <p:txBody>
-          <a:bodyPr/>
+          <a:bodyPr wrap="none" rtlCol="0">
+            <a:spAutoFit/>
+          </a:bodyPr>
           <a:lstStyle/>
           <a:p>
-            <a:endParaRPr lang="fr-FR"/>
+            <a:r>
+              <a:rPr lang="en-US" sz="2800" dirty="0">
+                <a:solidFill>
+                  <a:schemeClr val="accent1">
+                    <a:lumMod val="50000"/>
+                  </a:schemeClr>
+                </a:solidFill>
+                <a:latin typeface="Ubuntu" panose="020B0504030602030204" pitchFamily="34" charset="0"/>
+              </a:rPr>
+              <a:t>Manhattan Distance</a:t>
+            </a:r>
           </a:p>
         </p:txBody>
       </p:sp>
       <p:sp>
         <p:nvSpPr>
-          <p:cNvPr id="3" name="Espace réservé du contenu 2">
+          <p:cNvPr id="13" name="ZoneTexte 12">
             <a:extLst>
               <a:ext uri="{FF2B5EF4-FFF2-40B4-BE49-F238E27FC236}">
-                <a16:creationId xmlns:a16="http://schemas.microsoft.com/office/drawing/2014/main" id="{4BE63225-0500-4586-9F32-3CA77507B741}"/>
+                <a16:creationId xmlns:a16="http://schemas.microsoft.com/office/drawing/2014/main" id="{DFCA61D6-F84C-4DFD-AEB0-53B1F5131704}"/>
               </a:ext>
             </a:extLst>
           </p:cNvPr>
-          <p:cNvSpPr>
-            <a:spLocks noGrp="1"/>
-          </p:cNvSpPr>
-          <p:nvPr>
-            <p:ph idx="1"/>
-          </p:nvPr>
+          <p:cNvSpPr txBox="1"/>
+          <p:nvPr/>
         </p:nvSpPr>
-        <p:spPr/>
+        <p:spPr>
+          <a:xfrm>
+            <a:off x="7499929" y="2357303"/>
+            <a:ext cx="3256020" cy="523220"/>
+          </a:xfrm>
+          <a:prstGeom prst="rect">
+            <a:avLst/>
+          </a:prstGeom>
+          <a:noFill/>
+        </p:spPr>
         <p:txBody>
-          <a:bodyPr/>
+          <a:bodyPr wrap="none" rtlCol="0">
+            <a:spAutoFit/>
+          </a:bodyPr>
           <a:lstStyle/>
           <a:p>
-            <a:endParaRPr lang="fr-FR"/>
+            <a:r>
+              <a:rPr lang="en-US" sz="2800" dirty="0">
+                <a:solidFill>
+                  <a:srgbClr val="640000"/>
+                </a:solidFill>
+                <a:latin typeface="Ubuntu" panose="020B0504030602030204" pitchFamily="34" charset="0"/>
+              </a:rPr>
+              <a:t>Euclidean Distance</a:t>
+            </a:r>
           </a:p>
         </p:txBody>
       </p:sp>
@@ -9470,60 +10936,4964 @@
           <a:chExt cx="0" cy="0"/>
         </a:xfrm>
       </p:grpSpPr>
-      <p:sp>
-        <p:nvSpPr>
-          <p:cNvPr id="2" name="Titre 1">
+      <mc:AlternateContent xmlns:mc="http://schemas.openxmlformats.org/markup-compatibility/2006">
+        <mc:Choice xmlns:a14="http://schemas.microsoft.com/office/drawing/2010/main" Requires="a14">
+          <p:sp>
+            <p:nvSpPr>
+              <p:cNvPr id="11" name="ZoneTexte 10">
+                <a:extLst>
+                  <a:ext uri="{FF2B5EF4-FFF2-40B4-BE49-F238E27FC236}">
+                    <a16:creationId xmlns:a16="http://schemas.microsoft.com/office/drawing/2014/main" id="{24FDD60E-9BBC-41C4-9D44-7B92088ED621}"/>
+                  </a:ext>
+                </a:extLst>
+              </p:cNvPr>
+              <p:cNvSpPr txBox="1"/>
+              <p:nvPr/>
+            </p:nvSpPr>
+            <p:spPr>
+              <a:xfrm>
+                <a:off x="165657" y="0"/>
+                <a:ext cx="6377185" cy="3073277"/>
+              </a:xfrm>
+              <a:prstGeom prst="rect">
+                <a:avLst/>
+              </a:prstGeom>
+              <a:noFill/>
+            </p:spPr>
+            <p:txBody>
+              <a:bodyPr wrap="square" rtlCol="0">
+                <a:spAutoFit/>
+              </a:bodyPr>
+              <a:lstStyle/>
+              <a:p>
+                <a:r>
+                  <a:rPr lang="en-US" sz="2800" dirty="0">
+                    <a:latin typeface="Ubuntu" panose="020B0504030602030204" pitchFamily="34" charset="0"/>
+                  </a:rPr>
+                  <a:t>Given the following notations:</a:t>
+                </a:r>
+              </a:p>
+              <a:p>
+                <a:endParaRPr lang="en-US" sz="3200" dirty="0">
+                  <a:latin typeface="Ubuntu" panose="020B0504030602030204" pitchFamily="34" charset="0"/>
+                </a:endParaRPr>
+              </a:p>
+              <a:p>
+                <a:pPr marL="285750" indent="-285750">
+                  <a:buFont typeface="Arial" panose="020B0604020202020204" pitchFamily="34" charset="0"/>
+                  <a:buChar char="•"/>
+                </a:pPr>
+                <a:r>
+                  <a:rPr lang="en-US" sz="3200" dirty="0">
+                    <a:latin typeface="Ubuntu" panose="020B0504030602030204" pitchFamily="34" charset="0"/>
+                  </a:rPr>
+                  <a:t> </a:t>
+                </a:r>
+                <a14:m>
+                  <m:oMath xmlns:m="http://schemas.openxmlformats.org/officeDocument/2006/math">
+                    <m:r>
+                      <m:rPr>
+                        <m:sty m:val="p"/>
+                      </m:rPr>
+                      <a:rPr lang="en-US" sz="3200" b="0" i="0" smtClean="0">
+                        <a:latin typeface="Cambria Math" panose="02040503050406030204" pitchFamily="18" charset="0"/>
+                      </a:rPr>
+                      <m:t>X</m:t>
+                    </m:r>
+                    <m:r>
+                      <a:rPr lang="en-US" sz="3200" b="0" i="0" smtClean="0">
+                        <a:latin typeface="Cambria Math" panose="02040503050406030204" pitchFamily="18" charset="0"/>
+                      </a:rPr>
+                      <m:t>= </m:t>
+                    </m:r>
+                    <m:d>
+                      <m:dPr>
+                        <m:begChr m:val="["/>
+                        <m:endChr m:val="]"/>
+                        <m:ctrlPr>
+                          <a:rPr lang="en-US" sz="3200" b="0" i="1" smtClean="0">
+                            <a:latin typeface="Cambria Math" panose="02040503050406030204" pitchFamily="18" charset="0"/>
+                          </a:rPr>
+                        </m:ctrlPr>
+                      </m:dPr>
+                      <m:e>
+                        <m:m>
+                          <m:mPr>
+                            <m:mcs>
+                              <m:mc>
+                                <m:mcPr>
+                                  <m:count m:val="1"/>
+                                  <m:mcJc m:val="center"/>
+                                </m:mcPr>
+                              </m:mc>
+                            </m:mcs>
+                            <m:ctrlPr>
+                              <a:rPr lang="en-US" sz="3200" b="0" i="1" smtClean="0">
+                                <a:latin typeface="Cambria Math" panose="02040503050406030204" pitchFamily="18" charset="0"/>
+                              </a:rPr>
+                            </m:ctrlPr>
+                          </m:mPr>
+                          <m:mr>
+                            <m:e>
+                              <m:sSub>
+                                <m:sSubPr>
+                                  <m:ctrlPr>
+                                    <a:rPr lang="en-US" sz="3200" b="0" i="1" smtClean="0">
+                                      <a:latin typeface="Cambria Math" panose="02040503050406030204" pitchFamily="18" charset="0"/>
+                                    </a:rPr>
+                                  </m:ctrlPr>
+                                </m:sSubPr>
+                                <m:e>
+                                  <m:r>
+                                    <m:rPr>
+                                      <m:sty m:val="p"/>
+                                    </m:rPr>
+                                    <a:rPr lang="en-US" sz="3200">
+                                      <a:latin typeface="Cambria Math" panose="02040503050406030204" pitchFamily="18" charset="0"/>
+                                    </a:rPr>
+                                    <m:t>d</m:t>
+                                  </m:r>
+                                  <m:r>
+                                    <a:rPr lang="en-US" sz="3200" i="1">
+                                      <a:latin typeface="Cambria Math" panose="02040503050406030204" pitchFamily="18" charset="0"/>
+                                    </a:rPr>
+                                    <m:t>(</m:t>
+                                  </m:r>
+                                  <m:sSup>
+                                    <m:sSupPr>
+                                      <m:ctrlPr>
+                                        <a:rPr lang="en-US" sz="3200" i="1">
+                                          <a:latin typeface="Cambria Math" panose="02040503050406030204" pitchFamily="18" charset="0"/>
+                                        </a:rPr>
+                                      </m:ctrlPr>
+                                    </m:sSupPr>
+                                    <m:e>
+                                      <m:r>
+                                        <a:rPr lang="en-US" sz="3200" i="1">
+                                          <a:latin typeface="Cambria Math" panose="02040503050406030204" pitchFamily="18" charset="0"/>
+                                        </a:rPr>
+                                        <m:t>𝑒</m:t>
+                                      </m:r>
+                                    </m:e>
+                                    <m:sup>
+                                      <m:d>
+                                        <m:dPr>
+                                          <m:ctrlPr>
+                                            <a:rPr lang="en-US" sz="3200" i="1">
+                                              <a:latin typeface="Cambria Math" panose="02040503050406030204" pitchFamily="18" charset="0"/>
+                                            </a:rPr>
+                                          </m:ctrlPr>
+                                        </m:dPr>
+                                        <m:e>
+                                          <m:r>
+                                            <a:rPr lang="en-US" sz="3200" i="1">
+                                              <a:latin typeface="Cambria Math" panose="02040503050406030204" pitchFamily="18" charset="0"/>
+                                            </a:rPr>
+                                            <m:t>1</m:t>
+                                          </m:r>
+                                        </m:e>
+                                      </m:d>
+                                    </m:sup>
+                                  </m:sSup>
+                                  <m:r>
+                                    <a:rPr lang="en-US" sz="3200" i="1">
+                                      <a:latin typeface="Cambria Math" panose="02040503050406030204" pitchFamily="18" charset="0"/>
+                                    </a:rPr>
+                                    <m:t>, </m:t>
+                                  </m:r>
+                                  <m:sSup>
+                                    <m:sSupPr>
+                                      <m:ctrlPr>
+                                        <a:rPr lang="en-US" sz="3200" i="1">
+                                          <a:latin typeface="Cambria Math" panose="02040503050406030204" pitchFamily="18" charset="0"/>
+                                        </a:rPr>
+                                      </m:ctrlPr>
+                                    </m:sSupPr>
+                                    <m:e>
+                                      <m:r>
+                                        <a:rPr lang="en-US" sz="3200" i="1">
+                                          <a:latin typeface="Cambria Math" panose="02040503050406030204" pitchFamily="18" charset="0"/>
+                                        </a:rPr>
+                                        <m:t>𝑒</m:t>
+                                      </m:r>
+                                    </m:e>
+                                    <m:sup>
+                                      <m:r>
+                                        <a:rPr lang="en-US" sz="3200" i="1">
+                                          <a:latin typeface="Cambria Math" panose="02040503050406030204" pitchFamily="18" charset="0"/>
+                                        </a:rPr>
+                                        <m:t>(2)</m:t>
+                                      </m:r>
+                                    </m:sup>
+                                  </m:sSup>
+                                  <m:r>
+                                    <a:rPr lang="en-US" sz="3200" i="1">
+                                      <a:latin typeface="Cambria Math" panose="02040503050406030204" pitchFamily="18" charset="0"/>
+                                    </a:rPr>
+                                    <m:t>)</m:t>
+                                  </m:r>
+                                </m:e>
+                                <m:sub>
+                                  <m:r>
+                                    <a:rPr lang="en-US" sz="3200" b="0" i="1" smtClean="0">
+                                      <a:latin typeface="Cambria Math" panose="02040503050406030204" pitchFamily="18" charset="0"/>
+                                    </a:rPr>
+                                    <m:t>1</m:t>
+                                  </m:r>
+                                </m:sub>
+                              </m:sSub>
+                            </m:e>
+                          </m:mr>
+                          <m:mr>
+                            <m:e>
+                              <m:r>
+                                <a:rPr lang="en-US" sz="3200" b="0" i="1" smtClean="0">
+                                  <a:latin typeface="Cambria Math" panose="02040503050406030204" pitchFamily="18" charset="0"/>
+                                  <a:ea typeface="Cambria Math" panose="02040503050406030204" pitchFamily="18" charset="0"/>
+                                </a:rPr>
+                                <m:t>⋯</m:t>
+                              </m:r>
+                            </m:e>
+                          </m:mr>
+                          <m:mr>
+                            <m:e>
+                              <m:sSub>
+                                <m:sSubPr>
+                                  <m:ctrlPr>
+                                    <a:rPr lang="en-US" sz="3200" b="0" i="1" smtClean="0">
+                                      <a:latin typeface="Cambria Math" panose="02040503050406030204" pitchFamily="18" charset="0"/>
+                                    </a:rPr>
+                                  </m:ctrlPr>
+                                </m:sSubPr>
+                                <m:e>
+                                  <m:r>
+                                    <m:rPr>
+                                      <m:sty m:val="p"/>
+                                    </m:rPr>
+                                    <a:rPr lang="en-US" sz="3200">
+                                      <a:latin typeface="Cambria Math" panose="02040503050406030204" pitchFamily="18" charset="0"/>
+                                    </a:rPr>
+                                    <m:t>d</m:t>
+                                  </m:r>
+                                  <m:r>
+                                    <a:rPr lang="en-US" sz="3200" i="1">
+                                      <a:latin typeface="Cambria Math" panose="02040503050406030204" pitchFamily="18" charset="0"/>
+                                    </a:rPr>
+                                    <m:t>(</m:t>
+                                  </m:r>
+                                  <m:sSup>
+                                    <m:sSupPr>
+                                      <m:ctrlPr>
+                                        <a:rPr lang="en-US" sz="3200" i="1">
+                                          <a:latin typeface="Cambria Math" panose="02040503050406030204" pitchFamily="18" charset="0"/>
+                                        </a:rPr>
+                                      </m:ctrlPr>
+                                    </m:sSupPr>
+                                    <m:e>
+                                      <m:r>
+                                        <a:rPr lang="en-US" sz="3200" i="1">
+                                          <a:latin typeface="Cambria Math" panose="02040503050406030204" pitchFamily="18" charset="0"/>
+                                        </a:rPr>
+                                        <m:t>𝑒</m:t>
+                                      </m:r>
+                                    </m:e>
+                                    <m:sup>
+                                      <m:d>
+                                        <m:dPr>
+                                          <m:ctrlPr>
+                                            <a:rPr lang="en-US" sz="3200" i="1">
+                                              <a:latin typeface="Cambria Math" panose="02040503050406030204" pitchFamily="18" charset="0"/>
+                                            </a:rPr>
+                                          </m:ctrlPr>
+                                        </m:dPr>
+                                        <m:e>
+                                          <m:r>
+                                            <a:rPr lang="en-US" sz="3200" i="1">
+                                              <a:latin typeface="Cambria Math" panose="02040503050406030204" pitchFamily="18" charset="0"/>
+                                            </a:rPr>
+                                            <m:t>1</m:t>
+                                          </m:r>
+                                        </m:e>
+                                      </m:d>
+                                    </m:sup>
+                                  </m:sSup>
+                                  <m:r>
+                                    <a:rPr lang="en-US" sz="3200" i="1">
+                                      <a:latin typeface="Cambria Math" panose="02040503050406030204" pitchFamily="18" charset="0"/>
+                                    </a:rPr>
+                                    <m:t>, </m:t>
+                                  </m:r>
+                                  <m:sSup>
+                                    <m:sSupPr>
+                                      <m:ctrlPr>
+                                        <a:rPr lang="en-US" sz="3200" i="1">
+                                          <a:latin typeface="Cambria Math" panose="02040503050406030204" pitchFamily="18" charset="0"/>
+                                        </a:rPr>
+                                      </m:ctrlPr>
+                                    </m:sSupPr>
+                                    <m:e>
+                                      <m:r>
+                                        <a:rPr lang="en-US" sz="3200" i="1">
+                                          <a:latin typeface="Cambria Math" panose="02040503050406030204" pitchFamily="18" charset="0"/>
+                                        </a:rPr>
+                                        <m:t>𝑒</m:t>
+                                      </m:r>
+                                    </m:e>
+                                    <m:sup>
+                                      <m:r>
+                                        <a:rPr lang="en-US" sz="3200" i="1">
+                                          <a:latin typeface="Cambria Math" panose="02040503050406030204" pitchFamily="18" charset="0"/>
+                                        </a:rPr>
+                                        <m:t>(2)</m:t>
+                                      </m:r>
+                                    </m:sup>
+                                  </m:sSup>
+                                  <m:r>
+                                    <a:rPr lang="en-US" sz="3200" i="1">
+                                      <a:latin typeface="Cambria Math" panose="02040503050406030204" pitchFamily="18" charset="0"/>
+                                    </a:rPr>
+                                    <m:t>)</m:t>
+                                  </m:r>
+                                </m:e>
+                                <m:sub>
+                                  <m:r>
+                                    <a:rPr lang="en-US" sz="3200" b="0" i="1" smtClean="0">
+                                      <a:latin typeface="Cambria Math" panose="02040503050406030204" pitchFamily="18" charset="0"/>
+                                    </a:rPr>
+                                    <m:t>𝑛</m:t>
+                                  </m:r>
+                                </m:sub>
+                              </m:sSub>
+                            </m:e>
+                          </m:mr>
+                        </m:m>
+                      </m:e>
+                    </m:d>
+                  </m:oMath>
+                </a14:m>
+                <a:endParaRPr lang="en-US" sz="3200" dirty="0">
+                  <a:latin typeface="Ubuntu" panose="020B0504030602030204" pitchFamily="34" charset="0"/>
+                </a:endParaRPr>
+              </a:p>
+              <a:p>
+                <a:endParaRPr lang="en-US" sz="3200" b="0" dirty="0">
+                  <a:ea typeface="Cambria Math" panose="02040503050406030204" pitchFamily="18" charset="0"/>
+                </a:endParaRPr>
+              </a:p>
+            </p:txBody>
+          </p:sp>
+        </mc:Choice>
+        <mc:Fallback>
+          <p:sp>
+            <p:nvSpPr>
+              <p:cNvPr id="11" name="ZoneTexte 10">
+                <a:extLst>
+                  <a:ext uri="{FF2B5EF4-FFF2-40B4-BE49-F238E27FC236}">
+                    <a16:creationId xmlns:a16="http://schemas.microsoft.com/office/drawing/2014/main" id="{24FDD60E-9BBC-41C4-9D44-7B92088ED621}"/>
+                  </a:ext>
+                </a:extLst>
+              </p:cNvPr>
+              <p:cNvSpPr txBox="1">
+                <a:spLocks noRot="1" noChangeAspect="1" noMove="1" noResize="1" noEditPoints="1" noAdjustHandles="1" noChangeArrowheads="1" noChangeShapeType="1" noTextEdit="1"/>
+              </p:cNvSpPr>
+              <p:nvPr/>
+            </p:nvSpPr>
+            <p:spPr>
+              <a:xfrm>
+                <a:off x="165657" y="0"/>
+                <a:ext cx="6377185" cy="3073277"/>
+              </a:xfrm>
+              <a:prstGeom prst="rect">
+                <a:avLst/>
+              </a:prstGeom>
+              <a:blipFill>
+                <a:blip r:embed="rId2"/>
+                <a:stretch>
+                  <a:fillRect l="-2199" t="-1984"/>
+                </a:stretch>
+              </a:blipFill>
+            </p:spPr>
+            <p:txBody>
+              <a:bodyPr/>
+              <a:lstStyle/>
+              <a:p>
+                <a:r>
+                  <a:rPr lang="en-US">
+                    <a:noFill/>
+                  </a:rPr>
+                  <a:t> </a:t>
+                </a:r>
+              </a:p>
+            </p:txBody>
+          </p:sp>
+        </mc:Fallback>
+      </mc:AlternateContent>
+      <mc:AlternateContent xmlns:mc="http://schemas.openxmlformats.org/markup-compatibility/2006">
+        <mc:Choice xmlns:a14="http://schemas.microsoft.com/office/drawing/2010/main" Requires="a14">
+          <p:sp>
+            <p:nvSpPr>
+              <p:cNvPr id="10" name="ZoneTexte 9">
+                <a:extLst>
+                  <a:ext uri="{FF2B5EF4-FFF2-40B4-BE49-F238E27FC236}">
+                    <a16:creationId xmlns:a16="http://schemas.microsoft.com/office/drawing/2014/main" id="{2D138A05-71D4-4AAF-866B-7C10A3FDEEEA}"/>
+                  </a:ext>
+                </a:extLst>
+              </p:cNvPr>
+              <p:cNvSpPr txBox="1"/>
+              <p:nvPr/>
+            </p:nvSpPr>
+            <p:spPr>
+              <a:xfrm>
+                <a:off x="5379868" y="144848"/>
+                <a:ext cx="7466119" cy="2812565"/>
+              </a:xfrm>
+              <a:prstGeom prst="rect">
+                <a:avLst/>
+              </a:prstGeom>
+              <a:noFill/>
+            </p:spPr>
+            <p:txBody>
+              <a:bodyPr wrap="square" rtlCol="0">
+                <a:spAutoFit/>
+              </a:bodyPr>
+              <a:lstStyle/>
+              <a:p>
+                <a:endParaRPr lang="en-US" sz="3200" dirty="0">
+                  <a:latin typeface="Ubuntu" panose="020B0504030602030204" pitchFamily="34" charset="0"/>
+                </a:endParaRPr>
+              </a:p>
+              <a:p>
+                <a:endParaRPr lang="en-US" sz="3200" dirty="0">
+                  <a:latin typeface="Ubuntu" panose="020B0504030602030204" pitchFamily="34" charset="0"/>
+                </a:endParaRPr>
+              </a:p>
+              <a:p>
+                <a:pPr marL="285750" indent="-285750">
+                  <a:buFont typeface="Arial" panose="020B0604020202020204" pitchFamily="34" charset="0"/>
+                  <a:buChar char="•"/>
+                </a:pPr>
+                <a:r>
+                  <a:rPr lang="en-US" sz="3200" dirty="0">
+                    <a:latin typeface="Ubuntu" panose="020B0504030602030204" pitchFamily="34" charset="0"/>
+                  </a:rPr>
+                  <a:t> </a:t>
+                </a:r>
+                <a14:m>
+                  <m:oMath xmlns:m="http://schemas.openxmlformats.org/officeDocument/2006/math">
+                    <m:r>
+                      <m:rPr>
+                        <m:sty m:val="p"/>
+                      </m:rPr>
+                      <a:rPr lang="en-US" sz="3200" b="0" i="0" smtClean="0">
+                        <a:latin typeface="Cambria Math" panose="02040503050406030204" pitchFamily="18" charset="0"/>
+                      </a:rPr>
+                      <m:t>Y</m:t>
+                    </m:r>
+                    <m:r>
+                      <a:rPr lang="en-US" sz="3200" b="0" i="0" smtClean="0">
+                        <a:latin typeface="Cambria Math" panose="02040503050406030204" pitchFamily="18" charset="0"/>
+                      </a:rPr>
+                      <m:t>= </m:t>
+                    </m:r>
+                    <m:d>
+                      <m:dPr>
+                        <m:begChr m:val="["/>
+                        <m:endChr m:val="]"/>
+                        <m:ctrlPr>
+                          <a:rPr lang="en-US" sz="3200" b="0" i="1" smtClean="0">
+                            <a:latin typeface="Cambria Math" panose="02040503050406030204" pitchFamily="18" charset="0"/>
+                          </a:rPr>
+                        </m:ctrlPr>
+                      </m:dPr>
+                      <m:e>
+                        <m:m>
+                          <m:mPr>
+                            <m:mcs>
+                              <m:mc>
+                                <m:mcPr>
+                                  <m:count m:val="1"/>
+                                  <m:mcJc m:val="center"/>
+                                </m:mcPr>
+                              </m:mc>
+                            </m:mcs>
+                            <m:ctrlPr>
+                              <a:rPr lang="en-US" sz="3200" b="0" i="1" smtClean="0">
+                                <a:latin typeface="Cambria Math" panose="02040503050406030204" pitchFamily="18" charset="0"/>
+                              </a:rPr>
+                            </m:ctrlPr>
+                          </m:mPr>
+                          <m:mr>
+                            <m:e>
+                              <m:sSub>
+                                <m:sSubPr>
+                                  <m:ctrlPr>
+                                    <a:rPr lang="en-US" sz="3200" b="0" i="1" smtClean="0">
+                                      <a:latin typeface="Cambria Math" panose="02040503050406030204" pitchFamily="18" charset="0"/>
+                                    </a:rPr>
+                                  </m:ctrlPr>
+                                </m:sSubPr>
+                                <m:e>
+                                  <m:r>
+                                    <a:rPr lang="en-US" sz="3200" b="0" i="1" smtClean="0">
+                                      <a:latin typeface="Cambria Math" panose="02040503050406030204" pitchFamily="18" charset="0"/>
+                                    </a:rPr>
+                                    <m:t> </m:t>
+                                  </m:r>
+                                  <m:r>
+                                    <a:rPr lang="en-US" sz="3200" b="0" i="1" smtClean="0">
+                                      <a:latin typeface="Cambria Math" panose="02040503050406030204" pitchFamily="18" charset="0"/>
+                                    </a:rPr>
+                                    <m:t>𝑦</m:t>
+                                  </m:r>
+                                </m:e>
+                                <m:sub>
+                                  <m:r>
+                                    <a:rPr lang="en-US" sz="3200" b="0" i="1" smtClean="0">
+                                      <a:latin typeface="Cambria Math" panose="02040503050406030204" pitchFamily="18" charset="0"/>
+                                    </a:rPr>
+                                    <m:t>1 </m:t>
+                                  </m:r>
+                                </m:sub>
+                              </m:sSub>
+                            </m:e>
+                          </m:mr>
+                          <m:mr>
+                            <m:e>
+                              <m:r>
+                                <a:rPr lang="en-US" sz="3200" b="0" i="1" smtClean="0">
+                                  <a:latin typeface="Cambria Math" panose="02040503050406030204" pitchFamily="18" charset="0"/>
+                                  <a:ea typeface="Cambria Math" panose="02040503050406030204" pitchFamily="18" charset="0"/>
+                                </a:rPr>
+                                <m:t>⋯</m:t>
+                              </m:r>
+                            </m:e>
+                          </m:mr>
+                          <m:mr>
+                            <m:e>
+                              <m:sSub>
+                                <m:sSubPr>
+                                  <m:ctrlPr>
+                                    <a:rPr lang="en-US" sz="3200" b="0" i="1" smtClean="0">
+                                      <a:latin typeface="Cambria Math" panose="02040503050406030204" pitchFamily="18" charset="0"/>
+                                    </a:rPr>
+                                  </m:ctrlPr>
+                                </m:sSubPr>
+                                <m:e>
+                                  <m:r>
+                                    <a:rPr lang="en-US" sz="3200" b="0" i="1" smtClean="0">
+                                      <a:latin typeface="Cambria Math" panose="02040503050406030204" pitchFamily="18" charset="0"/>
+                                    </a:rPr>
+                                    <m:t>𝑦</m:t>
+                                  </m:r>
+                                </m:e>
+                                <m:sub>
+                                  <m:r>
+                                    <a:rPr lang="en-US" sz="3200" b="0" i="1" smtClean="0">
+                                      <a:latin typeface="Cambria Math" panose="02040503050406030204" pitchFamily="18" charset="0"/>
+                                    </a:rPr>
+                                    <m:t>𝑛</m:t>
+                                  </m:r>
+                                </m:sub>
+                              </m:sSub>
+                            </m:e>
+                          </m:mr>
+                        </m:m>
+                      </m:e>
+                    </m:d>
+                  </m:oMath>
+                </a14:m>
+                <a:r>
+                  <a:rPr lang="en-US" sz="3200" dirty="0">
+                    <a:latin typeface="Ubuntu" panose="020B0504030602030204" pitchFamily="34" charset="0"/>
+                  </a:rPr>
+                  <a:t>, </a:t>
+                </a:r>
+              </a:p>
+              <a:p>
+                <a:r>
+                  <a:rPr lang="en-US" sz="2800" dirty="0">
+                    <a:latin typeface="Ubuntu" panose="020B0504030602030204" pitchFamily="34" charset="0"/>
+                  </a:rPr>
+                  <a:t>       where </a:t>
+                </a:r>
+                <a14:m>
+                  <m:oMath xmlns:m="http://schemas.openxmlformats.org/officeDocument/2006/math">
+                    <m:sSub>
+                      <m:sSubPr>
+                        <m:ctrlPr>
+                          <a:rPr lang="en-US" sz="2800" i="1" smtClean="0">
+                            <a:latin typeface="Cambria Math" panose="02040503050406030204" pitchFamily="18" charset="0"/>
+                          </a:rPr>
+                        </m:ctrlPr>
+                      </m:sSubPr>
+                      <m:e>
+                        <m:r>
+                          <a:rPr lang="en-US" sz="2800" b="0" i="1" smtClean="0">
+                            <a:latin typeface="Cambria Math" panose="02040503050406030204" pitchFamily="18" charset="0"/>
+                          </a:rPr>
+                          <m:t>𝑦</m:t>
+                        </m:r>
+                      </m:e>
+                      <m:sub>
+                        <m:r>
+                          <a:rPr lang="en-US" sz="2800" b="0" i="1" smtClean="0">
+                            <a:latin typeface="Cambria Math" panose="02040503050406030204" pitchFamily="18" charset="0"/>
+                          </a:rPr>
+                          <m:t>1</m:t>
+                        </m:r>
+                      </m:sub>
+                    </m:sSub>
+                    <m:r>
+                      <a:rPr lang="en-US" sz="2800" b="0" i="1" smtClean="0">
+                        <a:latin typeface="Cambria Math" panose="02040503050406030204" pitchFamily="18" charset="0"/>
+                      </a:rPr>
+                      <m:t>=1</m:t>
+                    </m:r>
+                  </m:oMath>
+                </a14:m>
+                <a:r>
+                  <a:rPr lang="en-US" sz="2800" dirty="0">
+                    <a:latin typeface="Ubuntu" panose="020B0504030602030204" pitchFamily="34" charset="0"/>
+                  </a:rPr>
+                  <a:t> if similar, </a:t>
+                </a:r>
+                <a14:m>
+                  <m:oMath xmlns:m="http://schemas.openxmlformats.org/officeDocument/2006/math">
+                    <m:r>
+                      <a:rPr lang="en-US" sz="2800" i="1" dirty="0" smtClean="0">
+                        <a:latin typeface="Cambria Math" panose="02040503050406030204" pitchFamily="18" charset="0"/>
+                      </a:rPr>
+                      <m:t>0</m:t>
+                    </m:r>
+                  </m:oMath>
+                </a14:m>
+                <a:r>
+                  <a:rPr lang="en-US" sz="2800" dirty="0">
+                    <a:latin typeface="Ubuntu" panose="020B0504030602030204" pitchFamily="34" charset="0"/>
+                  </a:rPr>
+                  <a:t> if dissimilar¹</a:t>
+                </a:r>
+                <a:endParaRPr lang="en-US" sz="2800" b="0" dirty="0">
+                  <a:ea typeface="Cambria Math" panose="02040503050406030204" pitchFamily="18" charset="0"/>
+                </a:endParaRPr>
+              </a:p>
+            </p:txBody>
+          </p:sp>
+        </mc:Choice>
+        <mc:Fallback>
+          <p:sp>
+            <p:nvSpPr>
+              <p:cNvPr id="10" name="ZoneTexte 9">
+                <a:extLst>
+                  <a:ext uri="{FF2B5EF4-FFF2-40B4-BE49-F238E27FC236}">
+                    <a16:creationId xmlns:a16="http://schemas.microsoft.com/office/drawing/2014/main" id="{2D138A05-71D4-4AAF-866B-7C10A3FDEEEA}"/>
+                  </a:ext>
+                </a:extLst>
+              </p:cNvPr>
+              <p:cNvSpPr txBox="1">
+                <a:spLocks noRot="1" noChangeAspect="1" noMove="1" noResize="1" noEditPoints="1" noAdjustHandles="1" noChangeArrowheads="1" noChangeShapeType="1" noTextEdit="1"/>
+              </p:cNvSpPr>
+              <p:nvPr/>
+            </p:nvSpPr>
+            <p:spPr>
+              <a:xfrm>
+                <a:off x="5379868" y="144848"/>
+                <a:ext cx="7466119" cy="2812565"/>
+              </a:xfrm>
+              <a:prstGeom prst="rect">
+                <a:avLst/>
+              </a:prstGeom>
+              <a:blipFill>
+                <a:blip r:embed="rId3"/>
+                <a:stretch>
+                  <a:fillRect l="-1879" b="-4555"/>
+                </a:stretch>
+              </a:blipFill>
+            </p:spPr>
+            <p:txBody>
+              <a:bodyPr/>
+              <a:lstStyle/>
+              <a:p>
+                <a:r>
+                  <a:rPr lang="en-US">
+                    <a:noFill/>
+                  </a:rPr>
+                  <a:t> </a:t>
+                </a:r>
+              </a:p>
+            </p:txBody>
+          </p:sp>
+        </mc:Fallback>
+      </mc:AlternateContent>
+      <mc:AlternateContent xmlns:mc="http://schemas.openxmlformats.org/markup-compatibility/2006">
+        <mc:Choice xmlns:a14="http://schemas.microsoft.com/office/drawing/2010/main" Requires="a14">
+          <p:sp>
+            <p:nvSpPr>
+              <p:cNvPr id="2" name="ZoneTexte 1">
+                <a:extLst>
+                  <a:ext uri="{FF2B5EF4-FFF2-40B4-BE49-F238E27FC236}">
+                    <a16:creationId xmlns:a16="http://schemas.microsoft.com/office/drawing/2014/main" id="{E0131EC1-27EB-44F9-A261-D8F8585E0F08}"/>
+                  </a:ext>
+                </a:extLst>
+              </p:cNvPr>
+              <p:cNvSpPr txBox="1"/>
+              <p:nvPr/>
+            </p:nvSpPr>
+            <p:spPr>
+              <a:xfrm>
+                <a:off x="367412" y="3429000"/>
+                <a:ext cx="11457175" cy="2018758"/>
+              </a:xfrm>
+              <a:prstGeom prst="rect">
+                <a:avLst/>
+              </a:prstGeom>
+              <a:noFill/>
+            </p:spPr>
+            <p:txBody>
+              <a:bodyPr wrap="none" rtlCol="0">
+                <a:spAutoFit/>
+              </a:bodyPr>
+              <a:lstStyle/>
+              <a:p>
+                <a:r>
+                  <a:rPr lang="en-US" sz="2800" dirty="0"/>
+                  <a:t>We want to find a function </a:t>
+                </a:r>
+                <a14:m>
+                  <m:oMath xmlns:m="http://schemas.openxmlformats.org/officeDocument/2006/math">
+                    <m:r>
+                      <a:rPr lang="en-US" sz="2800" b="0" i="1" smtClean="0">
+                        <a:latin typeface="Cambria Math" panose="02040503050406030204" pitchFamily="18" charset="0"/>
+                      </a:rPr>
+                      <m:t>𝑓</m:t>
+                    </m:r>
+                    <m:d>
+                      <m:dPr>
+                        <m:ctrlPr>
+                          <a:rPr lang="en-US" sz="2800" b="0" i="1" smtClean="0">
+                            <a:latin typeface="Cambria Math" panose="02040503050406030204" pitchFamily="18" charset="0"/>
+                          </a:rPr>
+                        </m:ctrlPr>
+                      </m:dPr>
+                      <m:e>
+                        <m:r>
+                          <a:rPr lang="en-US" sz="2800" b="0" i="1" smtClean="0">
+                            <a:latin typeface="Cambria Math" panose="02040503050406030204" pitchFamily="18" charset="0"/>
+                          </a:rPr>
+                          <m:t>𝑋</m:t>
+                        </m:r>
+                      </m:e>
+                    </m:d>
+                    <m:r>
+                      <a:rPr lang="en-US" sz="2800" b="0" i="1" smtClean="0">
+                        <a:latin typeface="Cambria Math" panose="02040503050406030204" pitchFamily="18" charset="0"/>
+                      </a:rPr>
+                      <m:t>=</m:t>
+                    </m:r>
+                    <m:acc>
+                      <m:accPr>
+                        <m:chr m:val="̂"/>
+                        <m:ctrlPr>
+                          <a:rPr lang="en-US" sz="2800" b="0" i="1" smtClean="0">
+                            <a:latin typeface="Cambria Math" panose="02040503050406030204" pitchFamily="18" charset="0"/>
+                          </a:rPr>
+                        </m:ctrlPr>
+                      </m:accPr>
+                      <m:e>
+                        <m:r>
+                          <a:rPr lang="en-US" sz="2800" b="0" i="1" smtClean="0">
+                            <a:latin typeface="Cambria Math" panose="02040503050406030204" pitchFamily="18" charset="0"/>
+                          </a:rPr>
+                          <m:t>𝑌</m:t>
+                        </m:r>
+                      </m:e>
+                    </m:acc>
+                    <m:r>
+                      <a:rPr lang="en-US" sz="2800" i="1" smtClean="0">
+                        <a:latin typeface="Cambria Math" panose="02040503050406030204" pitchFamily="18" charset="0"/>
+                        <a:ea typeface="Cambria Math" panose="02040503050406030204" pitchFamily="18" charset="0"/>
+                      </a:rPr>
+                      <m:t>≈</m:t>
+                    </m:r>
+                    <m:r>
+                      <a:rPr lang="en-US" sz="2800" b="0" i="1" smtClean="0">
+                        <a:latin typeface="Cambria Math" panose="02040503050406030204" pitchFamily="18" charset="0"/>
+                      </a:rPr>
+                      <m:t>𝑌</m:t>
+                    </m:r>
+                  </m:oMath>
+                </a14:m>
+                <a:r>
+                  <a:rPr lang="en-US" sz="2800" dirty="0"/>
+                  <a:t> with </a:t>
+                </a:r>
+                <a14:m>
+                  <m:oMath xmlns:m="http://schemas.openxmlformats.org/officeDocument/2006/math">
+                    <m:r>
+                      <a:rPr lang="en-US" sz="2800" b="0" i="1" smtClean="0">
+                        <a:latin typeface="Cambria Math" panose="02040503050406030204" pitchFamily="18" charset="0"/>
+                      </a:rPr>
+                      <m:t>𝑓</m:t>
+                    </m:r>
+                    <m:d>
+                      <m:dPr>
+                        <m:ctrlPr>
+                          <a:rPr lang="en-US" sz="2800" b="0" i="1" smtClean="0">
+                            <a:latin typeface="Cambria Math" panose="02040503050406030204" pitchFamily="18" charset="0"/>
+                          </a:rPr>
+                        </m:ctrlPr>
+                      </m:dPr>
+                      <m:e>
+                        <m:r>
+                          <a:rPr lang="en-US" sz="2800" b="0" i="1" smtClean="0">
+                            <a:latin typeface="Cambria Math" panose="02040503050406030204" pitchFamily="18" charset="0"/>
+                          </a:rPr>
+                          <m:t>𝑋</m:t>
+                        </m:r>
+                      </m:e>
+                    </m:d>
+                    <m:r>
+                      <a:rPr lang="en-US" sz="2800" b="0" i="1" smtClean="0">
+                        <a:latin typeface="Cambria Math" panose="02040503050406030204" pitchFamily="18" charset="0"/>
+                      </a:rPr>
+                      <m:t>=</m:t>
+                    </m:r>
+                    <m:f>
+                      <m:fPr>
+                        <m:ctrlPr>
+                          <a:rPr lang="en-US" sz="2800" b="0" i="1" smtClean="0">
+                            <a:latin typeface="Cambria Math" panose="02040503050406030204" pitchFamily="18" charset="0"/>
+                          </a:rPr>
+                        </m:ctrlPr>
+                      </m:fPr>
+                      <m:num>
+                        <m:r>
+                          <a:rPr lang="en-US" sz="2800" b="0" i="1" smtClean="0">
+                            <a:latin typeface="Cambria Math" panose="02040503050406030204" pitchFamily="18" charset="0"/>
+                          </a:rPr>
+                          <m:t>1</m:t>
+                        </m:r>
+                      </m:num>
+                      <m:den>
+                        <m:r>
+                          <a:rPr lang="en-US" sz="2800" b="0" i="1" smtClean="0">
+                            <a:latin typeface="Cambria Math" panose="02040503050406030204" pitchFamily="18" charset="0"/>
+                          </a:rPr>
+                          <m:t>1+</m:t>
+                        </m:r>
+                        <m:sSup>
+                          <m:sSupPr>
+                            <m:ctrlPr>
+                              <a:rPr lang="en-US" sz="2800" b="0" i="1" smtClean="0">
+                                <a:latin typeface="Cambria Math" panose="02040503050406030204" pitchFamily="18" charset="0"/>
+                              </a:rPr>
+                            </m:ctrlPr>
+                          </m:sSupPr>
+                          <m:e>
+                            <m:r>
+                              <a:rPr lang="en-US" sz="2800" b="0" i="1" smtClean="0">
+                                <a:latin typeface="Cambria Math" panose="02040503050406030204" pitchFamily="18" charset="0"/>
+                              </a:rPr>
+                              <m:t>𝑒</m:t>
+                            </m:r>
+                          </m:e>
+                          <m:sup>
+                            <m:r>
+                              <a:rPr lang="en-US" sz="2800" b="0" i="1" smtClean="0">
+                                <a:latin typeface="Cambria Math" panose="02040503050406030204" pitchFamily="18" charset="0"/>
+                              </a:rPr>
+                              <m:t>−(</m:t>
+                            </m:r>
+                            <m:r>
+                              <a:rPr lang="en-US" sz="2800" i="1">
+                                <a:latin typeface="Cambria Math" panose="02040503050406030204" pitchFamily="18" charset="0"/>
+                                <a:ea typeface="Cambria Math" panose="02040503050406030204" pitchFamily="18" charset="0"/>
+                              </a:rPr>
+                              <m:t>𝛼</m:t>
+                            </m:r>
+                            <m:r>
+                              <a:rPr lang="en-US" sz="2800" i="1">
+                                <a:latin typeface="Cambria Math" panose="02040503050406030204" pitchFamily="18" charset="0"/>
+                                <a:ea typeface="Cambria Math" panose="02040503050406030204" pitchFamily="18" charset="0"/>
+                              </a:rPr>
+                              <m:t>∗</m:t>
+                            </m:r>
+                            <m:r>
+                              <a:rPr lang="en-US" sz="2800" i="1">
+                                <a:latin typeface="Cambria Math" panose="02040503050406030204" pitchFamily="18" charset="0"/>
+                                <a:ea typeface="Cambria Math" panose="02040503050406030204" pitchFamily="18" charset="0"/>
+                              </a:rPr>
+                              <m:t>𝑋</m:t>
+                            </m:r>
+                            <m:r>
+                              <a:rPr lang="en-US" sz="2800" i="1">
+                                <a:latin typeface="Cambria Math" panose="02040503050406030204" pitchFamily="18" charset="0"/>
+                                <a:ea typeface="Cambria Math" panose="02040503050406030204" pitchFamily="18" charset="0"/>
+                              </a:rPr>
+                              <m:t>+</m:t>
+                            </m:r>
+                            <m:r>
+                              <a:rPr lang="en-US" sz="2800" i="1">
+                                <a:latin typeface="Cambria Math" panose="02040503050406030204" pitchFamily="18" charset="0"/>
+                                <a:ea typeface="Cambria Math" panose="02040503050406030204" pitchFamily="18" charset="0"/>
+                              </a:rPr>
+                              <m:t>𝛽</m:t>
+                            </m:r>
+                            <m:r>
+                              <a:rPr lang="en-US" sz="2800" b="0" i="1" smtClean="0">
+                                <a:latin typeface="Cambria Math" panose="02040503050406030204" pitchFamily="18" charset="0"/>
+                                <a:ea typeface="Cambria Math" panose="02040503050406030204" pitchFamily="18" charset="0"/>
+                              </a:rPr>
+                              <m:t>)</m:t>
+                            </m:r>
+                          </m:sup>
+                        </m:sSup>
+                      </m:den>
+                    </m:f>
+                  </m:oMath>
+                </a14:m>
+                <a:r>
+                  <a:rPr lang="en-US" sz="3600" dirty="0"/>
+                  <a:t> </a:t>
+                </a:r>
+                <a:r>
+                  <a:rPr lang="en-US" sz="2800" dirty="0"/>
+                  <a:t>such that:</a:t>
+                </a:r>
+              </a:p>
+              <a:p>
+                <a:endParaRPr lang="en-US" sz="2800" dirty="0"/>
+              </a:p>
+              <a:p>
+                <a:pPr marL="285750" indent="-285750">
+                  <a:buFont typeface="Arial" panose="020B0604020202020204" pitchFamily="34" charset="0"/>
+                  <a:buChar char="•"/>
+                </a:pPr>
+                <a:r>
+                  <a:rPr lang="en-US" sz="2800" dirty="0"/>
+                  <a:t>If </a:t>
+                </a:r>
+                <a14:m>
+                  <m:oMath xmlns:m="http://schemas.openxmlformats.org/officeDocument/2006/math">
+                    <m:r>
+                      <a:rPr lang="en-US" sz="2800" b="0" i="1" smtClean="0">
+                        <a:latin typeface="Cambria Math" panose="02040503050406030204" pitchFamily="18" charset="0"/>
+                      </a:rPr>
+                      <m:t>𝑓</m:t>
+                    </m:r>
+                    <m:d>
+                      <m:dPr>
+                        <m:ctrlPr>
+                          <a:rPr lang="en-US" sz="2800" b="0" i="1" smtClean="0">
+                            <a:latin typeface="Cambria Math" panose="02040503050406030204" pitchFamily="18" charset="0"/>
+                          </a:rPr>
+                        </m:ctrlPr>
+                      </m:dPr>
+                      <m:e>
+                        <m:r>
+                          <a:rPr lang="en-US" sz="2800" b="0" i="1" smtClean="0">
+                            <a:latin typeface="Cambria Math" panose="02040503050406030204" pitchFamily="18" charset="0"/>
+                          </a:rPr>
+                          <m:t>𝑋</m:t>
+                        </m:r>
+                      </m:e>
+                    </m:d>
+                    <m:r>
+                      <a:rPr lang="en-US" sz="2800" b="0" i="1" smtClean="0">
+                        <a:latin typeface="Cambria Math" panose="02040503050406030204" pitchFamily="18" charset="0"/>
+                      </a:rPr>
+                      <m:t>≥0.5, </m:t>
+                    </m:r>
+                    <m:acc>
+                      <m:accPr>
+                        <m:chr m:val="̂"/>
+                        <m:ctrlPr>
+                          <a:rPr lang="en-US" sz="2800" b="0" i="1" smtClean="0">
+                            <a:latin typeface="Cambria Math" panose="02040503050406030204" pitchFamily="18" charset="0"/>
+                          </a:rPr>
+                        </m:ctrlPr>
+                      </m:accPr>
+                      <m:e>
+                        <m:r>
+                          <a:rPr lang="en-US" sz="2800" b="0" i="1" smtClean="0">
+                            <a:latin typeface="Cambria Math" panose="02040503050406030204" pitchFamily="18" charset="0"/>
+                          </a:rPr>
+                          <m:t>𝑌</m:t>
+                        </m:r>
+                      </m:e>
+                    </m:acc>
+                    <m:r>
+                      <a:rPr lang="en-US" sz="2800" b="0" i="1" smtClean="0">
+                        <a:latin typeface="Cambria Math" panose="02040503050406030204" pitchFamily="18" charset="0"/>
+                      </a:rPr>
+                      <m:t>=1</m:t>
+                    </m:r>
+                  </m:oMath>
+                </a14:m>
+                <a:endParaRPr lang="en-US" sz="2800" b="0" dirty="0"/>
+              </a:p>
+              <a:p>
+                <a:pPr marL="285750" indent="-285750">
+                  <a:buFont typeface="Arial" panose="020B0604020202020204" pitchFamily="34" charset="0"/>
+                  <a:buChar char="•"/>
+                </a:pPr>
+                <a:r>
+                  <a:rPr lang="en-US" sz="2800" dirty="0"/>
+                  <a:t>Else </a:t>
+                </a:r>
+                <a14:m>
+                  <m:oMath xmlns:m="http://schemas.openxmlformats.org/officeDocument/2006/math">
+                    <m:acc>
+                      <m:accPr>
+                        <m:chr m:val="̂"/>
+                        <m:ctrlPr>
+                          <a:rPr lang="en-US" sz="2800" i="1" smtClean="0">
+                            <a:latin typeface="Cambria Math" panose="02040503050406030204" pitchFamily="18" charset="0"/>
+                          </a:rPr>
+                        </m:ctrlPr>
+                      </m:accPr>
+                      <m:e>
+                        <m:r>
+                          <a:rPr lang="en-US" sz="2800" b="0" i="1" smtClean="0">
+                            <a:latin typeface="Cambria Math" panose="02040503050406030204" pitchFamily="18" charset="0"/>
+                          </a:rPr>
+                          <m:t>𝑌</m:t>
+                        </m:r>
+                      </m:e>
+                    </m:acc>
+                    <m:r>
+                      <a:rPr lang="en-US" sz="2800" b="0" i="1" smtClean="0">
+                        <a:latin typeface="Cambria Math" panose="02040503050406030204" pitchFamily="18" charset="0"/>
+                      </a:rPr>
+                      <m:t>=0</m:t>
+                    </m:r>
+                  </m:oMath>
+                </a14:m>
+                <a:endParaRPr lang="en-US" sz="2800" dirty="0"/>
+              </a:p>
+            </p:txBody>
+          </p:sp>
+        </mc:Choice>
+        <mc:Fallback>
+          <p:sp>
+            <p:nvSpPr>
+              <p:cNvPr id="2" name="ZoneTexte 1">
+                <a:extLst>
+                  <a:ext uri="{FF2B5EF4-FFF2-40B4-BE49-F238E27FC236}">
+                    <a16:creationId xmlns:a16="http://schemas.microsoft.com/office/drawing/2014/main" id="{E0131EC1-27EB-44F9-A261-D8F8585E0F08}"/>
+                  </a:ext>
+                </a:extLst>
+              </p:cNvPr>
+              <p:cNvSpPr txBox="1">
+                <a:spLocks noRot="1" noChangeAspect="1" noMove="1" noResize="1" noEditPoints="1" noAdjustHandles="1" noChangeArrowheads="1" noChangeShapeType="1" noTextEdit="1"/>
+              </p:cNvSpPr>
+              <p:nvPr/>
+            </p:nvSpPr>
+            <p:spPr>
+              <a:xfrm>
+                <a:off x="367412" y="3429000"/>
+                <a:ext cx="11457175" cy="2018758"/>
+              </a:xfrm>
+              <a:prstGeom prst="rect">
+                <a:avLst/>
+              </a:prstGeom>
+              <a:blipFill>
+                <a:blip r:embed="rId4"/>
+                <a:stretch>
+                  <a:fillRect l="-1064" r="-53" b="-7553"/>
+                </a:stretch>
+              </a:blipFill>
+            </p:spPr>
+            <p:txBody>
+              <a:bodyPr/>
+              <a:lstStyle/>
+              <a:p>
+                <a:r>
+                  <a:rPr lang="en-US">
+                    <a:noFill/>
+                  </a:rPr>
+                  <a:t> </a:t>
+                </a:r>
+              </a:p>
+            </p:txBody>
+          </p:sp>
+        </mc:Fallback>
+      </mc:AlternateContent>
+      <p:cxnSp>
+        <p:nvCxnSpPr>
+          <p:cNvPr id="4" name="Connecteur droit 3">
             <a:extLst>
               <a:ext uri="{FF2B5EF4-FFF2-40B4-BE49-F238E27FC236}">
-                <a16:creationId xmlns:a16="http://schemas.microsoft.com/office/drawing/2014/main" id="{AC897E01-1766-4D8B-83EB-178F75E3BDDD}"/>
+                <a16:creationId xmlns:a16="http://schemas.microsoft.com/office/drawing/2014/main" id="{3DD6BFF2-A033-4DA8-B42C-5969D3B89EA0}"/>
               </a:ext>
             </a:extLst>
           </p:cNvPr>
-          <p:cNvSpPr>
-            <a:spLocks noGrp="1"/>
-          </p:cNvSpPr>
-          <p:nvPr>
-            <p:ph type="title"/>
-          </p:nvPr>
-        </p:nvSpPr>
-        <p:spPr/>
-        <p:txBody>
-          <a:bodyPr/>
-          <a:lstStyle/>
-          <a:p>
-            <a:endParaRPr lang="fr-FR"/>
-          </a:p>
-        </p:txBody>
-      </p:sp>
-      <p:sp>
-        <p:nvSpPr>
-          <p:cNvPr id="3" name="Espace réservé du contenu 2">
+          <p:cNvCxnSpPr/>
+          <p:nvPr/>
+        </p:nvCxnSpPr>
+        <p:spPr>
+          <a:xfrm>
+            <a:off x="426128" y="3204839"/>
+            <a:ext cx="11239130" cy="0"/>
+          </a:xfrm>
+          <a:prstGeom prst="line">
+            <a:avLst/>
+          </a:prstGeom>
+          <a:ln w="38100"/>
+        </p:spPr>
+        <p:style>
+          <a:lnRef idx="1">
+            <a:schemeClr val="accent1"/>
+          </a:lnRef>
+          <a:fillRef idx="0">
+            <a:schemeClr val="accent1"/>
+          </a:fillRef>
+          <a:effectRef idx="0">
+            <a:schemeClr val="accent1"/>
+          </a:effectRef>
+          <a:fontRef idx="minor">
+            <a:schemeClr val="tx1"/>
+          </a:fontRef>
+        </p:style>
+      </p:cxnSp>
+      <p:cxnSp>
+        <p:nvCxnSpPr>
+          <p:cNvPr id="14" name="Connecteur droit 13">
             <a:extLst>
               <a:ext uri="{FF2B5EF4-FFF2-40B4-BE49-F238E27FC236}">
-                <a16:creationId xmlns:a16="http://schemas.microsoft.com/office/drawing/2014/main" id="{1939A000-DE3D-4014-9522-1A5D1FD717FE}"/>
+                <a16:creationId xmlns:a16="http://schemas.microsoft.com/office/drawing/2014/main" id="{B41FBA73-DD1F-4663-B411-232D5E7EDB5B}"/>
               </a:ext>
             </a:extLst>
           </p:cNvPr>
-          <p:cNvSpPr>
-            <a:spLocks noGrp="1"/>
-          </p:cNvSpPr>
-          <p:nvPr>
-            <p:ph idx="1"/>
-          </p:nvPr>
+          <p:cNvCxnSpPr/>
+          <p:nvPr/>
+        </p:nvCxnSpPr>
+        <p:spPr>
+          <a:xfrm>
+            <a:off x="426128" y="5647678"/>
+            <a:ext cx="11239130" cy="0"/>
+          </a:xfrm>
+          <a:prstGeom prst="line">
+            <a:avLst/>
+          </a:prstGeom>
+          <a:ln w="38100"/>
+        </p:spPr>
+        <p:style>
+          <a:lnRef idx="1">
+            <a:schemeClr val="accent1"/>
+          </a:lnRef>
+          <a:fillRef idx="0">
+            <a:schemeClr val="accent1"/>
+          </a:fillRef>
+          <a:effectRef idx="0">
+            <a:schemeClr val="accent1"/>
+          </a:effectRef>
+          <a:fontRef idx="minor">
+            <a:schemeClr val="tx1"/>
+          </a:fontRef>
+        </p:style>
+      </p:cxnSp>
+      <p:sp>
+        <p:nvSpPr>
+          <p:cNvPr id="6" name="ZoneTexte 5">
+            <a:extLst>
+              <a:ext uri="{FF2B5EF4-FFF2-40B4-BE49-F238E27FC236}">
+                <a16:creationId xmlns:a16="http://schemas.microsoft.com/office/drawing/2014/main" id="{3F433BF3-DB18-473A-ACD2-619442DCF9C1}"/>
+              </a:ext>
+            </a:extLst>
+          </p:cNvPr>
+          <p:cNvSpPr txBox="1"/>
+          <p:nvPr/>
         </p:nvSpPr>
-        <p:spPr/>
+        <p:spPr>
+          <a:xfrm>
+            <a:off x="367412" y="5698552"/>
+            <a:ext cx="10232032" cy="369332"/>
+          </a:xfrm>
+          <a:prstGeom prst="rect">
+            <a:avLst/>
+          </a:prstGeom>
+          <a:noFill/>
+        </p:spPr>
         <p:txBody>
-          <a:bodyPr/>
+          <a:bodyPr wrap="none" rtlCol="0">
+            <a:spAutoFit/>
+          </a:bodyPr>
           <a:lstStyle/>
           <a:p>
-            <a:endParaRPr lang="fr-FR"/>
+            <a:r>
+              <a:rPr lang="en-US" dirty="0"/>
+              <a:t>1: The opposite can also be used, it only will have an impact on the Loss formula used to train the encoder</a:t>
+            </a:r>
           </a:p>
         </p:txBody>
       </p:sp>
     </p:spTree>
     <p:extLst>
       <p:ext uri="{BB962C8B-B14F-4D97-AF65-F5344CB8AC3E}">
-        <p14:creationId xmlns:p14="http://schemas.microsoft.com/office/powerpoint/2010/main" val="2674420879"/>
+        <p14:creationId xmlns:p14="http://schemas.microsoft.com/office/powerpoint/2010/main" val="2713856428"/>
+      </p:ext>
+    </p:extLst>
+  </p:cSld>
+  <p:clrMapOvr>
+    <a:masterClrMapping/>
+  </p:clrMapOvr>
+</p:sld>
+</file>
+
+<file path=ppt/slides/slide6.xml><?xml version="1.0" encoding="utf-8"?>
+<p:sld xmlns:a="http://schemas.openxmlformats.org/drawingml/2006/main" xmlns:r="http://schemas.openxmlformats.org/officeDocument/2006/relationships" xmlns:p="http://schemas.openxmlformats.org/presentationml/2006/main">
+  <p:cSld>
+    <p:spTree>
+      <p:nvGrpSpPr>
+        <p:cNvPr id="1" name=""/>
+        <p:cNvGrpSpPr/>
+        <p:nvPr/>
+      </p:nvGrpSpPr>
+      <p:grpSpPr>
+        <a:xfrm>
+          <a:off x="0" y="0"/>
+          <a:ext cx="0" cy="0"/>
+          <a:chOff x="0" y="0"/>
+          <a:chExt cx="0" cy="0"/>
+        </a:xfrm>
+      </p:grpSpPr>
+      <p:sp>
+        <p:nvSpPr>
+          <p:cNvPr id="2" name="Rectangle : coins arrondis 1">
+            <a:extLst>
+              <a:ext uri="{FF2B5EF4-FFF2-40B4-BE49-F238E27FC236}">
+                <a16:creationId xmlns:a16="http://schemas.microsoft.com/office/drawing/2014/main" id="{2D3C32B4-82E0-48B0-97FE-84B03D053FC4}"/>
+              </a:ext>
+            </a:extLst>
+          </p:cNvPr>
+          <p:cNvSpPr/>
+          <p:nvPr/>
+        </p:nvSpPr>
+        <p:spPr>
+          <a:xfrm>
+            <a:off x="1217567" y="1195136"/>
+            <a:ext cx="4463517" cy="1435769"/>
+          </a:xfrm>
+          <a:prstGeom prst="roundRect">
+            <a:avLst/>
+          </a:prstGeom>
+          <a:ln w="28575"/>
+        </p:spPr>
+        <p:style>
+          <a:lnRef idx="2">
+            <a:schemeClr val="accent6"/>
+          </a:lnRef>
+          <a:fillRef idx="1">
+            <a:schemeClr val="lt1"/>
+          </a:fillRef>
+          <a:effectRef idx="0">
+            <a:schemeClr val="accent6"/>
+          </a:effectRef>
+          <a:fontRef idx="minor">
+            <a:schemeClr val="dk1"/>
+          </a:fontRef>
+        </p:style>
+        <p:txBody>
+          <a:bodyPr rtlCol="0" anchor="ctr"/>
+          <a:lstStyle/>
+          <a:p>
+            <a:pPr algn="ctr"/>
+            <a:endParaRPr lang="en-US" i="1" dirty="0">
+              <a:solidFill>
+                <a:schemeClr val="accent6">
+                  <a:lumMod val="50000"/>
+                </a:schemeClr>
+              </a:solidFill>
+            </a:endParaRPr>
+          </a:p>
+          <a:p>
+            <a:pPr algn="ctr"/>
+            <a:endParaRPr lang="en-US" dirty="0">
+              <a:solidFill>
+                <a:schemeClr val="accent6">
+                  <a:lumMod val="50000"/>
+                </a:schemeClr>
+              </a:solidFill>
+            </a:endParaRPr>
+          </a:p>
+          <a:p>
+            <a:pPr algn="ctr"/>
+            <a:endParaRPr lang="en-US" dirty="0">
+              <a:solidFill>
+                <a:schemeClr val="accent6">
+                  <a:lumMod val="50000"/>
+                </a:schemeClr>
+              </a:solidFill>
+            </a:endParaRPr>
+          </a:p>
+          <a:p>
+            <a:pPr algn="ctr"/>
+            <a:endParaRPr lang="en-US" dirty="0">
+              <a:solidFill>
+                <a:schemeClr val="accent6">
+                  <a:lumMod val="50000"/>
+                </a:schemeClr>
+              </a:solidFill>
+            </a:endParaRPr>
+          </a:p>
+        </p:txBody>
+      </p:sp>
+      <p:sp>
+        <p:nvSpPr>
+          <p:cNvPr id="3" name="Rectangle : coins arrondis 2">
+            <a:extLst>
+              <a:ext uri="{FF2B5EF4-FFF2-40B4-BE49-F238E27FC236}">
+                <a16:creationId xmlns:a16="http://schemas.microsoft.com/office/drawing/2014/main" id="{4187AEDD-0414-4B7A-887A-30048AB61343}"/>
+              </a:ext>
+            </a:extLst>
+          </p:cNvPr>
+          <p:cNvSpPr/>
+          <p:nvPr/>
+        </p:nvSpPr>
+        <p:spPr>
+          <a:xfrm>
+            <a:off x="1217568" y="3801978"/>
+            <a:ext cx="4463516" cy="1435769"/>
+          </a:xfrm>
+          <a:prstGeom prst="roundRect">
+            <a:avLst/>
+          </a:prstGeom>
+          <a:ln w="28575"/>
+        </p:spPr>
+        <p:style>
+          <a:lnRef idx="2">
+            <a:schemeClr val="accent6"/>
+          </a:lnRef>
+          <a:fillRef idx="1">
+            <a:schemeClr val="lt1"/>
+          </a:fillRef>
+          <a:effectRef idx="0">
+            <a:schemeClr val="accent6"/>
+          </a:effectRef>
+          <a:fontRef idx="minor">
+            <a:schemeClr val="dk1"/>
+          </a:fontRef>
+        </p:style>
+        <p:txBody>
+          <a:bodyPr rtlCol="0" anchor="ctr"/>
+          <a:lstStyle/>
+          <a:p>
+            <a:pPr algn="ctr"/>
+            <a:endParaRPr lang="en-US" i="1" dirty="0">
+              <a:solidFill>
+                <a:schemeClr val="accent6">
+                  <a:lumMod val="50000"/>
+                </a:schemeClr>
+              </a:solidFill>
+            </a:endParaRPr>
+          </a:p>
+          <a:p>
+            <a:pPr algn="ctr"/>
+            <a:endParaRPr lang="en-US" i="1" dirty="0">
+              <a:solidFill>
+                <a:schemeClr val="accent6">
+                  <a:lumMod val="50000"/>
+                </a:schemeClr>
+              </a:solidFill>
+            </a:endParaRPr>
+          </a:p>
+          <a:p>
+            <a:pPr algn="ctr"/>
+            <a:endParaRPr lang="en-US" i="1" dirty="0">
+              <a:solidFill>
+                <a:schemeClr val="accent6">
+                  <a:lumMod val="50000"/>
+                </a:schemeClr>
+              </a:solidFill>
+            </a:endParaRPr>
+          </a:p>
+        </p:txBody>
+      </p:sp>
+      <mc:AlternateContent xmlns:mc="http://schemas.openxmlformats.org/markup-compatibility/2006">
+        <mc:Choice xmlns:a14="http://schemas.microsoft.com/office/drawing/2010/main" Requires="a14">
+          <p:sp>
+            <p:nvSpPr>
+              <p:cNvPr id="13" name="Rectangle : coins arrondis 12">
+                <a:extLst>
+                  <a:ext uri="{FF2B5EF4-FFF2-40B4-BE49-F238E27FC236}">
+                    <a16:creationId xmlns:a16="http://schemas.microsoft.com/office/drawing/2014/main" id="{F78ADEDD-222F-45BB-A50E-10F7394049F5}"/>
+                  </a:ext>
+                </a:extLst>
+              </p:cNvPr>
+              <p:cNvSpPr/>
+              <p:nvPr/>
+            </p:nvSpPr>
+            <p:spPr>
+              <a:xfrm>
+                <a:off x="6932899" y="2498556"/>
+                <a:ext cx="1560201" cy="1435769"/>
+              </a:xfrm>
+              <a:prstGeom prst="roundRect">
+                <a:avLst/>
+              </a:prstGeom>
+              <a:ln w="28575"/>
+            </p:spPr>
+            <p:style>
+              <a:lnRef idx="2">
+                <a:schemeClr val="accent1"/>
+              </a:lnRef>
+              <a:fillRef idx="1">
+                <a:schemeClr val="lt1"/>
+              </a:fillRef>
+              <a:effectRef idx="0">
+                <a:schemeClr val="accent1"/>
+              </a:effectRef>
+              <a:fontRef idx="minor">
+                <a:schemeClr val="dk1"/>
+              </a:fontRef>
+            </p:style>
+            <p:txBody>
+              <a:bodyPr lIns="0" tIns="0" rIns="0" bIns="0" rtlCol="0" anchor="ctr"/>
+              <a:lstStyle/>
+              <a:p>
+                <a:pPr algn="ctr"/>
+                <a:r>
+                  <a:rPr lang="en-US" dirty="0">
+                    <a:solidFill>
+                      <a:schemeClr val="accent1">
+                        <a:lumMod val="50000"/>
+                      </a:schemeClr>
+                    </a:solidFill>
+                  </a:rPr>
+                  <a:t>Distance Measure</a:t>
+                </a:r>
+              </a:p>
+              <a:p>
+                <a:pPr algn="ctr"/>
+                <a:r>
+                  <a:rPr lang="en-US" dirty="0">
+                    <a:solidFill>
+                      <a:schemeClr val="accent1">
+                        <a:lumMod val="50000"/>
+                      </a:schemeClr>
+                    </a:solidFill>
+                  </a:rPr>
+                  <a:t>…</a:t>
+                </a:r>
+              </a:p>
+              <a:p>
+                <a:pPr algn="ctr"/>
+                <a14:m>
+                  <m:oMathPara xmlns:m="http://schemas.openxmlformats.org/officeDocument/2006/math">
+                    <m:oMathParaPr>
+                      <m:jc m:val="centerGroup"/>
+                    </m:oMathParaPr>
+                    <m:oMath xmlns:m="http://schemas.openxmlformats.org/officeDocument/2006/math">
+                      <m:d>
+                        <m:dPr>
+                          <m:begChr m:val="‖"/>
+                          <m:endChr m:val="‖"/>
+                          <m:ctrlPr>
+                            <a:rPr lang="en-US" sz="1050" i="1" smtClean="0">
+                              <a:solidFill>
+                                <a:schemeClr val="accent1">
+                                  <a:lumMod val="50000"/>
+                                </a:schemeClr>
+                              </a:solidFill>
+                              <a:latin typeface="Cambria Math" panose="02040503050406030204" pitchFamily="18" charset="0"/>
+                            </a:rPr>
+                          </m:ctrlPr>
+                        </m:dPr>
+                        <m:e>
+                          <m:sSub>
+                            <m:sSubPr>
+                              <m:ctrlPr>
+                                <a:rPr lang="en-US" sz="1050" i="1" smtClean="0">
+                                  <a:solidFill>
+                                    <a:schemeClr val="accent1">
+                                      <a:lumMod val="50000"/>
+                                    </a:schemeClr>
+                                  </a:solidFill>
+                                  <a:latin typeface="Cambria Math" panose="02040503050406030204" pitchFamily="18" charset="0"/>
+                                </a:rPr>
+                              </m:ctrlPr>
+                            </m:sSubPr>
+                            <m:e>
+                              <m:r>
+                                <a:rPr lang="en-US" sz="1050" b="0" i="1" smtClean="0">
+                                  <a:solidFill>
+                                    <a:schemeClr val="accent1">
+                                      <a:lumMod val="50000"/>
+                                    </a:schemeClr>
+                                  </a:solidFill>
+                                  <a:latin typeface="Cambria Math" panose="02040503050406030204" pitchFamily="18" charset="0"/>
+                                </a:rPr>
+                                <m:t>𝐺</m:t>
+                              </m:r>
+                            </m:e>
+                            <m:sub>
+                              <m:r>
+                                <a:rPr lang="en-US" sz="1050" b="0" i="1" smtClean="0">
+                                  <a:solidFill>
+                                    <a:schemeClr val="accent1">
+                                      <a:lumMod val="50000"/>
+                                    </a:schemeClr>
+                                  </a:solidFill>
+                                  <a:latin typeface="Cambria Math" panose="02040503050406030204" pitchFamily="18" charset="0"/>
+                                </a:rPr>
+                                <m:t>𝑤</m:t>
+                              </m:r>
+                            </m:sub>
+                          </m:sSub>
+                          <m:d>
+                            <m:dPr>
+                              <m:ctrlPr>
+                                <a:rPr lang="en-US" sz="1050" b="0" i="1" smtClean="0">
+                                  <a:solidFill>
+                                    <a:schemeClr val="accent1">
+                                      <a:lumMod val="50000"/>
+                                    </a:schemeClr>
+                                  </a:solidFill>
+                                  <a:latin typeface="Cambria Math" panose="02040503050406030204" pitchFamily="18" charset="0"/>
+                                </a:rPr>
+                              </m:ctrlPr>
+                            </m:dPr>
+                            <m:e>
+                              <m:sSup>
+                                <m:sSupPr>
+                                  <m:ctrlPr>
+                                    <a:rPr lang="en-US" sz="1050" b="0" i="1" smtClean="0">
+                                      <a:solidFill>
+                                        <a:schemeClr val="accent1">
+                                          <a:lumMod val="50000"/>
+                                        </a:schemeClr>
+                                      </a:solidFill>
+                                      <a:latin typeface="Cambria Math" panose="02040503050406030204" pitchFamily="18" charset="0"/>
+                                    </a:rPr>
+                                  </m:ctrlPr>
+                                </m:sSupPr>
+                                <m:e>
+                                  <m:r>
+                                    <a:rPr lang="en-US" sz="1050" b="0" i="1" smtClean="0">
+                                      <a:solidFill>
+                                        <a:schemeClr val="accent1">
+                                          <a:lumMod val="50000"/>
+                                        </a:schemeClr>
+                                      </a:solidFill>
+                                      <a:latin typeface="Cambria Math" panose="02040503050406030204" pitchFamily="18" charset="0"/>
+                                    </a:rPr>
+                                    <m:t>𝑥</m:t>
+                                  </m:r>
+                                </m:e>
+                                <m:sup>
+                                  <m:r>
+                                    <a:rPr lang="en-US" sz="1050" b="0" i="1" smtClean="0">
+                                      <a:solidFill>
+                                        <a:schemeClr val="accent1">
+                                          <a:lumMod val="50000"/>
+                                        </a:schemeClr>
+                                      </a:solidFill>
+                                      <a:latin typeface="Cambria Math" panose="02040503050406030204" pitchFamily="18" charset="0"/>
+                                    </a:rPr>
+                                    <m:t>(1)</m:t>
+                                  </m:r>
+                                </m:sup>
+                              </m:sSup>
+                            </m:e>
+                          </m:d>
+                          <m:r>
+                            <a:rPr lang="en-US" sz="1050" b="0" i="1" smtClean="0">
+                              <a:solidFill>
+                                <a:schemeClr val="accent1">
+                                  <a:lumMod val="50000"/>
+                                </a:schemeClr>
+                              </a:solidFill>
+                              <a:latin typeface="Cambria Math" panose="02040503050406030204" pitchFamily="18" charset="0"/>
+                            </a:rPr>
+                            <m:t> − </m:t>
+                          </m:r>
+                          <m:sSub>
+                            <m:sSubPr>
+                              <m:ctrlPr>
+                                <a:rPr lang="en-US" sz="1050" b="0" i="1" smtClean="0">
+                                  <a:solidFill>
+                                    <a:schemeClr val="accent1">
+                                      <a:lumMod val="50000"/>
+                                    </a:schemeClr>
+                                  </a:solidFill>
+                                  <a:latin typeface="Cambria Math" panose="02040503050406030204" pitchFamily="18" charset="0"/>
+                                </a:rPr>
+                              </m:ctrlPr>
+                            </m:sSubPr>
+                            <m:e>
+                              <m:r>
+                                <a:rPr lang="en-US" sz="1050" b="0" i="1" smtClean="0">
+                                  <a:solidFill>
+                                    <a:schemeClr val="accent1">
+                                      <a:lumMod val="50000"/>
+                                    </a:schemeClr>
+                                  </a:solidFill>
+                                  <a:latin typeface="Cambria Math" panose="02040503050406030204" pitchFamily="18" charset="0"/>
+                                </a:rPr>
+                                <m:t>𝐺</m:t>
+                              </m:r>
+                            </m:e>
+                            <m:sub>
+                              <m:r>
+                                <a:rPr lang="en-US" sz="1050" b="0" i="1" smtClean="0">
+                                  <a:solidFill>
+                                    <a:schemeClr val="accent1">
+                                      <a:lumMod val="50000"/>
+                                    </a:schemeClr>
+                                  </a:solidFill>
+                                  <a:latin typeface="Cambria Math" panose="02040503050406030204" pitchFamily="18" charset="0"/>
+                                </a:rPr>
+                                <m:t>𝑤</m:t>
+                              </m:r>
+                            </m:sub>
+                          </m:sSub>
+                          <m:r>
+                            <a:rPr lang="en-US" sz="1050" b="0" i="1" smtClean="0">
+                              <a:solidFill>
+                                <a:schemeClr val="accent1">
+                                  <a:lumMod val="50000"/>
+                                </a:schemeClr>
+                              </a:solidFill>
+                              <a:latin typeface="Cambria Math" panose="02040503050406030204" pitchFamily="18" charset="0"/>
+                            </a:rPr>
+                            <m:t>(</m:t>
+                          </m:r>
+                          <m:sSup>
+                            <m:sSupPr>
+                              <m:ctrlPr>
+                                <a:rPr lang="en-US" sz="1050" b="0" i="1" smtClean="0">
+                                  <a:solidFill>
+                                    <a:schemeClr val="accent1">
+                                      <a:lumMod val="50000"/>
+                                    </a:schemeClr>
+                                  </a:solidFill>
+                                  <a:latin typeface="Cambria Math" panose="02040503050406030204" pitchFamily="18" charset="0"/>
+                                </a:rPr>
+                              </m:ctrlPr>
+                            </m:sSupPr>
+                            <m:e>
+                              <m:r>
+                                <a:rPr lang="en-US" sz="1050" b="0" i="1" smtClean="0">
+                                  <a:solidFill>
+                                    <a:schemeClr val="accent1">
+                                      <a:lumMod val="50000"/>
+                                    </a:schemeClr>
+                                  </a:solidFill>
+                                  <a:latin typeface="Cambria Math" panose="02040503050406030204" pitchFamily="18" charset="0"/>
+                                </a:rPr>
+                                <m:t>𝑥</m:t>
+                              </m:r>
+                            </m:e>
+                            <m:sup>
+                              <m:r>
+                                <a:rPr lang="en-US" sz="1050" b="0" i="1" smtClean="0">
+                                  <a:solidFill>
+                                    <a:schemeClr val="accent1">
+                                      <a:lumMod val="50000"/>
+                                    </a:schemeClr>
+                                  </a:solidFill>
+                                  <a:latin typeface="Cambria Math" panose="02040503050406030204" pitchFamily="18" charset="0"/>
+                                </a:rPr>
+                                <m:t>(2)</m:t>
+                              </m:r>
+                            </m:sup>
+                          </m:sSup>
+                          <m:r>
+                            <a:rPr lang="en-US" sz="1050" b="0" i="1" smtClean="0">
+                              <a:solidFill>
+                                <a:schemeClr val="accent1">
+                                  <a:lumMod val="50000"/>
+                                </a:schemeClr>
+                              </a:solidFill>
+                              <a:latin typeface="Cambria Math" panose="02040503050406030204" pitchFamily="18" charset="0"/>
+                            </a:rPr>
+                            <m:t>)</m:t>
+                          </m:r>
+                        </m:e>
+                      </m:d>
+                    </m:oMath>
+                  </m:oMathPara>
+                </a14:m>
+                <a:endParaRPr lang="en-US" sz="1050" dirty="0">
+                  <a:solidFill>
+                    <a:schemeClr val="accent1">
+                      <a:lumMod val="50000"/>
+                    </a:schemeClr>
+                  </a:solidFill>
+                </a:endParaRPr>
+              </a:p>
+            </p:txBody>
+          </p:sp>
+        </mc:Choice>
+        <mc:Fallback>
+          <p:sp>
+            <p:nvSpPr>
+              <p:cNvPr id="13" name="Rectangle : coins arrondis 12">
+                <a:extLst>
+                  <a:ext uri="{FF2B5EF4-FFF2-40B4-BE49-F238E27FC236}">
+                    <a16:creationId xmlns:a16="http://schemas.microsoft.com/office/drawing/2014/main" id="{F78ADEDD-222F-45BB-A50E-10F7394049F5}"/>
+                  </a:ext>
+                </a:extLst>
+              </p:cNvPr>
+              <p:cNvSpPr>
+                <a:spLocks noRot="1" noChangeAspect="1" noMove="1" noResize="1" noEditPoints="1" noAdjustHandles="1" noChangeArrowheads="1" noChangeShapeType="1" noTextEdit="1"/>
+              </p:cNvSpPr>
+              <p:nvPr/>
+            </p:nvSpPr>
+            <p:spPr>
+              <a:xfrm>
+                <a:off x="6932899" y="2498556"/>
+                <a:ext cx="1560201" cy="1435769"/>
+              </a:xfrm>
+              <a:prstGeom prst="roundRect">
+                <a:avLst/>
+              </a:prstGeom>
+              <a:blipFill>
+                <a:blip r:embed="rId2"/>
+                <a:stretch>
+                  <a:fillRect/>
+                </a:stretch>
+              </a:blipFill>
+              <a:ln w="28575"/>
+            </p:spPr>
+            <p:txBody>
+              <a:bodyPr/>
+              <a:lstStyle/>
+              <a:p>
+                <a:r>
+                  <a:rPr lang="en-US">
+                    <a:noFill/>
+                  </a:rPr>
+                  <a:t> </a:t>
+                </a:r>
+              </a:p>
+            </p:txBody>
+          </p:sp>
+        </mc:Fallback>
+      </mc:AlternateContent>
+      <p:cxnSp>
+        <p:nvCxnSpPr>
+          <p:cNvPr id="17" name="Connecteur : en angle 16">
+            <a:extLst>
+              <a:ext uri="{FF2B5EF4-FFF2-40B4-BE49-F238E27FC236}">
+                <a16:creationId xmlns:a16="http://schemas.microsoft.com/office/drawing/2014/main" id="{68880E36-915C-4FD2-AF9E-B38C48949647}"/>
+              </a:ext>
+            </a:extLst>
+          </p:cNvPr>
+          <p:cNvCxnSpPr>
+            <a:cxnSpLocks/>
+            <a:stCxn id="2" idx="3"/>
+            <a:endCxn id="13" idx="1"/>
+          </p:cNvCxnSpPr>
+          <p:nvPr/>
+        </p:nvCxnSpPr>
+        <p:spPr>
+          <a:xfrm>
+            <a:off x="5681084" y="1913021"/>
+            <a:ext cx="1251815" cy="1303420"/>
+          </a:xfrm>
+          <a:prstGeom prst="bentConnector3">
+            <a:avLst>
+              <a:gd name="adj1" fmla="val 50000"/>
+            </a:avLst>
+          </a:prstGeom>
+          <a:ln w="28575">
+            <a:tailEnd type="triangle"/>
+          </a:ln>
+        </p:spPr>
+        <p:style>
+          <a:lnRef idx="1">
+            <a:schemeClr val="accent1"/>
+          </a:lnRef>
+          <a:fillRef idx="0">
+            <a:schemeClr val="accent1"/>
+          </a:fillRef>
+          <a:effectRef idx="0">
+            <a:schemeClr val="accent1"/>
+          </a:effectRef>
+          <a:fontRef idx="minor">
+            <a:schemeClr val="tx1"/>
+          </a:fontRef>
+        </p:style>
+      </p:cxnSp>
+      <p:cxnSp>
+        <p:nvCxnSpPr>
+          <p:cNvPr id="18" name="Connecteur : en angle 17">
+            <a:extLst>
+              <a:ext uri="{FF2B5EF4-FFF2-40B4-BE49-F238E27FC236}">
+                <a16:creationId xmlns:a16="http://schemas.microsoft.com/office/drawing/2014/main" id="{7004F89A-67A4-4CC2-8DD8-AF3A4473816F}"/>
+              </a:ext>
+            </a:extLst>
+          </p:cNvPr>
+          <p:cNvCxnSpPr>
+            <a:cxnSpLocks/>
+            <a:stCxn id="3" idx="3"/>
+            <a:endCxn id="13" idx="1"/>
+          </p:cNvCxnSpPr>
+          <p:nvPr/>
+        </p:nvCxnSpPr>
+        <p:spPr>
+          <a:xfrm flipV="1">
+            <a:off x="5681084" y="3216441"/>
+            <a:ext cx="1251815" cy="1303422"/>
+          </a:xfrm>
+          <a:prstGeom prst="bentConnector3">
+            <a:avLst>
+              <a:gd name="adj1" fmla="val 50000"/>
+            </a:avLst>
+          </a:prstGeom>
+          <a:ln w="28575">
+            <a:tailEnd type="triangle"/>
+          </a:ln>
+        </p:spPr>
+        <p:style>
+          <a:lnRef idx="1">
+            <a:schemeClr val="accent1"/>
+          </a:lnRef>
+          <a:fillRef idx="0">
+            <a:schemeClr val="accent1"/>
+          </a:fillRef>
+          <a:effectRef idx="0">
+            <a:schemeClr val="accent1"/>
+          </a:effectRef>
+          <a:fontRef idx="minor">
+            <a:schemeClr val="tx1"/>
+          </a:fontRef>
+        </p:style>
+      </p:cxnSp>
+      <mc:AlternateContent xmlns:mc="http://schemas.openxmlformats.org/markup-compatibility/2006">
+        <mc:Choice xmlns:a14="http://schemas.microsoft.com/office/drawing/2010/main" Requires="a14">
+          <p:sp>
+            <p:nvSpPr>
+              <p:cNvPr id="22" name="Rectangle : coins arrondis 21">
+                <a:extLst>
+                  <a:ext uri="{FF2B5EF4-FFF2-40B4-BE49-F238E27FC236}">
+                    <a16:creationId xmlns:a16="http://schemas.microsoft.com/office/drawing/2014/main" id="{2DAB1A03-3FEE-406C-AF9A-52F46272706D}"/>
+                  </a:ext>
+                </a:extLst>
+              </p:cNvPr>
+              <p:cNvSpPr/>
+              <p:nvPr/>
+            </p:nvSpPr>
+            <p:spPr>
+              <a:xfrm>
+                <a:off x="8693858" y="2510400"/>
+                <a:ext cx="1435769" cy="1435769"/>
+              </a:xfrm>
+              <a:prstGeom prst="roundRect">
+                <a:avLst/>
+              </a:prstGeom>
+              <a:ln w="28575"/>
+            </p:spPr>
+            <p:style>
+              <a:lnRef idx="2">
+                <a:schemeClr val="accent4"/>
+              </a:lnRef>
+              <a:fillRef idx="1">
+                <a:schemeClr val="lt1"/>
+              </a:fillRef>
+              <a:effectRef idx="0">
+                <a:schemeClr val="accent4"/>
+              </a:effectRef>
+              <a:fontRef idx="minor">
+                <a:schemeClr val="dk1"/>
+              </a:fontRef>
+            </p:style>
+            <p:txBody>
+              <a:bodyPr rtlCol="0" anchor="ctr"/>
+              <a:lstStyle/>
+              <a:p>
+                <a:pPr algn="ctr"/>
+                <a:r>
+                  <a:rPr lang="en-US" sz="1600" dirty="0">
+                    <a:solidFill>
+                      <a:schemeClr val="accent4">
+                        <a:lumMod val="50000"/>
+                      </a:schemeClr>
+                    </a:solidFill>
+                  </a:rPr>
+                  <a:t>Classification of the distance</a:t>
+                </a:r>
+              </a:p>
+              <a:p>
+                <a:pPr algn="ctr"/>
+                <a:r>
+                  <a:rPr lang="en-US" sz="1600" dirty="0">
+                    <a:solidFill>
+                      <a:schemeClr val="accent4">
+                        <a:lumMod val="50000"/>
+                      </a:schemeClr>
+                    </a:solidFill>
+                  </a:rPr>
+                  <a:t>…</a:t>
+                </a:r>
+              </a:p>
+              <a:p>
+                <a:pPr algn="ctr"/>
+                <a14:m>
+                  <m:oMath xmlns:m="http://schemas.openxmlformats.org/officeDocument/2006/math">
+                    <m:sSub>
+                      <m:sSubPr>
+                        <m:ctrlPr>
+                          <a:rPr lang="en-US" sz="1600" i="1" smtClean="0">
+                            <a:solidFill>
+                              <a:schemeClr val="accent4">
+                                <a:lumMod val="50000"/>
+                              </a:schemeClr>
+                            </a:solidFill>
+                            <a:latin typeface="Cambria Math" panose="02040503050406030204" pitchFamily="18" charset="0"/>
+                          </a:rPr>
+                        </m:ctrlPr>
+                      </m:sSubPr>
+                      <m:e>
+                        <m:r>
+                          <a:rPr lang="en-US" sz="1600" b="0" i="1" smtClean="0">
+                            <a:solidFill>
+                              <a:schemeClr val="accent4">
+                                <a:lumMod val="50000"/>
+                              </a:schemeClr>
+                            </a:solidFill>
+                            <a:latin typeface="Cambria Math" panose="02040503050406030204" pitchFamily="18" charset="0"/>
+                          </a:rPr>
+                          <m:t>𝐷</m:t>
+                        </m:r>
+                      </m:e>
+                      <m:sub>
+                        <m:r>
+                          <a:rPr lang="en-US" sz="1600" b="0" i="1" smtClean="0">
+                            <a:solidFill>
+                              <a:schemeClr val="accent4">
+                                <a:lumMod val="50000"/>
+                              </a:schemeClr>
+                            </a:solidFill>
+                            <a:latin typeface="Cambria Math" panose="02040503050406030204" pitchFamily="18" charset="0"/>
+                          </a:rPr>
+                          <m:t>1</m:t>
+                        </m:r>
+                      </m:sub>
+                    </m:sSub>
+                    <m:r>
+                      <a:rPr lang="en-US" sz="1600" b="0" i="1" smtClean="0">
+                        <a:solidFill>
+                          <a:schemeClr val="accent4">
+                            <a:lumMod val="50000"/>
+                          </a:schemeClr>
+                        </a:solidFill>
+                        <a:latin typeface="Cambria Math" panose="02040503050406030204" pitchFamily="18" charset="0"/>
+                      </a:rPr>
+                      <m:t>&lt;</m:t>
+                    </m:r>
+                    <m:r>
+                      <a:rPr lang="en-US" sz="1600" b="0" i="1" smtClean="0">
+                        <a:solidFill>
+                          <a:schemeClr val="accent4">
+                            <a:lumMod val="50000"/>
+                          </a:schemeClr>
+                        </a:solidFill>
+                        <a:latin typeface="Cambria Math" panose="02040503050406030204" pitchFamily="18" charset="0"/>
+                        <a:ea typeface="Cambria Math" panose="02040503050406030204" pitchFamily="18" charset="0"/>
+                      </a:rPr>
+                      <m:t>𝛿</m:t>
+                    </m:r>
+                  </m:oMath>
+                </a14:m>
+                <a:r>
+                  <a:rPr lang="en-US" sz="1600" dirty="0">
+                    <a:solidFill>
+                      <a:schemeClr val="accent4">
+                        <a:lumMod val="50000"/>
+                      </a:schemeClr>
+                    </a:solidFill>
+                  </a:rPr>
+                  <a:t> ?</a:t>
+                </a:r>
+              </a:p>
+            </p:txBody>
+          </p:sp>
+        </mc:Choice>
+        <mc:Fallback>
+          <p:sp>
+            <p:nvSpPr>
+              <p:cNvPr id="22" name="Rectangle : coins arrondis 21">
+                <a:extLst>
+                  <a:ext uri="{FF2B5EF4-FFF2-40B4-BE49-F238E27FC236}">
+                    <a16:creationId xmlns:a16="http://schemas.microsoft.com/office/drawing/2014/main" id="{2DAB1A03-3FEE-406C-AF9A-52F46272706D}"/>
+                  </a:ext>
+                </a:extLst>
+              </p:cNvPr>
+              <p:cNvSpPr>
+                <a:spLocks noRot="1" noChangeAspect="1" noMove="1" noResize="1" noEditPoints="1" noAdjustHandles="1" noChangeArrowheads="1" noChangeShapeType="1" noTextEdit="1"/>
+              </p:cNvSpPr>
+              <p:nvPr/>
+            </p:nvSpPr>
+            <p:spPr>
+              <a:xfrm>
+                <a:off x="8693858" y="2510400"/>
+                <a:ext cx="1435769" cy="1435769"/>
+              </a:xfrm>
+              <a:prstGeom prst="roundRect">
+                <a:avLst/>
+              </a:prstGeom>
+              <a:blipFill>
+                <a:blip r:embed="rId3"/>
+                <a:stretch>
+                  <a:fillRect/>
+                </a:stretch>
+              </a:blipFill>
+              <a:ln w="28575"/>
+            </p:spPr>
+            <p:txBody>
+              <a:bodyPr/>
+              <a:lstStyle/>
+              <a:p>
+                <a:r>
+                  <a:rPr lang="en-US">
+                    <a:noFill/>
+                  </a:rPr>
+                  <a:t> </a:t>
+                </a:r>
+              </a:p>
+            </p:txBody>
+          </p:sp>
+        </mc:Fallback>
+      </mc:AlternateContent>
+      <p:cxnSp>
+        <p:nvCxnSpPr>
+          <p:cNvPr id="26" name="Connecteur droit avec flèche 25">
+            <a:extLst>
+              <a:ext uri="{FF2B5EF4-FFF2-40B4-BE49-F238E27FC236}">
+                <a16:creationId xmlns:a16="http://schemas.microsoft.com/office/drawing/2014/main" id="{A1D6F916-166A-430D-95BF-E3AF62BF807A}"/>
+              </a:ext>
+            </a:extLst>
+          </p:cNvPr>
+          <p:cNvCxnSpPr>
+            <a:cxnSpLocks/>
+            <a:stCxn id="13" idx="3"/>
+            <a:endCxn id="22" idx="1"/>
+          </p:cNvCxnSpPr>
+          <p:nvPr/>
+        </p:nvCxnSpPr>
+        <p:spPr>
+          <a:xfrm>
+            <a:off x="8493100" y="3216441"/>
+            <a:ext cx="200758" cy="11844"/>
+          </a:xfrm>
+          <a:prstGeom prst="straightConnector1">
+            <a:avLst/>
+          </a:prstGeom>
+          <a:ln w="28575">
+            <a:tailEnd type="triangle"/>
+          </a:ln>
+        </p:spPr>
+        <p:style>
+          <a:lnRef idx="1">
+            <a:schemeClr val="accent4"/>
+          </a:lnRef>
+          <a:fillRef idx="0">
+            <a:schemeClr val="accent4"/>
+          </a:fillRef>
+          <a:effectRef idx="0">
+            <a:schemeClr val="accent4"/>
+          </a:effectRef>
+          <a:fontRef idx="minor">
+            <a:schemeClr val="tx1"/>
+          </a:fontRef>
+        </p:style>
+      </p:cxnSp>
+      <mc:AlternateContent xmlns:mc="http://schemas.openxmlformats.org/markup-compatibility/2006">
+        <mc:Choice xmlns:a14="http://schemas.microsoft.com/office/drawing/2010/main" Requires="a14">
+          <p:sp>
+            <p:nvSpPr>
+              <p:cNvPr id="33" name="ZoneTexte 32">
+                <a:extLst>
+                  <a:ext uri="{FF2B5EF4-FFF2-40B4-BE49-F238E27FC236}">
+                    <a16:creationId xmlns:a16="http://schemas.microsoft.com/office/drawing/2014/main" id="{E373B6A3-C2BA-42B4-A94C-732BD26503F3}"/>
+                  </a:ext>
+                </a:extLst>
+              </p:cNvPr>
+              <p:cNvSpPr txBox="1"/>
+              <p:nvPr/>
+            </p:nvSpPr>
+            <p:spPr>
+              <a:xfrm>
+                <a:off x="693764" y="1521792"/>
+                <a:ext cx="622030" cy="380810"/>
+              </a:xfrm>
+              <a:prstGeom prst="rect">
+                <a:avLst/>
+              </a:prstGeom>
+              <a:noFill/>
+            </p:spPr>
+            <p:txBody>
+              <a:bodyPr wrap="none" rtlCol="0">
+                <a:spAutoFit/>
+              </a:bodyPr>
+              <a:lstStyle/>
+              <a:p>
+                <a:pPr/>
+                <a14:m>
+                  <m:oMathPara xmlns:m="http://schemas.openxmlformats.org/officeDocument/2006/math">
+                    <m:oMathParaPr>
+                      <m:jc m:val="centerGroup"/>
+                    </m:oMathParaPr>
+                    <m:oMath xmlns:m="http://schemas.openxmlformats.org/officeDocument/2006/math">
+                      <m:sSup>
+                        <m:sSupPr>
+                          <m:ctrlPr>
+                            <a:rPr lang="en-US" i="1" smtClean="0">
+                              <a:latin typeface="Cambria Math" panose="02040503050406030204" pitchFamily="18" charset="0"/>
+                            </a:rPr>
+                          </m:ctrlPr>
+                        </m:sSupPr>
+                        <m:e>
+                          <m:r>
+                            <a:rPr lang="en-US" b="0" i="1" smtClean="0">
+                              <a:latin typeface="Cambria Math" panose="02040503050406030204" pitchFamily="18" charset="0"/>
+                            </a:rPr>
+                            <m:t>𝑥</m:t>
+                          </m:r>
+                        </m:e>
+                        <m:sup>
+                          <m:r>
+                            <a:rPr lang="en-US" b="0" i="1" smtClean="0">
+                              <a:latin typeface="Cambria Math" panose="02040503050406030204" pitchFamily="18" charset="0"/>
+                            </a:rPr>
+                            <m:t>(1)</m:t>
+                          </m:r>
+                        </m:sup>
+                      </m:sSup>
+                    </m:oMath>
+                  </m:oMathPara>
+                </a14:m>
+                <a:endParaRPr lang="en-US" dirty="0"/>
+              </a:p>
+            </p:txBody>
+          </p:sp>
+        </mc:Choice>
+        <mc:Fallback>
+          <p:sp>
+            <p:nvSpPr>
+              <p:cNvPr id="33" name="ZoneTexte 32">
+                <a:extLst>
+                  <a:ext uri="{FF2B5EF4-FFF2-40B4-BE49-F238E27FC236}">
+                    <a16:creationId xmlns:a16="http://schemas.microsoft.com/office/drawing/2014/main" id="{E373B6A3-C2BA-42B4-A94C-732BD26503F3}"/>
+                  </a:ext>
+                </a:extLst>
+              </p:cNvPr>
+              <p:cNvSpPr txBox="1">
+                <a:spLocks noRot="1" noChangeAspect="1" noMove="1" noResize="1" noEditPoints="1" noAdjustHandles="1" noChangeArrowheads="1" noChangeShapeType="1" noTextEdit="1"/>
+              </p:cNvSpPr>
+              <p:nvPr/>
+            </p:nvSpPr>
+            <p:spPr>
+              <a:xfrm>
+                <a:off x="693764" y="1521792"/>
+                <a:ext cx="622030" cy="380810"/>
+              </a:xfrm>
+              <a:prstGeom prst="rect">
+                <a:avLst/>
+              </a:prstGeom>
+              <a:blipFill>
+                <a:blip r:embed="rId4"/>
+                <a:stretch>
+                  <a:fillRect/>
+                </a:stretch>
+              </a:blipFill>
+            </p:spPr>
+            <p:txBody>
+              <a:bodyPr/>
+              <a:lstStyle/>
+              <a:p>
+                <a:r>
+                  <a:rPr lang="en-US">
+                    <a:noFill/>
+                  </a:rPr>
+                  <a:t> </a:t>
+                </a:r>
+              </a:p>
+            </p:txBody>
+          </p:sp>
+        </mc:Fallback>
+      </mc:AlternateContent>
+      <mc:AlternateContent xmlns:mc="http://schemas.openxmlformats.org/markup-compatibility/2006">
+        <mc:Choice xmlns:a14="http://schemas.microsoft.com/office/drawing/2010/main" Requires="a14">
+          <p:sp>
+            <p:nvSpPr>
+              <p:cNvPr id="34" name="ZoneTexte 33">
+                <a:extLst>
+                  <a:ext uri="{FF2B5EF4-FFF2-40B4-BE49-F238E27FC236}">
+                    <a16:creationId xmlns:a16="http://schemas.microsoft.com/office/drawing/2014/main" id="{33A490A7-FC6E-4FA2-98D5-14B50721F399}"/>
+                  </a:ext>
+                </a:extLst>
+              </p:cNvPr>
+              <p:cNvSpPr txBox="1"/>
+              <p:nvPr/>
+            </p:nvSpPr>
+            <p:spPr>
+              <a:xfrm>
+                <a:off x="702239" y="4150530"/>
+                <a:ext cx="622030" cy="380810"/>
+              </a:xfrm>
+              <a:prstGeom prst="rect">
+                <a:avLst/>
+              </a:prstGeom>
+              <a:noFill/>
+            </p:spPr>
+            <p:txBody>
+              <a:bodyPr wrap="none" rtlCol="0">
+                <a:spAutoFit/>
+              </a:bodyPr>
+              <a:lstStyle/>
+              <a:p>
+                <a:pPr/>
+                <a14:m>
+                  <m:oMathPara xmlns:m="http://schemas.openxmlformats.org/officeDocument/2006/math">
+                    <m:oMathParaPr>
+                      <m:jc m:val="centerGroup"/>
+                    </m:oMathParaPr>
+                    <m:oMath xmlns:m="http://schemas.openxmlformats.org/officeDocument/2006/math">
+                      <m:sSup>
+                        <m:sSupPr>
+                          <m:ctrlPr>
+                            <a:rPr lang="en-US" i="1" smtClean="0">
+                              <a:solidFill>
+                                <a:schemeClr val="tx1"/>
+                              </a:solidFill>
+                              <a:latin typeface="Cambria Math" panose="02040503050406030204" pitchFamily="18" charset="0"/>
+                            </a:rPr>
+                          </m:ctrlPr>
+                        </m:sSupPr>
+                        <m:e>
+                          <m:r>
+                            <a:rPr lang="en-US" i="1">
+                              <a:solidFill>
+                                <a:schemeClr val="tx1"/>
+                              </a:solidFill>
+                              <a:latin typeface="Cambria Math" panose="02040503050406030204" pitchFamily="18" charset="0"/>
+                            </a:rPr>
+                            <m:t>𝑥</m:t>
+                          </m:r>
+                        </m:e>
+                        <m:sup>
+                          <m:r>
+                            <a:rPr lang="en-US" i="1">
+                              <a:solidFill>
+                                <a:schemeClr val="tx1"/>
+                              </a:solidFill>
+                              <a:latin typeface="Cambria Math" panose="02040503050406030204" pitchFamily="18" charset="0"/>
+                            </a:rPr>
+                            <m:t>(2)</m:t>
+                          </m:r>
+                        </m:sup>
+                      </m:sSup>
+                    </m:oMath>
+                  </m:oMathPara>
+                </a14:m>
+                <a:endParaRPr lang="en-US" dirty="0">
+                  <a:solidFill>
+                    <a:schemeClr val="tx1"/>
+                  </a:solidFill>
+                </a:endParaRPr>
+              </a:p>
+            </p:txBody>
+          </p:sp>
+        </mc:Choice>
+        <mc:Fallback>
+          <p:sp>
+            <p:nvSpPr>
+              <p:cNvPr id="34" name="ZoneTexte 33">
+                <a:extLst>
+                  <a:ext uri="{FF2B5EF4-FFF2-40B4-BE49-F238E27FC236}">
+                    <a16:creationId xmlns:a16="http://schemas.microsoft.com/office/drawing/2014/main" id="{33A490A7-FC6E-4FA2-98D5-14B50721F399}"/>
+                  </a:ext>
+                </a:extLst>
+              </p:cNvPr>
+              <p:cNvSpPr txBox="1">
+                <a:spLocks noRot="1" noChangeAspect="1" noMove="1" noResize="1" noEditPoints="1" noAdjustHandles="1" noChangeArrowheads="1" noChangeShapeType="1" noTextEdit="1"/>
+              </p:cNvSpPr>
+              <p:nvPr/>
+            </p:nvSpPr>
+            <p:spPr>
+              <a:xfrm>
+                <a:off x="702239" y="4150530"/>
+                <a:ext cx="622030" cy="380810"/>
+              </a:xfrm>
+              <a:prstGeom prst="rect">
+                <a:avLst/>
+              </a:prstGeom>
+              <a:blipFill>
+                <a:blip r:embed="rId5"/>
+                <a:stretch>
+                  <a:fillRect/>
+                </a:stretch>
+              </a:blipFill>
+            </p:spPr>
+            <p:txBody>
+              <a:bodyPr/>
+              <a:lstStyle/>
+              <a:p>
+                <a:r>
+                  <a:rPr lang="en-US">
+                    <a:noFill/>
+                  </a:rPr>
+                  <a:t> </a:t>
+                </a:r>
+              </a:p>
+            </p:txBody>
+          </p:sp>
+        </mc:Fallback>
+      </mc:AlternateContent>
+      <p:sp>
+        <p:nvSpPr>
+          <p:cNvPr id="39" name="Rectangle 38">
+            <a:extLst>
+              <a:ext uri="{FF2B5EF4-FFF2-40B4-BE49-F238E27FC236}">
+                <a16:creationId xmlns:a16="http://schemas.microsoft.com/office/drawing/2014/main" id="{6339AA11-612C-46C6-B5BD-1CB1F0627657}"/>
+              </a:ext>
+            </a:extLst>
+          </p:cNvPr>
+          <p:cNvSpPr/>
+          <p:nvPr/>
+        </p:nvSpPr>
+        <p:spPr>
+          <a:xfrm>
+            <a:off x="756800" y="1013259"/>
+            <a:ext cx="5408553" cy="4337385"/>
+          </a:xfrm>
+          <a:prstGeom prst="rect">
+            <a:avLst/>
+          </a:prstGeom>
+          <a:noFill/>
+          <a:ln>
+            <a:solidFill>
+              <a:schemeClr val="accent6">
+                <a:lumMod val="75000"/>
+              </a:schemeClr>
+            </a:solidFill>
+          </a:ln>
+        </p:spPr>
+        <p:style>
+          <a:lnRef idx="2">
+            <a:schemeClr val="accent6"/>
+          </a:lnRef>
+          <a:fillRef idx="1">
+            <a:schemeClr val="lt1"/>
+          </a:fillRef>
+          <a:effectRef idx="0">
+            <a:schemeClr val="accent6"/>
+          </a:effectRef>
+          <a:fontRef idx="minor">
+            <a:schemeClr val="dk1"/>
+          </a:fontRef>
+        </p:style>
+        <p:txBody>
+          <a:bodyPr rtlCol="0" anchor="ctr"/>
+          <a:lstStyle/>
+          <a:p>
+            <a:pPr algn="ctr"/>
+            <a:endParaRPr lang="en-US"/>
+          </a:p>
+        </p:txBody>
+      </p:sp>
+      <p:sp>
+        <p:nvSpPr>
+          <p:cNvPr id="40" name="ZoneTexte 39">
+            <a:extLst>
+              <a:ext uri="{FF2B5EF4-FFF2-40B4-BE49-F238E27FC236}">
+                <a16:creationId xmlns:a16="http://schemas.microsoft.com/office/drawing/2014/main" id="{BFE14EC0-640C-4E8D-AFA5-6EE49856599E}"/>
+              </a:ext>
+            </a:extLst>
+          </p:cNvPr>
+          <p:cNvSpPr txBox="1"/>
+          <p:nvPr/>
+        </p:nvSpPr>
+        <p:spPr>
+          <a:xfrm>
+            <a:off x="1523167" y="668064"/>
+            <a:ext cx="4382004" cy="369332"/>
+          </a:xfrm>
+          <a:prstGeom prst="rect">
+            <a:avLst/>
+          </a:prstGeom>
+          <a:noFill/>
+        </p:spPr>
+        <p:txBody>
+          <a:bodyPr wrap="square" rtlCol="0">
+            <a:spAutoFit/>
+          </a:bodyPr>
+          <a:lstStyle/>
+          <a:p>
+            <a:r>
+              <a:rPr lang="en-US" dirty="0">
+                <a:solidFill>
+                  <a:schemeClr val="accent6">
+                    <a:lumMod val="50000"/>
+                  </a:schemeClr>
+                </a:solidFill>
+              </a:rPr>
+              <a:t>Encoder</a:t>
+            </a:r>
+          </a:p>
+        </p:txBody>
+      </p:sp>
+      <p:sp>
+        <p:nvSpPr>
+          <p:cNvPr id="41" name="Rectangle 40">
+            <a:extLst>
+              <a:ext uri="{FF2B5EF4-FFF2-40B4-BE49-F238E27FC236}">
+                <a16:creationId xmlns:a16="http://schemas.microsoft.com/office/drawing/2014/main" id="{F4EB5C27-5390-4B8B-836A-AF9E9F26537E}"/>
+              </a:ext>
+            </a:extLst>
+          </p:cNvPr>
+          <p:cNvSpPr/>
+          <p:nvPr/>
+        </p:nvSpPr>
+        <p:spPr>
+          <a:xfrm>
+            <a:off x="6787537" y="1013259"/>
+            <a:ext cx="4660682" cy="4337385"/>
+          </a:xfrm>
+          <a:prstGeom prst="rect">
+            <a:avLst/>
+          </a:prstGeom>
+          <a:noFill/>
+        </p:spPr>
+        <p:style>
+          <a:lnRef idx="2">
+            <a:schemeClr val="accent1">
+              <a:shade val="50000"/>
+            </a:schemeClr>
+          </a:lnRef>
+          <a:fillRef idx="1">
+            <a:schemeClr val="accent1"/>
+          </a:fillRef>
+          <a:effectRef idx="0">
+            <a:schemeClr val="accent1"/>
+          </a:effectRef>
+          <a:fontRef idx="minor">
+            <a:schemeClr val="lt1"/>
+          </a:fontRef>
+        </p:style>
+        <p:txBody>
+          <a:bodyPr rtlCol="0" anchor="ctr"/>
+          <a:lstStyle/>
+          <a:p>
+            <a:pPr algn="ctr"/>
+            <a:endParaRPr lang="en-US"/>
+          </a:p>
+        </p:txBody>
+      </p:sp>
+      <p:sp>
+        <p:nvSpPr>
+          <p:cNvPr id="43" name="ZoneTexte 42">
+            <a:extLst>
+              <a:ext uri="{FF2B5EF4-FFF2-40B4-BE49-F238E27FC236}">
+                <a16:creationId xmlns:a16="http://schemas.microsoft.com/office/drawing/2014/main" id="{A19540A9-416E-4842-BC2D-421B4C8C3A4C}"/>
+              </a:ext>
+            </a:extLst>
+          </p:cNvPr>
+          <p:cNvSpPr txBox="1"/>
+          <p:nvPr/>
+        </p:nvSpPr>
+        <p:spPr>
+          <a:xfrm>
+            <a:off x="7049840" y="669498"/>
+            <a:ext cx="6034906" cy="369332"/>
+          </a:xfrm>
+          <a:prstGeom prst="rect">
+            <a:avLst/>
+          </a:prstGeom>
+          <a:noFill/>
+        </p:spPr>
+        <p:txBody>
+          <a:bodyPr wrap="square" rtlCol="0">
+            <a:spAutoFit/>
+          </a:bodyPr>
+          <a:lstStyle/>
+          <a:p>
+            <a:r>
+              <a:rPr lang="en-US" dirty="0">
+                <a:solidFill>
+                  <a:schemeClr val="accent1">
+                    <a:lumMod val="50000"/>
+                  </a:schemeClr>
+                </a:solidFill>
+              </a:rPr>
+              <a:t>Classification of distance measure</a:t>
+            </a:r>
+          </a:p>
+        </p:txBody>
+      </p:sp>
+      <mc:AlternateContent xmlns:mc="http://schemas.openxmlformats.org/markup-compatibility/2006">
+        <mc:Choice xmlns:a14="http://schemas.microsoft.com/office/drawing/2010/main" Requires="a14">
+          <p:sp>
+            <p:nvSpPr>
+              <p:cNvPr id="9" name="Rectangle : coins arrondis 8">
+                <a:extLst>
+                  <a:ext uri="{FF2B5EF4-FFF2-40B4-BE49-F238E27FC236}">
+                    <a16:creationId xmlns:a16="http://schemas.microsoft.com/office/drawing/2014/main" id="{C21B7F20-DB3C-4F58-BD6D-D69DB5A41974}"/>
+                  </a:ext>
+                </a:extLst>
+              </p:cNvPr>
+              <p:cNvSpPr/>
+              <p:nvPr/>
+            </p:nvSpPr>
+            <p:spPr>
+              <a:xfrm>
+                <a:off x="1505446" y="1350227"/>
+                <a:ext cx="1112813" cy="1112813"/>
+              </a:xfrm>
+              <a:prstGeom prst="roundRect">
+                <a:avLst/>
+              </a:prstGeom>
+              <a:ln w="19050"/>
+            </p:spPr>
+            <p:style>
+              <a:lnRef idx="2">
+                <a:schemeClr val="accent2"/>
+              </a:lnRef>
+              <a:fillRef idx="1">
+                <a:schemeClr val="lt1"/>
+              </a:fillRef>
+              <a:effectRef idx="0">
+                <a:schemeClr val="accent2"/>
+              </a:effectRef>
+              <a:fontRef idx="minor">
+                <a:schemeClr val="dk1"/>
+              </a:fontRef>
+            </p:style>
+            <p:txBody>
+              <a:bodyPr rtlCol="0" anchor="ctr"/>
+              <a:lstStyle/>
+              <a:p>
+                <a:pPr algn="ctr"/>
+                <a14:m>
+                  <m:oMathPara xmlns:m="http://schemas.openxmlformats.org/officeDocument/2006/math">
+                    <m:oMathParaPr>
+                      <m:jc m:val="centerGroup"/>
+                    </m:oMathParaPr>
+                    <m:oMath xmlns:m="http://schemas.openxmlformats.org/officeDocument/2006/math">
+                      <m:sSub>
+                        <m:sSubPr>
+                          <m:ctrlPr>
+                            <a:rPr lang="en-US" i="1" smtClean="0">
+                              <a:solidFill>
+                                <a:schemeClr val="accent2">
+                                  <a:lumMod val="75000"/>
+                                </a:schemeClr>
+                              </a:solidFill>
+                              <a:latin typeface="Cambria Math" panose="02040503050406030204" pitchFamily="18" charset="0"/>
+                            </a:rPr>
+                          </m:ctrlPr>
+                        </m:sSubPr>
+                        <m:e>
+                          <m:r>
+                            <a:rPr lang="en-US" b="0" i="1" smtClean="0">
+                              <a:solidFill>
+                                <a:schemeClr val="accent2">
+                                  <a:lumMod val="75000"/>
+                                </a:schemeClr>
+                              </a:solidFill>
+                              <a:latin typeface="Cambria Math" panose="02040503050406030204" pitchFamily="18" charset="0"/>
+                            </a:rPr>
+                            <m:t>𝐺</m:t>
+                          </m:r>
+                        </m:e>
+                        <m:sub>
+                          <m:sSub>
+                            <m:sSubPr>
+                              <m:ctrlPr>
+                                <a:rPr lang="en-US" i="1" smtClean="0">
+                                  <a:solidFill>
+                                    <a:schemeClr val="accent2">
+                                      <a:lumMod val="75000"/>
+                                    </a:schemeClr>
+                                  </a:solidFill>
+                                  <a:latin typeface="Cambria Math" panose="02040503050406030204" pitchFamily="18" charset="0"/>
+                                </a:rPr>
+                              </m:ctrlPr>
+                            </m:sSubPr>
+                            <m:e>
+                              <m:r>
+                                <a:rPr lang="en-US" b="0" i="1" smtClean="0">
+                                  <a:solidFill>
+                                    <a:schemeClr val="accent2">
+                                      <a:lumMod val="75000"/>
+                                    </a:schemeClr>
+                                  </a:solidFill>
+                                  <a:latin typeface="Cambria Math" panose="02040503050406030204" pitchFamily="18" charset="0"/>
+                                </a:rPr>
+                                <m:t>𝑤</m:t>
+                              </m:r>
+                            </m:e>
+                            <m:sub>
+                              <m:r>
+                                <a:rPr lang="en-US" b="0" i="1" smtClean="0">
+                                  <a:solidFill>
+                                    <a:schemeClr val="accent2">
+                                      <a:lumMod val="75000"/>
+                                    </a:schemeClr>
+                                  </a:solidFill>
+                                  <a:latin typeface="Cambria Math" panose="02040503050406030204" pitchFamily="18" charset="0"/>
+                                </a:rPr>
+                                <m:t>1</m:t>
+                              </m:r>
+                            </m:sub>
+                          </m:sSub>
+                        </m:sub>
+                      </m:sSub>
+                      <m:r>
+                        <a:rPr lang="en-US" b="0" i="1" smtClean="0">
+                          <a:solidFill>
+                            <a:schemeClr val="accent2">
+                              <a:lumMod val="75000"/>
+                            </a:schemeClr>
+                          </a:solidFill>
+                          <a:latin typeface="Cambria Math" panose="02040503050406030204" pitchFamily="18" charset="0"/>
+                        </a:rPr>
+                        <m:t>(</m:t>
+                      </m:r>
+                      <m:sSup>
+                        <m:sSupPr>
+                          <m:ctrlPr>
+                            <a:rPr lang="en-US" i="1" smtClean="0">
+                              <a:solidFill>
+                                <a:schemeClr val="accent2">
+                                  <a:lumMod val="75000"/>
+                                </a:schemeClr>
+                              </a:solidFill>
+                              <a:latin typeface="Cambria Math" panose="02040503050406030204" pitchFamily="18" charset="0"/>
+                            </a:rPr>
+                          </m:ctrlPr>
+                        </m:sSupPr>
+                        <m:e>
+                          <m:r>
+                            <a:rPr lang="en-US" i="1">
+                              <a:solidFill>
+                                <a:schemeClr val="accent2">
+                                  <a:lumMod val="75000"/>
+                                </a:schemeClr>
+                              </a:solidFill>
+                              <a:latin typeface="Cambria Math" panose="02040503050406030204" pitchFamily="18" charset="0"/>
+                            </a:rPr>
+                            <m:t>𝑥</m:t>
+                          </m:r>
+                        </m:e>
+                        <m:sup>
+                          <m:r>
+                            <a:rPr lang="en-US" i="1">
+                              <a:solidFill>
+                                <a:schemeClr val="accent2">
+                                  <a:lumMod val="75000"/>
+                                </a:schemeClr>
+                              </a:solidFill>
+                              <a:latin typeface="Cambria Math" panose="02040503050406030204" pitchFamily="18" charset="0"/>
+                            </a:rPr>
+                            <m:t>(1)</m:t>
+                          </m:r>
+                        </m:sup>
+                      </m:sSup>
+                      <m:r>
+                        <a:rPr lang="en-US" b="0" i="1" smtClean="0">
+                          <a:solidFill>
+                            <a:schemeClr val="accent2">
+                              <a:lumMod val="75000"/>
+                            </a:schemeClr>
+                          </a:solidFill>
+                          <a:latin typeface="Cambria Math" panose="02040503050406030204" pitchFamily="18" charset="0"/>
+                        </a:rPr>
+                        <m:t>)</m:t>
+                      </m:r>
+                    </m:oMath>
+                  </m:oMathPara>
+                </a14:m>
+                <a:endParaRPr lang="en-US" dirty="0">
+                  <a:solidFill>
+                    <a:schemeClr val="accent2">
+                      <a:lumMod val="75000"/>
+                    </a:schemeClr>
+                  </a:solidFill>
+                </a:endParaRPr>
+              </a:p>
+            </p:txBody>
+          </p:sp>
+        </mc:Choice>
+        <mc:Fallback>
+          <p:sp>
+            <p:nvSpPr>
+              <p:cNvPr id="9" name="Rectangle : coins arrondis 8">
+                <a:extLst>
+                  <a:ext uri="{FF2B5EF4-FFF2-40B4-BE49-F238E27FC236}">
+                    <a16:creationId xmlns:a16="http://schemas.microsoft.com/office/drawing/2014/main" id="{C21B7F20-DB3C-4F58-BD6D-D69DB5A41974}"/>
+                  </a:ext>
+                </a:extLst>
+              </p:cNvPr>
+              <p:cNvSpPr>
+                <a:spLocks noRot="1" noChangeAspect="1" noMove="1" noResize="1" noEditPoints="1" noAdjustHandles="1" noChangeArrowheads="1" noChangeShapeType="1" noTextEdit="1"/>
+              </p:cNvSpPr>
+              <p:nvPr/>
+            </p:nvSpPr>
+            <p:spPr>
+              <a:xfrm>
+                <a:off x="1505446" y="1350227"/>
+                <a:ext cx="1112813" cy="1112813"/>
+              </a:xfrm>
+              <a:prstGeom prst="roundRect">
+                <a:avLst/>
+              </a:prstGeom>
+              <a:blipFill>
+                <a:blip r:embed="rId6"/>
+                <a:stretch>
+                  <a:fillRect l="-1075"/>
+                </a:stretch>
+              </a:blipFill>
+              <a:ln w="19050"/>
+            </p:spPr>
+            <p:txBody>
+              <a:bodyPr/>
+              <a:lstStyle/>
+              <a:p>
+                <a:r>
+                  <a:rPr lang="en-US">
+                    <a:noFill/>
+                  </a:rPr>
+                  <a:t> </a:t>
+                </a:r>
+              </a:p>
+            </p:txBody>
+          </p:sp>
+        </mc:Fallback>
+      </mc:AlternateContent>
+      <mc:AlternateContent xmlns:mc="http://schemas.openxmlformats.org/markup-compatibility/2006">
+        <mc:Choice xmlns:a14="http://schemas.microsoft.com/office/drawing/2010/main" Requires="a14">
+          <p:sp>
+            <p:nvSpPr>
+              <p:cNvPr id="27" name="Rectangle : coins arrondis 26">
+                <a:extLst>
+                  <a:ext uri="{FF2B5EF4-FFF2-40B4-BE49-F238E27FC236}">
+                    <a16:creationId xmlns:a16="http://schemas.microsoft.com/office/drawing/2014/main" id="{45ABB6EB-6E17-4D65-A99D-FAA819AAF5A2}"/>
+                  </a:ext>
+                </a:extLst>
+              </p:cNvPr>
+              <p:cNvSpPr/>
+              <p:nvPr/>
+            </p:nvSpPr>
+            <p:spPr>
+              <a:xfrm>
+                <a:off x="4417899" y="1350227"/>
+                <a:ext cx="1112813" cy="1112813"/>
+              </a:xfrm>
+              <a:prstGeom prst="roundRect">
+                <a:avLst/>
+              </a:prstGeom>
+              <a:ln w="19050"/>
+            </p:spPr>
+            <p:style>
+              <a:lnRef idx="2">
+                <a:schemeClr val="accent5"/>
+              </a:lnRef>
+              <a:fillRef idx="1">
+                <a:schemeClr val="lt1"/>
+              </a:fillRef>
+              <a:effectRef idx="0">
+                <a:schemeClr val="accent5"/>
+              </a:effectRef>
+              <a:fontRef idx="minor">
+                <a:schemeClr val="dk1"/>
+              </a:fontRef>
+            </p:style>
+            <p:txBody>
+              <a:bodyPr lIns="0" rIns="0" rtlCol="0" anchor="ctr"/>
+              <a:lstStyle/>
+              <a:p>
+                <a:pPr algn="ctr"/>
+                <a14:m>
+                  <m:oMathPara xmlns:m="http://schemas.openxmlformats.org/officeDocument/2006/math">
+                    <m:oMathParaPr>
+                      <m:jc m:val="centerGroup"/>
+                    </m:oMathParaPr>
+                    <m:oMath xmlns:m="http://schemas.openxmlformats.org/officeDocument/2006/math">
+                      <m:sSub>
+                        <m:sSubPr>
+                          <m:ctrlPr>
+                            <a:rPr lang="en-US" sz="1400" i="1" smtClean="0">
+                              <a:latin typeface="Cambria Math" panose="02040503050406030204" pitchFamily="18" charset="0"/>
+                            </a:rPr>
+                          </m:ctrlPr>
+                        </m:sSubPr>
+                        <m:e>
+                          <m:r>
+                            <a:rPr lang="en-US" sz="1400" b="0" i="1" smtClean="0">
+                              <a:latin typeface="Cambria Math" panose="02040503050406030204" pitchFamily="18" charset="0"/>
+                            </a:rPr>
+                            <m:t>𝐺</m:t>
+                          </m:r>
+                        </m:e>
+                        <m:sub>
+                          <m:sSub>
+                            <m:sSubPr>
+                              <m:ctrlPr>
+                                <a:rPr lang="en-US" sz="1400" i="1" smtClean="0">
+                                  <a:latin typeface="Cambria Math" panose="02040503050406030204" pitchFamily="18" charset="0"/>
+                                </a:rPr>
+                              </m:ctrlPr>
+                            </m:sSubPr>
+                            <m:e>
+                              <m:r>
+                                <a:rPr lang="en-US" sz="1400" b="0" i="1" smtClean="0">
+                                  <a:latin typeface="Cambria Math" panose="02040503050406030204" pitchFamily="18" charset="0"/>
+                                </a:rPr>
+                                <m:t>𝑤</m:t>
+                              </m:r>
+                            </m:e>
+                            <m:sub>
+                              <m:r>
+                                <a:rPr lang="en-US" sz="1400" b="0" i="1" smtClean="0">
+                                  <a:latin typeface="Cambria Math" panose="02040503050406030204" pitchFamily="18" charset="0"/>
+                                </a:rPr>
+                                <m:t>3</m:t>
+                              </m:r>
+                            </m:sub>
+                          </m:sSub>
+                        </m:sub>
+                      </m:sSub>
+                      <m:r>
+                        <a:rPr lang="en-US" sz="1400" b="0" i="1" smtClean="0">
+                          <a:latin typeface="Cambria Math" panose="02040503050406030204" pitchFamily="18" charset="0"/>
+                        </a:rPr>
+                        <m:t>(</m:t>
+                      </m:r>
+                      <m:sSub>
+                        <m:sSubPr>
+                          <m:ctrlPr>
+                            <a:rPr lang="en-US" sz="1400" i="1" smtClean="0">
+                              <a:latin typeface="Cambria Math" panose="02040503050406030204" pitchFamily="18" charset="0"/>
+                              <a:ea typeface="Cambria Math" panose="02040503050406030204" pitchFamily="18" charset="0"/>
+                            </a:rPr>
+                          </m:ctrlPr>
+                        </m:sSubPr>
+                        <m:e>
+                          <m:r>
+                            <a:rPr lang="en-US" sz="1400" b="0" i="1" smtClean="0">
+                              <a:latin typeface="Cambria Math" panose="02040503050406030204" pitchFamily="18" charset="0"/>
+                              <a:ea typeface="Cambria Math" panose="02040503050406030204" pitchFamily="18" charset="0"/>
+                            </a:rPr>
+                            <m:t>𝐺</m:t>
+                          </m:r>
+                        </m:e>
+                        <m:sub>
+                          <m:sSub>
+                            <m:sSubPr>
+                              <m:ctrlPr>
+                                <a:rPr lang="en-US" sz="1400" b="0" i="1" smtClean="0">
+                                  <a:latin typeface="Cambria Math" panose="02040503050406030204" pitchFamily="18" charset="0"/>
+                                  <a:ea typeface="Cambria Math" panose="02040503050406030204" pitchFamily="18" charset="0"/>
+                                </a:rPr>
+                              </m:ctrlPr>
+                            </m:sSubPr>
+                            <m:e>
+                              <m:r>
+                                <a:rPr lang="en-US" sz="1400" b="0" i="1" smtClean="0">
+                                  <a:latin typeface="Cambria Math" panose="02040503050406030204" pitchFamily="18" charset="0"/>
+                                  <a:ea typeface="Cambria Math" panose="02040503050406030204" pitchFamily="18" charset="0"/>
+                                </a:rPr>
+                                <m:t>𝑤</m:t>
+                              </m:r>
+                            </m:e>
+                            <m:sub>
+                              <m:r>
+                                <a:rPr lang="en-US" sz="1400" b="0" i="1" smtClean="0">
+                                  <a:latin typeface="Cambria Math" panose="02040503050406030204" pitchFamily="18" charset="0"/>
+                                  <a:ea typeface="Cambria Math" panose="02040503050406030204" pitchFamily="18" charset="0"/>
+                                </a:rPr>
+                                <m:t>2</m:t>
+                              </m:r>
+                            </m:sub>
+                          </m:sSub>
+                        </m:sub>
+                      </m:sSub>
+                      <m:d>
+                        <m:dPr>
+                          <m:ctrlPr>
+                            <a:rPr lang="en-US" sz="1400" b="0" i="1" smtClean="0">
+                              <a:latin typeface="Cambria Math" panose="02040503050406030204" pitchFamily="18" charset="0"/>
+                              <a:ea typeface="Cambria Math" panose="02040503050406030204" pitchFamily="18" charset="0"/>
+                            </a:rPr>
+                          </m:ctrlPr>
+                        </m:dPr>
+                        <m:e>
+                          <m:r>
+                            <a:rPr lang="en-US" sz="1400" b="0" i="1" smtClean="0">
+                              <a:latin typeface="Cambria Math" panose="02040503050406030204" pitchFamily="18" charset="0"/>
+                              <a:ea typeface="Cambria Math" panose="02040503050406030204" pitchFamily="18" charset="0"/>
+                            </a:rPr>
+                            <m:t>⋯</m:t>
+                          </m:r>
+                        </m:e>
+                      </m:d>
+                      <m:r>
+                        <a:rPr lang="en-US" sz="1400" b="0" i="1" smtClean="0">
+                          <a:latin typeface="Cambria Math" panose="02040503050406030204" pitchFamily="18" charset="0"/>
+                          <a:ea typeface="Cambria Math" panose="02040503050406030204" pitchFamily="18" charset="0"/>
+                        </a:rPr>
+                        <m:t>)</m:t>
+                      </m:r>
+                    </m:oMath>
+                  </m:oMathPara>
+                </a14:m>
+                <a:endParaRPr lang="en-US" sz="1400" dirty="0"/>
+              </a:p>
+            </p:txBody>
+          </p:sp>
+        </mc:Choice>
+        <mc:Fallback>
+          <p:sp>
+            <p:nvSpPr>
+              <p:cNvPr id="27" name="Rectangle : coins arrondis 26">
+                <a:extLst>
+                  <a:ext uri="{FF2B5EF4-FFF2-40B4-BE49-F238E27FC236}">
+                    <a16:creationId xmlns:a16="http://schemas.microsoft.com/office/drawing/2014/main" id="{45ABB6EB-6E17-4D65-A99D-FAA819AAF5A2}"/>
+                  </a:ext>
+                </a:extLst>
+              </p:cNvPr>
+              <p:cNvSpPr>
+                <a:spLocks noRot="1" noChangeAspect="1" noMove="1" noResize="1" noEditPoints="1" noAdjustHandles="1" noChangeArrowheads="1" noChangeShapeType="1" noTextEdit="1"/>
+              </p:cNvSpPr>
+              <p:nvPr/>
+            </p:nvSpPr>
+            <p:spPr>
+              <a:xfrm>
+                <a:off x="4417899" y="1350227"/>
+                <a:ext cx="1112813" cy="1112813"/>
+              </a:xfrm>
+              <a:prstGeom prst="roundRect">
+                <a:avLst/>
+              </a:prstGeom>
+              <a:blipFill>
+                <a:blip r:embed="rId7"/>
+                <a:stretch>
+                  <a:fillRect l="-3784" r="-1622"/>
+                </a:stretch>
+              </a:blipFill>
+              <a:ln w="19050"/>
+            </p:spPr>
+            <p:txBody>
+              <a:bodyPr/>
+              <a:lstStyle/>
+              <a:p>
+                <a:r>
+                  <a:rPr lang="en-US">
+                    <a:noFill/>
+                  </a:rPr>
+                  <a:t> </a:t>
+                </a:r>
+              </a:p>
+            </p:txBody>
+          </p:sp>
+        </mc:Fallback>
+      </mc:AlternateContent>
+      <p:cxnSp>
+        <p:nvCxnSpPr>
+          <p:cNvPr id="16" name="Connecteur droit avec flèche 15">
+            <a:extLst>
+              <a:ext uri="{FF2B5EF4-FFF2-40B4-BE49-F238E27FC236}">
+                <a16:creationId xmlns:a16="http://schemas.microsoft.com/office/drawing/2014/main" id="{851228CD-7380-405C-BE0D-8BF54A0ECCD0}"/>
+              </a:ext>
+            </a:extLst>
+          </p:cNvPr>
+          <p:cNvCxnSpPr>
+            <a:cxnSpLocks/>
+          </p:cNvCxnSpPr>
+          <p:nvPr/>
+        </p:nvCxnSpPr>
+        <p:spPr>
+          <a:xfrm>
+            <a:off x="693765" y="1913020"/>
+            <a:ext cx="808270" cy="0"/>
+          </a:xfrm>
+          <a:prstGeom prst="straightConnector1">
+            <a:avLst/>
+          </a:prstGeom>
+          <a:ln w="19050">
+            <a:tailEnd type="triangle"/>
+          </a:ln>
+        </p:spPr>
+        <p:style>
+          <a:lnRef idx="1">
+            <a:schemeClr val="dk1"/>
+          </a:lnRef>
+          <a:fillRef idx="0">
+            <a:schemeClr val="dk1"/>
+          </a:fillRef>
+          <a:effectRef idx="0">
+            <a:schemeClr val="dk1"/>
+          </a:effectRef>
+          <a:fontRef idx="minor">
+            <a:schemeClr val="tx1"/>
+          </a:fontRef>
+        </p:style>
+      </p:cxnSp>
+      <p:cxnSp>
+        <p:nvCxnSpPr>
+          <p:cNvPr id="35" name="Connecteur droit avec flèche 34">
+            <a:extLst>
+              <a:ext uri="{FF2B5EF4-FFF2-40B4-BE49-F238E27FC236}">
+                <a16:creationId xmlns:a16="http://schemas.microsoft.com/office/drawing/2014/main" id="{980A4756-BBB6-4A3D-90AD-87DE63771706}"/>
+              </a:ext>
+            </a:extLst>
+          </p:cNvPr>
+          <p:cNvCxnSpPr>
+            <a:cxnSpLocks/>
+          </p:cNvCxnSpPr>
+          <p:nvPr/>
+        </p:nvCxnSpPr>
+        <p:spPr>
+          <a:xfrm>
+            <a:off x="693765" y="4519862"/>
+            <a:ext cx="808270" cy="0"/>
+          </a:xfrm>
+          <a:prstGeom prst="straightConnector1">
+            <a:avLst/>
+          </a:prstGeom>
+          <a:ln w="19050">
+            <a:tailEnd type="triangle"/>
+          </a:ln>
+        </p:spPr>
+        <p:style>
+          <a:lnRef idx="1">
+            <a:schemeClr val="dk1"/>
+          </a:lnRef>
+          <a:fillRef idx="0">
+            <a:schemeClr val="dk1"/>
+          </a:fillRef>
+          <a:effectRef idx="0">
+            <a:schemeClr val="dk1"/>
+          </a:effectRef>
+          <a:fontRef idx="minor">
+            <a:schemeClr val="tx1"/>
+          </a:fontRef>
+        </p:style>
+      </p:cxnSp>
+      <p:cxnSp>
+        <p:nvCxnSpPr>
+          <p:cNvPr id="54" name="Connecteur droit avec flèche 53">
+            <a:extLst>
+              <a:ext uri="{FF2B5EF4-FFF2-40B4-BE49-F238E27FC236}">
+                <a16:creationId xmlns:a16="http://schemas.microsoft.com/office/drawing/2014/main" id="{84A52400-DF10-4DD0-A198-67CBD26F6915}"/>
+              </a:ext>
+            </a:extLst>
+          </p:cNvPr>
+          <p:cNvCxnSpPr>
+            <a:stCxn id="22" idx="3"/>
+          </p:cNvCxnSpPr>
+          <p:nvPr/>
+        </p:nvCxnSpPr>
+        <p:spPr>
+          <a:xfrm flipV="1">
+            <a:off x="10129627" y="3228284"/>
+            <a:ext cx="331753" cy="1"/>
+          </a:xfrm>
+          <a:prstGeom prst="straightConnector1">
+            <a:avLst/>
+          </a:prstGeom>
+          <a:ln>
+            <a:tailEnd type="triangle"/>
+          </a:ln>
+        </p:spPr>
+        <p:style>
+          <a:lnRef idx="3">
+            <a:schemeClr val="dk1"/>
+          </a:lnRef>
+          <a:fillRef idx="0">
+            <a:schemeClr val="dk1"/>
+          </a:fillRef>
+          <a:effectRef idx="2">
+            <a:schemeClr val="dk1"/>
+          </a:effectRef>
+          <a:fontRef idx="minor">
+            <a:schemeClr val="tx1"/>
+          </a:fontRef>
+        </p:style>
+      </p:cxnSp>
+      <p:sp>
+        <p:nvSpPr>
+          <p:cNvPr id="55" name="ZoneTexte 54">
+            <a:extLst>
+              <a:ext uri="{FF2B5EF4-FFF2-40B4-BE49-F238E27FC236}">
+                <a16:creationId xmlns:a16="http://schemas.microsoft.com/office/drawing/2014/main" id="{8F1AF3A4-7EDE-478C-AA7C-30CFB2A45CAA}"/>
+              </a:ext>
+            </a:extLst>
+          </p:cNvPr>
+          <p:cNvSpPr txBox="1"/>
+          <p:nvPr/>
+        </p:nvSpPr>
+        <p:spPr>
+          <a:xfrm>
+            <a:off x="10407191" y="2803752"/>
+            <a:ext cx="1110579" cy="830997"/>
+          </a:xfrm>
+          <a:prstGeom prst="rect">
+            <a:avLst/>
+          </a:prstGeom>
+          <a:noFill/>
+        </p:spPr>
+        <p:txBody>
+          <a:bodyPr wrap="square" rtlCol="0">
+            <a:spAutoFit/>
+          </a:bodyPr>
+          <a:lstStyle/>
+          <a:p>
+            <a:r>
+              <a:rPr lang="en-US" sz="1600" dirty="0"/>
+              <a:t>0:</a:t>
+            </a:r>
+            <a:r>
+              <a:rPr lang="en-US" sz="1400" dirty="0"/>
+              <a:t> Dissimilar</a:t>
+            </a:r>
+            <a:endParaRPr lang="en-US" sz="1600" dirty="0"/>
+          </a:p>
+          <a:p>
+            <a:endParaRPr lang="en-US" sz="1600" dirty="0"/>
+          </a:p>
+          <a:p>
+            <a:r>
+              <a:rPr lang="en-US" sz="1600" dirty="0"/>
+              <a:t>1: </a:t>
+            </a:r>
+            <a:r>
+              <a:rPr lang="en-US" sz="1400" dirty="0"/>
+              <a:t>Similar</a:t>
+            </a:r>
+            <a:endParaRPr lang="en-US" sz="1600" dirty="0"/>
+          </a:p>
+        </p:txBody>
+      </p:sp>
+      <p:sp>
+        <p:nvSpPr>
+          <p:cNvPr id="57" name="ZoneTexte 56">
+            <a:extLst>
+              <a:ext uri="{FF2B5EF4-FFF2-40B4-BE49-F238E27FC236}">
+                <a16:creationId xmlns:a16="http://schemas.microsoft.com/office/drawing/2014/main" id="{D3DBC41E-63B7-4CAF-B733-7DCC4736EFE0}"/>
+              </a:ext>
+            </a:extLst>
+          </p:cNvPr>
+          <p:cNvSpPr txBox="1"/>
+          <p:nvPr/>
+        </p:nvSpPr>
+        <p:spPr>
+          <a:xfrm>
+            <a:off x="10489107" y="2129221"/>
+            <a:ext cx="946093" cy="369332"/>
+          </a:xfrm>
+          <a:prstGeom prst="rect">
+            <a:avLst/>
+          </a:prstGeom>
+          <a:noFill/>
+        </p:spPr>
+        <p:txBody>
+          <a:bodyPr wrap="none" rtlCol="0">
+            <a:spAutoFit/>
+          </a:bodyPr>
+          <a:lstStyle/>
+          <a:p>
+            <a:r>
+              <a:rPr lang="en-US" i="1" dirty="0"/>
+              <a:t>Outputs</a:t>
+            </a:r>
+          </a:p>
+        </p:txBody>
+      </p:sp>
+      <p:sp>
+        <p:nvSpPr>
+          <p:cNvPr id="4" name="ZoneTexte 3">
+            <a:extLst>
+              <a:ext uri="{FF2B5EF4-FFF2-40B4-BE49-F238E27FC236}">
+                <a16:creationId xmlns:a16="http://schemas.microsoft.com/office/drawing/2014/main" id="{F56FF441-55DF-40F2-9530-DAEB9278E8EA}"/>
+              </a:ext>
+            </a:extLst>
+          </p:cNvPr>
+          <p:cNvSpPr txBox="1"/>
+          <p:nvPr/>
+        </p:nvSpPr>
+        <p:spPr>
+          <a:xfrm>
+            <a:off x="1626079" y="1311567"/>
+            <a:ext cx="913648" cy="338554"/>
+          </a:xfrm>
+          <a:prstGeom prst="rect">
+            <a:avLst/>
+          </a:prstGeom>
+          <a:noFill/>
+        </p:spPr>
+        <p:txBody>
+          <a:bodyPr wrap="none" rtlCol="0">
+            <a:spAutoFit/>
+          </a:bodyPr>
+          <a:lstStyle/>
+          <a:p>
+            <a:pPr algn="ctr"/>
+            <a:r>
+              <a:rPr lang="en-US" sz="1600" b="1" dirty="0">
+                <a:solidFill>
+                  <a:schemeClr val="accent2">
+                    <a:lumMod val="50000"/>
+                  </a:schemeClr>
+                </a:solidFill>
+              </a:rPr>
+              <a:t>BLSTM 1</a:t>
+            </a:r>
+          </a:p>
+        </p:txBody>
+      </p:sp>
+      <mc:AlternateContent xmlns:mc="http://schemas.openxmlformats.org/markup-compatibility/2006">
+        <mc:Choice xmlns:a14="http://schemas.microsoft.com/office/drawing/2010/main" Requires="a14">
+          <p:sp>
+            <p:nvSpPr>
+              <p:cNvPr id="36" name="Rectangle : coins arrondis 35">
+                <a:extLst>
+                  <a:ext uri="{FF2B5EF4-FFF2-40B4-BE49-F238E27FC236}">
+                    <a16:creationId xmlns:a16="http://schemas.microsoft.com/office/drawing/2014/main" id="{C529869A-885D-41E3-B5FA-767F7250750F}"/>
+                  </a:ext>
+                </a:extLst>
+              </p:cNvPr>
+              <p:cNvSpPr/>
+              <p:nvPr/>
+            </p:nvSpPr>
+            <p:spPr>
+              <a:xfrm>
+                <a:off x="2963280" y="1351126"/>
+                <a:ext cx="1112813" cy="1112813"/>
+              </a:xfrm>
+              <a:prstGeom prst="roundRect">
+                <a:avLst/>
+              </a:prstGeom>
+              <a:ln w="19050">
+                <a:solidFill>
+                  <a:schemeClr val="accent4">
+                    <a:lumMod val="50000"/>
+                  </a:schemeClr>
+                </a:solidFill>
+              </a:ln>
+            </p:spPr>
+            <p:style>
+              <a:lnRef idx="2">
+                <a:schemeClr val="accent5"/>
+              </a:lnRef>
+              <a:fillRef idx="1">
+                <a:schemeClr val="lt1"/>
+              </a:fillRef>
+              <a:effectRef idx="0">
+                <a:schemeClr val="accent5"/>
+              </a:effectRef>
+              <a:fontRef idx="minor">
+                <a:schemeClr val="dk1"/>
+              </a:fontRef>
+            </p:style>
+            <p:txBody>
+              <a:bodyPr lIns="0" rIns="0" rtlCol="0" anchor="ctr"/>
+              <a:lstStyle/>
+              <a:p>
+                <a:pPr algn="ctr"/>
+                <a14:m>
+                  <m:oMathPara xmlns:m="http://schemas.openxmlformats.org/officeDocument/2006/math">
+                    <m:oMathParaPr>
+                      <m:jc m:val="centerGroup"/>
+                    </m:oMathParaPr>
+                    <m:oMath xmlns:m="http://schemas.openxmlformats.org/officeDocument/2006/math">
+                      <m:sSub>
+                        <m:sSubPr>
+                          <m:ctrlPr>
+                            <a:rPr lang="en-US" sz="1400" i="1" smtClean="0">
+                              <a:solidFill>
+                                <a:schemeClr val="accent2">
+                                  <a:lumMod val="50000"/>
+                                </a:schemeClr>
+                              </a:solidFill>
+                              <a:latin typeface="Cambria Math" panose="02040503050406030204" pitchFamily="18" charset="0"/>
+                            </a:rPr>
+                          </m:ctrlPr>
+                        </m:sSubPr>
+                        <m:e>
+                          <m:r>
+                            <a:rPr lang="en-US" sz="1400" b="0" i="1" smtClean="0">
+                              <a:solidFill>
+                                <a:schemeClr val="accent2">
+                                  <a:lumMod val="50000"/>
+                                </a:schemeClr>
+                              </a:solidFill>
+                              <a:latin typeface="Cambria Math" panose="02040503050406030204" pitchFamily="18" charset="0"/>
+                            </a:rPr>
+                            <m:t>𝐺</m:t>
+                          </m:r>
+                        </m:e>
+                        <m:sub>
+                          <m:sSub>
+                            <m:sSubPr>
+                              <m:ctrlPr>
+                                <a:rPr lang="en-US" sz="1400" i="1" smtClean="0">
+                                  <a:solidFill>
+                                    <a:schemeClr val="accent2">
+                                      <a:lumMod val="50000"/>
+                                    </a:schemeClr>
+                                  </a:solidFill>
+                                  <a:latin typeface="Cambria Math" panose="02040503050406030204" pitchFamily="18" charset="0"/>
+                                </a:rPr>
+                              </m:ctrlPr>
+                            </m:sSubPr>
+                            <m:e>
+                              <m:r>
+                                <a:rPr lang="en-US" sz="1400" b="0" i="1" smtClean="0">
+                                  <a:solidFill>
+                                    <a:schemeClr val="accent2">
+                                      <a:lumMod val="50000"/>
+                                    </a:schemeClr>
+                                  </a:solidFill>
+                                  <a:latin typeface="Cambria Math" panose="02040503050406030204" pitchFamily="18" charset="0"/>
+                                </a:rPr>
+                                <m:t>𝑤</m:t>
+                              </m:r>
+                            </m:e>
+                            <m:sub>
+                              <m:r>
+                                <a:rPr lang="en-US" sz="1400" b="0" i="1" smtClean="0">
+                                  <a:solidFill>
+                                    <a:schemeClr val="accent2">
+                                      <a:lumMod val="50000"/>
+                                    </a:schemeClr>
+                                  </a:solidFill>
+                                  <a:latin typeface="Cambria Math" panose="02040503050406030204" pitchFamily="18" charset="0"/>
+                                </a:rPr>
+                                <m:t>2</m:t>
+                              </m:r>
+                            </m:sub>
+                          </m:sSub>
+                        </m:sub>
+                      </m:sSub>
+                      <m:r>
+                        <a:rPr lang="en-US" sz="1400" b="0" i="1" smtClean="0">
+                          <a:solidFill>
+                            <a:schemeClr val="accent2">
+                              <a:lumMod val="50000"/>
+                            </a:schemeClr>
+                          </a:solidFill>
+                          <a:latin typeface="Cambria Math" panose="02040503050406030204" pitchFamily="18" charset="0"/>
+                        </a:rPr>
+                        <m:t>(</m:t>
+                      </m:r>
+                      <m:sSub>
+                        <m:sSubPr>
+                          <m:ctrlPr>
+                            <a:rPr lang="en-US" sz="1400" i="1" smtClean="0">
+                              <a:solidFill>
+                                <a:schemeClr val="accent2">
+                                  <a:lumMod val="50000"/>
+                                </a:schemeClr>
+                              </a:solidFill>
+                              <a:latin typeface="Cambria Math" panose="02040503050406030204" pitchFamily="18" charset="0"/>
+                              <a:ea typeface="Cambria Math" panose="02040503050406030204" pitchFamily="18" charset="0"/>
+                            </a:rPr>
+                          </m:ctrlPr>
+                        </m:sSubPr>
+                        <m:e>
+                          <m:r>
+                            <a:rPr lang="en-US" sz="1400" b="0" i="1" smtClean="0">
+                              <a:solidFill>
+                                <a:schemeClr val="accent2">
+                                  <a:lumMod val="50000"/>
+                                </a:schemeClr>
+                              </a:solidFill>
+                              <a:latin typeface="Cambria Math" panose="02040503050406030204" pitchFamily="18" charset="0"/>
+                              <a:ea typeface="Cambria Math" panose="02040503050406030204" pitchFamily="18" charset="0"/>
+                            </a:rPr>
+                            <m:t>𝐺</m:t>
+                          </m:r>
+                        </m:e>
+                        <m:sub>
+                          <m:sSub>
+                            <m:sSubPr>
+                              <m:ctrlPr>
+                                <a:rPr lang="en-US" sz="1400" i="1" smtClean="0">
+                                  <a:solidFill>
+                                    <a:schemeClr val="accent2">
+                                      <a:lumMod val="50000"/>
+                                    </a:schemeClr>
+                                  </a:solidFill>
+                                  <a:latin typeface="Cambria Math" panose="02040503050406030204" pitchFamily="18" charset="0"/>
+                                  <a:ea typeface="Cambria Math" panose="02040503050406030204" pitchFamily="18" charset="0"/>
+                                </a:rPr>
+                              </m:ctrlPr>
+                            </m:sSubPr>
+                            <m:e>
+                              <m:r>
+                                <a:rPr lang="en-US" sz="1400" b="0" i="1" smtClean="0">
+                                  <a:solidFill>
+                                    <a:schemeClr val="accent2">
+                                      <a:lumMod val="50000"/>
+                                    </a:schemeClr>
+                                  </a:solidFill>
+                                  <a:latin typeface="Cambria Math" panose="02040503050406030204" pitchFamily="18" charset="0"/>
+                                  <a:ea typeface="Cambria Math" panose="02040503050406030204" pitchFamily="18" charset="0"/>
+                                </a:rPr>
+                                <m:t>𝑤</m:t>
+                              </m:r>
+                            </m:e>
+                            <m:sub>
+                              <m:r>
+                                <a:rPr lang="en-US" sz="1400" b="0" i="1" smtClean="0">
+                                  <a:solidFill>
+                                    <a:schemeClr val="accent2">
+                                      <a:lumMod val="50000"/>
+                                    </a:schemeClr>
+                                  </a:solidFill>
+                                  <a:latin typeface="Cambria Math" panose="02040503050406030204" pitchFamily="18" charset="0"/>
+                                  <a:ea typeface="Cambria Math" panose="02040503050406030204" pitchFamily="18" charset="0"/>
+                                </a:rPr>
+                                <m:t>1</m:t>
+                              </m:r>
+                            </m:sub>
+                          </m:sSub>
+                        </m:sub>
+                      </m:sSub>
+                      <m:r>
+                        <a:rPr lang="en-US" sz="1400" b="0" i="1" smtClean="0">
+                          <a:solidFill>
+                            <a:schemeClr val="accent2">
+                              <a:lumMod val="50000"/>
+                            </a:schemeClr>
+                          </a:solidFill>
+                          <a:latin typeface="Cambria Math" panose="02040503050406030204" pitchFamily="18" charset="0"/>
+                          <a:ea typeface="Cambria Math" panose="02040503050406030204" pitchFamily="18" charset="0"/>
+                        </a:rPr>
+                        <m:t>(⋯)</m:t>
+                      </m:r>
+                      <m:r>
+                        <a:rPr lang="en-US" sz="1400" b="0" i="1" smtClean="0">
+                          <a:solidFill>
+                            <a:schemeClr val="accent2">
+                              <a:lumMod val="50000"/>
+                            </a:schemeClr>
+                          </a:solidFill>
+                          <a:latin typeface="Cambria Math" panose="02040503050406030204" pitchFamily="18" charset="0"/>
+                          <a:ea typeface="Cambria Math" panose="02040503050406030204" pitchFamily="18" charset="0"/>
+                        </a:rPr>
+                        <m:t>)</m:t>
+                      </m:r>
+                    </m:oMath>
+                  </m:oMathPara>
+                </a14:m>
+                <a:endParaRPr lang="en-US" sz="1400" dirty="0">
+                  <a:solidFill>
+                    <a:schemeClr val="accent2">
+                      <a:lumMod val="50000"/>
+                    </a:schemeClr>
+                  </a:solidFill>
+                </a:endParaRPr>
+              </a:p>
+            </p:txBody>
+          </p:sp>
+        </mc:Choice>
+        <mc:Fallback>
+          <p:sp>
+            <p:nvSpPr>
+              <p:cNvPr id="36" name="Rectangle : coins arrondis 35">
+                <a:extLst>
+                  <a:ext uri="{FF2B5EF4-FFF2-40B4-BE49-F238E27FC236}">
+                    <a16:creationId xmlns:a16="http://schemas.microsoft.com/office/drawing/2014/main" id="{C529869A-885D-41E3-B5FA-767F7250750F}"/>
+                  </a:ext>
+                </a:extLst>
+              </p:cNvPr>
+              <p:cNvSpPr>
+                <a:spLocks noRot="1" noChangeAspect="1" noMove="1" noResize="1" noEditPoints="1" noAdjustHandles="1" noChangeArrowheads="1" noChangeShapeType="1" noTextEdit="1"/>
+              </p:cNvSpPr>
+              <p:nvPr/>
+            </p:nvSpPr>
+            <p:spPr>
+              <a:xfrm>
+                <a:off x="2963280" y="1351126"/>
+                <a:ext cx="1112813" cy="1112813"/>
+              </a:xfrm>
+              <a:prstGeom prst="roundRect">
+                <a:avLst/>
+              </a:prstGeom>
+              <a:blipFill>
+                <a:blip r:embed="rId8"/>
+                <a:stretch>
+                  <a:fillRect l="-3226" r="-538"/>
+                </a:stretch>
+              </a:blipFill>
+              <a:ln w="19050">
+                <a:solidFill>
+                  <a:schemeClr val="accent4">
+                    <a:lumMod val="50000"/>
+                  </a:schemeClr>
+                </a:solidFill>
+              </a:ln>
+            </p:spPr>
+            <p:txBody>
+              <a:bodyPr/>
+              <a:lstStyle/>
+              <a:p>
+                <a:r>
+                  <a:rPr lang="en-US">
+                    <a:noFill/>
+                  </a:rPr>
+                  <a:t> </a:t>
+                </a:r>
+              </a:p>
+            </p:txBody>
+          </p:sp>
+        </mc:Fallback>
+      </mc:AlternateContent>
+      <mc:AlternateContent xmlns:mc="http://schemas.openxmlformats.org/markup-compatibility/2006">
+        <mc:Choice xmlns:a14="http://schemas.microsoft.com/office/drawing/2010/main" Requires="a14">
+          <p:sp>
+            <p:nvSpPr>
+              <p:cNvPr id="37" name="Rectangle : coins arrondis 36">
+                <a:extLst>
+                  <a:ext uri="{FF2B5EF4-FFF2-40B4-BE49-F238E27FC236}">
+                    <a16:creationId xmlns:a16="http://schemas.microsoft.com/office/drawing/2014/main" id="{39BC07D1-2C93-4CE2-A2F7-51B67864D70B}"/>
+                  </a:ext>
+                </a:extLst>
+              </p:cNvPr>
+              <p:cNvSpPr/>
+              <p:nvPr/>
+            </p:nvSpPr>
+            <p:spPr>
+              <a:xfrm>
+                <a:off x="1505446" y="3963966"/>
+                <a:ext cx="1112813" cy="1112813"/>
+              </a:xfrm>
+              <a:prstGeom prst="roundRect">
+                <a:avLst/>
+              </a:prstGeom>
+              <a:ln w="19050"/>
+            </p:spPr>
+            <p:style>
+              <a:lnRef idx="2">
+                <a:schemeClr val="accent2"/>
+              </a:lnRef>
+              <a:fillRef idx="1">
+                <a:schemeClr val="lt1"/>
+              </a:fillRef>
+              <a:effectRef idx="0">
+                <a:schemeClr val="accent2"/>
+              </a:effectRef>
+              <a:fontRef idx="minor">
+                <a:schemeClr val="dk1"/>
+              </a:fontRef>
+            </p:style>
+            <p:txBody>
+              <a:bodyPr rtlCol="0" anchor="ctr"/>
+              <a:lstStyle/>
+              <a:p>
+                <a:pPr algn="ctr"/>
+                <a14:m>
+                  <m:oMathPara xmlns:m="http://schemas.openxmlformats.org/officeDocument/2006/math">
+                    <m:oMathParaPr>
+                      <m:jc m:val="centerGroup"/>
+                    </m:oMathParaPr>
+                    <m:oMath xmlns:m="http://schemas.openxmlformats.org/officeDocument/2006/math">
+                      <m:sSub>
+                        <m:sSubPr>
+                          <m:ctrlPr>
+                            <a:rPr lang="en-US" i="1" smtClean="0">
+                              <a:solidFill>
+                                <a:schemeClr val="accent2">
+                                  <a:lumMod val="75000"/>
+                                </a:schemeClr>
+                              </a:solidFill>
+                              <a:latin typeface="Cambria Math" panose="02040503050406030204" pitchFamily="18" charset="0"/>
+                            </a:rPr>
+                          </m:ctrlPr>
+                        </m:sSubPr>
+                        <m:e>
+                          <m:r>
+                            <a:rPr lang="en-US" b="0" i="1" smtClean="0">
+                              <a:solidFill>
+                                <a:schemeClr val="accent2">
+                                  <a:lumMod val="75000"/>
+                                </a:schemeClr>
+                              </a:solidFill>
+                              <a:latin typeface="Cambria Math" panose="02040503050406030204" pitchFamily="18" charset="0"/>
+                            </a:rPr>
+                            <m:t>𝐺</m:t>
+                          </m:r>
+                        </m:e>
+                        <m:sub>
+                          <m:sSub>
+                            <m:sSubPr>
+                              <m:ctrlPr>
+                                <a:rPr lang="en-US" i="1" smtClean="0">
+                                  <a:solidFill>
+                                    <a:schemeClr val="accent2">
+                                      <a:lumMod val="75000"/>
+                                    </a:schemeClr>
+                                  </a:solidFill>
+                                  <a:latin typeface="Cambria Math" panose="02040503050406030204" pitchFamily="18" charset="0"/>
+                                </a:rPr>
+                              </m:ctrlPr>
+                            </m:sSubPr>
+                            <m:e>
+                              <m:r>
+                                <a:rPr lang="en-US" b="0" i="1" smtClean="0">
+                                  <a:solidFill>
+                                    <a:schemeClr val="accent2">
+                                      <a:lumMod val="75000"/>
+                                    </a:schemeClr>
+                                  </a:solidFill>
+                                  <a:latin typeface="Cambria Math" panose="02040503050406030204" pitchFamily="18" charset="0"/>
+                                </a:rPr>
+                                <m:t>𝑤</m:t>
+                              </m:r>
+                            </m:e>
+                            <m:sub>
+                              <m:r>
+                                <a:rPr lang="en-US" b="0" i="1" smtClean="0">
+                                  <a:solidFill>
+                                    <a:schemeClr val="accent2">
+                                      <a:lumMod val="75000"/>
+                                    </a:schemeClr>
+                                  </a:solidFill>
+                                  <a:latin typeface="Cambria Math" panose="02040503050406030204" pitchFamily="18" charset="0"/>
+                                </a:rPr>
+                                <m:t>1</m:t>
+                              </m:r>
+                            </m:sub>
+                          </m:sSub>
+                        </m:sub>
+                      </m:sSub>
+                      <m:r>
+                        <a:rPr lang="en-US" b="0" i="1" smtClean="0">
+                          <a:solidFill>
+                            <a:schemeClr val="accent2">
+                              <a:lumMod val="75000"/>
+                            </a:schemeClr>
+                          </a:solidFill>
+                          <a:latin typeface="Cambria Math" panose="02040503050406030204" pitchFamily="18" charset="0"/>
+                        </a:rPr>
+                        <m:t>(</m:t>
+                      </m:r>
+                      <m:sSup>
+                        <m:sSupPr>
+                          <m:ctrlPr>
+                            <a:rPr lang="en-US" b="0" i="1" smtClean="0">
+                              <a:solidFill>
+                                <a:schemeClr val="accent2">
+                                  <a:lumMod val="75000"/>
+                                </a:schemeClr>
+                              </a:solidFill>
+                              <a:latin typeface="Cambria Math" panose="02040503050406030204" pitchFamily="18" charset="0"/>
+                            </a:rPr>
+                          </m:ctrlPr>
+                        </m:sSupPr>
+                        <m:e>
+                          <m:r>
+                            <a:rPr lang="en-US" b="0" i="1" smtClean="0">
+                              <a:solidFill>
+                                <a:schemeClr val="accent2">
+                                  <a:lumMod val="75000"/>
+                                </a:schemeClr>
+                              </a:solidFill>
+                              <a:latin typeface="Cambria Math" panose="02040503050406030204" pitchFamily="18" charset="0"/>
+                            </a:rPr>
+                            <m:t>𝑥</m:t>
+                          </m:r>
+                        </m:e>
+                        <m:sup>
+                          <m:r>
+                            <a:rPr lang="en-US" b="0" i="1" smtClean="0">
+                              <a:solidFill>
+                                <a:schemeClr val="accent2">
+                                  <a:lumMod val="75000"/>
+                                </a:schemeClr>
+                              </a:solidFill>
+                              <a:latin typeface="Cambria Math" panose="02040503050406030204" pitchFamily="18" charset="0"/>
+                            </a:rPr>
+                            <m:t>(2)</m:t>
+                          </m:r>
+                        </m:sup>
+                      </m:sSup>
+                      <m:r>
+                        <a:rPr lang="en-US" b="0" i="1" smtClean="0">
+                          <a:solidFill>
+                            <a:schemeClr val="accent2">
+                              <a:lumMod val="75000"/>
+                            </a:schemeClr>
+                          </a:solidFill>
+                          <a:latin typeface="Cambria Math" panose="02040503050406030204" pitchFamily="18" charset="0"/>
+                        </a:rPr>
+                        <m:t>)</m:t>
+                      </m:r>
+                    </m:oMath>
+                  </m:oMathPara>
+                </a14:m>
+                <a:endParaRPr lang="en-US" dirty="0">
+                  <a:solidFill>
+                    <a:schemeClr val="accent2">
+                      <a:lumMod val="75000"/>
+                    </a:schemeClr>
+                  </a:solidFill>
+                </a:endParaRPr>
+              </a:p>
+            </p:txBody>
+          </p:sp>
+        </mc:Choice>
+        <mc:Fallback>
+          <p:sp>
+            <p:nvSpPr>
+              <p:cNvPr id="37" name="Rectangle : coins arrondis 36">
+                <a:extLst>
+                  <a:ext uri="{FF2B5EF4-FFF2-40B4-BE49-F238E27FC236}">
+                    <a16:creationId xmlns:a16="http://schemas.microsoft.com/office/drawing/2014/main" id="{39BC07D1-2C93-4CE2-A2F7-51B67864D70B}"/>
+                  </a:ext>
+                </a:extLst>
+              </p:cNvPr>
+              <p:cNvSpPr>
+                <a:spLocks noRot="1" noChangeAspect="1" noMove="1" noResize="1" noEditPoints="1" noAdjustHandles="1" noChangeArrowheads="1" noChangeShapeType="1" noTextEdit="1"/>
+              </p:cNvSpPr>
+              <p:nvPr/>
+            </p:nvSpPr>
+            <p:spPr>
+              <a:xfrm>
+                <a:off x="1505446" y="3963966"/>
+                <a:ext cx="1112813" cy="1112813"/>
+              </a:xfrm>
+              <a:prstGeom prst="roundRect">
+                <a:avLst/>
+              </a:prstGeom>
+              <a:blipFill>
+                <a:blip r:embed="rId9"/>
+                <a:stretch>
+                  <a:fillRect l="-1075"/>
+                </a:stretch>
+              </a:blipFill>
+              <a:ln w="19050"/>
+            </p:spPr>
+            <p:txBody>
+              <a:bodyPr/>
+              <a:lstStyle/>
+              <a:p>
+                <a:r>
+                  <a:rPr lang="en-US">
+                    <a:noFill/>
+                  </a:rPr>
+                  <a:t> </a:t>
+                </a:r>
+              </a:p>
+            </p:txBody>
+          </p:sp>
+        </mc:Fallback>
+      </mc:AlternateContent>
+      <mc:AlternateContent xmlns:mc="http://schemas.openxmlformats.org/markup-compatibility/2006">
+        <mc:Choice xmlns:a14="http://schemas.microsoft.com/office/drawing/2010/main" Requires="a14">
+          <p:sp>
+            <p:nvSpPr>
+              <p:cNvPr id="38" name="Rectangle : coins arrondis 37">
+                <a:extLst>
+                  <a:ext uri="{FF2B5EF4-FFF2-40B4-BE49-F238E27FC236}">
+                    <a16:creationId xmlns:a16="http://schemas.microsoft.com/office/drawing/2014/main" id="{C9065A94-57CD-401A-8523-AB1A2F86AD21}"/>
+                  </a:ext>
+                </a:extLst>
+              </p:cNvPr>
+              <p:cNvSpPr/>
+              <p:nvPr/>
+            </p:nvSpPr>
+            <p:spPr>
+              <a:xfrm>
+                <a:off x="4417899" y="3963966"/>
+                <a:ext cx="1112813" cy="1112813"/>
+              </a:xfrm>
+              <a:prstGeom prst="roundRect">
+                <a:avLst/>
+              </a:prstGeom>
+              <a:ln w="19050"/>
+            </p:spPr>
+            <p:style>
+              <a:lnRef idx="2">
+                <a:schemeClr val="accent5"/>
+              </a:lnRef>
+              <a:fillRef idx="1">
+                <a:schemeClr val="lt1"/>
+              </a:fillRef>
+              <a:effectRef idx="0">
+                <a:schemeClr val="accent5"/>
+              </a:effectRef>
+              <a:fontRef idx="minor">
+                <a:schemeClr val="dk1"/>
+              </a:fontRef>
+            </p:style>
+            <p:txBody>
+              <a:bodyPr lIns="0" rIns="0" rtlCol="0" anchor="ctr"/>
+              <a:lstStyle/>
+              <a:p>
+                <a:pPr algn="ctr"/>
+                <a14:m>
+                  <m:oMathPara xmlns:m="http://schemas.openxmlformats.org/officeDocument/2006/math">
+                    <m:oMathParaPr>
+                      <m:jc m:val="centerGroup"/>
+                    </m:oMathParaPr>
+                    <m:oMath xmlns:m="http://schemas.openxmlformats.org/officeDocument/2006/math">
+                      <m:sSub>
+                        <m:sSubPr>
+                          <m:ctrlPr>
+                            <a:rPr lang="en-US" sz="1400" i="1" smtClean="0">
+                              <a:latin typeface="Cambria Math" panose="02040503050406030204" pitchFamily="18" charset="0"/>
+                            </a:rPr>
+                          </m:ctrlPr>
+                        </m:sSubPr>
+                        <m:e>
+                          <m:r>
+                            <a:rPr lang="en-US" sz="1400" b="0" i="1" smtClean="0">
+                              <a:latin typeface="Cambria Math" panose="02040503050406030204" pitchFamily="18" charset="0"/>
+                            </a:rPr>
+                            <m:t>𝐺</m:t>
+                          </m:r>
+                        </m:e>
+                        <m:sub>
+                          <m:sSub>
+                            <m:sSubPr>
+                              <m:ctrlPr>
+                                <a:rPr lang="en-US" sz="1400" b="0" i="1" smtClean="0">
+                                  <a:latin typeface="Cambria Math" panose="02040503050406030204" pitchFamily="18" charset="0"/>
+                                </a:rPr>
+                              </m:ctrlPr>
+                            </m:sSubPr>
+                            <m:e>
+                              <m:r>
+                                <a:rPr lang="en-US" sz="1400" b="0" i="1" smtClean="0">
+                                  <a:latin typeface="Cambria Math" panose="02040503050406030204" pitchFamily="18" charset="0"/>
+                                </a:rPr>
+                                <m:t>𝑤</m:t>
+                              </m:r>
+                            </m:e>
+                            <m:sub>
+                              <m:r>
+                                <a:rPr lang="en-US" sz="1400" b="0" i="1" smtClean="0">
+                                  <a:latin typeface="Cambria Math" panose="02040503050406030204" pitchFamily="18" charset="0"/>
+                                </a:rPr>
+                                <m:t>3</m:t>
+                              </m:r>
+                            </m:sub>
+                          </m:sSub>
+                        </m:sub>
+                      </m:sSub>
+                      <m:r>
+                        <a:rPr lang="en-US" sz="1400" b="0" i="1" smtClean="0">
+                          <a:latin typeface="Cambria Math" panose="02040503050406030204" pitchFamily="18" charset="0"/>
+                        </a:rPr>
+                        <m:t>(</m:t>
+                      </m:r>
+                      <m:sSub>
+                        <m:sSubPr>
+                          <m:ctrlPr>
+                            <a:rPr lang="en-US" sz="1400" i="1" smtClean="0">
+                              <a:latin typeface="Cambria Math" panose="02040503050406030204" pitchFamily="18" charset="0"/>
+                              <a:ea typeface="Cambria Math" panose="02040503050406030204" pitchFamily="18" charset="0"/>
+                            </a:rPr>
+                          </m:ctrlPr>
+                        </m:sSubPr>
+                        <m:e>
+                          <m:r>
+                            <a:rPr lang="en-US" sz="1400" b="0" i="1" smtClean="0">
+                              <a:latin typeface="Cambria Math" panose="02040503050406030204" pitchFamily="18" charset="0"/>
+                              <a:ea typeface="Cambria Math" panose="02040503050406030204" pitchFamily="18" charset="0"/>
+                            </a:rPr>
+                            <m:t>𝐺</m:t>
+                          </m:r>
+                        </m:e>
+                        <m:sub>
+                          <m:sSub>
+                            <m:sSubPr>
+                              <m:ctrlPr>
+                                <a:rPr lang="en-US" sz="1400" i="1" smtClean="0">
+                                  <a:latin typeface="Cambria Math" panose="02040503050406030204" pitchFamily="18" charset="0"/>
+                                  <a:ea typeface="Cambria Math" panose="02040503050406030204" pitchFamily="18" charset="0"/>
+                                </a:rPr>
+                              </m:ctrlPr>
+                            </m:sSubPr>
+                            <m:e>
+                              <m:r>
+                                <a:rPr lang="en-US" sz="1400" b="0" i="1" smtClean="0">
+                                  <a:latin typeface="Cambria Math" panose="02040503050406030204" pitchFamily="18" charset="0"/>
+                                  <a:ea typeface="Cambria Math" panose="02040503050406030204" pitchFamily="18" charset="0"/>
+                                </a:rPr>
+                                <m:t>𝑤</m:t>
+                              </m:r>
+                            </m:e>
+                            <m:sub>
+                              <m:r>
+                                <a:rPr lang="en-US" sz="1400" b="0" i="1" smtClean="0">
+                                  <a:latin typeface="Cambria Math" panose="02040503050406030204" pitchFamily="18" charset="0"/>
+                                  <a:ea typeface="Cambria Math" panose="02040503050406030204" pitchFamily="18" charset="0"/>
+                                </a:rPr>
+                                <m:t>2</m:t>
+                              </m:r>
+                            </m:sub>
+                          </m:sSub>
+                        </m:sub>
+                      </m:sSub>
+                      <m:d>
+                        <m:dPr>
+                          <m:ctrlPr>
+                            <a:rPr lang="en-US" sz="1400" b="0" i="1" smtClean="0">
+                              <a:latin typeface="Cambria Math" panose="02040503050406030204" pitchFamily="18" charset="0"/>
+                              <a:ea typeface="Cambria Math" panose="02040503050406030204" pitchFamily="18" charset="0"/>
+                            </a:rPr>
+                          </m:ctrlPr>
+                        </m:dPr>
+                        <m:e>
+                          <m:r>
+                            <a:rPr lang="en-US" sz="1400" b="0" i="1" smtClean="0">
+                              <a:latin typeface="Cambria Math" panose="02040503050406030204" pitchFamily="18" charset="0"/>
+                              <a:ea typeface="Cambria Math" panose="02040503050406030204" pitchFamily="18" charset="0"/>
+                            </a:rPr>
+                            <m:t>⋯</m:t>
+                          </m:r>
+                        </m:e>
+                      </m:d>
+                      <m:r>
+                        <a:rPr lang="en-US" sz="1400" b="0" i="1" smtClean="0">
+                          <a:latin typeface="Cambria Math" panose="02040503050406030204" pitchFamily="18" charset="0"/>
+                          <a:ea typeface="Cambria Math" panose="02040503050406030204" pitchFamily="18" charset="0"/>
+                        </a:rPr>
+                        <m:t>)</m:t>
+                      </m:r>
+                    </m:oMath>
+                  </m:oMathPara>
+                </a14:m>
+                <a:endParaRPr lang="en-US" sz="1400" dirty="0"/>
+              </a:p>
+            </p:txBody>
+          </p:sp>
+        </mc:Choice>
+        <mc:Fallback>
+          <p:sp>
+            <p:nvSpPr>
+              <p:cNvPr id="38" name="Rectangle : coins arrondis 37">
+                <a:extLst>
+                  <a:ext uri="{FF2B5EF4-FFF2-40B4-BE49-F238E27FC236}">
+                    <a16:creationId xmlns:a16="http://schemas.microsoft.com/office/drawing/2014/main" id="{C9065A94-57CD-401A-8523-AB1A2F86AD21}"/>
+                  </a:ext>
+                </a:extLst>
+              </p:cNvPr>
+              <p:cNvSpPr>
+                <a:spLocks noRot="1" noChangeAspect="1" noMove="1" noResize="1" noEditPoints="1" noAdjustHandles="1" noChangeArrowheads="1" noChangeShapeType="1" noTextEdit="1"/>
+              </p:cNvSpPr>
+              <p:nvPr/>
+            </p:nvSpPr>
+            <p:spPr>
+              <a:xfrm>
+                <a:off x="4417899" y="3963966"/>
+                <a:ext cx="1112813" cy="1112813"/>
+              </a:xfrm>
+              <a:prstGeom prst="roundRect">
+                <a:avLst/>
+              </a:prstGeom>
+              <a:blipFill>
+                <a:blip r:embed="rId10"/>
+                <a:stretch>
+                  <a:fillRect l="-3784" r="-1622"/>
+                </a:stretch>
+              </a:blipFill>
+              <a:ln w="19050"/>
+            </p:spPr>
+            <p:txBody>
+              <a:bodyPr/>
+              <a:lstStyle/>
+              <a:p>
+                <a:r>
+                  <a:rPr lang="en-US">
+                    <a:noFill/>
+                  </a:rPr>
+                  <a:t> </a:t>
+                </a:r>
+              </a:p>
+            </p:txBody>
+          </p:sp>
+        </mc:Fallback>
+      </mc:AlternateContent>
+      <mc:AlternateContent xmlns:mc="http://schemas.openxmlformats.org/markup-compatibility/2006">
+        <mc:Choice xmlns:a14="http://schemas.microsoft.com/office/drawing/2010/main" Requires="a14">
+          <p:sp>
+            <p:nvSpPr>
+              <p:cNvPr id="44" name="Rectangle : coins arrondis 43">
+                <a:extLst>
+                  <a:ext uri="{FF2B5EF4-FFF2-40B4-BE49-F238E27FC236}">
+                    <a16:creationId xmlns:a16="http://schemas.microsoft.com/office/drawing/2014/main" id="{62600FDC-611D-4E26-89E1-3256F54BD5DC}"/>
+                  </a:ext>
+                </a:extLst>
+              </p:cNvPr>
+              <p:cNvSpPr/>
+              <p:nvPr/>
+            </p:nvSpPr>
+            <p:spPr>
+              <a:xfrm>
+                <a:off x="2963280" y="3964865"/>
+                <a:ext cx="1112813" cy="1112813"/>
+              </a:xfrm>
+              <a:prstGeom prst="roundRect">
+                <a:avLst/>
+              </a:prstGeom>
+              <a:ln w="19050">
+                <a:solidFill>
+                  <a:schemeClr val="accent4">
+                    <a:lumMod val="50000"/>
+                  </a:schemeClr>
+                </a:solidFill>
+              </a:ln>
+            </p:spPr>
+            <p:style>
+              <a:lnRef idx="2">
+                <a:schemeClr val="accent5"/>
+              </a:lnRef>
+              <a:fillRef idx="1">
+                <a:schemeClr val="lt1"/>
+              </a:fillRef>
+              <a:effectRef idx="0">
+                <a:schemeClr val="accent5"/>
+              </a:effectRef>
+              <a:fontRef idx="minor">
+                <a:schemeClr val="dk1"/>
+              </a:fontRef>
+            </p:style>
+            <p:txBody>
+              <a:bodyPr lIns="0" rIns="0" rtlCol="0" anchor="ctr"/>
+              <a:lstStyle/>
+              <a:p>
+                <a:pPr algn="ctr"/>
+                <a14:m>
+                  <m:oMathPara xmlns:m="http://schemas.openxmlformats.org/officeDocument/2006/math">
+                    <m:oMathParaPr>
+                      <m:jc m:val="centerGroup"/>
+                    </m:oMathParaPr>
+                    <m:oMath xmlns:m="http://schemas.openxmlformats.org/officeDocument/2006/math">
+                      <m:sSub>
+                        <m:sSubPr>
+                          <m:ctrlPr>
+                            <a:rPr lang="en-US" sz="1400" i="1" smtClean="0">
+                              <a:solidFill>
+                                <a:schemeClr val="accent2">
+                                  <a:lumMod val="50000"/>
+                                </a:schemeClr>
+                              </a:solidFill>
+                              <a:latin typeface="Cambria Math" panose="02040503050406030204" pitchFamily="18" charset="0"/>
+                            </a:rPr>
+                          </m:ctrlPr>
+                        </m:sSubPr>
+                        <m:e>
+                          <m:r>
+                            <a:rPr lang="en-US" sz="1400" b="0" i="1" smtClean="0">
+                              <a:solidFill>
+                                <a:schemeClr val="accent2">
+                                  <a:lumMod val="50000"/>
+                                </a:schemeClr>
+                              </a:solidFill>
+                              <a:latin typeface="Cambria Math" panose="02040503050406030204" pitchFamily="18" charset="0"/>
+                            </a:rPr>
+                            <m:t>𝐺</m:t>
+                          </m:r>
+                        </m:e>
+                        <m:sub>
+                          <m:sSub>
+                            <m:sSubPr>
+                              <m:ctrlPr>
+                                <a:rPr lang="en-US" sz="1400" i="1" smtClean="0">
+                                  <a:solidFill>
+                                    <a:schemeClr val="accent2">
+                                      <a:lumMod val="50000"/>
+                                    </a:schemeClr>
+                                  </a:solidFill>
+                                  <a:latin typeface="Cambria Math" panose="02040503050406030204" pitchFamily="18" charset="0"/>
+                                </a:rPr>
+                              </m:ctrlPr>
+                            </m:sSubPr>
+                            <m:e>
+                              <m:r>
+                                <a:rPr lang="en-US" sz="1400" b="0" i="1" smtClean="0">
+                                  <a:solidFill>
+                                    <a:schemeClr val="accent2">
+                                      <a:lumMod val="50000"/>
+                                    </a:schemeClr>
+                                  </a:solidFill>
+                                  <a:latin typeface="Cambria Math" panose="02040503050406030204" pitchFamily="18" charset="0"/>
+                                </a:rPr>
+                                <m:t>𝑤</m:t>
+                              </m:r>
+                            </m:e>
+                            <m:sub>
+                              <m:r>
+                                <a:rPr lang="en-US" sz="1400" b="0" i="1" smtClean="0">
+                                  <a:solidFill>
+                                    <a:schemeClr val="accent2">
+                                      <a:lumMod val="50000"/>
+                                    </a:schemeClr>
+                                  </a:solidFill>
+                                  <a:latin typeface="Cambria Math" panose="02040503050406030204" pitchFamily="18" charset="0"/>
+                                </a:rPr>
+                                <m:t>2</m:t>
+                              </m:r>
+                            </m:sub>
+                          </m:sSub>
+                        </m:sub>
+                      </m:sSub>
+                      <m:r>
+                        <a:rPr lang="en-US" sz="1400" b="0" i="1" smtClean="0">
+                          <a:solidFill>
+                            <a:schemeClr val="accent2">
+                              <a:lumMod val="50000"/>
+                            </a:schemeClr>
+                          </a:solidFill>
+                          <a:latin typeface="Cambria Math" panose="02040503050406030204" pitchFamily="18" charset="0"/>
+                        </a:rPr>
+                        <m:t>(</m:t>
+                      </m:r>
+                      <m:sSub>
+                        <m:sSubPr>
+                          <m:ctrlPr>
+                            <a:rPr lang="en-US" sz="1400" i="1" smtClean="0">
+                              <a:solidFill>
+                                <a:schemeClr val="accent2">
+                                  <a:lumMod val="50000"/>
+                                </a:schemeClr>
+                              </a:solidFill>
+                              <a:latin typeface="Cambria Math" panose="02040503050406030204" pitchFamily="18" charset="0"/>
+                              <a:ea typeface="Cambria Math" panose="02040503050406030204" pitchFamily="18" charset="0"/>
+                            </a:rPr>
+                          </m:ctrlPr>
+                        </m:sSubPr>
+                        <m:e>
+                          <m:r>
+                            <a:rPr lang="en-US" sz="1400" b="0" i="1" smtClean="0">
+                              <a:solidFill>
+                                <a:schemeClr val="accent2">
+                                  <a:lumMod val="50000"/>
+                                </a:schemeClr>
+                              </a:solidFill>
+                              <a:latin typeface="Cambria Math" panose="02040503050406030204" pitchFamily="18" charset="0"/>
+                              <a:ea typeface="Cambria Math" panose="02040503050406030204" pitchFamily="18" charset="0"/>
+                            </a:rPr>
+                            <m:t>𝐺</m:t>
+                          </m:r>
+                        </m:e>
+                        <m:sub>
+                          <m:sSub>
+                            <m:sSubPr>
+                              <m:ctrlPr>
+                                <a:rPr lang="en-US" sz="1400" i="1" smtClean="0">
+                                  <a:solidFill>
+                                    <a:schemeClr val="accent2">
+                                      <a:lumMod val="50000"/>
+                                    </a:schemeClr>
+                                  </a:solidFill>
+                                  <a:latin typeface="Cambria Math" panose="02040503050406030204" pitchFamily="18" charset="0"/>
+                                  <a:ea typeface="Cambria Math" panose="02040503050406030204" pitchFamily="18" charset="0"/>
+                                </a:rPr>
+                              </m:ctrlPr>
+                            </m:sSubPr>
+                            <m:e>
+                              <m:r>
+                                <a:rPr lang="en-US" sz="1400" b="0" i="1" smtClean="0">
+                                  <a:solidFill>
+                                    <a:schemeClr val="accent2">
+                                      <a:lumMod val="50000"/>
+                                    </a:schemeClr>
+                                  </a:solidFill>
+                                  <a:latin typeface="Cambria Math" panose="02040503050406030204" pitchFamily="18" charset="0"/>
+                                  <a:ea typeface="Cambria Math" panose="02040503050406030204" pitchFamily="18" charset="0"/>
+                                </a:rPr>
+                                <m:t>𝑤</m:t>
+                              </m:r>
+                            </m:e>
+                            <m:sub>
+                              <m:r>
+                                <a:rPr lang="en-US" sz="1400" b="0" i="1" smtClean="0">
+                                  <a:solidFill>
+                                    <a:schemeClr val="accent2">
+                                      <a:lumMod val="50000"/>
+                                    </a:schemeClr>
+                                  </a:solidFill>
+                                  <a:latin typeface="Cambria Math" panose="02040503050406030204" pitchFamily="18" charset="0"/>
+                                  <a:ea typeface="Cambria Math" panose="02040503050406030204" pitchFamily="18" charset="0"/>
+                                </a:rPr>
+                                <m:t>1</m:t>
+                              </m:r>
+                            </m:sub>
+                          </m:sSub>
+                        </m:sub>
+                      </m:sSub>
+                      <m:d>
+                        <m:dPr>
+                          <m:ctrlPr>
+                            <a:rPr lang="en-US" sz="1400" b="0" i="1" smtClean="0">
+                              <a:solidFill>
+                                <a:schemeClr val="accent2">
+                                  <a:lumMod val="50000"/>
+                                </a:schemeClr>
+                              </a:solidFill>
+                              <a:latin typeface="Cambria Math" panose="02040503050406030204" pitchFamily="18" charset="0"/>
+                              <a:ea typeface="Cambria Math" panose="02040503050406030204" pitchFamily="18" charset="0"/>
+                            </a:rPr>
+                          </m:ctrlPr>
+                        </m:dPr>
+                        <m:e>
+                          <m:r>
+                            <a:rPr lang="en-US" sz="1400" b="0" i="1" smtClean="0">
+                              <a:solidFill>
+                                <a:schemeClr val="accent2">
+                                  <a:lumMod val="50000"/>
+                                </a:schemeClr>
+                              </a:solidFill>
+                              <a:latin typeface="Cambria Math" panose="02040503050406030204" pitchFamily="18" charset="0"/>
+                              <a:ea typeface="Cambria Math" panose="02040503050406030204" pitchFamily="18" charset="0"/>
+                            </a:rPr>
+                            <m:t>⋯</m:t>
+                          </m:r>
+                        </m:e>
+                      </m:d>
+                      <m:r>
+                        <a:rPr lang="en-US" sz="1400" b="0" i="1" smtClean="0">
+                          <a:solidFill>
+                            <a:schemeClr val="accent2">
+                              <a:lumMod val="50000"/>
+                            </a:schemeClr>
+                          </a:solidFill>
+                          <a:latin typeface="Cambria Math" panose="02040503050406030204" pitchFamily="18" charset="0"/>
+                          <a:ea typeface="Cambria Math" panose="02040503050406030204" pitchFamily="18" charset="0"/>
+                        </a:rPr>
+                        <m:t>)</m:t>
+                      </m:r>
+                    </m:oMath>
+                  </m:oMathPara>
+                </a14:m>
+                <a:endParaRPr lang="en-US" sz="1400" dirty="0">
+                  <a:solidFill>
+                    <a:schemeClr val="accent2">
+                      <a:lumMod val="50000"/>
+                    </a:schemeClr>
+                  </a:solidFill>
+                </a:endParaRPr>
+              </a:p>
+            </p:txBody>
+          </p:sp>
+        </mc:Choice>
+        <mc:Fallback>
+          <p:sp>
+            <p:nvSpPr>
+              <p:cNvPr id="44" name="Rectangle : coins arrondis 43">
+                <a:extLst>
+                  <a:ext uri="{FF2B5EF4-FFF2-40B4-BE49-F238E27FC236}">
+                    <a16:creationId xmlns:a16="http://schemas.microsoft.com/office/drawing/2014/main" id="{62600FDC-611D-4E26-89E1-3256F54BD5DC}"/>
+                  </a:ext>
+                </a:extLst>
+              </p:cNvPr>
+              <p:cNvSpPr>
+                <a:spLocks noRot="1" noChangeAspect="1" noMove="1" noResize="1" noEditPoints="1" noAdjustHandles="1" noChangeArrowheads="1" noChangeShapeType="1" noTextEdit="1"/>
+              </p:cNvSpPr>
+              <p:nvPr/>
+            </p:nvSpPr>
+            <p:spPr>
+              <a:xfrm>
+                <a:off x="2963280" y="3964865"/>
+                <a:ext cx="1112813" cy="1112813"/>
+              </a:xfrm>
+              <a:prstGeom prst="roundRect">
+                <a:avLst/>
+              </a:prstGeom>
+              <a:blipFill>
+                <a:blip r:embed="rId11"/>
+                <a:stretch>
+                  <a:fillRect l="-3226" r="-1075"/>
+                </a:stretch>
+              </a:blipFill>
+              <a:ln w="19050">
+                <a:solidFill>
+                  <a:schemeClr val="accent4">
+                    <a:lumMod val="50000"/>
+                  </a:schemeClr>
+                </a:solidFill>
+              </a:ln>
+            </p:spPr>
+            <p:txBody>
+              <a:bodyPr/>
+              <a:lstStyle/>
+              <a:p>
+                <a:r>
+                  <a:rPr lang="en-US">
+                    <a:noFill/>
+                  </a:rPr>
+                  <a:t> </a:t>
+                </a:r>
+              </a:p>
+            </p:txBody>
+          </p:sp>
+        </mc:Fallback>
+      </mc:AlternateContent>
+      <p:sp>
+        <p:nvSpPr>
+          <p:cNvPr id="45" name="ZoneTexte 44">
+            <a:extLst>
+              <a:ext uri="{FF2B5EF4-FFF2-40B4-BE49-F238E27FC236}">
+                <a16:creationId xmlns:a16="http://schemas.microsoft.com/office/drawing/2014/main" id="{FE5D91B6-D709-494A-BF30-6568AD307FF9}"/>
+              </a:ext>
+            </a:extLst>
+          </p:cNvPr>
+          <p:cNvSpPr txBox="1"/>
+          <p:nvPr/>
+        </p:nvSpPr>
+        <p:spPr>
+          <a:xfrm>
+            <a:off x="1602221" y="3960743"/>
+            <a:ext cx="913648" cy="338554"/>
+          </a:xfrm>
+          <a:prstGeom prst="rect">
+            <a:avLst/>
+          </a:prstGeom>
+          <a:noFill/>
+        </p:spPr>
+        <p:txBody>
+          <a:bodyPr wrap="none" rtlCol="0">
+            <a:spAutoFit/>
+          </a:bodyPr>
+          <a:lstStyle/>
+          <a:p>
+            <a:pPr algn="ctr"/>
+            <a:r>
+              <a:rPr lang="en-US" sz="1600" b="1" dirty="0">
+                <a:solidFill>
+                  <a:schemeClr val="accent2">
+                    <a:lumMod val="50000"/>
+                  </a:schemeClr>
+                </a:solidFill>
+              </a:rPr>
+              <a:t>BLSTM 1</a:t>
+            </a:r>
+          </a:p>
+        </p:txBody>
+      </p:sp>
+      <p:sp>
+        <p:nvSpPr>
+          <p:cNvPr id="46" name="ZoneTexte 45">
+            <a:extLst>
+              <a:ext uri="{FF2B5EF4-FFF2-40B4-BE49-F238E27FC236}">
+                <a16:creationId xmlns:a16="http://schemas.microsoft.com/office/drawing/2014/main" id="{CC523B20-7B1D-4D1F-B32A-0B143C9B4BC9}"/>
+              </a:ext>
+            </a:extLst>
+          </p:cNvPr>
+          <p:cNvSpPr txBox="1"/>
+          <p:nvPr/>
+        </p:nvSpPr>
+        <p:spPr>
+          <a:xfrm>
+            <a:off x="3065740" y="1304166"/>
+            <a:ext cx="913648" cy="338554"/>
+          </a:xfrm>
+          <a:prstGeom prst="rect">
+            <a:avLst/>
+          </a:prstGeom>
+          <a:noFill/>
+        </p:spPr>
+        <p:txBody>
+          <a:bodyPr wrap="none" rtlCol="0">
+            <a:spAutoFit/>
+          </a:bodyPr>
+          <a:lstStyle/>
+          <a:p>
+            <a:pPr algn="ctr"/>
+            <a:r>
+              <a:rPr lang="en-US" sz="1600" b="1" dirty="0">
+                <a:solidFill>
+                  <a:schemeClr val="accent4">
+                    <a:lumMod val="50000"/>
+                  </a:schemeClr>
+                </a:solidFill>
+              </a:rPr>
+              <a:t>BLSTM 2</a:t>
+            </a:r>
+          </a:p>
+        </p:txBody>
+      </p:sp>
+      <p:sp>
+        <p:nvSpPr>
+          <p:cNvPr id="47" name="ZoneTexte 46">
+            <a:extLst>
+              <a:ext uri="{FF2B5EF4-FFF2-40B4-BE49-F238E27FC236}">
+                <a16:creationId xmlns:a16="http://schemas.microsoft.com/office/drawing/2014/main" id="{087D5173-24CA-4433-B0EA-44239E034499}"/>
+              </a:ext>
+            </a:extLst>
+          </p:cNvPr>
+          <p:cNvSpPr txBox="1"/>
+          <p:nvPr/>
+        </p:nvSpPr>
+        <p:spPr>
+          <a:xfrm>
+            <a:off x="3041882" y="3953342"/>
+            <a:ext cx="913648" cy="338554"/>
+          </a:xfrm>
+          <a:prstGeom prst="rect">
+            <a:avLst/>
+          </a:prstGeom>
+          <a:noFill/>
+        </p:spPr>
+        <p:txBody>
+          <a:bodyPr wrap="none" rtlCol="0">
+            <a:spAutoFit/>
+          </a:bodyPr>
+          <a:lstStyle/>
+          <a:p>
+            <a:pPr algn="ctr"/>
+            <a:r>
+              <a:rPr lang="en-US" sz="1600" b="1" dirty="0">
+                <a:solidFill>
+                  <a:schemeClr val="accent4">
+                    <a:lumMod val="50000"/>
+                  </a:schemeClr>
+                </a:solidFill>
+              </a:rPr>
+              <a:t>BLSTM 2</a:t>
+            </a:r>
+          </a:p>
+        </p:txBody>
+      </p:sp>
+      <p:sp>
+        <p:nvSpPr>
+          <p:cNvPr id="48" name="ZoneTexte 47">
+            <a:extLst>
+              <a:ext uri="{FF2B5EF4-FFF2-40B4-BE49-F238E27FC236}">
+                <a16:creationId xmlns:a16="http://schemas.microsoft.com/office/drawing/2014/main" id="{513B2B3D-7CB0-485B-83BE-CDFFC649C84F}"/>
+              </a:ext>
+            </a:extLst>
+          </p:cNvPr>
+          <p:cNvSpPr txBox="1"/>
+          <p:nvPr/>
+        </p:nvSpPr>
+        <p:spPr>
+          <a:xfrm>
+            <a:off x="4540914" y="1314522"/>
+            <a:ext cx="913648" cy="338554"/>
+          </a:xfrm>
+          <a:prstGeom prst="rect">
+            <a:avLst/>
+          </a:prstGeom>
+          <a:noFill/>
+        </p:spPr>
+        <p:txBody>
+          <a:bodyPr wrap="none" rtlCol="0">
+            <a:spAutoFit/>
+          </a:bodyPr>
+          <a:lstStyle/>
+          <a:p>
+            <a:pPr algn="ctr"/>
+            <a:r>
+              <a:rPr lang="en-US" sz="1600" b="1" dirty="0">
+                <a:solidFill>
+                  <a:schemeClr val="accent1">
+                    <a:lumMod val="50000"/>
+                  </a:schemeClr>
+                </a:solidFill>
+              </a:rPr>
+              <a:t>BLSTM 3</a:t>
+            </a:r>
+          </a:p>
+        </p:txBody>
+      </p:sp>
+      <p:sp>
+        <p:nvSpPr>
+          <p:cNvPr id="49" name="ZoneTexte 48">
+            <a:extLst>
+              <a:ext uri="{FF2B5EF4-FFF2-40B4-BE49-F238E27FC236}">
+                <a16:creationId xmlns:a16="http://schemas.microsoft.com/office/drawing/2014/main" id="{65C58520-DA0A-4011-B14B-05CDC913A54A}"/>
+              </a:ext>
+            </a:extLst>
+          </p:cNvPr>
+          <p:cNvSpPr txBox="1"/>
+          <p:nvPr/>
+        </p:nvSpPr>
+        <p:spPr>
+          <a:xfrm>
+            <a:off x="4517056" y="3937064"/>
+            <a:ext cx="913648" cy="338554"/>
+          </a:xfrm>
+          <a:prstGeom prst="rect">
+            <a:avLst/>
+          </a:prstGeom>
+          <a:noFill/>
+        </p:spPr>
+        <p:txBody>
+          <a:bodyPr wrap="none" rtlCol="0">
+            <a:spAutoFit/>
+          </a:bodyPr>
+          <a:lstStyle/>
+          <a:p>
+            <a:pPr algn="ctr"/>
+            <a:r>
+              <a:rPr lang="en-US" sz="1600" b="1" dirty="0">
+                <a:solidFill>
+                  <a:schemeClr val="accent1">
+                    <a:lumMod val="50000"/>
+                  </a:schemeClr>
+                </a:solidFill>
+              </a:rPr>
+              <a:t>BLSTM 3</a:t>
+            </a:r>
+          </a:p>
+        </p:txBody>
+      </p:sp>
+      <p:cxnSp>
+        <p:nvCxnSpPr>
+          <p:cNvPr id="20" name="Connecteur droit avec flèche 19">
+            <a:extLst>
+              <a:ext uri="{FF2B5EF4-FFF2-40B4-BE49-F238E27FC236}">
+                <a16:creationId xmlns:a16="http://schemas.microsoft.com/office/drawing/2014/main" id="{ED6F6065-7D7F-4C67-8AF2-016E8D7AC1C0}"/>
+              </a:ext>
+            </a:extLst>
+          </p:cNvPr>
+          <p:cNvCxnSpPr>
+            <a:stCxn id="9" idx="3"/>
+            <a:endCxn id="36" idx="1"/>
+          </p:cNvCxnSpPr>
+          <p:nvPr/>
+        </p:nvCxnSpPr>
+        <p:spPr>
+          <a:xfrm>
+            <a:off x="2618259" y="1906634"/>
+            <a:ext cx="345021" cy="899"/>
+          </a:xfrm>
+          <a:prstGeom prst="straightConnector1">
+            <a:avLst/>
+          </a:prstGeom>
+          <a:ln w="12700">
+            <a:tailEnd type="triangle"/>
+          </a:ln>
+        </p:spPr>
+        <p:style>
+          <a:lnRef idx="1">
+            <a:schemeClr val="accent2"/>
+          </a:lnRef>
+          <a:fillRef idx="0">
+            <a:schemeClr val="accent2"/>
+          </a:fillRef>
+          <a:effectRef idx="0">
+            <a:schemeClr val="accent2"/>
+          </a:effectRef>
+          <a:fontRef idx="minor">
+            <a:schemeClr val="tx1"/>
+          </a:fontRef>
+        </p:style>
+      </p:cxnSp>
+      <p:cxnSp>
+        <p:nvCxnSpPr>
+          <p:cNvPr id="24" name="Connecteur droit avec flèche 23">
+            <a:extLst>
+              <a:ext uri="{FF2B5EF4-FFF2-40B4-BE49-F238E27FC236}">
+                <a16:creationId xmlns:a16="http://schemas.microsoft.com/office/drawing/2014/main" id="{EC76532B-A9DF-4FD1-AAC5-F94037AE18C7}"/>
+              </a:ext>
+            </a:extLst>
+          </p:cNvPr>
+          <p:cNvCxnSpPr>
+            <a:stCxn id="36" idx="3"/>
+            <a:endCxn id="27" idx="1"/>
+          </p:cNvCxnSpPr>
+          <p:nvPr/>
+        </p:nvCxnSpPr>
+        <p:spPr>
+          <a:xfrm flipV="1">
+            <a:off x="4076093" y="1906634"/>
+            <a:ext cx="341806" cy="899"/>
+          </a:xfrm>
+          <a:prstGeom prst="straightConnector1">
+            <a:avLst/>
+          </a:prstGeom>
+          <a:ln>
+            <a:solidFill>
+              <a:schemeClr val="accent4">
+                <a:lumMod val="50000"/>
+              </a:schemeClr>
+            </a:solidFill>
+            <a:tailEnd type="triangle"/>
+          </a:ln>
+        </p:spPr>
+        <p:style>
+          <a:lnRef idx="1">
+            <a:schemeClr val="accent1"/>
+          </a:lnRef>
+          <a:fillRef idx="0">
+            <a:schemeClr val="accent1"/>
+          </a:fillRef>
+          <a:effectRef idx="0">
+            <a:schemeClr val="accent1"/>
+          </a:effectRef>
+          <a:fontRef idx="minor">
+            <a:schemeClr val="tx1"/>
+          </a:fontRef>
+        </p:style>
+      </p:cxnSp>
+      <p:cxnSp>
+        <p:nvCxnSpPr>
+          <p:cNvPr id="50" name="Connecteur droit avec flèche 49">
+            <a:extLst>
+              <a:ext uri="{FF2B5EF4-FFF2-40B4-BE49-F238E27FC236}">
+                <a16:creationId xmlns:a16="http://schemas.microsoft.com/office/drawing/2014/main" id="{7CD88765-2678-4372-95D9-BA1A1DCC96CE}"/>
+              </a:ext>
+            </a:extLst>
+          </p:cNvPr>
+          <p:cNvCxnSpPr>
+            <a:stCxn id="37" idx="3"/>
+            <a:endCxn id="44" idx="1"/>
+          </p:cNvCxnSpPr>
+          <p:nvPr/>
+        </p:nvCxnSpPr>
+        <p:spPr>
+          <a:xfrm>
+            <a:off x="2618259" y="4520373"/>
+            <a:ext cx="345021" cy="899"/>
+          </a:xfrm>
+          <a:prstGeom prst="straightConnector1">
+            <a:avLst/>
+          </a:prstGeom>
+          <a:ln w="12700">
+            <a:tailEnd type="triangle"/>
+          </a:ln>
+        </p:spPr>
+        <p:style>
+          <a:lnRef idx="1">
+            <a:schemeClr val="accent2"/>
+          </a:lnRef>
+          <a:fillRef idx="0">
+            <a:schemeClr val="accent2"/>
+          </a:fillRef>
+          <a:effectRef idx="0">
+            <a:schemeClr val="accent2"/>
+          </a:effectRef>
+          <a:fontRef idx="minor">
+            <a:schemeClr val="tx1"/>
+          </a:fontRef>
+        </p:style>
+      </p:cxnSp>
+      <p:cxnSp>
+        <p:nvCxnSpPr>
+          <p:cNvPr id="52" name="Connecteur droit avec flèche 51">
+            <a:extLst>
+              <a:ext uri="{FF2B5EF4-FFF2-40B4-BE49-F238E27FC236}">
+                <a16:creationId xmlns:a16="http://schemas.microsoft.com/office/drawing/2014/main" id="{268E0C60-2283-4786-BEF8-7BCFF9D559B7}"/>
+              </a:ext>
+            </a:extLst>
+          </p:cNvPr>
+          <p:cNvCxnSpPr>
+            <a:stCxn id="44" idx="3"/>
+            <a:endCxn id="38" idx="1"/>
+          </p:cNvCxnSpPr>
+          <p:nvPr/>
+        </p:nvCxnSpPr>
+        <p:spPr>
+          <a:xfrm flipV="1">
+            <a:off x="4076093" y="4520373"/>
+            <a:ext cx="341806" cy="899"/>
+          </a:xfrm>
+          <a:prstGeom prst="straightConnector1">
+            <a:avLst/>
+          </a:prstGeom>
+          <a:ln>
+            <a:solidFill>
+              <a:schemeClr val="accent4">
+                <a:lumMod val="50000"/>
+              </a:schemeClr>
+            </a:solidFill>
+            <a:tailEnd type="triangle"/>
+          </a:ln>
+        </p:spPr>
+        <p:style>
+          <a:lnRef idx="1">
+            <a:schemeClr val="accent1"/>
+          </a:lnRef>
+          <a:fillRef idx="0">
+            <a:schemeClr val="accent1"/>
+          </a:fillRef>
+          <a:effectRef idx="0">
+            <a:schemeClr val="accent1"/>
+          </a:effectRef>
+          <a:fontRef idx="minor">
+            <a:schemeClr val="tx1"/>
+          </a:fontRef>
+        </p:style>
+      </p:cxnSp>
+      <p:cxnSp>
+        <p:nvCxnSpPr>
+          <p:cNvPr id="56" name="Connecteur droit 55">
+            <a:extLst>
+              <a:ext uri="{FF2B5EF4-FFF2-40B4-BE49-F238E27FC236}">
+                <a16:creationId xmlns:a16="http://schemas.microsoft.com/office/drawing/2014/main" id="{B8C06E0E-2F2E-447E-95D4-639305A931F1}"/>
+              </a:ext>
+            </a:extLst>
+          </p:cNvPr>
+          <p:cNvCxnSpPr>
+            <a:endCxn id="2" idx="3"/>
+          </p:cNvCxnSpPr>
+          <p:nvPr/>
+        </p:nvCxnSpPr>
+        <p:spPr>
+          <a:xfrm>
+            <a:off x="5530712" y="1913020"/>
+            <a:ext cx="150372" cy="1"/>
+          </a:xfrm>
+          <a:prstGeom prst="line">
+            <a:avLst/>
+          </a:prstGeom>
+          <a:ln w="12700"/>
+        </p:spPr>
+        <p:style>
+          <a:lnRef idx="1">
+            <a:schemeClr val="accent1"/>
+          </a:lnRef>
+          <a:fillRef idx="0">
+            <a:schemeClr val="accent1"/>
+          </a:fillRef>
+          <a:effectRef idx="0">
+            <a:schemeClr val="accent1"/>
+          </a:effectRef>
+          <a:fontRef idx="minor">
+            <a:schemeClr val="tx1"/>
+          </a:fontRef>
+        </p:style>
+      </p:cxnSp>
+      <p:cxnSp>
+        <p:nvCxnSpPr>
+          <p:cNvPr id="59" name="Connecteur droit 58">
+            <a:extLst>
+              <a:ext uri="{FF2B5EF4-FFF2-40B4-BE49-F238E27FC236}">
+                <a16:creationId xmlns:a16="http://schemas.microsoft.com/office/drawing/2014/main" id="{AC16EA8A-C636-474B-8B85-F9929D89257A}"/>
+              </a:ext>
+            </a:extLst>
+          </p:cNvPr>
+          <p:cNvCxnSpPr>
+            <a:cxnSpLocks/>
+            <a:stCxn id="38" idx="3"/>
+          </p:cNvCxnSpPr>
+          <p:nvPr/>
+        </p:nvCxnSpPr>
+        <p:spPr>
+          <a:xfrm>
+            <a:off x="5530712" y="4520373"/>
+            <a:ext cx="291093" cy="0"/>
+          </a:xfrm>
+          <a:prstGeom prst="line">
+            <a:avLst/>
+          </a:prstGeom>
+          <a:ln w="12700"/>
+        </p:spPr>
+        <p:style>
+          <a:lnRef idx="1">
+            <a:schemeClr val="accent1"/>
+          </a:lnRef>
+          <a:fillRef idx="0">
+            <a:schemeClr val="accent1"/>
+          </a:fillRef>
+          <a:effectRef idx="0">
+            <a:schemeClr val="accent1"/>
+          </a:effectRef>
+          <a:fontRef idx="minor">
+            <a:schemeClr val="tx1"/>
+          </a:fontRef>
+        </p:style>
+      </p:cxnSp>
+      <p:cxnSp>
+        <p:nvCxnSpPr>
+          <p:cNvPr id="62" name="Connecteur droit avec flèche 61">
+            <a:extLst>
+              <a:ext uri="{FF2B5EF4-FFF2-40B4-BE49-F238E27FC236}">
+                <a16:creationId xmlns:a16="http://schemas.microsoft.com/office/drawing/2014/main" id="{49FE8F3B-C288-4D5B-B2A2-7742E790AE58}"/>
+              </a:ext>
+            </a:extLst>
+          </p:cNvPr>
+          <p:cNvCxnSpPr/>
+          <p:nvPr/>
+        </p:nvCxnSpPr>
+        <p:spPr>
+          <a:xfrm>
+            <a:off x="2032986" y="2630905"/>
+            <a:ext cx="0" cy="1171073"/>
+          </a:xfrm>
+          <a:prstGeom prst="straightConnector1">
+            <a:avLst/>
+          </a:prstGeom>
+          <a:ln w="38100">
+            <a:prstDash val="sysDot"/>
+            <a:headEnd type="triangle"/>
+            <a:tailEnd type="triangle"/>
+          </a:ln>
+        </p:spPr>
+        <p:style>
+          <a:lnRef idx="2">
+            <a:schemeClr val="accent6"/>
+          </a:lnRef>
+          <a:fillRef idx="0">
+            <a:schemeClr val="accent6"/>
+          </a:fillRef>
+          <a:effectRef idx="1">
+            <a:schemeClr val="accent6"/>
+          </a:effectRef>
+          <a:fontRef idx="minor">
+            <a:schemeClr val="tx1"/>
+          </a:fontRef>
+        </p:style>
+      </p:cxnSp>
+      <p:cxnSp>
+        <p:nvCxnSpPr>
+          <p:cNvPr id="63" name="Connecteur droit avec flèche 62">
+            <a:extLst>
+              <a:ext uri="{FF2B5EF4-FFF2-40B4-BE49-F238E27FC236}">
+                <a16:creationId xmlns:a16="http://schemas.microsoft.com/office/drawing/2014/main" id="{EB88A677-C939-4F9C-AD88-00FE7A458537}"/>
+              </a:ext>
+            </a:extLst>
+          </p:cNvPr>
+          <p:cNvCxnSpPr/>
+          <p:nvPr/>
+        </p:nvCxnSpPr>
+        <p:spPr>
+          <a:xfrm>
+            <a:off x="4928586" y="2630905"/>
+            <a:ext cx="0" cy="1171073"/>
+          </a:xfrm>
+          <a:prstGeom prst="straightConnector1">
+            <a:avLst/>
+          </a:prstGeom>
+          <a:ln w="38100">
+            <a:prstDash val="sysDot"/>
+            <a:headEnd type="triangle"/>
+            <a:tailEnd type="triangle"/>
+          </a:ln>
+        </p:spPr>
+        <p:style>
+          <a:lnRef idx="2">
+            <a:schemeClr val="accent6"/>
+          </a:lnRef>
+          <a:fillRef idx="0">
+            <a:schemeClr val="accent6"/>
+          </a:fillRef>
+          <a:effectRef idx="1">
+            <a:schemeClr val="accent6"/>
+          </a:effectRef>
+          <a:fontRef idx="minor">
+            <a:schemeClr val="tx1"/>
+          </a:fontRef>
+        </p:style>
+      </p:cxnSp>
+      <p:sp>
+        <p:nvSpPr>
+          <p:cNvPr id="64" name="ZoneTexte 63">
+            <a:extLst>
+              <a:ext uri="{FF2B5EF4-FFF2-40B4-BE49-F238E27FC236}">
+                <a16:creationId xmlns:a16="http://schemas.microsoft.com/office/drawing/2014/main" id="{D43E9B57-E958-4776-BBF8-B51B38801EBA}"/>
+              </a:ext>
+            </a:extLst>
+          </p:cNvPr>
+          <p:cNvSpPr txBox="1"/>
+          <p:nvPr/>
+        </p:nvSpPr>
+        <p:spPr>
+          <a:xfrm>
+            <a:off x="2711195" y="2997285"/>
+            <a:ext cx="1616981" cy="369332"/>
+          </a:xfrm>
+          <a:prstGeom prst="rect">
+            <a:avLst/>
+          </a:prstGeom>
+          <a:noFill/>
+        </p:spPr>
+        <p:txBody>
+          <a:bodyPr wrap="none" rtlCol="0">
+            <a:spAutoFit/>
+          </a:bodyPr>
+          <a:lstStyle/>
+          <a:p>
+            <a:r>
+              <a:rPr lang="en-US" i="1" dirty="0">
+                <a:solidFill>
+                  <a:schemeClr val="accent6">
+                    <a:lumMod val="50000"/>
+                  </a:schemeClr>
+                </a:solidFill>
+              </a:rPr>
+              <a:t>Shared weights</a:t>
+            </a:r>
+          </a:p>
+        </p:txBody>
+      </p:sp>
+      <p:sp>
+        <p:nvSpPr>
+          <p:cNvPr id="65" name="ZoneTexte 64">
+            <a:extLst>
+              <a:ext uri="{FF2B5EF4-FFF2-40B4-BE49-F238E27FC236}">
+                <a16:creationId xmlns:a16="http://schemas.microsoft.com/office/drawing/2014/main" id="{F17D7941-CC30-4C2D-9806-26A0AE46C8CF}"/>
+              </a:ext>
+            </a:extLst>
+          </p:cNvPr>
+          <p:cNvSpPr txBox="1"/>
+          <p:nvPr/>
+        </p:nvSpPr>
+        <p:spPr>
+          <a:xfrm rot="18842203">
+            <a:off x="-37938" y="1747973"/>
+            <a:ext cx="906017" cy="276999"/>
+          </a:xfrm>
+          <a:prstGeom prst="rect">
+            <a:avLst/>
+          </a:prstGeom>
+          <a:noFill/>
+        </p:spPr>
+        <p:txBody>
+          <a:bodyPr wrap="none" rtlCol="0">
+            <a:spAutoFit/>
+          </a:bodyPr>
+          <a:lstStyle/>
+          <a:p>
+            <a:r>
+              <a:rPr lang="en-US" sz="1200" dirty="0"/>
+              <a:t>Sequence 1</a:t>
+            </a:r>
+          </a:p>
+        </p:txBody>
+      </p:sp>
+      <p:sp>
+        <p:nvSpPr>
+          <p:cNvPr id="66" name="ZoneTexte 65">
+            <a:extLst>
+              <a:ext uri="{FF2B5EF4-FFF2-40B4-BE49-F238E27FC236}">
+                <a16:creationId xmlns:a16="http://schemas.microsoft.com/office/drawing/2014/main" id="{195A6422-4F1E-4B7C-BB58-19022B98B6E3}"/>
+              </a:ext>
+            </a:extLst>
+          </p:cNvPr>
+          <p:cNvSpPr txBox="1"/>
+          <p:nvPr/>
+        </p:nvSpPr>
+        <p:spPr>
+          <a:xfrm rot="18842203">
+            <a:off x="-37938" y="4364816"/>
+            <a:ext cx="906017" cy="276999"/>
+          </a:xfrm>
+          <a:prstGeom prst="rect">
+            <a:avLst/>
+          </a:prstGeom>
+          <a:noFill/>
+        </p:spPr>
+        <p:txBody>
+          <a:bodyPr wrap="none" rtlCol="0">
+            <a:spAutoFit/>
+          </a:bodyPr>
+          <a:lstStyle/>
+          <a:p>
+            <a:r>
+              <a:rPr lang="en-US" sz="1200" dirty="0"/>
+              <a:t>Sequence 2</a:t>
+            </a:r>
+          </a:p>
+        </p:txBody>
+      </p:sp>
+    </p:spTree>
+    <p:extLst>
+      <p:ext uri="{BB962C8B-B14F-4D97-AF65-F5344CB8AC3E}">
+        <p14:creationId xmlns:p14="http://schemas.microsoft.com/office/powerpoint/2010/main" val="1407921192"/>
       </p:ext>
     </p:extLst>
   </p:cSld>

--- a/article/text_similarity_support.pptx
+++ b/article/text_similarity_support.pptx
@@ -11,6 +11,7 @@
     <p:sldId id="260" r:id="rId5"/>
     <p:sldId id="261" r:id="rId6"/>
     <p:sldId id="269" r:id="rId7"/>
+    <p:sldId id="270" r:id="rId8"/>
   </p:sldIdLst>
   <p:sldSz cx="12192000" cy="6858000"/>
   <p:notesSz cx="6858000" cy="9144000"/>
@@ -3039,7 +3040,7 @@
           <a:p>
             <a:fld id="{620FD16B-961D-4EA4-9FCA-1A281C5B629E}" type="datetimeFigureOut">
               <a:rPr lang="fr-FR" smtClean="0"/>
-              <a:t>30/05/2020</a:t>
+              <a:t>31/05/2020</a:t>
             </a:fld>
             <a:endParaRPr lang="fr-FR"/>
           </a:p>
@@ -3237,7 +3238,7 @@
           <a:p>
             <a:fld id="{620FD16B-961D-4EA4-9FCA-1A281C5B629E}" type="datetimeFigureOut">
               <a:rPr lang="fr-FR" smtClean="0"/>
-              <a:t>30/05/2020</a:t>
+              <a:t>31/05/2020</a:t>
             </a:fld>
             <a:endParaRPr lang="fr-FR"/>
           </a:p>
@@ -3445,7 +3446,7 @@
           <a:p>
             <a:fld id="{620FD16B-961D-4EA4-9FCA-1A281C5B629E}" type="datetimeFigureOut">
               <a:rPr lang="fr-FR" smtClean="0"/>
-              <a:t>30/05/2020</a:t>
+              <a:t>31/05/2020</a:t>
             </a:fld>
             <a:endParaRPr lang="fr-FR"/>
           </a:p>
@@ -3643,7 +3644,7 @@
           <a:p>
             <a:fld id="{620FD16B-961D-4EA4-9FCA-1A281C5B629E}" type="datetimeFigureOut">
               <a:rPr lang="fr-FR" smtClean="0"/>
-              <a:t>30/05/2020</a:t>
+              <a:t>31/05/2020</a:t>
             </a:fld>
             <a:endParaRPr lang="fr-FR"/>
           </a:p>
@@ -3918,7 +3919,7 @@
           <a:p>
             <a:fld id="{620FD16B-961D-4EA4-9FCA-1A281C5B629E}" type="datetimeFigureOut">
               <a:rPr lang="fr-FR" smtClean="0"/>
-              <a:t>30/05/2020</a:t>
+              <a:t>31/05/2020</a:t>
             </a:fld>
             <a:endParaRPr lang="fr-FR"/>
           </a:p>
@@ -4183,7 +4184,7 @@
           <a:p>
             <a:fld id="{620FD16B-961D-4EA4-9FCA-1A281C5B629E}" type="datetimeFigureOut">
               <a:rPr lang="fr-FR" smtClean="0"/>
-              <a:t>30/05/2020</a:t>
+              <a:t>31/05/2020</a:t>
             </a:fld>
             <a:endParaRPr lang="fr-FR"/>
           </a:p>
@@ -4595,7 +4596,7 @@
           <a:p>
             <a:fld id="{620FD16B-961D-4EA4-9FCA-1A281C5B629E}" type="datetimeFigureOut">
               <a:rPr lang="fr-FR" smtClean="0"/>
-              <a:t>30/05/2020</a:t>
+              <a:t>31/05/2020</a:t>
             </a:fld>
             <a:endParaRPr lang="fr-FR"/>
           </a:p>
@@ -4736,7 +4737,7 @@
           <a:p>
             <a:fld id="{620FD16B-961D-4EA4-9FCA-1A281C5B629E}" type="datetimeFigureOut">
               <a:rPr lang="fr-FR" smtClean="0"/>
-              <a:t>30/05/2020</a:t>
+              <a:t>31/05/2020</a:t>
             </a:fld>
             <a:endParaRPr lang="fr-FR"/>
           </a:p>
@@ -4849,7 +4850,7 @@
           <a:p>
             <a:fld id="{620FD16B-961D-4EA4-9FCA-1A281C5B629E}" type="datetimeFigureOut">
               <a:rPr lang="fr-FR" smtClean="0"/>
-              <a:t>30/05/2020</a:t>
+              <a:t>31/05/2020</a:t>
             </a:fld>
             <a:endParaRPr lang="fr-FR"/>
           </a:p>
@@ -5160,7 +5161,7 @@
           <a:p>
             <a:fld id="{620FD16B-961D-4EA4-9FCA-1A281C5B629E}" type="datetimeFigureOut">
               <a:rPr lang="fr-FR" smtClean="0"/>
-              <a:t>30/05/2020</a:t>
+              <a:t>31/05/2020</a:t>
             </a:fld>
             <a:endParaRPr lang="fr-FR"/>
           </a:p>
@@ -5448,7 +5449,7 @@
           <a:p>
             <a:fld id="{620FD16B-961D-4EA4-9FCA-1A281C5B629E}" type="datetimeFigureOut">
               <a:rPr lang="fr-FR" smtClean="0"/>
-              <a:t>30/05/2020</a:t>
+              <a:t>31/05/2020</a:t>
             </a:fld>
             <a:endParaRPr lang="fr-FR"/>
           </a:p>
@@ -5689,7 +5690,7 @@
           <a:p>
             <a:fld id="{620FD16B-961D-4EA4-9FCA-1A281C5B629E}" type="datetimeFigureOut">
               <a:rPr lang="fr-FR" smtClean="0"/>
-              <a:t>30/05/2020</a:t>
+              <a:t>31/05/2020</a:t>
             </a:fld>
             <a:endParaRPr lang="fr-FR"/>
           </a:p>
@@ -9434,8 +9435,8 @@
           </a:fontRef>
         </p:style>
       </p:cxnSp>
-      <mc:AlternateContent xmlns:mc="http://schemas.openxmlformats.org/markup-compatibility/2006">
-        <mc:Choice xmlns:a14="http://schemas.microsoft.com/office/drawing/2010/main" Requires="a14">
+      <mc:AlternateContent xmlns:mc="http://schemas.openxmlformats.org/markup-compatibility/2006" xmlns:a14="http://schemas.microsoft.com/office/drawing/2010/main">
+        <mc:Choice Requires="a14">
           <p:sp>
             <p:nvSpPr>
               <p:cNvPr id="8" name="ZoneTexte 7">
@@ -9464,6 +9465,7 @@
               </a:bodyPr>
               <a:lstStyle/>
               <a:p>
+                <a:pPr/>
                 <a14:m>
                   <m:oMathPara xmlns:m="http://schemas.openxmlformats.org/officeDocument/2006/math">
                     <m:oMathParaPr>
@@ -9689,7 +9691,7 @@
             </p:txBody>
           </p:sp>
         </mc:Choice>
-        <mc:Fallback>
+        <mc:Fallback xmlns="">
           <p:sp>
             <p:nvSpPr>
               <p:cNvPr id="8" name="ZoneTexte 7">
@@ -9713,7 +9715,7 @@
                 <a:avLst/>
               </a:prstGeom>
               <a:blipFill>
-                <a:blip r:embed="rId2"/>
+                <a:blip r:embed="rId6"/>
                 <a:stretch>
                   <a:fillRect/>
                 </a:stretch>
@@ -9734,8 +9736,8 @@
           </p:sp>
         </mc:Fallback>
       </mc:AlternateContent>
-      <mc:AlternateContent xmlns:mc="http://schemas.openxmlformats.org/markup-compatibility/2006">
-        <mc:Choice xmlns:a14="http://schemas.microsoft.com/office/drawing/2010/main" Requires="a14">
+      <mc:AlternateContent xmlns:mc="http://schemas.openxmlformats.org/markup-compatibility/2006" xmlns:a14="http://schemas.microsoft.com/office/drawing/2010/main">
+        <mc:Choice Requires="a14">
           <p:sp>
             <p:nvSpPr>
               <p:cNvPr id="9" name="ZoneTexte 8">
@@ -9764,6 +9766,7 @@
               </a:bodyPr>
               <a:lstStyle/>
               <a:p>
+                <a:pPr/>
                 <a14:m>
                   <m:oMathPara xmlns:m="http://schemas.openxmlformats.org/officeDocument/2006/math">
                     <m:oMathParaPr>
@@ -10019,7 +10022,7 @@
             </p:txBody>
           </p:sp>
         </mc:Choice>
-        <mc:Fallback>
+        <mc:Fallback xmlns="">
           <p:sp>
             <p:nvSpPr>
               <p:cNvPr id="9" name="ZoneTexte 8">
@@ -10043,7 +10046,7 @@
                 <a:avLst/>
               </a:prstGeom>
               <a:blipFill>
-                <a:blip r:embed="rId3"/>
+                <a:blip r:embed="rId7"/>
                 <a:stretch>
                   <a:fillRect/>
                 </a:stretch>
@@ -10064,8 +10067,8 @@
           </p:sp>
         </mc:Fallback>
       </mc:AlternateContent>
-      <mc:AlternateContent xmlns:mc="http://schemas.openxmlformats.org/markup-compatibility/2006">
-        <mc:Choice xmlns:a14="http://schemas.microsoft.com/office/drawing/2010/main" Requires="a14">
+      <mc:AlternateContent xmlns:mc="http://schemas.openxmlformats.org/markup-compatibility/2006" xmlns:a14="http://schemas.microsoft.com/office/drawing/2010/main">
+        <mc:Choice Requires="a14">
           <p:sp>
             <p:nvSpPr>
               <p:cNvPr id="11" name="ZoneTexte 10">
@@ -10105,7 +10108,7 @@
                     <m:d>
                       <m:dPr>
                         <m:ctrlPr>
-                          <a:rPr lang="en-US" b="0" i="0" smtClean="0">
+                          <a:rPr lang="en-US" b="0" i="1" smtClean="0">
                             <a:latin typeface="Cambria Math" panose="02040503050406030204" pitchFamily="18" charset="0"/>
                           </a:rPr>
                         </m:ctrlPr>
@@ -10779,7 +10782,7 @@
             </p:txBody>
           </p:sp>
         </mc:Choice>
-        <mc:Fallback>
+        <mc:Fallback xmlns="">
           <p:sp>
             <p:nvSpPr>
               <p:cNvPr id="11" name="ZoneTexte 10">
@@ -10803,7 +10806,7 @@
                 <a:avLst/>
               </a:prstGeom>
               <a:blipFill>
-                <a:blip r:embed="rId4"/>
+                <a:blip r:embed="rId8"/>
                 <a:stretch>
                   <a:fillRect l="-465" t="-680"/>
                 </a:stretch>
@@ -10936,8 +10939,8 @@
           <a:chExt cx="0" cy="0"/>
         </a:xfrm>
       </p:grpSpPr>
-      <mc:AlternateContent xmlns:mc="http://schemas.openxmlformats.org/markup-compatibility/2006">
-        <mc:Choice xmlns:a14="http://schemas.microsoft.com/office/drawing/2010/main" Requires="a14">
+      <mc:AlternateContent xmlns:mc="http://schemas.openxmlformats.org/markup-compatibility/2006" xmlns:a14="http://schemas.microsoft.com/office/drawing/2010/main">
+        <mc:Choice Requires="a14">
           <p:sp>
             <p:nvSpPr>
               <p:cNvPr id="11" name="ZoneTexte 10">
@@ -11283,7 +11286,7 @@
             </p:txBody>
           </p:sp>
         </mc:Choice>
-        <mc:Fallback>
+        <mc:Fallback xmlns="">
           <p:sp>
             <p:nvSpPr>
               <p:cNvPr id="11" name="ZoneTexte 10">
@@ -11307,7 +11310,7 @@
                 <a:avLst/>
               </a:prstGeom>
               <a:blipFill>
-                <a:blip r:embed="rId2"/>
+                <a:blip r:embed="rId5"/>
                 <a:stretch>
                   <a:fillRect l="-2199" t="-1984"/>
                 </a:stretch>
@@ -11328,8 +11331,8 @@
           </p:sp>
         </mc:Fallback>
       </mc:AlternateContent>
-      <mc:AlternateContent xmlns:mc="http://schemas.openxmlformats.org/markup-compatibility/2006">
-        <mc:Choice xmlns:a14="http://schemas.microsoft.com/office/drawing/2010/main" Requires="a14">
+      <mc:AlternateContent xmlns:mc="http://schemas.openxmlformats.org/markup-compatibility/2006" xmlns:a14="http://schemas.microsoft.com/office/drawing/2010/main">
+        <mc:Choice Requires="a14">
           <p:sp>
             <p:nvSpPr>
               <p:cNvPr id="10" name="ZoneTexte 9">
@@ -11580,7 +11583,7 @@
             </p:txBody>
           </p:sp>
         </mc:Choice>
-        <mc:Fallback>
+        <mc:Fallback xmlns="">
           <p:sp>
             <p:nvSpPr>
               <p:cNvPr id="10" name="ZoneTexte 9">
@@ -11604,7 +11607,7 @@
                 <a:avLst/>
               </a:prstGeom>
               <a:blipFill>
-                <a:blip r:embed="rId3"/>
+                <a:blip r:embed="rId6"/>
                 <a:stretch>
                   <a:fillRect l="-1879" b="-4555"/>
                 </a:stretch>
@@ -11625,8 +11628,8 @@
           </p:sp>
         </mc:Fallback>
       </mc:AlternateContent>
-      <mc:AlternateContent xmlns:mc="http://schemas.openxmlformats.org/markup-compatibility/2006">
-        <mc:Choice xmlns:a14="http://schemas.microsoft.com/office/drawing/2010/main" Requires="a14">
+      <mc:AlternateContent xmlns:mc="http://schemas.openxmlformats.org/markup-compatibility/2006" xmlns:a14="http://schemas.microsoft.com/office/drawing/2010/main">
+        <mc:Choice Requires="a14">
           <p:sp>
             <p:nvSpPr>
               <p:cNvPr id="2" name="ZoneTexte 1">
@@ -11974,7 +11977,7 @@
             </p:txBody>
           </p:sp>
         </mc:Choice>
-        <mc:Fallback>
+        <mc:Fallback xmlns="">
           <p:sp>
             <p:nvSpPr>
               <p:cNvPr id="2" name="ZoneTexte 1">
@@ -11998,7 +12001,7 @@
                 <a:avLst/>
               </a:prstGeom>
               <a:blipFill>
-                <a:blip r:embed="rId4"/>
+                <a:blip r:embed="rId7"/>
                 <a:stretch>
                   <a:fillRect l="-1064" r="-53" b="-7553"/>
                 </a:stretch>
@@ -12310,8 +12313,8 @@
           </a:p>
         </p:txBody>
       </p:sp>
-      <mc:AlternateContent xmlns:mc="http://schemas.openxmlformats.org/markup-compatibility/2006">
-        <mc:Choice xmlns:a14="http://schemas.microsoft.com/office/drawing/2010/main" Requires="a14">
+      <mc:AlternateContent xmlns:mc="http://schemas.openxmlformats.org/markup-compatibility/2006" xmlns:a14="http://schemas.microsoft.com/office/drawing/2010/main">
+        <mc:Choice Requires="a14">
           <p:sp>
             <p:nvSpPr>
               <p:cNvPr id="13" name="Rectangle : coins arrondis 12">
@@ -12626,7 +12629,7 @@
             </p:txBody>
           </p:sp>
         </mc:Choice>
-        <mc:Fallback>
+        <mc:Fallback xmlns="">
           <p:sp>
             <p:nvSpPr>
               <p:cNvPr id="13" name="Rectangle : coins arrondis 12">
@@ -12650,7 +12653,7 @@
                 <a:avLst/>
               </a:prstGeom>
               <a:blipFill>
-                <a:blip r:embed="rId2"/>
+                <a:blip r:embed="rId15"/>
                 <a:stretch>
                   <a:fillRect/>
                 </a:stretch>
@@ -12762,8 +12765,8 @@
           </a:fontRef>
         </p:style>
       </p:cxnSp>
-      <mc:AlternateContent xmlns:mc="http://schemas.openxmlformats.org/markup-compatibility/2006">
-        <mc:Choice xmlns:a14="http://schemas.microsoft.com/office/drawing/2010/main" Requires="a14">
+      <mc:AlternateContent xmlns:mc="http://schemas.openxmlformats.org/markup-compatibility/2006" xmlns:a14="http://schemas.microsoft.com/office/drawing/2010/main">
+        <mc:Choice Requires="a14">
           <p:sp>
             <p:nvSpPr>
               <p:cNvPr id="22" name="Rectangle : coins arrondis 21">
@@ -12912,7 +12915,7 @@
             </p:txBody>
           </p:sp>
         </mc:Choice>
-        <mc:Fallback>
+        <mc:Fallback xmlns="">
           <p:sp>
             <p:nvSpPr>
               <p:cNvPr id="22" name="Rectangle : coins arrondis 21">
@@ -12936,7 +12939,7 @@
                 <a:avLst/>
               </a:prstGeom>
               <a:blipFill>
-                <a:blip r:embed="rId3"/>
+                <a:blip r:embed="rId16"/>
                 <a:stretch>
                   <a:fillRect/>
                 </a:stretch>
@@ -13001,8 +13004,8 @@
           </a:fontRef>
         </p:style>
       </p:cxnSp>
-      <mc:AlternateContent xmlns:mc="http://schemas.openxmlformats.org/markup-compatibility/2006">
-        <mc:Choice xmlns:a14="http://schemas.microsoft.com/office/drawing/2010/main" Requires="a14">
+      <mc:AlternateContent xmlns:mc="http://schemas.openxmlformats.org/markup-compatibility/2006" xmlns:a14="http://schemas.microsoft.com/office/drawing/2010/main">
+        <mc:Choice Requires="a14">
           <p:sp>
             <p:nvSpPr>
               <p:cNvPr id="33" name="ZoneTexte 32">
@@ -13071,7 +13074,7 @@
             </p:txBody>
           </p:sp>
         </mc:Choice>
-        <mc:Fallback>
+        <mc:Fallback xmlns="">
           <p:sp>
             <p:nvSpPr>
               <p:cNvPr id="33" name="ZoneTexte 32">
@@ -13095,7 +13098,7 @@
                 <a:avLst/>
               </a:prstGeom>
               <a:blipFill>
-                <a:blip r:embed="rId4"/>
+                <a:blip r:embed="rId17"/>
                 <a:stretch>
                   <a:fillRect/>
                 </a:stretch>
@@ -13116,8 +13119,8 @@
           </p:sp>
         </mc:Fallback>
       </mc:AlternateContent>
-      <mc:AlternateContent xmlns:mc="http://schemas.openxmlformats.org/markup-compatibility/2006">
-        <mc:Choice xmlns:a14="http://schemas.microsoft.com/office/drawing/2010/main" Requires="a14">
+      <mc:AlternateContent xmlns:mc="http://schemas.openxmlformats.org/markup-compatibility/2006" xmlns:a14="http://schemas.microsoft.com/office/drawing/2010/main">
+        <mc:Choice Requires="a14">
           <p:sp>
             <p:nvSpPr>
               <p:cNvPr id="34" name="ZoneTexte 33">
@@ -13199,7 +13202,7 @@
             </p:txBody>
           </p:sp>
         </mc:Choice>
-        <mc:Fallback>
+        <mc:Fallback xmlns="">
           <p:sp>
             <p:nvSpPr>
               <p:cNvPr id="34" name="ZoneTexte 33">
@@ -13223,7 +13226,7 @@
                 <a:avLst/>
               </a:prstGeom>
               <a:blipFill>
-                <a:blip r:embed="rId5"/>
+                <a:blip r:embed="rId18"/>
                 <a:stretch>
                   <a:fillRect/>
                 </a:stretch>
@@ -13425,8 +13428,8 @@
           </a:p>
         </p:txBody>
       </p:sp>
-      <mc:AlternateContent xmlns:mc="http://schemas.openxmlformats.org/markup-compatibility/2006">
-        <mc:Choice xmlns:a14="http://schemas.microsoft.com/office/drawing/2010/main" Requires="a14">
+      <mc:AlternateContent xmlns:mc="http://schemas.openxmlformats.org/markup-compatibility/2006" xmlns:a14="http://schemas.microsoft.com/office/drawing/2010/main">
+        <mc:Choice Requires="a14">
           <p:sp>
             <p:nvSpPr>
               <p:cNvPr id="9" name="Rectangle : coins arrondis 8">
@@ -13619,7 +13622,7 @@
             </p:txBody>
           </p:sp>
         </mc:Choice>
-        <mc:Fallback>
+        <mc:Fallback xmlns="">
           <p:sp>
             <p:nvSpPr>
               <p:cNvPr id="9" name="Rectangle : coins arrondis 8">
@@ -13643,7 +13646,7 @@
                 <a:avLst/>
               </a:prstGeom>
               <a:blipFill>
-                <a:blip r:embed="rId6"/>
+                <a:blip r:embed="rId19"/>
                 <a:stretch>
                   <a:fillRect l="-1075"/>
                 </a:stretch>
@@ -13665,8 +13668,8 @@
           </p:sp>
         </mc:Fallback>
       </mc:AlternateContent>
-      <mc:AlternateContent xmlns:mc="http://schemas.openxmlformats.org/markup-compatibility/2006">
-        <mc:Choice xmlns:a14="http://schemas.microsoft.com/office/drawing/2010/main" Requires="a14">
+      <mc:AlternateContent xmlns:mc="http://schemas.openxmlformats.org/markup-compatibility/2006" xmlns:a14="http://schemas.microsoft.com/office/drawing/2010/main">
+        <mc:Choice Requires="a14">
           <p:sp>
             <p:nvSpPr>
               <p:cNvPr id="27" name="Rectangle : coins arrondis 26">
@@ -13847,7 +13850,7 @@
             </p:txBody>
           </p:sp>
         </mc:Choice>
-        <mc:Fallback>
+        <mc:Fallback xmlns="">
           <p:sp>
             <p:nvSpPr>
               <p:cNvPr id="27" name="Rectangle : coins arrondis 26">
@@ -13871,7 +13874,7 @@
                 <a:avLst/>
               </a:prstGeom>
               <a:blipFill>
-                <a:blip r:embed="rId7"/>
+                <a:blip r:embed="rId20"/>
                 <a:stretch>
                   <a:fillRect l="-3784" r="-1622"/>
                 </a:stretch>
@@ -14147,8 +14150,8 @@
           </a:p>
         </p:txBody>
       </p:sp>
-      <mc:AlternateContent xmlns:mc="http://schemas.openxmlformats.org/markup-compatibility/2006">
-        <mc:Choice xmlns:a14="http://schemas.microsoft.com/office/drawing/2010/main" Requires="a14">
+      <mc:AlternateContent xmlns:mc="http://schemas.openxmlformats.org/markup-compatibility/2006" xmlns:a14="http://schemas.microsoft.com/office/drawing/2010/main">
+        <mc:Choice Requires="a14">
           <p:sp>
             <p:nvSpPr>
               <p:cNvPr id="36" name="Rectangle : coins arrondis 35">
@@ -14366,19 +14369,7 @@
                           <a:latin typeface="Cambria Math" panose="02040503050406030204" pitchFamily="18" charset="0"/>
                           <a:ea typeface="Cambria Math" panose="02040503050406030204" pitchFamily="18" charset="0"/>
                         </a:rPr>
-                        <m:t>(⋯)</m:t>
-                      </m:r>
-                      <m:r>
-                        <a:rPr lang="en-US" sz="1400" b="0" i="1" smtClean="0">
-                          <a:solidFill>
-                            <a:schemeClr val="accent2">
-                              <a:lumMod val="50000"/>
-                            </a:schemeClr>
-                          </a:solidFill>
-                          <a:latin typeface="Cambria Math" panose="02040503050406030204" pitchFamily="18" charset="0"/>
-                          <a:ea typeface="Cambria Math" panose="02040503050406030204" pitchFamily="18" charset="0"/>
-                        </a:rPr>
-                        <m:t>)</m:t>
+                        <m:t>(⋯))</m:t>
                       </m:r>
                     </m:oMath>
                   </m:oMathPara>
@@ -14394,7 +14385,7 @@
             </p:txBody>
           </p:sp>
         </mc:Choice>
-        <mc:Fallback>
+        <mc:Fallback xmlns="">
           <p:sp>
             <p:nvSpPr>
               <p:cNvPr id="36" name="Rectangle : coins arrondis 35">
@@ -14418,7 +14409,7 @@
                 <a:avLst/>
               </a:prstGeom>
               <a:blipFill>
-                <a:blip r:embed="rId8"/>
+                <a:blip r:embed="rId21"/>
                 <a:stretch>
                   <a:fillRect l="-3226" r="-538"/>
                 </a:stretch>
@@ -14446,8 +14437,8 @@
           </p:sp>
         </mc:Fallback>
       </mc:AlternateContent>
-      <mc:AlternateContent xmlns:mc="http://schemas.openxmlformats.org/markup-compatibility/2006">
-        <mc:Choice xmlns:a14="http://schemas.microsoft.com/office/drawing/2010/main" Requires="a14">
+      <mc:AlternateContent xmlns:mc="http://schemas.openxmlformats.org/markup-compatibility/2006" xmlns:a14="http://schemas.microsoft.com/office/drawing/2010/main">
+        <mc:Choice Requires="a14">
           <p:sp>
             <p:nvSpPr>
               <p:cNvPr id="37" name="Rectangle : coins arrondis 36">
@@ -14640,7 +14631,7 @@
             </p:txBody>
           </p:sp>
         </mc:Choice>
-        <mc:Fallback>
+        <mc:Fallback xmlns="">
           <p:sp>
             <p:nvSpPr>
               <p:cNvPr id="37" name="Rectangle : coins arrondis 36">
@@ -14664,7 +14655,7 @@
                 <a:avLst/>
               </a:prstGeom>
               <a:blipFill>
-                <a:blip r:embed="rId9"/>
+                <a:blip r:embed="rId22"/>
                 <a:stretch>
                   <a:fillRect l="-1075"/>
                 </a:stretch>
@@ -14686,8 +14677,8 @@
           </p:sp>
         </mc:Fallback>
       </mc:AlternateContent>
-      <mc:AlternateContent xmlns:mc="http://schemas.openxmlformats.org/markup-compatibility/2006">
-        <mc:Choice xmlns:a14="http://schemas.microsoft.com/office/drawing/2010/main" Requires="a14">
+      <mc:AlternateContent xmlns:mc="http://schemas.openxmlformats.org/markup-compatibility/2006" xmlns:a14="http://schemas.microsoft.com/office/drawing/2010/main">
+        <mc:Choice Requires="a14">
           <p:sp>
             <p:nvSpPr>
               <p:cNvPr id="38" name="Rectangle : coins arrondis 37">
@@ -14868,7 +14859,7 @@
             </p:txBody>
           </p:sp>
         </mc:Choice>
-        <mc:Fallback>
+        <mc:Fallback xmlns="">
           <p:sp>
             <p:nvSpPr>
               <p:cNvPr id="38" name="Rectangle : coins arrondis 37">
@@ -14892,7 +14883,7 @@
                 <a:avLst/>
               </a:prstGeom>
               <a:blipFill>
-                <a:blip r:embed="rId10"/>
+                <a:blip r:embed="rId23"/>
                 <a:stretch>
                   <a:fillRect l="-3784" r="-1622"/>
                 </a:stretch>
@@ -14914,8 +14905,8 @@
           </p:sp>
         </mc:Fallback>
       </mc:AlternateContent>
-      <mc:AlternateContent xmlns:mc="http://schemas.openxmlformats.org/markup-compatibility/2006">
-        <mc:Choice xmlns:a14="http://schemas.microsoft.com/office/drawing/2010/main" Requires="a14">
+      <mc:AlternateContent xmlns:mc="http://schemas.openxmlformats.org/markup-compatibility/2006" xmlns:a14="http://schemas.microsoft.com/office/drawing/2010/main">
+        <mc:Choice Requires="a14">
           <p:sp>
             <p:nvSpPr>
               <p:cNvPr id="44" name="Rectangle : coins arrondis 43">
@@ -15178,7 +15169,7 @@
             </p:txBody>
           </p:sp>
         </mc:Choice>
-        <mc:Fallback>
+        <mc:Fallback xmlns="">
           <p:sp>
             <p:nvSpPr>
               <p:cNvPr id="44" name="Rectangle : coins arrondis 43">
@@ -15202,7 +15193,7 @@
                 <a:avLst/>
               </a:prstGeom>
               <a:blipFill>
-                <a:blip r:embed="rId11"/>
+                <a:blip r:embed="rId24"/>
                 <a:stretch>
                   <a:fillRect l="-3226" r="-1075"/>
                 </a:stretch>
@@ -15903,6 +15894,110 @@
 </p:sld>
 </file>
 
+<file path=ppt/slides/slide7.xml><?xml version="1.0" encoding="utf-8"?>
+<p:sld xmlns:a="http://schemas.openxmlformats.org/drawingml/2006/main" xmlns:r="http://schemas.openxmlformats.org/officeDocument/2006/relationships" xmlns:p="http://schemas.openxmlformats.org/presentationml/2006/main">
+  <p:cSld>
+    <p:spTree>
+      <p:nvGrpSpPr>
+        <p:cNvPr id="1" name=""/>
+        <p:cNvGrpSpPr/>
+        <p:nvPr/>
+      </p:nvGrpSpPr>
+      <p:grpSpPr>
+        <a:xfrm>
+          <a:off x="0" y="0"/>
+          <a:ext cx="0" cy="0"/>
+          <a:chOff x="0" y="0"/>
+          <a:chExt cx="0" cy="0"/>
+        </a:xfrm>
+      </p:grpSpPr>
+      <p:sp>
+        <p:nvSpPr>
+          <p:cNvPr id="4" name="ZoneTexte 3">
+            <a:extLst>
+              <a:ext uri="{FF2B5EF4-FFF2-40B4-BE49-F238E27FC236}">
+                <a16:creationId xmlns:a16="http://schemas.microsoft.com/office/drawing/2014/main" id="{E5116766-C0EF-4A78-9C87-7FB0EAC6AEAC}"/>
+              </a:ext>
+            </a:extLst>
+          </p:cNvPr>
+          <p:cNvSpPr txBox="1"/>
+          <p:nvPr/>
+        </p:nvSpPr>
+        <p:spPr>
+          <a:xfrm>
+            <a:off x="0" y="2239561"/>
+            <a:ext cx="3304674" cy="646331"/>
+          </a:xfrm>
+          <a:prstGeom prst="rect">
+            <a:avLst/>
+          </a:prstGeom>
+          <a:noFill/>
+        </p:spPr>
+        <p:txBody>
+          <a:bodyPr wrap="square" rtlCol="0">
+            <a:spAutoFit/>
+          </a:bodyPr>
+          <a:lstStyle/>
+          <a:p>
+            <a:r>
+              <a:rPr lang="en-US" dirty="0">
+                <a:latin typeface="Ubuntu" panose="020B0504030602030204" pitchFamily="34" charset="0"/>
+              </a:rPr>
+              <a:t>How can I be a good geologist?</a:t>
+            </a:r>
+          </a:p>
+        </p:txBody>
+      </p:sp>
+      <p:sp>
+        <p:nvSpPr>
+          <p:cNvPr id="5" name="ZoneTexte 4">
+            <a:extLst>
+              <a:ext uri="{FF2B5EF4-FFF2-40B4-BE49-F238E27FC236}">
+                <a16:creationId xmlns:a16="http://schemas.microsoft.com/office/drawing/2014/main" id="{171709DB-1591-4FFA-98FC-BD75C9372077}"/>
+              </a:ext>
+            </a:extLst>
+          </p:cNvPr>
+          <p:cNvSpPr txBox="1"/>
+          <p:nvPr/>
+        </p:nvSpPr>
+        <p:spPr>
+          <a:xfrm>
+            <a:off x="0" y="3972109"/>
+            <a:ext cx="3304674" cy="646331"/>
+          </a:xfrm>
+          <a:prstGeom prst="rect">
+            <a:avLst/>
+          </a:prstGeom>
+          <a:noFill/>
+        </p:spPr>
+        <p:txBody>
+          <a:bodyPr wrap="square" rtlCol="0">
+            <a:spAutoFit/>
+          </a:bodyPr>
+          <a:lstStyle/>
+          <a:p>
+            <a:r>
+              <a:rPr lang="en-US" dirty="0">
+                <a:latin typeface="Ubuntu" panose="020B0504030602030204" pitchFamily="34" charset="0"/>
+              </a:rPr>
+              <a:t>How can I be a good geologist?</a:t>
+            </a:r>
+          </a:p>
+        </p:txBody>
+      </p:sp>
+    </p:spTree>
+    <p:extLst>
+      <p:ext uri="{BB962C8B-B14F-4D97-AF65-F5344CB8AC3E}">
+        <p14:creationId xmlns:p14="http://schemas.microsoft.com/office/powerpoint/2010/main" val="3197615897"/>
+      </p:ext>
+    </p:extLst>
+  </p:cSld>
+  <p:clrMapOvr>
+    <a:masterClrMapping/>
+  </p:clrMapOvr>
+</p:sld>
+</file>
+
 <file path=ppt/theme/theme1.xml><?xml version="1.0" encoding="utf-8"?>
 <a:theme xmlns:a="http://schemas.openxmlformats.org/drawingml/2006/main" name="Thème Office">
   <a:themeElements>

--- a/article/text_similarity_support.pptx
+++ b/article/text_similarity_support.pptx
@@ -3040,7 +3040,7 @@
           <a:p>
             <a:fld id="{620FD16B-961D-4EA4-9FCA-1A281C5B629E}" type="datetimeFigureOut">
               <a:rPr lang="fr-FR" smtClean="0"/>
-              <a:t>31/05/2020</a:t>
+              <a:t>02/06/2020</a:t>
             </a:fld>
             <a:endParaRPr lang="fr-FR"/>
           </a:p>
@@ -3238,7 +3238,7 @@
           <a:p>
             <a:fld id="{620FD16B-961D-4EA4-9FCA-1A281C5B629E}" type="datetimeFigureOut">
               <a:rPr lang="fr-FR" smtClean="0"/>
-              <a:t>31/05/2020</a:t>
+              <a:t>02/06/2020</a:t>
             </a:fld>
             <a:endParaRPr lang="fr-FR"/>
           </a:p>
@@ -3446,7 +3446,7 @@
           <a:p>
             <a:fld id="{620FD16B-961D-4EA4-9FCA-1A281C5B629E}" type="datetimeFigureOut">
               <a:rPr lang="fr-FR" smtClean="0"/>
-              <a:t>31/05/2020</a:t>
+              <a:t>02/06/2020</a:t>
             </a:fld>
             <a:endParaRPr lang="fr-FR"/>
           </a:p>
@@ -3644,7 +3644,7 @@
           <a:p>
             <a:fld id="{620FD16B-961D-4EA4-9FCA-1A281C5B629E}" type="datetimeFigureOut">
               <a:rPr lang="fr-FR" smtClean="0"/>
-              <a:t>31/05/2020</a:t>
+              <a:t>02/06/2020</a:t>
             </a:fld>
             <a:endParaRPr lang="fr-FR"/>
           </a:p>
@@ -3919,7 +3919,7 @@
           <a:p>
             <a:fld id="{620FD16B-961D-4EA4-9FCA-1A281C5B629E}" type="datetimeFigureOut">
               <a:rPr lang="fr-FR" smtClean="0"/>
-              <a:t>31/05/2020</a:t>
+              <a:t>02/06/2020</a:t>
             </a:fld>
             <a:endParaRPr lang="fr-FR"/>
           </a:p>
@@ -4184,7 +4184,7 @@
           <a:p>
             <a:fld id="{620FD16B-961D-4EA4-9FCA-1A281C5B629E}" type="datetimeFigureOut">
               <a:rPr lang="fr-FR" smtClean="0"/>
-              <a:t>31/05/2020</a:t>
+              <a:t>02/06/2020</a:t>
             </a:fld>
             <a:endParaRPr lang="fr-FR"/>
           </a:p>
@@ -4596,7 +4596,7 @@
           <a:p>
             <a:fld id="{620FD16B-961D-4EA4-9FCA-1A281C5B629E}" type="datetimeFigureOut">
               <a:rPr lang="fr-FR" smtClean="0"/>
-              <a:t>31/05/2020</a:t>
+              <a:t>02/06/2020</a:t>
             </a:fld>
             <a:endParaRPr lang="fr-FR"/>
           </a:p>
@@ -4737,7 +4737,7 @@
           <a:p>
             <a:fld id="{620FD16B-961D-4EA4-9FCA-1A281C5B629E}" type="datetimeFigureOut">
               <a:rPr lang="fr-FR" smtClean="0"/>
-              <a:t>31/05/2020</a:t>
+              <a:t>02/06/2020</a:t>
             </a:fld>
             <a:endParaRPr lang="fr-FR"/>
           </a:p>
@@ -4850,7 +4850,7 @@
           <a:p>
             <a:fld id="{620FD16B-961D-4EA4-9FCA-1A281C5B629E}" type="datetimeFigureOut">
               <a:rPr lang="fr-FR" smtClean="0"/>
-              <a:t>31/05/2020</a:t>
+              <a:t>02/06/2020</a:t>
             </a:fld>
             <a:endParaRPr lang="fr-FR"/>
           </a:p>
@@ -5161,7 +5161,7 @@
           <a:p>
             <a:fld id="{620FD16B-961D-4EA4-9FCA-1A281C5B629E}" type="datetimeFigureOut">
               <a:rPr lang="fr-FR" smtClean="0"/>
-              <a:t>31/05/2020</a:t>
+              <a:t>02/06/2020</a:t>
             </a:fld>
             <a:endParaRPr lang="fr-FR"/>
           </a:p>
@@ -5449,7 +5449,7 @@
           <a:p>
             <a:fld id="{620FD16B-961D-4EA4-9FCA-1A281C5B629E}" type="datetimeFigureOut">
               <a:rPr lang="fr-FR" smtClean="0"/>
-              <a:t>31/05/2020</a:t>
+              <a:t>02/06/2020</a:t>
             </a:fld>
             <a:endParaRPr lang="fr-FR"/>
           </a:p>
@@ -5690,7 +5690,7 @@
           <a:p>
             <a:fld id="{620FD16B-961D-4EA4-9FCA-1A281C5B629E}" type="datetimeFigureOut">
               <a:rPr lang="fr-FR" smtClean="0"/>
-              <a:t>31/05/2020</a:t>
+              <a:t>02/06/2020</a:t>
             </a:fld>
             <a:endParaRPr lang="fr-FR"/>
           </a:p>
@@ -12313,8 +12313,8 @@
           </a:p>
         </p:txBody>
       </p:sp>
-      <mc:AlternateContent xmlns:mc="http://schemas.openxmlformats.org/markup-compatibility/2006" xmlns:a14="http://schemas.microsoft.com/office/drawing/2010/main">
-        <mc:Choice Requires="a14">
+      <mc:AlternateContent xmlns:mc="http://schemas.openxmlformats.org/markup-compatibility/2006">
+        <mc:Choice xmlns:a14="http://schemas.microsoft.com/office/drawing/2010/main" Requires="a14">
           <p:sp>
             <p:nvSpPr>
               <p:cNvPr id="13" name="Rectangle : coins arrondis 12">
@@ -12364,8 +12364,30 @@
                       </a:schemeClr>
                     </a:solidFill>
                   </a:rPr>
-                  <a:t>Distance Measure</a:t>
+                  <a:t>Distance Measure </a:t>
                 </a:r>
+                <a14:m>
+                  <m:oMath xmlns:m="http://schemas.openxmlformats.org/officeDocument/2006/math">
+                    <m:r>
+                      <a:rPr lang="en-US" i="1" smtClean="0">
+                        <a:solidFill>
+                          <a:schemeClr val="accent1">
+                            <a:lumMod val="50000"/>
+                          </a:schemeClr>
+                        </a:solidFill>
+                        <a:latin typeface="Cambria Math" panose="02040503050406030204" pitchFamily="18" charset="0"/>
+                      </a:rPr>
+                      <m:t>𝐷</m:t>
+                    </m:r>
+                  </m:oMath>
+                </a14:m>
+                <a:endParaRPr lang="en-US" dirty="0">
+                  <a:solidFill>
+                    <a:schemeClr val="accent1">
+                      <a:lumMod val="50000"/>
+                    </a:schemeClr>
+                  </a:solidFill>
+                </a:endParaRPr>
               </a:p>
               <a:p>
                 <a:pPr algn="ctr"/>
@@ -12629,7 +12651,7 @@
             </p:txBody>
           </p:sp>
         </mc:Choice>
-        <mc:Fallback xmlns="">
+        <mc:Fallback>
           <p:sp>
             <p:nvSpPr>
               <p:cNvPr id="13" name="Rectangle : coins arrondis 12">
@@ -12653,7 +12675,7 @@
                 <a:avLst/>
               </a:prstGeom>
               <a:blipFill>
-                <a:blip r:embed="rId15"/>
+                <a:blip r:embed="rId2"/>
                 <a:stretch>
                   <a:fillRect/>
                 </a:stretch>
@@ -12765,8 +12787,8 @@
           </a:fontRef>
         </p:style>
       </p:cxnSp>
-      <mc:AlternateContent xmlns:mc="http://schemas.openxmlformats.org/markup-compatibility/2006" xmlns:a14="http://schemas.microsoft.com/office/drawing/2010/main">
-        <mc:Choice Requires="a14">
+      <mc:AlternateContent xmlns:mc="http://schemas.openxmlformats.org/markup-compatibility/2006">
+        <mc:Choice xmlns:a14="http://schemas.microsoft.com/office/drawing/2010/main" Requires="a14">
           <p:sp>
             <p:nvSpPr>
               <p:cNvPr id="22" name="Rectangle : coins arrondis 21">
@@ -12836,46 +12858,17 @@
                 <a:pPr algn="ctr"/>
                 <a14:m>
                   <m:oMath xmlns:m="http://schemas.openxmlformats.org/officeDocument/2006/math">
-                    <m:sSub>
-                      <m:sSubPr>
-                        <m:ctrlPr>
-                          <a:rPr lang="en-US" sz="1600" i="1" smtClean="0">
-                            <a:solidFill>
-                              <a:schemeClr val="accent4">
-                                <a:lumMod val="50000"/>
-                              </a:schemeClr>
-                            </a:solidFill>
-                            <a:latin typeface="Cambria Math" panose="02040503050406030204" pitchFamily="18" charset="0"/>
-                          </a:rPr>
-                        </m:ctrlPr>
-                      </m:sSubPr>
-                      <m:e>
-                        <m:r>
-                          <a:rPr lang="en-US" sz="1600" b="0" i="1" smtClean="0">
-                            <a:solidFill>
-                              <a:schemeClr val="accent4">
-                                <a:lumMod val="50000"/>
-                              </a:schemeClr>
-                            </a:solidFill>
-                            <a:latin typeface="Cambria Math" panose="02040503050406030204" pitchFamily="18" charset="0"/>
-                          </a:rPr>
-                          <m:t>𝐷</m:t>
-                        </m:r>
-                      </m:e>
-                      <m:sub>
-                        <m:r>
-                          <a:rPr lang="en-US" sz="1600" b="0" i="1" smtClean="0">
-                            <a:solidFill>
-                              <a:schemeClr val="accent4">
-                                <a:lumMod val="50000"/>
-                              </a:schemeClr>
-                            </a:solidFill>
-                            <a:latin typeface="Cambria Math" panose="02040503050406030204" pitchFamily="18" charset="0"/>
-                          </a:rPr>
-                          <m:t>1</m:t>
-                        </m:r>
-                      </m:sub>
-                    </m:sSub>
+                    <m:r>
+                      <a:rPr lang="en-US" sz="1600" i="1" smtClean="0">
+                        <a:solidFill>
+                          <a:schemeClr val="accent4">
+                            <a:lumMod val="50000"/>
+                          </a:schemeClr>
+                        </a:solidFill>
+                        <a:latin typeface="Cambria Math" panose="02040503050406030204" pitchFamily="18" charset="0"/>
+                      </a:rPr>
+                      <m:t>𝐷</m:t>
+                    </m:r>
                     <m:r>
                       <a:rPr lang="en-US" sz="1600" b="0" i="1" smtClean="0">
                         <a:solidFill>
@@ -12915,7 +12908,7 @@
             </p:txBody>
           </p:sp>
         </mc:Choice>
-        <mc:Fallback xmlns="">
+        <mc:Fallback>
           <p:sp>
             <p:nvSpPr>
               <p:cNvPr id="22" name="Rectangle : coins arrondis 21">
@@ -12939,7 +12932,7 @@
                 <a:avLst/>
               </a:prstGeom>
               <a:blipFill>
-                <a:blip r:embed="rId16"/>
+                <a:blip r:embed="rId3"/>
                 <a:stretch>
                   <a:fillRect/>
                 </a:stretch>
@@ -14122,8 +14115,8 @@
         </p:nvSpPr>
         <p:spPr>
           <a:xfrm>
-            <a:off x="1626079" y="1311567"/>
-            <a:ext cx="913648" cy="338554"/>
+            <a:off x="1601233" y="1311567"/>
+            <a:ext cx="963341" cy="338554"/>
           </a:xfrm>
           <a:prstGeom prst="rect">
             <a:avLst/>
@@ -14138,6 +14131,16 @@
           <a:p>
             <a:pPr algn="ctr"/>
             <a:r>
+              <a:rPr lang="en-US" sz="1600" b="1" dirty="0" err="1">
+                <a:solidFill>
+                  <a:schemeClr val="accent2">
+                    <a:lumMod val="50000"/>
+                  </a:schemeClr>
+                </a:solidFill>
+              </a:rPr>
+              <a:t>BiLSTM</a:t>
+            </a:r>
+            <a:r>
               <a:rPr lang="en-US" sz="1600" b="1" dirty="0">
                 <a:solidFill>
                   <a:schemeClr val="accent2">
@@ -14145,7 +14148,7 @@
                   </a:schemeClr>
                 </a:solidFill>
               </a:rPr>
-              <a:t>BLSTM 1</a:t>
+              <a:t> 1</a:t>
             </a:r>
           </a:p>
         </p:txBody>
@@ -15235,8 +15238,8 @@
         </p:nvSpPr>
         <p:spPr>
           <a:xfrm>
-            <a:off x="1602221" y="3960743"/>
-            <a:ext cx="913648" cy="338554"/>
+            <a:off x="1577375" y="3960743"/>
+            <a:ext cx="963341" cy="338554"/>
           </a:xfrm>
           <a:prstGeom prst="rect">
             <a:avLst/>
@@ -15251,6 +15254,16 @@
           <a:p>
             <a:pPr algn="ctr"/>
             <a:r>
+              <a:rPr lang="en-US" sz="1600" b="1" dirty="0" err="1">
+                <a:solidFill>
+                  <a:schemeClr val="accent2">
+                    <a:lumMod val="50000"/>
+                  </a:schemeClr>
+                </a:solidFill>
+              </a:rPr>
+              <a:t>BiLSTM</a:t>
+            </a:r>
+            <a:r>
               <a:rPr lang="en-US" sz="1600" b="1" dirty="0">
                 <a:solidFill>
                   <a:schemeClr val="accent2">
@@ -15258,7 +15271,7 @@
                   </a:schemeClr>
                 </a:solidFill>
               </a:rPr>
-              <a:t>BLSTM 1</a:t>
+              <a:t> 1</a:t>
             </a:r>
           </a:p>
         </p:txBody>
@@ -15277,8 +15290,8 @@
         </p:nvSpPr>
         <p:spPr>
           <a:xfrm>
-            <a:off x="3065740" y="1304166"/>
-            <a:ext cx="913648" cy="338554"/>
+            <a:off x="3040894" y="1304166"/>
+            <a:ext cx="963341" cy="338554"/>
           </a:xfrm>
           <a:prstGeom prst="rect">
             <a:avLst/>
@@ -15293,6 +15306,16 @@
           <a:p>
             <a:pPr algn="ctr"/>
             <a:r>
+              <a:rPr lang="en-US" sz="1600" b="1" dirty="0" err="1">
+                <a:solidFill>
+                  <a:schemeClr val="accent4">
+                    <a:lumMod val="50000"/>
+                  </a:schemeClr>
+                </a:solidFill>
+              </a:rPr>
+              <a:t>BiLSTM</a:t>
+            </a:r>
+            <a:r>
               <a:rPr lang="en-US" sz="1600" b="1" dirty="0">
                 <a:solidFill>
                   <a:schemeClr val="accent4">
@@ -15300,7 +15323,7 @@
                   </a:schemeClr>
                 </a:solidFill>
               </a:rPr>
-              <a:t>BLSTM 2</a:t>
+              <a:t> 2</a:t>
             </a:r>
           </a:p>
         </p:txBody>
@@ -15319,8 +15342,8 @@
         </p:nvSpPr>
         <p:spPr>
           <a:xfrm>
-            <a:off x="3041882" y="3953342"/>
-            <a:ext cx="913648" cy="338554"/>
+            <a:off x="3017036" y="3953342"/>
+            <a:ext cx="963341" cy="338554"/>
           </a:xfrm>
           <a:prstGeom prst="rect">
             <a:avLst/>
@@ -15335,6 +15358,16 @@
           <a:p>
             <a:pPr algn="ctr"/>
             <a:r>
+              <a:rPr lang="en-US" sz="1600" b="1" dirty="0" err="1">
+                <a:solidFill>
+                  <a:schemeClr val="accent4">
+                    <a:lumMod val="50000"/>
+                  </a:schemeClr>
+                </a:solidFill>
+              </a:rPr>
+              <a:t>BiLSTM</a:t>
+            </a:r>
+            <a:r>
               <a:rPr lang="en-US" sz="1600" b="1" dirty="0">
                 <a:solidFill>
                   <a:schemeClr val="accent4">
@@ -15342,7 +15375,7 @@
                   </a:schemeClr>
                 </a:solidFill>
               </a:rPr>
-              <a:t>BLSTM 2</a:t>
+              <a:t> 2</a:t>
             </a:r>
           </a:p>
         </p:txBody>
@@ -15361,8 +15394,8 @@
         </p:nvSpPr>
         <p:spPr>
           <a:xfrm>
-            <a:off x="4540914" y="1314522"/>
-            <a:ext cx="913648" cy="338554"/>
+            <a:off x="4516068" y="1314522"/>
+            <a:ext cx="963341" cy="338554"/>
           </a:xfrm>
           <a:prstGeom prst="rect">
             <a:avLst/>
@@ -15377,6 +15410,16 @@
           <a:p>
             <a:pPr algn="ctr"/>
             <a:r>
+              <a:rPr lang="en-US" sz="1600" b="1" dirty="0" err="1">
+                <a:solidFill>
+                  <a:schemeClr val="accent1">
+                    <a:lumMod val="50000"/>
+                  </a:schemeClr>
+                </a:solidFill>
+              </a:rPr>
+              <a:t>BiLSTM</a:t>
+            </a:r>
+            <a:r>
               <a:rPr lang="en-US" sz="1600" b="1" dirty="0">
                 <a:solidFill>
                   <a:schemeClr val="accent1">
@@ -15384,7 +15427,7 @@
                   </a:schemeClr>
                 </a:solidFill>
               </a:rPr>
-              <a:t>BLSTM 3</a:t>
+              <a:t> 3</a:t>
             </a:r>
           </a:p>
         </p:txBody>
@@ -15403,8 +15446,8 @@
         </p:nvSpPr>
         <p:spPr>
           <a:xfrm>
-            <a:off x="4517056" y="3937064"/>
-            <a:ext cx="913648" cy="338554"/>
+            <a:off x="4492210" y="3937064"/>
+            <a:ext cx="963341" cy="338554"/>
           </a:xfrm>
           <a:prstGeom prst="rect">
             <a:avLst/>
@@ -15419,6 +15462,16 @@
           <a:p>
             <a:pPr algn="ctr"/>
             <a:r>
+              <a:rPr lang="en-US" sz="1600" b="1" dirty="0" err="1">
+                <a:solidFill>
+                  <a:schemeClr val="accent1">
+                    <a:lumMod val="50000"/>
+                  </a:schemeClr>
+                </a:solidFill>
+              </a:rPr>
+              <a:t>BiLSTM</a:t>
+            </a:r>
+            <a:r>
               <a:rPr lang="en-US" sz="1600" b="1" dirty="0">
                 <a:solidFill>
                   <a:schemeClr val="accent1">
@@ -15426,7 +15479,7 @@
                   </a:schemeClr>
                 </a:solidFill>
               </a:rPr>
-              <a:t>BLSTM 3</a:t>
+              <a:t> 3</a:t>
             </a:r>
           </a:p>
         </p:txBody>
